--- a/S01_그룹 지정하기.pptx
+++ b/S01_그룹 지정하기.pptx
@@ -9,7 +9,14 @@
     <p:sldId id="257" r:id="rId3"/>
     <p:sldId id="259" r:id="rId4"/>
     <p:sldId id="258" r:id="rId5"/>
-    <p:sldId id="260" r:id="rId6"/>
+    <p:sldId id="264" r:id="rId6"/>
+    <p:sldId id="263" r:id="rId7"/>
+    <p:sldId id="265" r:id="rId8"/>
+    <p:sldId id="267" r:id="rId9"/>
+    <p:sldId id="266" r:id="rId10"/>
+    <p:sldId id="260" r:id="rId11"/>
+    <p:sldId id="261" r:id="rId12"/>
+    <p:sldId id="262" r:id="rId13"/>
   </p:sldIdLst>
   <p:sldSz cx="12192000" cy="6858000"/>
   <p:notesSz cx="6858000" cy="9144000"/>
@@ -108,6 +115,11 @@
       </a:defRPr>
     </a:lvl9pPr>
   </p:defaultTextStyle>
+  <p:extLst>
+    <p:ext uri="{EFAFB233-063F-42B5-8137-9DF3F51BA10A}">
+      <p15:sldGuideLst xmlns:p15="http://schemas.microsoft.com/office/powerpoint/2012/main"/>
+    </p:ext>
+  </p:extLst>
 </p:presentation>
 </file>
 
@@ -281,7 +293,7 @@
             <a:fld id="{87DE6118-2437-4B30-8E3C-4D2BE6020583}" type="datetimeFigureOut">
               <a:rPr lang="en-US" dirty="0"/>
               <a:pPr/>
-              <a:t>2/12/2019</a:t>
+              <a:t>2/14/2019</a:t>
             </a:fld>
             <a:endParaRPr lang="en-US" dirty="0"/>
           </a:p>
@@ -607,7 +619,7 @@
           <a:p>
             <a:fld id="{87DE6118-2437-4B30-8E3C-4D2BE6020583}" type="datetimeFigureOut">
               <a:rPr lang="en-US" dirty="0"/>
-              <a:t>2/12/2019</a:t>
+              <a:t>2/14/2019</a:t>
             </a:fld>
             <a:endParaRPr lang="en-US" dirty="0"/>
           </a:p>
@@ -782,7 +794,7 @@
           <a:p>
             <a:fld id="{87DE6118-2437-4B30-8E3C-4D2BE6020583}" type="datetimeFigureOut">
               <a:rPr lang="en-US" dirty="0"/>
-              <a:t>2/12/2019</a:t>
+              <a:t>2/14/2019</a:t>
             </a:fld>
             <a:endParaRPr lang="en-US" dirty="0"/>
           </a:p>
@@ -947,7 +959,7 @@
           <a:p>
             <a:fld id="{87DE6118-2437-4B30-8E3C-4D2BE6020583}" type="datetimeFigureOut">
               <a:rPr lang="en-US" dirty="0"/>
-              <a:t>2/12/2019</a:t>
+              <a:t>2/14/2019</a:t>
             </a:fld>
             <a:endParaRPr lang="en-US" dirty="0"/>
           </a:p>
@@ -1220,7 +1232,7 @@
             <a:fld id="{87DE6118-2437-4B30-8E3C-4D2BE6020583}" type="datetimeFigureOut">
               <a:rPr lang="en-US" dirty="0"/>
               <a:pPr/>
-              <a:t>2/12/2019</a:t>
+              <a:t>2/14/2019</a:t>
             </a:fld>
             <a:endParaRPr lang="en-US" dirty="0"/>
           </a:p>
@@ -1610,7 +1622,7 @@
           <a:p>
             <a:fld id="{87DE6118-2437-4B30-8E3C-4D2BE6020583}" type="datetimeFigureOut">
               <a:rPr lang="en-US" dirty="0"/>
-              <a:t>2/12/2019</a:t>
+              <a:t>2/14/2019</a:t>
             </a:fld>
             <a:endParaRPr lang="en-US" dirty="0"/>
           </a:p>
@@ -2082,7 +2094,7 @@
           <a:p>
             <a:fld id="{87DE6118-2437-4B30-8E3C-4D2BE6020583}" type="datetimeFigureOut">
               <a:rPr lang="en-US" dirty="0"/>
-              <a:t>2/12/2019</a:t>
+              <a:t>2/14/2019</a:t>
             </a:fld>
             <a:endParaRPr lang="en-US" dirty="0"/>
           </a:p>
@@ -2195,7 +2207,7 @@
           <a:p>
             <a:fld id="{87DE6118-2437-4B30-8E3C-4D2BE6020583}" type="datetimeFigureOut">
               <a:rPr lang="en-US" dirty="0"/>
-              <a:t>2/12/2019</a:t>
+              <a:t>2/14/2019</a:t>
             </a:fld>
             <a:endParaRPr lang="en-US" dirty="0"/>
           </a:p>
@@ -2285,7 +2297,7 @@
           <a:p>
             <a:fld id="{87DE6118-2437-4B30-8E3C-4D2BE6020583}" type="datetimeFigureOut">
               <a:rPr lang="en-US" dirty="0"/>
-              <a:t>2/12/2019</a:t>
+              <a:t>2/14/2019</a:t>
             </a:fld>
             <a:endParaRPr lang="en-US" dirty="0"/>
           </a:p>
@@ -2627,7 +2639,7 @@
             <a:fld id="{87DE6118-2437-4B30-8E3C-4D2BE6020583}" type="datetimeFigureOut">
               <a:rPr lang="en-US" dirty="0"/>
               <a:pPr/>
-              <a:t>2/12/2019</a:t>
+              <a:t>2/14/2019</a:t>
             </a:fld>
             <a:endParaRPr lang="en-US" dirty="0"/>
           </a:p>
@@ -3012,7 +3024,7 @@
             <a:fld id="{87DE6118-2437-4B30-8E3C-4D2BE6020583}" type="datetimeFigureOut">
               <a:rPr lang="en-US" dirty="0"/>
               <a:pPr/>
-              <a:t>2/12/2019</a:t>
+              <a:t>2/14/2019</a:t>
             </a:fld>
             <a:endParaRPr lang="en-US" dirty="0"/>
           </a:p>
@@ -3287,7 +3299,7 @@
             <a:fld id="{87DE6118-2437-4B30-8E3C-4D2BE6020583}" type="datetimeFigureOut">
               <a:rPr lang="en-US" dirty="0"/>
               <a:pPr/>
-              <a:t>2/12/2019</a:t>
+              <a:t>2/14/2019</a:t>
             </a:fld>
             <a:endParaRPr lang="en-US" dirty="0"/>
           </a:p>
@@ -3886,6 +3898,2718 @@
     <p:extLst>
       <p:ext uri="{BB962C8B-B14F-4D97-AF65-F5344CB8AC3E}">
         <p14:creationId xmlns:p14="http://schemas.microsoft.com/office/powerpoint/2010/main" val="1222365827"/>
+      </p:ext>
+    </p:extLst>
+  </p:cSld>
+  <p:clrMapOvr>
+    <a:masterClrMapping/>
+  </p:clrMapOvr>
+</p:sld>
+</file>
+
+<file path=ppt/slides/slide10.xml><?xml version="1.0" encoding="utf-8"?>
+<p:sld xmlns:a="http://schemas.openxmlformats.org/drawingml/2006/main" xmlns:r="http://schemas.openxmlformats.org/officeDocument/2006/relationships" xmlns:p="http://schemas.openxmlformats.org/presentationml/2006/main">
+  <p:cSld>
+    <p:spTree>
+      <p:nvGrpSpPr>
+        <p:cNvPr id="1" name=""/>
+        <p:cNvGrpSpPr/>
+        <p:nvPr/>
+      </p:nvGrpSpPr>
+      <p:grpSpPr>
+        <a:xfrm>
+          <a:off x="0" y="0"/>
+          <a:ext cx="0" cy="0"/>
+          <a:chOff x="0" y="0"/>
+          <a:chExt cx="0" cy="0"/>
+        </a:xfrm>
+      </p:grpSpPr>
+      <p:sp>
+        <p:nvSpPr>
+          <p:cNvPr id="3" name="부제목 2">
+            <a:extLst>
+              <a:ext uri="{FF2B5EF4-FFF2-40B4-BE49-F238E27FC236}">
+                <a16:creationId xmlns:a16="http://schemas.microsoft.com/office/drawing/2014/main" id="{B5C448A2-31B5-4D2E-9261-92F1BFC10D91}"/>
+              </a:ext>
+            </a:extLst>
+          </p:cNvPr>
+          <p:cNvSpPr txBox="1">
+            <a:spLocks/>
+          </p:cNvSpPr>
+          <p:nvPr/>
+        </p:nvSpPr>
+        <p:spPr>
+          <a:xfrm>
+            <a:off x="854109" y="240653"/>
+            <a:ext cx="6831673" cy="1086237"/>
+          </a:xfrm>
+          <a:prstGeom prst="rect">
+            <a:avLst/>
+          </a:prstGeom>
+        </p:spPr>
+        <p:txBody>
+          <a:bodyPr/>
+          <a:lstStyle>
+            <a:lvl1pPr marL="384048" indent="-384048" algn="l" defTabSz="914400" rtl="0" eaLnBrk="1" latinLnBrk="1" hangingPunct="1">
+              <a:lnSpc>
+                <a:spcPct val="94000"/>
+              </a:lnSpc>
+              <a:spcBef>
+                <a:spcPts val="1000"/>
+              </a:spcBef>
+              <a:spcAft>
+                <a:spcPts val="200"/>
+              </a:spcAft>
+              <a:buFont typeface="Franklin Gothic Book" panose="020B0503020102020204" pitchFamily="34" charset="0"/>
+              <a:buChar char="■"/>
+              <a:defRPr sz="2000" kern="1200" baseline="0">
+                <a:solidFill>
+                  <a:schemeClr val="tx2"/>
+                </a:solidFill>
+                <a:latin typeface="+mn-lt"/>
+                <a:ea typeface="+mn-ea"/>
+                <a:cs typeface="+mn-cs"/>
+              </a:defRPr>
+            </a:lvl1pPr>
+            <a:lvl2pPr marL="914400" indent="-384048" algn="l" defTabSz="914400" rtl="0" eaLnBrk="1" latinLnBrk="1" hangingPunct="1">
+              <a:lnSpc>
+                <a:spcPct val="94000"/>
+              </a:lnSpc>
+              <a:spcBef>
+                <a:spcPts val="500"/>
+              </a:spcBef>
+              <a:spcAft>
+                <a:spcPts val="200"/>
+              </a:spcAft>
+              <a:buFont typeface="Franklin Gothic Book" panose="020B0503020102020204" pitchFamily="34" charset="0"/>
+              <a:buChar char="–"/>
+              <a:defRPr sz="2000" i="1" kern="1200" baseline="0">
+                <a:solidFill>
+                  <a:schemeClr val="tx2"/>
+                </a:solidFill>
+                <a:latin typeface="+mn-lt"/>
+                <a:ea typeface="+mn-ea"/>
+                <a:cs typeface="+mn-cs"/>
+              </a:defRPr>
+            </a:lvl2pPr>
+            <a:lvl3pPr marL="1371600" indent="-384048" algn="l" defTabSz="914400" rtl="0" eaLnBrk="1" latinLnBrk="1" hangingPunct="1">
+              <a:lnSpc>
+                <a:spcPct val="94000"/>
+              </a:lnSpc>
+              <a:spcBef>
+                <a:spcPts val="500"/>
+              </a:spcBef>
+              <a:spcAft>
+                <a:spcPts val="200"/>
+              </a:spcAft>
+              <a:buFont typeface="Franklin Gothic Book" panose="020B0503020102020204" pitchFamily="34" charset="0"/>
+              <a:buChar char="■"/>
+              <a:defRPr sz="1800" kern="1200" baseline="0">
+                <a:solidFill>
+                  <a:schemeClr val="tx2"/>
+                </a:solidFill>
+                <a:latin typeface="+mn-lt"/>
+                <a:ea typeface="+mn-ea"/>
+                <a:cs typeface="+mn-cs"/>
+              </a:defRPr>
+            </a:lvl3pPr>
+            <a:lvl4pPr marL="1828800" indent="-384048" algn="l" defTabSz="914400" rtl="0" eaLnBrk="1" latinLnBrk="1" hangingPunct="1">
+              <a:lnSpc>
+                <a:spcPct val="94000"/>
+              </a:lnSpc>
+              <a:spcBef>
+                <a:spcPts val="500"/>
+              </a:spcBef>
+              <a:spcAft>
+                <a:spcPts val="200"/>
+              </a:spcAft>
+              <a:buFont typeface="Franklin Gothic Book" panose="020B0503020102020204" pitchFamily="34" charset="0"/>
+              <a:buChar char="–"/>
+              <a:defRPr sz="1800" i="1" kern="1200" baseline="0">
+                <a:solidFill>
+                  <a:schemeClr val="tx2"/>
+                </a:solidFill>
+                <a:latin typeface="+mn-lt"/>
+                <a:ea typeface="+mn-ea"/>
+                <a:cs typeface="+mn-cs"/>
+              </a:defRPr>
+            </a:lvl4pPr>
+            <a:lvl5pPr marL="2286000" indent="-384048" algn="l" defTabSz="914400" rtl="0" eaLnBrk="1" latinLnBrk="1" hangingPunct="1">
+              <a:lnSpc>
+                <a:spcPct val="94000"/>
+              </a:lnSpc>
+              <a:spcBef>
+                <a:spcPts val="500"/>
+              </a:spcBef>
+              <a:spcAft>
+                <a:spcPts val="200"/>
+              </a:spcAft>
+              <a:buFont typeface="Franklin Gothic Book" panose="020B0503020102020204" pitchFamily="34" charset="0"/>
+              <a:buChar char="■"/>
+              <a:defRPr sz="1600" kern="1200" baseline="0">
+                <a:solidFill>
+                  <a:schemeClr val="tx2"/>
+                </a:solidFill>
+                <a:latin typeface="+mn-lt"/>
+                <a:ea typeface="+mn-ea"/>
+                <a:cs typeface="+mn-cs"/>
+              </a:defRPr>
+            </a:lvl5pPr>
+            <a:lvl6pPr marL="2743200" indent="-384048" algn="l" defTabSz="914400" rtl="0" eaLnBrk="1" latinLnBrk="1" hangingPunct="1">
+              <a:lnSpc>
+                <a:spcPct val="94000"/>
+              </a:lnSpc>
+              <a:spcBef>
+                <a:spcPts val="500"/>
+              </a:spcBef>
+              <a:spcAft>
+                <a:spcPts val="200"/>
+              </a:spcAft>
+              <a:buFont typeface="Franklin Gothic Book" panose="020B0503020102020204" pitchFamily="34" charset="0"/>
+              <a:buChar char="–"/>
+              <a:defRPr sz="1600" i="1" kern="1200" baseline="0">
+                <a:solidFill>
+                  <a:schemeClr val="tx2"/>
+                </a:solidFill>
+                <a:latin typeface="+mn-lt"/>
+                <a:ea typeface="+mn-ea"/>
+                <a:cs typeface="+mn-cs"/>
+              </a:defRPr>
+            </a:lvl6pPr>
+            <a:lvl7pPr marL="3200400" indent="-384048" algn="l" defTabSz="914400" rtl="0" eaLnBrk="1" latinLnBrk="1" hangingPunct="1">
+              <a:lnSpc>
+                <a:spcPct val="94000"/>
+              </a:lnSpc>
+              <a:spcBef>
+                <a:spcPts val="500"/>
+              </a:spcBef>
+              <a:spcAft>
+                <a:spcPts val="200"/>
+              </a:spcAft>
+              <a:buFont typeface="Franklin Gothic Book" panose="020B0503020102020204" pitchFamily="34" charset="0"/>
+              <a:buChar char="■"/>
+              <a:defRPr sz="1400" kern="1200" baseline="0">
+                <a:solidFill>
+                  <a:schemeClr val="tx2"/>
+                </a:solidFill>
+                <a:latin typeface="+mn-lt"/>
+                <a:ea typeface="+mn-ea"/>
+                <a:cs typeface="+mn-cs"/>
+              </a:defRPr>
+            </a:lvl7pPr>
+            <a:lvl8pPr marL="3657600" indent="-384048" algn="l" defTabSz="914400" rtl="0" eaLnBrk="1" latinLnBrk="1" hangingPunct="1">
+              <a:lnSpc>
+                <a:spcPct val="94000"/>
+              </a:lnSpc>
+              <a:spcBef>
+                <a:spcPts val="500"/>
+              </a:spcBef>
+              <a:spcAft>
+                <a:spcPts val="200"/>
+              </a:spcAft>
+              <a:buFont typeface="Franklin Gothic Book" panose="020B0503020102020204" pitchFamily="34" charset="0"/>
+              <a:buChar char="–"/>
+              <a:defRPr sz="1400" i="1" kern="1200" baseline="0">
+                <a:solidFill>
+                  <a:schemeClr val="tx2"/>
+                </a:solidFill>
+                <a:latin typeface="+mn-lt"/>
+                <a:ea typeface="+mn-ea"/>
+                <a:cs typeface="+mn-cs"/>
+              </a:defRPr>
+            </a:lvl8pPr>
+            <a:lvl9pPr marL="4114800" indent="-384048" algn="l" defTabSz="914400" rtl="0" eaLnBrk="1" latinLnBrk="1" hangingPunct="1">
+              <a:lnSpc>
+                <a:spcPct val="94000"/>
+              </a:lnSpc>
+              <a:spcBef>
+                <a:spcPts val="500"/>
+              </a:spcBef>
+              <a:spcAft>
+                <a:spcPts val="200"/>
+              </a:spcAft>
+              <a:buFont typeface="Franklin Gothic Book" panose="020B0503020102020204" pitchFamily="34" charset="0"/>
+              <a:buChar char="■"/>
+              <a:defRPr sz="1400" kern="1200" baseline="0">
+                <a:solidFill>
+                  <a:schemeClr val="tx2"/>
+                </a:solidFill>
+                <a:latin typeface="+mn-lt"/>
+                <a:ea typeface="+mn-ea"/>
+                <a:cs typeface="+mn-cs"/>
+              </a:defRPr>
+            </a:lvl9pPr>
+          </a:lstStyle>
+          <a:p>
+            <a:r>
+              <a:rPr lang="en-US" altLang="ko-KR" dirty="0">
+                <a:latin typeface="한컴 윤고딕 250" panose="02020603020101020101" pitchFamily="18" charset="-127"/>
+                <a:ea typeface="한컴 윤고딕 250" panose="02020603020101020101" pitchFamily="18" charset="-127"/>
+              </a:rPr>
+              <a:t>HOW?</a:t>
+            </a:r>
+            <a:endParaRPr lang="ko-KR" altLang="en-US" dirty="0">
+              <a:latin typeface="한컴 윤고딕 250" panose="02020603020101020101" pitchFamily="18" charset="-127"/>
+              <a:ea typeface="한컴 윤고딕 250" panose="02020603020101020101" pitchFamily="18" charset="-127"/>
+            </a:endParaRPr>
+          </a:p>
+        </p:txBody>
+      </p:sp>
+      <p:sp>
+        <p:nvSpPr>
+          <p:cNvPr id="8" name="TextBox 7">
+            <a:extLst>
+              <a:ext uri="{FF2B5EF4-FFF2-40B4-BE49-F238E27FC236}">
+                <a16:creationId xmlns:a16="http://schemas.microsoft.com/office/drawing/2014/main" id="{28A4C48E-7E13-43C4-A156-AB1F53E91A60}"/>
+              </a:ext>
+            </a:extLst>
+          </p:cNvPr>
+          <p:cNvSpPr txBox="1"/>
+          <p:nvPr/>
+        </p:nvSpPr>
+        <p:spPr>
+          <a:xfrm>
+            <a:off x="5674759" y="3020517"/>
+            <a:ext cx="7157776" cy="1569660"/>
+          </a:xfrm>
+          <a:prstGeom prst="rect">
+            <a:avLst/>
+          </a:prstGeom>
+          <a:noFill/>
+        </p:spPr>
+        <p:txBody>
+          <a:bodyPr wrap="square" rtlCol="0">
+            <a:spAutoFit/>
+          </a:bodyPr>
+          <a:lstStyle/>
+          <a:p>
+            <a:r>
+              <a:rPr lang="en-US" altLang="ko-KR" sz="1600" dirty="0">
+                <a:latin typeface="한컴 윤고딕 240" panose="02020603020101020101" pitchFamily="18" charset="-127"/>
+                <a:ea typeface="한컴 윤고딕 240" panose="02020603020101020101" pitchFamily="18" charset="-127"/>
+              </a:rPr>
+              <a:t>Group table</a:t>
+            </a:r>
+            <a:r>
+              <a:rPr lang="ko-KR" altLang="en-US" sz="1600" dirty="0">
+                <a:latin typeface="한컴 윤고딕 240" panose="02020603020101020101" pitchFamily="18" charset="-127"/>
+                <a:ea typeface="한컴 윤고딕 240" panose="02020603020101020101" pitchFamily="18" charset="-127"/>
+              </a:rPr>
+              <a:t>을 생성 후 </a:t>
+            </a:r>
+            <a:r>
+              <a:rPr lang="en-US" altLang="ko-KR" sz="1600" dirty="0">
+                <a:latin typeface="한컴 윤고딕 240" panose="02020603020101020101" pitchFamily="18" charset="-127"/>
+                <a:ea typeface="한컴 윤고딕 240" panose="02020603020101020101" pitchFamily="18" charset="-127"/>
+              </a:rPr>
+              <a:t>member</a:t>
+            </a:r>
+            <a:r>
+              <a:rPr lang="ko-KR" altLang="en-US" sz="1600" dirty="0">
+                <a:latin typeface="한컴 윤고딕 240" panose="02020603020101020101" pitchFamily="18" charset="-127"/>
+                <a:ea typeface="한컴 윤고딕 240" panose="02020603020101020101" pitchFamily="18" charset="-127"/>
+              </a:rPr>
+              <a:t> 의 데이터를 가공하여 </a:t>
+            </a:r>
+            <a:r>
+              <a:rPr lang="en-US" altLang="ko-KR" sz="1600" dirty="0">
+                <a:latin typeface="한컴 윤고딕 240" panose="02020603020101020101" pitchFamily="18" charset="-127"/>
+                <a:ea typeface="한컴 윤고딕 240" panose="02020603020101020101" pitchFamily="18" charset="-127"/>
+              </a:rPr>
+              <a:t>INSERT</a:t>
+            </a:r>
+          </a:p>
+          <a:p>
+            <a:pPr marL="285750" indent="-285750">
+              <a:buFont typeface="Wingdings" panose="05000000000000000000" pitchFamily="2" charset="2"/>
+              <a:buChar char="§"/>
+            </a:pPr>
+            <a:endParaRPr lang="en-US" altLang="ko-KR" sz="1600" dirty="0">
+              <a:latin typeface="한컴 윤고딕 240" panose="02020603020101020101" pitchFamily="18" charset="-127"/>
+              <a:ea typeface="한컴 윤고딕 240" panose="02020603020101020101" pitchFamily="18" charset="-127"/>
+            </a:endParaRPr>
+          </a:p>
+          <a:p>
+            <a:pPr marL="285750" indent="-285750">
+              <a:buFont typeface="Wingdings" panose="05000000000000000000" pitchFamily="2" charset="2"/>
+              <a:buChar char="§"/>
+            </a:pPr>
+            <a:r>
+              <a:rPr lang="ko-KR" altLang="en-US" sz="1600" dirty="0">
+                <a:latin typeface="한컴 윤고딕 240" panose="02020603020101020101" pitchFamily="18" charset="-127"/>
+                <a:ea typeface="한컴 윤고딕 240" panose="02020603020101020101" pitchFamily="18" charset="-127"/>
+              </a:rPr>
+              <a:t>랜덤 수를 만들어</a:t>
+            </a:r>
+            <a:r>
+              <a:rPr lang="en-US" altLang="ko-KR" sz="1600" dirty="0">
+                <a:latin typeface="한컴 윤고딕 240" panose="02020603020101020101" pitchFamily="18" charset="-127"/>
+                <a:ea typeface="한컴 윤고딕 240" panose="02020603020101020101" pitchFamily="18" charset="-127"/>
+              </a:rPr>
+              <a:t>, </a:t>
+            </a:r>
+            <a:r>
+              <a:rPr lang="ko-KR" altLang="en-US" sz="1600" dirty="0">
+                <a:latin typeface="한컴 윤고딕 240" panose="02020603020101020101" pitchFamily="18" charset="-127"/>
+                <a:ea typeface="한컴 윤고딕 240" panose="02020603020101020101" pitchFamily="18" charset="-127"/>
+              </a:rPr>
+              <a:t>랜덤 수에다 만들고자 하는 </a:t>
+            </a:r>
+            <a:r>
+              <a:rPr lang="ko-KR" altLang="en-US" sz="1600" dirty="0" err="1">
+                <a:latin typeface="한컴 윤고딕 240" panose="02020603020101020101" pitchFamily="18" charset="-127"/>
+                <a:ea typeface="한컴 윤고딕 240" panose="02020603020101020101" pitchFamily="18" charset="-127"/>
+              </a:rPr>
+              <a:t>그룹수를</a:t>
+            </a:r>
+            <a:r>
+              <a:rPr lang="ko-KR" altLang="en-US" sz="1600" dirty="0">
+                <a:latin typeface="한컴 윤고딕 240" panose="02020603020101020101" pitchFamily="18" charset="-127"/>
+                <a:ea typeface="한컴 윤고딕 240" panose="02020603020101020101" pitchFamily="18" charset="-127"/>
+              </a:rPr>
+              <a:t> 나눠 그 나머지를 </a:t>
+            </a:r>
+            <a:endParaRPr lang="en-US" altLang="ko-KR" sz="1600" dirty="0">
+              <a:latin typeface="한컴 윤고딕 240" panose="02020603020101020101" pitchFamily="18" charset="-127"/>
+              <a:ea typeface="한컴 윤고딕 240" panose="02020603020101020101" pitchFamily="18" charset="-127"/>
+            </a:endParaRPr>
+          </a:p>
+          <a:p>
+            <a:r>
+              <a:rPr lang="ko-KR" altLang="en-US" sz="1600" dirty="0">
+                <a:latin typeface="한컴 윤고딕 240" panose="02020603020101020101" pitchFamily="18" charset="-127"/>
+                <a:ea typeface="한컴 윤고딕 240" panose="02020603020101020101" pitchFamily="18" charset="-127"/>
+              </a:rPr>
+              <a:t>그룹의 넘버로 이용</a:t>
+            </a:r>
+            <a:r>
+              <a:rPr lang="en-US" altLang="ko-KR" sz="1600" dirty="0">
+                <a:latin typeface="한컴 윤고딕 240" panose="02020603020101020101" pitchFamily="18" charset="-127"/>
+                <a:ea typeface="한컴 윤고딕 240" panose="02020603020101020101" pitchFamily="18" charset="-127"/>
+              </a:rPr>
+              <a:t>.</a:t>
+            </a:r>
+          </a:p>
+          <a:p>
+            <a:pPr marL="285750" indent="-285750">
+              <a:buFont typeface="Wingdings" panose="05000000000000000000" pitchFamily="2" charset="2"/>
+              <a:buChar char="§"/>
+            </a:pPr>
+            <a:r>
+              <a:rPr lang="en-US" altLang="ko-KR" sz="1600" dirty="0">
+                <a:latin typeface="한컴 윤고딕 240" panose="02020603020101020101" pitchFamily="18" charset="-127"/>
+                <a:ea typeface="한컴 윤고딕 240" panose="02020603020101020101" pitchFamily="18" charset="-127"/>
+              </a:rPr>
+              <a:t>Flag</a:t>
+            </a:r>
+            <a:r>
+              <a:rPr lang="ko-KR" altLang="en-US" sz="1600" dirty="0">
+                <a:latin typeface="한컴 윤고딕 240" panose="02020603020101020101" pitchFamily="18" charset="-127"/>
+                <a:ea typeface="한컴 윤고딕 240" panose="02020603020101020101" pitchFamily="18" charset="-127"/>
+              </a:rPr>
+              <a:t>를 이용하여 </a:t>
+            </a:r>
+            <a:r>
+              <a:rPr lang="ko-KR" altLang="en-US" sz="1600" dirty="0" err="1">
+                <a:latin typeface="한컴 윤고딕 240" panose="02020603020101020101" pitchFamily="18" charset="-127"/>
+                <a:ea typeface="한컴 윤고딕 240" panose="02020603020101020101" pitchFamily="18" charset="-127"/>
+              </a:rPr>
+              <a:t>멤버들간의</a:t>
+            </a:r>
+            <a:r>
+              <a:rPr lang="ko-KR" altLang="en-US" sz="1600" dirty="0">
+                <a:latin typeface="한컴 윤고딕 240" panose="02020603020101020101" pitchFamily="18" charset="-127"/>
+                <a:ea typeface="한컴 윤고딕 240" panose="02020603020101020101" pitchFamily="18" charset="-127"/>
+              </a:rPr>
+              <a:t> 필터링</a:t>
+            </a:r>
+            <a:endParaRPr lang="en-US" altLang="ko-KR" sz="1600" dirty="0">
+              <a:latin typeface="한컴 윤고딕 240" panose="02020603020101020101" pitchFamily="18" charset="-127"/>
+              <a:ea typeface="한컴 윤고딕 240" panose="02020603020101020101" pitchFamily="18" charset="-127"/>
+            </a:endParaRPr>
+          </a:p>
+          <a:p>
+            <a:endParaRPr lang="ko-KR" altLang="en-US" sz="1600" dirty="0">
+              <a:latin typeface="한컴 윤고딕 240" panose="02020603020101020101" pitchFamily="18" charset="-127"/>
+              <a:ea typeface="한컴 윤고딕 240" panose="02020603020101020101" pitchFamily="18" charset="-127"/>
+            </a:endParaRPr>
+          </a:p>
+        </p:txBody>
+      </p:sp>
+      <p:graphicFrame>
+        <p:nvGraphicFramePr>
+          <p:cNvPr id="2" name="표 1">
+            <a:extLst>
+              <a:ext uri="{FF2B5EF4-FFF2-40B4-BE49-F238E27FC236}">
+                <a16:creationId xmlns:a16="http://schemas.microsoft.com/office/drawing/2014/main" id="{BCB64E93-AAEF-46E8-BDBB-1A33CF28F66D}"/>
+              </a:ext>
+            </a:extLst>
+          </p:cNvPr>
+          <p:cNvGraphicFramePr>
+            <a:graphicFrameLocks noGrp="1"/>
+          </p:cNvGraphicFramePr>
+          <p:nvPr>
+            <p:extLst>
+              <p:ext uri="{D42A27DB-BD31-4B8C-83A1-F6EECF244321}">
+                <p14:modId xmlns:p14="http://schemas.microsoft.com/office/powerpoint/2010/main" val="624989938"/>
+              </p:ext>
+            </p:extLst>
+          </p:nvPr>
+        </p:nvGraphicFramePr>
+        <p:xfrm>
+          <a:off x="1142929" y="1669145"/>
+          <a:ext cx="4191000" cy="3257550"/>
+        </p:xfrm>
+        <a:graphic>
+          <a:graphicData uri="http://schemas.openxmlformats.org/drawingml/2006/table">
+            <a:tbl>
+              <a:tblPr>
+                <a:tableStyleId>{5C22544A-7EE6-4342-B048-85BDC9FD1C3A}</a:tableStyleId>
+              </a:tblPr>
+              <a:tblGrid>
+                <a:gridCol w="1054100">
+                  <a:extLst>
+                    <a:ext uri="{9D8B030D-6E8A-4147-A177-3AD203B41FA5}">
+                      <a16:colId xmlns:a16="http://schemas.microsoft.com/office/drawing/2014/main" val="3229896804"/>
+                    </a:ext>
+                  </a:extLst>
+                </a:gridCol>
+                <a:gridCol w="1333500">
+                  <a:extLst>
+                    <a:ext uri="{9D8B030D-6E8A-4147-A177-3AD203B41FA5}">
+                      <a16:colId xmlns:a16="http://schemas.microsoft.com/office/drawing/2014/main" val="3628034473"/>
+                    </a:ext>
+                  </a:extLst>
+                </a:gridCol>
+                <a:gridCol w="1143000">
+                  <a:extLst>
+                    <a:ext uri="{9D8B030D-6E8A-4147-A177-3AD203B41FA5}">
+                      <a16:colId xmlns:a16="http://schemas.microsoft.com/office/drawing/2014/main" val="816556053"/>
+                    </a:ext>
+                  </a:extLst>
+                </a:gridCol>
+                <a:gridCol w="660400">
+                  <a:extLst>
+                    <a:ext uri="{9D8B030D-6E8A-4147-A177-3AD203B41FA5}">
+                      <a16:colId xmlns:a16="http://schemas.microsoft.com/office/drawing/2014/main" val="743237345"/>
+                    </a:ext>
+                  </a:extLst>
+                </a:gridCol>
+              </a:tblGrid>
+              <a:tr h="222250">
+                <a:tc>
+                  <a:txBody>
+                    <a:bodyPr/>
+                    <a:lstStyle/>
+                    <a:p>
+                      <a:pPr algn="ctr" fontAlgn="ctr"/>
+                      <a:r>
+                        <a:rPr lang="en-US" sz="1100" u="none" strike="noStrike">
+                          <a:effectLst/>
+                        </a:rPr>
+                        <a:t>Group</a:t>
+                      </a:r>
+                      <a:endParaRPr lang="en-US" sz="1100" b="0" i="0" u="none" strike="noStrike">
+                        <a:solidFill>
+                          <a:srgbClr val="9C5700"/>
+                        </a:solidFill>
+                        <a:effectLst/>
+                        <a:latin typeface="맑은 고딕" panose="020B0503020000020004" pitchFamily="50" charset="-127"/>
+                        <a:ea typeface="맑은 고딕" panose="020B0503020000020004" pitchFamily="50" charset="-127"/>
+                      </a:endParaRPr>
+                    </a:p>
+                  </a:txBody>
+                  <a:tcPr marL="6350" marR="6350" marT="6350" marB="0" anchor="ctr"/>
+                </a:tc>
+                <a:tc>
+                  <a:txBody>
+                    <a:bodyPr/>
+                    <a:lstStyle/>
+                    <a:p>
+                      <a:pPr algn="r" fontAlgn="ctr"/>
+                      <a:r>
+                        <a:rPr lang="ko-KR" altLang="en-US" sz="1100" u="none" strike="noStrike">
+                          <a:effectLst/>
+                        </a:rPr>
+                        <a:t>만들 그룹 수</a:t>
+                      </a:r>
+                      <a:endParaRPr lang="ko-KR" altLang="en-US" sz="1100" b="0" i="0" u="none" strike="noStrike">
+                        <a:solidFill>
+                          <a:srgbClr val="000000"/>
+                        </a:solidFill>
+                        <a:effectLst/>
+                        <a:latin typeface="맑은 고딕" panose="020B0503020000020004" pitchFamily="50" charset="-127"/>
+                        <a:ea typeface="맑은 고딕" panose="020B0503020000020004" pitchFamily="50" charset="-127"/>
+                      </a:endParaRPr>
+                    </a:p>
+                  </a:txBody>
+                  <a:tcPr marL="6350" marR="6350" marT="6350" marB="0" anchor="ctr"/>
+                </a:tc>
+                <a:tc>
+                  <a:txBody>
+                    <a:bodyPr/>
+                    <a:lstStyle/>
+                    <a:p>
+                      <a:pPr algn="ctr" fontAlgn="ctr"/>
+                      <a:r>
+                        <a:rPr lang="en-US" altLang="ko-KR" sz="1100" u="none" strike="noStrike">
+                          <a:effectLst/>
+                        </a:rPr>
+                        <a:t>4</a:t>
+                      </a:r>
+                      <a:endParaRPr lang="en-US" altLang="ko-KR" sz="1100" b="0" i="0" u="none" strike="noStrike">
+                        <a:solidFill>
+                          <a:srgbClr val="000000"/>
+                        </a:solidFill>
+                        <a:effectLst/>
+                        <a:latin typeface="맑은 고딕" panose="020B0503020000020004" pitchFamily="50" charset="-127"/>
+                        <a:ea typeface="맑은 고딕" panose="020B0503020000020004" pitchFamily="50" charset="-127"/>
+                      </a:endParaRPr>
+                    </a:p>
+                  </a:txBody>
+                  <a:tcPr marL="6350" marR="6350" marT="6350" marB="0" anchor="ctr"/>
+                </a:tc>
+                <a:tc>
+                  <a:txBody>
+                    <a:bodyPr/>
+                    <a:lstStyle/>
+                    <a:p>
+                      <a:pPr algn="l" fontAlgn="ctr"/>
+                      <a:endParaRPr lang="ko-KR" altLang="en-US" sz="1100" b="0" i="0" u="none" strike="noStrike">
+                        <a:solidFill>
+                          <a:srgbClr val="000000"/>
+                        </a:solidFill>
+                        <a:effectLst/>
+                        <a:latin typeface="맑은 고딕" panose="020B0503020000020004" pitchFamily="50" charset="-127"/>
+                        <a:ea typeface="맑은 고딕" panose="020B0503020000020004" pitchFamily="50" charset="-127"/>
+                      </a:endParaRPr>
+                    </a:p>
+                  </a:txBody>
+                  <a:tcPr marL="6350" marR="6350" marT="6350" marB="0" anchor="ctr"/>
+                </a:tc>
+                <a:extLst>
+                  <a:ext uri="{0D108BD9-81ED-4DB2-BD59-A6C34878D82A}">
+                    <a16:rowId xmlns:a16="http://schemas.microsoft.com/office/drawing/2014/main" val="2056187735"/>
+                  </a:ext>
+                </a:extLst>
+              </a:tr>
+              <a:tr h="222250">
+                <a:tc>
+                  <a:txBody>
+                    <a:bodyPr/>
+                    <a:lstStyle/>
+                    <a:p>
+                      <a:pPr algn="ctr" fontAlgn="ctr"/>
+                      <a:r>
+                        <a:rPr lang="ko-KR" altLang="en-US" sz="1100" u="none" strike="noStrike">
+                          <a:effectLst/>
+                        </a:rPr>
+                        <a:t>번호</a:t>
+                      </a:r>
+                      <a:r>
+                        <a:rPr lang="en-US" altLang="ko-KR" sz="1100" u="none" strike="noStrike">
+                          <a:effectLst/>
+                        </a:rPr>
+                        <a:t>(</a:t>
+                      </a:r>
+                      <a:r>
+                        <a:rPr lang="en-US" sz="1100" u="none" strike="noStrike">
+                          <a:effectLst/>
+                        </a:rPr>
+                        <a:t>num)</a:t>
+                      </a:r>
+                      <a:endParaRPr lang="en-US" sz="1100" b="0" i="0" u="none" strike="noStrike">
+                        <a:solidFill>
+                          <a:srgbClr val="000000"/>
+                        </a:solidFill>
+                        <a:effectLst/>
+                        <a:latin typeface="맑은 고딕" panose="020B0503020000020004" pitchFamily="50" charset="-127"/>
+                        <a:ea typeface="맑은 고딕" panose="020B0503020000020004" pitchFamily="50" charset="-127"/>
+                      </a:endParaRPr>
+                    </a:p>
+                  </a:txBody>
+                  <a:tcPr marL="6350" marR="6350" marT="6350" marB="0" anchor="ctr"/>
+                </a:tc>
+                <a:tc>
+                  <a:txBody>
+                    <a:bodyPr/>
+                    <a:lstStyle/>
+                    <a:p>
+                      <a:pPr algn="ctr" fontAlgn="ctr"/>
+                      <a:r>
+                        <a:rPr lang="ko-KR" altLang="en-US" sz="1100" u="none" strike="noStrike">
+                          <a:effectLst/>
+                        </a:rPr>
+                        <a:t>랜덤수</a:t>
+                      </a:r>
+                      <a:r>
+                        <a:rPr lang="en-US" altLang="ko-KR" sz="1100" u="none" strike="noStrike">
+                          <a:effectLst/>
+                        </a:rPr>
+                        <a:t>(</a:t>
+                      </a:r>
+                      <a:r>
+                        <a:rPr lang="en-US" sz="1100" u="none" strike="noStrike">
+                          <a:effectLst/>
+                        </a:rPr>
+                        <a:t>randNum)</a:t>
+                      </a:r>
+                      <a:endParaRPr lang="en-US" sz="1100" b="0" i="0" u="none" strike="noStrike">
+                        <a:solidFill>
+                          <a:srgbClr val="000000"/>
+                        </a:solidFill>
+                        <a:effectLst/>
+                        <a:latin typeface="맑은 고딕" panose="020B0503020000020004" pitchFamily="50" charset="-127"/>
+                        <a:ea typeface="맑은 고딕" panose="020B0503020000020004" pitchFamily="50" charset="-127"/>
+                      </a:endParaRPr>
+                    </a:p>
+                  </a:txBody>
+                  <a:tcPr marL="6350" marR="6350" marT="6350" marB="0" anchor="ctr"/>
+                </a:tc>
+                <a:tc>
+                  <a:txBody>
+                    <a:bodyPr/>
+                    <a:lstStyle/>
+                    <a:p>
+                      <a:pPr algn="ctr" fontAlgn="ctr"/>
+                      <a:r>
+                        <a:rPr lang="ko-KR" altLang="en-US" sz="1100" u="none" strike="noStrike">
+                          <a:effectLst/>
+                        </a:rPr>
+                        <a:t>그룹</a:t>
+                      </a:r>
+                      <a:r>
+                        <a:rPr lang="en-US" altLang="ko-KR" sz="1100" u="none" strike="noStrike">
+                          <a:effectLst/>
+                        </a:rPr>
+                        <a:t>(</a:t>
+                      </a:r>
+                      <a:r>
+                        <a:rPr lang="en-US" sz="1100" u="none" strike="noStrike">
+                          <a:effectLst/>
+                        </a:rPr>
+                        <a:t>group)</a:t>
+                      </a:r>
+                      <a:endParaRPr lang="en-US" sz="1100" b="0" i="0" u="none" strike="noStrike">
+                        <a:solidFill>
+                          <a:srgbClr val="000000"/>
+                        </a:solidFill>
+                        <a:effectLst/>
+                        <a:latin typeface="맑은 고딕" panose="020B0503020000020004" pitchFamily="50" charset="-127"/>
+                        <a:ea typeface="맑은 고딕" panose="020B0503020000020004" pitchFamily="50" charset="-127"/>
+                      </a:endParaRPr>
+                    </a:p>
+                  </a:txBody>
+                  <a:tcPr marL="6350" marR="6350" marT="6350" marB="0" anchor="ctr"/>
+                </a:tc>
+                <a:tc>
+                  <a:txBody>
+                    <a:bodyPr/>
+                    <a:lstStyle/>
+                    <a:p>
+                      <a:pPr algn="ctr" fontAlgn="ctr"/>
+                      <a:r>
+                        <a:rPr lang="en-US" sz="1100" u="none" strike="noStrike">
+                          <a:effectLst/>
+                        </a:rPr>
+                        <a:t>flag</a:t>
+                      </a:r>
+                      <a:endParaRPr lang="en-US" sz="1100" b="0" i="0" u="none" strike="noStrike">
+                        <a:solidFill>
+                          <a:srgbClr val="000000"/>
+                        </a:solidFill>
+                        <a:effectLst/>
+                        <a:latin typeface="맑은 고딕" panose="020B0503020000020004" pitchFamily="50" charset="-127"/>
+                        <a:ea typeface="맑은 고딕" panose="020B0503020000020004" pitchFamily="50" charset="-127"/>
+                      </a:endParaRPr>
+                    </a:p>
+                  </a:txBody>
+                  <a:tcPr marL="6350" marR="6350" marT="6350" marB="0" anchor="ctr"/>
+                </a:tc>
+                <a:extLst>
+                  <a:ext uri="{0D108BD9-81ED-4DB2-BD59-A6C34878D82A}">
+                    <a16:rowId xmlns:a16="http://schemas.microsoft.com/office/drawing/2014/main" val="1811318526"/>
+                  </a:ext>
+                </a:extLst>
+              </a:tr>
+              <a:tr h="215900">
+                <a:tc>
+                  <a:txBody>
+                    <a:bodyPr/>
+                    <a:lstStyle/>
+                    <a:p>
+                      <a:pPr algn="r" fontAlgn="ctr"/>
+                      <a:r>
+                        <a:rPr lang="en-US" altLang="ko-KR" sz="1100" u="none" strike="noStrike">
+                          <a:effectLst/>
+                        </a:rPr>
+                        <a:t>1</a:t>
+                      </a:r>
+                      <a:endParaRPr lang="en-US" altLang="ko-KR" sz="1100" b="0" i="0" u="none" strike="noStrike">
+                        <a:solidFill>
+                          <a:srgbClr val="000000"/>
+                        </a:solidFill>
+                        <a:effectLst/>
+                        <a:latin typeface="맑은 고딕" panose="020B0503020000020004" pitchFamily="50" charset="-127"/>
+                        <a:ea typeface="맑은 고딕" panose="020B0503020000020004" pitchFamily="50" charset="-127"/>
+                      </a:endParaRPr>
+                    </a:p>
+                  </a:txBody>
+                  <a:tcPr marL="6350" marR="6350" marT="6350" marB="0" anchor="ctr"/>
+                </a:tc>
+                <a:tc>
+                  <a:txBody>
+                    <a:bodyPr/>
+                    <a:lstStyle/>
+                    <a:p>
+                      <a:pPr algn="r" fontAlgn="ctr"/>
+                      <a:r>
+                        <a:rPr lang="en-US" altLang="ko-KR" sz="1100" u="none" strike="noStrike" dirty="0">
+                          <a:effectLst/>
+                        </a:rPr>
+                        <a:t>13</a:t>
+                      </a:r>
+                      <a:endParaRPr lang="en-US" altLang="ko-KR" sz="1100" b="0" i="0" u="none" strike="noStrike" dirty="0">
+                        <a:solidFill>
+                          <a:srgbClr val="000000"/>
+                        </a:solidFill>
+                        <a:effectLst/>
+                        <a:latin typeface="맑은 고딕" panose="020B0503020000020004" pitchFamily="50" charset="-127"/>
+                        <a:ea typeface="맑은 고딕" panose="020B0503020000020004" pitchFamily="50" charset="-127"/>
+                      </a:endParaRPr>
+                    </a:p>
+                  </a:txBody>
+                  <a:tcPr marL="6350" marR="6350" marT="6350" marB="0" anchor="ctr"/>
+                </a:tc>
+                <a:tc>
+                  <a:txBody>
+                    <a:bodyPr/>
+                    <a:lstStyle/>
+                    <a:p>
+                      <a:pPr algn="r" fontAlgn="ctr"/>
+                      <a:r>
+                        <a:rPr lang="en-US" altLang="ko-KR" sz="1100" u="none" strike="noStrike">
+                          <a:effectLst/>
+                        </a:rPr>
+                        <a:t>1</a:t>
+                      </a:r>
+                      <a:endParaRPr lang="en-US" altLang="ko-KR" sz="1100" b="0" i="0" u="none" strike="noStrike">
+                        <a:solidFill>
+                          <a:srgbClr val="000000"/>
+                        </a:solidFill>
+                        <a:effectLst/>
+                        <a:latin typeface="맑은 고딕" panose="020B0503020000020004" pitchFamily="50" charset="-127"/>
+                        <a:ea typeface="맑은 고딕" panose="020B0503020000020004" pitchFamily="50" charset="-127"/>
+                      </a:endParaRPr>
+                    </a:p>
+                  </a:txBody>
+                  <a:tcPr marL="6350" marR="6350" marT="6350" marB="0" anchor="ctr"/>
+                </a:tc>
+                <a:tc>
+                  <a:txBody>
+                    <a:bodyPr/>
+                    <a:lstStyle/>
+                    <a:p>
+                      <a:pPr algn="l" fontAlgn="ctr"/>
+                      <a:r>
+                        <a:rPr lang="ko-KR" altLang="en-US" sz="1100" u="none" strike="noStrike">
+                          <a:effectLst/>
+                        </a:rPr>
+                        <a:t>　</a:t>
+                      </a:r>
+                      <a:endParaRPr lang="ko-KR" altLang="en-US" sz="1100" b="0" i="0" u="none" strike="noStrike">
+                        <a:solidFill>
+                          <a:srgbClr val="000000"/>
+                        </a:solidFill>
+                        <a:effectLst/>
+                        <a:latin typeface="맑은 고딕" panose="020B0503020000020004" pitchFamily="50" charset="-127"/>
+                        <a:ea typeface="맑은 고딕" panose="020B0503020000020004" pitchFamily="50" charset="-127"/>
+                      </a:endParaRPr>
+                    </a:p>
+                  </a:txBody>
+                  <a:tcPr marL="6350" marR="6350" marT="6350" marB="0" anchor="ctr"/>
+                </a:tc>
+                <a:extLst>
+                  <a:ext uri="{0D108BD9-81ED-4DB2-BD59-A6C34878D82A}">
+                    <a16:rowId xmlns:a16="http://schemas.microsoft.com/office/drawing/2014/main" val="1354110585"/>
+                  </a:ext>
+                </a:extLst>
+              </a:tr>
+              <a:tr h="215900">
+                <a:tc>
+                  <a:txBody>
+                    <a:bodyPr/>
+                    <a:lstStyle/>
+                    <a:p>
+                      <a:pPr algn="r" fontAlgn="ctr"/>
+                      <a:r>
+                        <a:rPr lang="en-US" altLang="ko-KR" sz="1100" u="none" strike="noStrike">
+                          <a:effectLst/>
+                        </a:rPr>
+                        <a:t>2</a:t>
+                      </a:r>
+                      <a:endParaRPr lang="en-US" altLang="ko-KR" sz="1100" b="0" i="0" u="none" strike="noStrike">
+                        <a:solidFill>
+                          <a:srgbClr val="000000"/>
+                        </a:solidFill>
+                        <a:effectLst/>
+                        <a:latin typeface="맑은 고딕" panose="020B0503020000020004" pitchFamily="50" charset="-127"/>
+                        <a:ea typeface="맑은 고딕" panose="020B0503020000020004" pitchFamily="50" charset="-127"/>
+                      </a:endParaRPr>
+                    </a:p>
+                  </a:txBody>
+                  <a:tcPr marL="6350" marR="6350" marT="6350" marB="0" anchor="ctr"/>
+                </a:tc>
+                <a:tc>
+                  <a:txBody>
+                    <a:bodyPr/>
+                    <a:lstStyle/>
+                    <a:p>
+                      <a:pPr algn="r" fontAlgn="ctr"/>
+                      <a:r>
+                        <a:rPr lang="en-US" altLang="ko-KR" sz="1100" u="none" strike="noStrike">
+                          <a:effectLst/>
+                        </a:rPr>
+                        <a:t>7</a:t>
+                      </a:r>
+                      <a:endParaRPr lang="en-US" altLang="ko-KR" sz="1100" b="0" i="0" u="none" strike="noStrike">
+                        <a:solidFill>
+                          <a:srgbClr val="000000"/>
+                        </a:solidFill>
+                        <a:effectLst/>
+                        <a:latin typeface="맑은 고딕" panose="020B0503020000020004" pitchFamily="50" charset="-127"/>
+                        <a:ea typeface="맑은 고딕" panose="020B0503020000020004" pitchFamily="50" charset="-127"/>
+                      </a:endParaRPr>
+                    </a:p>
+                  </a:txBody>
+                  <a:tcPr marL="6350" marR="6350" marT="6350" marB="0" anchor="ctr"/>
+                </a:tc>
+                <a:tc>
+                  <a:txBody>
+                    <a:bodyPr/>
+                    <a:lstStyle/>
+                    <a:p>
+                      <a:pPr algn="r" fontAlgn="ctr"/>
+                      <a:r>
+                        <a:rPr lang="en-US" altLang="ko-KR" sz="1100" u="none" strike="noStrike">
+                          <a:effectLst/>
+                        </a:rPr>
+                        <a:t>3</a:t>
+                      </a:r>
+                      <a:endParaRPr lang="en-US" altLang="ko-KR" sz="1100" b="0" i="0" u="none" strike="noStrike">
+                        <a:solidFill>
+                          <a:srgbClr val="000000"/>
+                        </a:solidFill>
+                        <a:effectLst/>
+                        <a:latin typeface="맑은 고딕" panose="020B0503020000020004" pitchFamily="50" charset="-127"/>
+                        <a:ea typeface="맑은 고딕" panose="020B0503020000020004" pitchFamily="50" charset="-127"/>
+                      </a:endParaRPr>
+                    </a:p>
+                  </a:txBody>
+                  <a:tcPr marL="6350" marR="6350" marT="6350" marB="0" anchor="ctr"/>
+                </a:tc>
+                <a:tc>
+                  <a:txBody>
+                    <a:bodyPr/>
+                    <a:lstStyle/>
+                    <a:p>
+                      <a:pPr algn="l" fontAlgn="ctr"/>
+                      <a:r>
+                        <a:rPr lang="ko-KR" altLang="en-US" sz="1100" u="none" strike="noStrike" dirty="0">
+                          <a:effectLst/>
+                        </a:rPr>
+                        <a:t>　</a:t>
+                      </a:r>
+                      <a:endParaRPr lang="ko-KR" altLang="en-US" sz="1100" b="0" i="0" u="none" strike="noStrike" dirty="0">
+                        <a:solidFill>
+                          <a:srgbClr val="000000"/>
+                        </a:solidFill>
+                        <a:effectLst/>
+                        <a:latin typeface="맑은 고딕" panose="020B0503020000020004" pitchFamily="50" charset="-127"/>
+                        <a:ea typeface="맑은 고딕" panose="020B0503020000020004" pitchFamily="50" charset="-127"/>
+                      </a:endParaRPr>
+                    </a:p>
+                  </a:txBody>
+                  <a:tcPr marL="6350" marR="6350" marT="6350" marB="0" anchor="ctr"/>
+                </a:tc>
+                <a:extLst>
+                  <a:ext uri="{0D108BD9-81ED-4DB2-BD59-A6C34878D82A}">
+                    <a16:rowId xmlns:a16="http://schemas.microsoft.com/office/drawing/2014/main" val="1456795625"/>
+                  </a:ext>
+                </a:extLst>
+              </a:tr>
+              <a:tr h="215900">
+                <a:tc>
+                  <a:txBody>
+                    <a:bodyPr/>
+                    <a:lstStyle/>
+                    <a:p>
+                      <a:pPr algn="r" fontAlgn="ctr"/>
+                      <a:r>
+                        <a:rPr lang="en-US" altLang="ko-KR" sz="1100" u="none" strike="noStrike">
+                          <a:effectLst/>
+                        </a:rPr>
+                        <a:t>3</a:t>
+                      </a:r>
+                      <a:endParaRPr lang="en-US" altLang="ko-KR" sz="1100" b="0" i="0" u="none" strike="noStrike">
+                        <a:solidFill>
+                          <a:srgbClr val="000000"/>
+                        </a:solidFill>
+                        <a:effectLst/>
+                        <a:latin typeface="맑은 고딕" panose="020B0503020000020004" pitchFamily="50" charset="-127"/>
+                        <a:ea typeface="맑은 고딕" panose="020B0503020000020004" pitchFamily="50" charset="-127"/>
+                      </a:endParaRPr>
+                    </a:p>
+                  </a:txBody>
+                  <a:tcPr marL="6350" marR="6350" marT="6350" marB="0" anchor="ctr"/>
+                </a:tc>
+                <a:tc>
+                  <a:txBody>
+                    <a:bodyPr/>
+                    <a:lstStyle/>
+                    <a:p>
+                      <a:pPr algn="r" fontAlgn="ctr"/>
+                      <a:r>
+                        <a:rPr lang="en-US" altLang="ko-KR" sz="1100" u="none" strike="noStrike">
+                          <a:effectLst/>
+                        </a:rPr>
+                        <a:t>11</a:t>
+                      </a:r>
+                      <a:endParaRPr lang="en-US" altLang="ko-KR" sz="1100" b="0" i="0" u="none" strike="noStrike">
+                        <a:solidFill>
+                          <a:srgbClr val="000000"/>
+                        </a:solidFill>
+                        <a:effectLst/>
+                        <a:latin typeface="맑은 고딕" panose="020B0503020000020004" pitchFamily="50" charset="-127"/>
+                        <a:ea typeface="맑은 고딕" panose="020B0503020000020004" pitchFamily="50" charset="-127"/>
+                      </a:endParaRPr>
+                    </a:p>
+                  </a:txBody>
+                  <a:tcPr marL="6350" marR="6350" marT="6350" marB="0" anchor="ctr"/>
+                </a:tc>
+                <a:tc>
+                  <a:txBody>
+                    <a:bodyPr/>
+                    <a:lstStyle/>
+                    <a:p>
+                      <a:pPr algn="r" fontAlgn="ctr"/>
+                      <a:r>
+                        <a:rPr lang="en-US" altLang="ko-KR" sz="1100" u="none" strike="noStrike">
+                          <a:effectLst/>
+                        </a:rPr>
+                        <a:t>3</a:t>
+                      </a:r>
+                      <a:endParaRPr lang="en-US" altLang="ko-KR" sz="1100" b="0" i="0" u="none" strike="noStrike">
+                        <a:solidFill>
+                          <a:srgbClr val="000000"/>
+                        </a:solidFill>
+                        <a:effectLst/>
+                        <a:latin typeface="맑은 고딕" panose="020B0503020000020004" pitchFamily="50" charset="-127"/>
+                        <a:ea typeface="맑은 고딕" panose="020B0503020000020004" pitchFamily="50" charset="-127"/>
+                      </a:endParaRPr>
+                    </a:p>
+                  </a:txBody>
+                  <a:tcPr marL="6350" marR="6350" marT="6350" marB="0" anchor="ctr"/>
+                </a:tc>
+                <a:tc>
+                  <a:txBody>
+                    <a:bodyPr/>
+                    <a:lstStyle/>
+                    <a:p>
+                      <a:pPr algn="l" fontAlgn="ctr"/>
+                      <a:r>
+                        <a:rPr lang="ko-KR" altLang="en-US" sz="1100" u="none" strike="noStrike">
+                          <a:effectLst/>
+                        </a:rPr>
+                        <a:t>　</a:t>
+                      </a:r>
+                      <a:endParaRPr lang="ko-KR" altLang="en-US" sz="1100" b="0" i="0" u="none" strike="noStrike">
+                        <a:solidFill>
+                          <a:srgbClr val="000000"/>
+                        </a:solidFill>
+                        <a:effectLst/>
+                        <a:latin typeface="맑은 고딕" panose="020B0503020000020004" pitchFamily="50" charset="-127"/>
+                        <a:ea typeface="맑은 고딕" panose="020B0503020000020004" pitchFamily="50" charset="-127"/>
+                      </a:endParaRPr>
+                    </a:p>
+                  </a:txBody>
+                  <a:tcPr marL="6350" marR="6350" marT="6350" marB="0" anchor="ctr"/>
+                </a:tc>
+                <a:extLst>
+                  <a:ext uri="{0D108BD9-81ED-4DB2-BD59-A6C34878D82A}">
+                    <a16:rowId xmlns:a16="http://schemas.microsoft.com/office/drawing/2014/main" val="2053547149"/>
+                  </a:ext>
+                </a:extLst>
+              </a:tr>
+              <a:tr h="215900">
+                <a:tc>
+                  <a:txBody>
+                    <a:bodyPr/>
+                    <a:lstStyle/>
+                    <a:p>
+                      <a:pPr algn="r" fontAlgn="ctr"/>
+                      <a:r>
+                        <a:rPr lang="en-US" altLang="ko-KR" sz="1100" u="none" strike="noStrike">
+                          <a:effectLst/>
+                        </a:rPr>
+                        <a:t>4</a:t>
+                      </a:r>
+                      <a:endParaRPr lang="en-US" altLang="ko-KR" sz="1100" b="0" i="0" u="none" strike="noStrike">
+                        <a:solidFill>
+                          <a:srgbClr val="000000"/>
+                        </a:solidFill>
+                        <a:effectLst/>
+                        <a:latin typeface="맑은 고딕" panose="020B0503020000020004" pitchFamily="50" charset="-127"/>
+                        <a:ea typeface="맑은 고딕" panose="020B0503020000020004" pitchFamily="50" charset="-127"/>
+                      </a:endParaRPr>
+                    </a:p>
+                  </a:txBody>
+                  <a:tcPr marL="6350" marR="6350" marT="6350" marB="0" anchor="ctr"/>
+                </a:tc>
+                <a:tc>
+                  <a:txBody>
+                    <a:bodyPr/>
+                    <a:lstStyle/>
+                    <a:p>
+                      <a:pPr algn="r" fontAlgn="ctr"/>
+                      <a:r>
+                        <a:rPr lang="en-US" altLang="ko-KR" sz="1100" u="none" strike="noStrike">
+                          <a:effectLst/>
+                        </a:rPr>
+                        <a:t>13</a:t>
+                      </a:r>
+                      <a:endParaRPr lang="en-US" altLang="ko-KR" sz="1100" b="0" i="0" u="none" strike="noStrike">
+                        <a:solidFill>
+                          <a:srgbClr val="000000"/>
+                        </a:solidFill>
+                        <a:effectLst/>
+                        <a:latin typeface="맑은 고딕" panose="020B0503020000020004" pitchFamily="50" charset="-127"/>
+                        <a:ea typeface="맑은 고딕" panose="020B0503020000020004" pitchFamily="50" charset="-127"/>
+                      </a:endParaRPr>
+                    </a:p>
+                  </a:txBody>
+                  <a:tcPr marL="6350" marR="6350" marT="6350" marB="0" anchor="ctr"/>
+                </a:tc>
+                <a:tc>
+                  <a:txBody>
+                    <a:bodyPr/>
+                    <a:lstStyle/>
+                    <a:p>
+                      <a:pPr algn="r" fontAlgn="ctr"/>
+                      <a:r>
+                        <a:rPr lang="en-US" altLang="ko-KR" sz="1100" u="none" strike="noStrike">
+                          <a:effectLst/>
+                        </a:rPr>
+                        <a:t>1</a:t>
+                      </a:r>
+                      <a:endParaRPr lang="en-US" altLang="ko-KR" sz="1100" b="0" i="0" u="none" strike="noStrike">
+                        <a:solidFill>
+                          <a:srgbClr val="000000"/>
+                        </a:solidFill>
+                        <a:effectLst/>
+                        <a:latin typeface="맑은 고딕" panose="020B0503020000020004" pitchFamily="50" charset="-127"/>
+                        <a:ea typeface="맑은 고딕" panose="020B0503020000020004" pitchFamily="50" charset="-127"/>
+                      </a:endParaRPr>
+                    </a:p>
+                  </a:txBody>
+                  <a:tcPr marL="6350" marR="6350" marT="6350" marB="0" anchor="ctr"/>
+                </a:tc>
+                <a:tc>
+                  <a:txBody>
+                    <a:bodyPr/>
+                    <a:lstStyle/>
+                    <a:p>
+                      <a:pPr algn="l" fontAlgn="ctr"/>
+                      <a:r>
+                        <a:rPr lang="ko-KR" altLang="en-US" sz="1100" u="none" strike="noStrike">
+                          <a:effectLst/>
+                        </a:rPr>
+                        <a:t>　</a:t>
+                      </a:r>
+                      <a:endParaRPr lang="ko-KR" altLang="en-US" sz="1100" b="0" i="0" u="none" strike="noStrike">
+                        <a:solidFill>
+                          <a:srgbClr val="000000"/>
+                        </a:solidFill>
+                        <a:effectLst/>
+                        <a:latin typeface="맑은 고딕" panose="020B0503020000020004" pitchFamily="50" charset="-127"/>
+                        <a:ea typeface="맑은 고딕" panose="020B0503020000020004" pitchFamily="50" charset="-127"/>
+                      </a:endParaRPr>
+                    </a:p>
+                  </a:txBody>
+                  <a:tcPr marL="6350" marR="6350" marT="6350" marB="0" anchor="ctr"/>
+                </a:tc>
+                <a:extLst>
+                  <a:ext uri="{0D108BD9-81ED-4DB2-BD59-A6C34878D82A}">
+                    <a16:rowId xmlns:a16="http://schemas.microsoft.com/office/drawing/2014/main" val="1911447647"/>
+                  </a:ext>
+                </a:extLst>
+              </a:tr>
+              <a:tr h="215900">
+                <a:tc>
+                  <a:txBody>
+                    <a:bodyPr/>
+                    <a:lstStyle/>
+                    <a:p>
+                      <a:pPr algn="r" fontAlgn="ctr"/>
+                      <a:r>
+                        <a:rPr lang="en-US" altLang="ko-KR" sz="1100" u="none" strike="noStrike">
+                          <a:effectLst/>
+                        </a:rPr>
+                        <a:t>5</a:t>
+                      </a:r>
+                      <a:endParaRPr lang="en-US" altLang="ko-KR" sz="1100" b="0" i="0" u="none" strike="noStrike">
+                        <a:solidFill>
+                          <a:srgbClr val="000000"/>
+                        </a:solidFill>
+                        <a:effectLst/>
+                        <a:latin typeface="맑은 고딕" panose="020B0503020000020004" pitchFamily="50" charset="-127"/>
+                        <a:ea typeface="맑은 고딕" panose="020B0503020000020004" pitchFamily="50" charset="-127"/>
+                      </a:endParaRPr>
+                    </a:p>
+                  </a:txBody>
+                  <a:tcPr marL="6350" marR="6350" marT="6350" marB="0" anchor="ctr"/>
+                </a:tc>
+                <a:tc>
+                  <a:txBody>
+                    <a:bodyPr/>
+                    <a:lstStyle/>
+                    <a:p>
+                      <a:pPr algn="r" fontAlgn="ctr"/>
+                      <a:r>
+                        <a:rPr lang="en-US" altLang="ko-KR" sz="1100" u="none" strike="noStrike">
+                          <a:effectLst/>
+                        </a:rPr>
+                        <a:t>6</a:t>
+                      </a:r>
+                      <a:endParaRPr lang="en-US" altLang="ko-KR" sz="1100" b="0" i="0" u="none" strike="noStrike">
+                        <a:solidFill>
+                          <a:srgbClr val="000000"/>
+                        </a:solidFill>
+                        <a:effectLst/>
+                        <a:latin typeface="맑은 고딕" panose="020B0503020000020004" pitchFamily="50" charset="-127"/>
+                        <a:ea typeface="맑은 고딕" panose="020B0503020000020004" pitchFamily="50" charset="-127"/>
+                      </a:endParaRPr>
+                    </a:p>
+                  </a:txBody>
+                  <a:tcPr marL="6350" marR="6350" marT="6350" marB="0" anchor="ctr"/>
+                </a:tc>
+                <a:tc>
+                  <a:txBody>
+                    <a:bodyPr/>
+                    <a:lstStyle/>
+                    <a:p>
+                      <a:pPr algn="r" fontAlgn="ctr"/>
+                      <a:r>
+                        <a:rPr lang="en-US" altLang="ko-KR" sz="1100" u="none" strike="noStrike">
+                          <a:effectLst/>
+                        </a:rPr>
+                        <a:t>2</a:t>
+                      </a:r>
+                      <a:endParaRPr lang="en-US" altLang="ko-KR" sz="1100" b="0" i="0" u="none" strike="noStrike">
+                        <a:solidFill>
+                          <a:srgbClr val="000000"/>
+                        </a:solidFill>
+                        <a:effectLst/>
+                        <a:latin typeface="맑은 고딕" panose="020B0503020000020004" pitchFamily="50" charset="-127"/>
+                        <a:ea typeface="맑은 고딕" panose="020B0503020000020004" pitchFamily="50" charset="-127"/>
+                      </a:endParaRPr>
+                    </a:p>
+                  </a:txBody>
+                  <a:tcPr marL="6350" marR="6350" marT="6350" marB="0" anchor="ctr"/>
+                </a:tc>
+                <a:tc>
+                  <a:txBody>
+                    <a:bodyPr/>
+                    <a:lstStyle/>
+                    <a:p>
+                      <a:pPr algn="l" fontAlgn="ctr"/>
+                      <a:r>
+                        <a:rPr lang="ko-KR" altLang="en-US" sz="1100" u="none" strike="noStrike">
+                          <a:effectLst/>
+                        </a:rPr>
+                        <a:t>　</a:t>
+                      </a:r>
+                      <a:endParaRPr lang="ko-KR" altLang="en-US" sz="1100" b="0" i="0" u="none" strike="noStrike">
+                        <a:solidFill>
+                          <a:srgbClr val="000000"/>
+                        </a:solidFill>
+                        <a:effectLst/>
+                        <a:latin typeface="맑은 고딕" panose="020B0503020000020004" pitchFamily="50" charset="-127"/>
+                        <a:ea typeface="맑은 고딕" panose="020B0503020000020004" pitchFamily="50" charset="-127"/>
+                      </a:endParaRPr>
+                    </a:p>
+                  </a:txBody>
+                  <a:tcPr marL="6350" marR="6350" marT="6350" marB="0" anchor="ctr"/>
+                </a:tc>
+                <a:extLst>
+                  <a:ext uri="{0D108BD9-81ED-4DB2-BD59-A6C34878D82A}">
+                    <a16:rowId xmlns:a16="http://schemas.microsoft.com/office/drawing/2014/main" val="2310267485"/>
+                  </a:ext>
+                </a:extLst>
+              </a:tr>
+              <a:tr h="215900">
+                <a:tc>
+                  <a:txBody>
+                    <a:bodyPr/>
+                    <a:lstStyle/>
+                    <a:p>
+                      <a:pPr algn="r" fontAlgn="ctr"/>
+                      <a:r>
+                        <a:rPr lang="en-US" altLang="ko-KR" sz="1100" u="none" strike="noStrike">
+                          <a:effectLst/>
+                        </a:rPr>
+                        <a:t>6</a:t>
+                      </a:r>
+                      <a:endParaRPr lang="en-US" altLang="ko-KR" sz="1100" b="0" i="0" u="none" strike="noStrike">
+                        <a:solidFill>
+                          <a:srgbClr val="000000"/>
+                        </a:solidFill>
+                        <a:effectLst/>
+                        <a:latin typeface="맑은 고딕" panose="020B0503020000020004" pitchFamily="50" charset="-127"/>
+                        <a:ea typeface="맑은 고딕" panose="020B0503020000020004" pitchFamily="50" charset="-127"/>
+                      </a:endParaRPr>
+                    </a:p>
+                  </a:txBody>
+                  <a:tcPr marL="6350" marR="6350" marT="6350" marB="0" anchor="ctr"/>
+                </a:tc>
+                <a:tc>
+                  <a:txBody>
+                    <a:bodyPr/>
+                    <a:lstStyle/>
+                    <a:p>
+                      <a:pPr algn="r" fontAlgn="ctr"/>
+                      <a:r>
+                        <a:rPr lang="en-US" altLang="ko-KR" sz="1100" u="none" strike="noStrike" dirty="0">
+                          <a:effectLst/>
+                        </a:rPr>
+                        <a:t>11</a:t>
+                      </a:r>
+                      <a:endParaRPr lang="en-US" altLang="ko-KR" sz="1100" b="0" i="0" u="none" strike="noStrike" dirty="0">
+                        <a:solidFill>
+                          <a:srgbClr val="000000"/>
+                        </a:solidFill>
+                        <a:effectLst/>
+                        <a:latin typeface="맑은 고딕" panose="020B0503020000020004" pitchFamily="50" charset="-127"/>
+                        <a:ea typeface="맑은 고딕" panose="020B0503020000020004" pitchFamily="50" charset="-127"/>
+                      </a:endParaRPr>
+                    </a:p>
+                  </a:txBody>
+                  <a:tcPr marL="6350" marR="6350" marT="6350" marB="0" anchor="ctr"/>
+                </a:tc>
+                <a:tc>
+                  <a:txBody>
+                    <a:bodyPr/>
+                    <a:lstStyle/>
+                    <a:p>
+                      <a:pPr algn="r" fontAlgn="ctr"/>
+                      <a:r>
+                        <a:rPr lang="en-US" altLang="ko-KR" sz="1100" u="none" strike="noStrike">
+                          <a:effectLst/>
+                        </a:rPr>
+                        <a:t>3</a:t>
+                      </a:r>
+                      <a:endParaRPr lang="en-US" altLang="ko-KR" sz="1100" b="0" i="0" u="none" strike="noStrike">
+                        <a:solidFill>
+                          <a:srgbClr val="000000"/>
+                        </a:solidFill>
+                        <a:effectLst/>
+                        <a:latin typeface="맑은 고딕" panose="020B0503020000020004" pitchFamily="50" charset="-127"/>
+                        <a:ea typeface="맑은 고딕" panose="020B0503020000020004" pitchFamily="50" charset="-127"/>
+                      </a:endParaRPr>
+                    </a:p>
+                  </a:txBody>
+                  <a:tcPr marL="6350" marR="6350" marT="6350" marB="0" anchor="ctr"/>
+                </a:tc>
+                <a:tc>
+                  <a:txBody>
+                    <a:bodyPr/>
+                    <a:lstStyle/>
+                    <a:p>
+                      <a:pPr algn="l" fontAlgn="ctr"/>
+                      <a:r>
+                        <a:rPr lang="ko-KR" altLang="en-US" sz="1100" u="none" strike="noStrike">
+                          <a:effectLst/>
+                        </a:rPr>
+                        <a:t>　</a:t>
+                      </a:r>
+                      <a:endParaRPr lang="ko-KR" altLang="en-US" sz="1100" b="0" i="0" u="none" strike="noStrike">
+                        <a:solidFill>
+                          <a:srgbClr val="000000"/>
+                        </a:solidFill>
+                        <a:effectLst/>
+                        <a:latin typeface="맑은 고딕" panose="020B0503020000020004" pitchFamily="50" charset="-127"/>
+                        <a:ea typeface="맑은 고딕" panose="020B0503020000020004" pitchFamily="50" charset="-127"/>
+                      </a:endParaRPr>
+                    </a:p>
+                  </a:txBody>
+                  <a:tcPr marL="6350" marR="6350" marT="6350" marB="0" anchor="ctr"/>
+                </a:tc>
+                <a:extLst>
+                  <a:ext uri="{0D108BD9-81ED-4DB2-BD59-A6C34878D82A}">
+                    <a16:rowId xmlns:a16="http://schemas.microsoft.com/office/drawing/2014/main" val="3115722159"/>
+                  </a:ext>
+                </a:extLst>
+              </a:tr>
+              <a:tr h="215900">
+                <a:tc>
+                  <a:txBody>
+                    <a:bodyPr/>
+                    <a:lstStyle/>
+                    <a:p>
+                      <a:pPr algn="r" fontAlgn="ctr"/>
+                      <a:r>
+                        <a:rPr lang="en-US" altLang="ko-KR" sz="1100" u="none" strike="noStrike">
+                          <a:effectLst/>
+                        </a:rPr>
+                        <a:t>7</a:t>
+                      </a:r>
+                      <a:endParaRPr lang="en-US" altLang="ko-KR" sz="1100" b="0" i="0" u="none" strike="noStrike">
+                        <a:solidFill>
+                          <a:srgbClr val="000000"/>
+                        </a:solidFill>
+                        <a:effectLst/>
+                        <a:latin typeface="맑은 고딕" panose="020B0503020000020004" pitchFamily="50" charset="-127"/>
+                        <a:ea typeface="맑은 고딕" panose="020B0503020000020004" pitchFamily="50" charset="-127"/>
+                      </a:endParaRPr>
+                    </a:p>
+                  </a:txBody>
+                  <a:tcPr marL="6350" marR="6350" marT="6350" marB="0" anchor="ctr"/>
+                </a:tc>
+                <a:tc>
+                  <a:txBody>
+                    <a:bodyPr/>
+                    <a:lstStyle/>
+                    <a:p>
+                      <a:pPr algn="r" fontAlgn="ctr"/>
+                      <a:r>
+                        <a:rPr lang="en-US" altLang="ko-KR" sz="1100" u="none" strike="noStrike">
+                          <a:effectLst/>
+                        </a:rPr>
+                        <a:t>11</a:t>
+                      </a:r>
+                      <a:endParaRPr lang="en-US" altLang="ko-KR" sz="1100" b="0" i="0" u="none" strike="noStrike">
+                        <a:solidFill>
+                          <a:srgbClr val="000000"/>
+                        </a:solidFill>
+                        <a:effectLst/>
+                        <a:latin typeface="맑은 고딕" panose="020B0503020000020004" pitchFamily="50" charset="-127"/>
+                        <a:ea typeface="맑은 고딕" panose="020B0503020000020004" pitchFamily="50" charset="-127"/>
+                      </a:endParaRPr>
+                    </a:p>
+                  </a:txBody>
+                  <a:tcPr marL="6350" marR="6350" marT="6350" marB="0" anchor="ctr"/>
+                </a:tc>
+                <a:tc>
+                  <a:txBody>
+                    <a:bodyPr/>
+                    <a:lstStyle/>
+                    <a:p>
+                      <a:pPr algn="r" fontAlgn="ctr"/>
+                      <a:r>
+                        <a:rPr lang="en-US" altLang="ko-KR" sz="1100" u="none" strike="noStrike">
+                          <a:effectLst/>
+                        </a:rPr>
+                        <a:t>3</a:t>
+                      </a:r>
+                      <a:endParaRPr lang="en-US" altLang="ko-KR" sz="1100" b="0" i="0" u="none" strike="noStrike">
+                        <a:solidFill>
+                          <a:srgbClr val="000000"/>
+                        </a:solidFill>
+                        <a:effectLst/>
+                        <a:latin typeface="맑은 고딕" panose="020B0503020000020004" pitchFamily="50" charset="-127"/>
+                        <a:ea typeface="맑은 고딕" panose="020B0503020000020004" pitchFamily="50" charset="-127"/>
+                      </a:endParaRPr>
+                    </a:p>
+                  </a:txBody>
+                  <a:tcPr marL="6350" marR="6350" marT="6350" marB="0" anchor="ctr"/>
+                </a:tc>
+                <a:tc>
+                  <a:txBody>
+                    <a:bodyPr/>
+                    <a:lstStyle/>
+                    <a:p>
+                      <a:pPr algn="l" fontAlgn="ctr"/>
+                      <a:r>
+                        <a:rPr lang="ko-KR" altLang="en-US" sz="1100" u="none" strike="noStrike">
+                          <a:effectLst/>
+                        </a:rPr>
+                        <a:t>　</a:t>
+                      </a:r>
+                      <a:endParaRPr lang="ko-KR" altLang="en-US" sz="1100" b="0" i="0" u="none" strike="noStrike">
+                        <a:solidFill>
+                          <a:srgbClr val="000000"/>
+                        </a:solidFill>
+                        <a:effectLst/>
+                        <a:latin typeface="맑은 고딕" panose="020B0503020000020004" pitchFamily="50" charset="-127"/>
+                        <a:ea typeface="맑은 고딕" panose="020B0503020000020004" pitchFamily="50" charset="-127"/>
+                      </a:endParaRPr>
+                    </a:p>
+                  </a:txBody>
+                  <a:tcPr marL="6350" marR="6350" marT="6350" marB="0" anchor="ctr"/>
+                </a:tc>
+                <a:extLst>
+                  <a:ext uri="{0D108BD9-81ED-4DB2-BD59-A6C34878D82A}">
+                    <a16:rowId xmlns:a16="http://schemas.microsoft.com/office/drawing/2014/main" val="47206205"/>
+                  </a:ext>
+                </a:extLst>
+              </a:tr>
+              <a:tr h="215900">
+                <a:tc>
+                  <a:txBody>
+                    <a:bodyPr/>
+                    <a:lstStyle/>
+                    <a:p>
+                      <a:pPr algn="r" fontAlgn="ctr"/>
+                      <a:r>
+                        <a:rPr lang="en-US" altLang="ko-KR" sz="1100" u="none" strike="noStrike">
+                          <a:effectLst/>
+                        </a:rPr>
+                        <a:t>8</a:t>
+                      </a:r>
+                      <a:endParaRPr lang="en-US" altLang="ko-KR" sz="1100" b="0" i="0" u="none" strike="noStrike">
+                        <a:solidFill>
+                          <a:srgbClr val="000000"/>
+                        </a:solidFill>
+                        <a:effectLst/>
+                        <a:latin typeface="맑은 고딕" panose="020B0503020000020004" pitchFamily="50" charset="-127"/>
+                        <a:ea typeface="맑은 고딕" panose="020B0503020000020004" pitchFamily="50" charset="-127"/>
+                      </a:endParaRPr>
+                    </a:p>
+                  </a:txBody>
+                  <a:tcPr marL="6350" marR="6350" marT="6350" marB="0" anchor="ctr"/>
+                </a:tc>
+                <a:tc>
+                  <a:txBody>
+                    <a:bodyPr/>
+                    <a:lstStyle/>
+                    <a:p>
+                      <a:pPr algn="r" fontAlgn="ctr"/>
+                      <a:r>
+                        <a:rPr lang="en-US" altLang="ko-KR" sz="1100" u="none" strike="noStrike">
+                          <a:effectLst/>
+                        </a:rPr>
+                        <a:t>12</a:t>
+                      </a:r>
+                      <a:endParaRPr lang="en-US" altLang="ko-KR" sz="1100" b="0" i="0" u="none" strike="noStrike">
+                        <a:solidFill>
+                          <a:srgbClr val="000000"/>
+                        </a:solidFill>
+                        <a:effectLst/>
+                        <a:latin typeface="맑은 고딕" panose="020B0503020000020004" pitchFamily="50" charset="-127"/>
+                        <a:ea typeface="맑은 고딕" panose="020B0503020000020004" pitchFamily="50" charset="-127"/>
+                      </a:endParaRPr>
+                    </a:p>
+                  </a:txBody>
+                  <a:tcPr marL="6350" marR="6350" marT="6350" marB="0" anchor="ctr"/>
+                </a:tc>
+                <a:tc>
+                  <a:txBody>
+                    <a:bodyPr/>
+                    <a:lstStyle/>
+                    <a:p>
+                      <a:pPr algn="r" fontAlgn="ctr"/>
+                      <a:r>
+                        <a:rPr lang="en-US" altLang="ko-KR" sz="1100" u="none" strike="noStrike">
+                          <a:effectLst/>
+                        </a:rPr>
+                        <a:t>0</a:t>
+                      </a:r>
+                      <a:endParaRPr lang="en-US" altLang="ko-KR" sz="1100" b="0" i="0" u="none" strike="noStrike">
+                        <a:solidFill>
+                          <a:srgbClr val="000000"/>
+                        </a:solidFill>
+                        <a:effectLst/>
+                        <a:latin typeface="맑은 고딕" panose="020B0503020000020004" pitchFamily="50" charset="-127"/>
+                        <a:ea typeface="맑은 고딕" panose="020B0503020000020004" pitchFamily="50" charset="-127"/>
+                      </a:endParaRPr>
+                    </a:p>
+                  </a:txBody>
+                  <a:tcPr marL="6350" marR="6350" marT="6350" marB="0" anchor="ctr"/>
+                </a:tc>
+                <a:tc>
+                  <a:txBody>
+                    <a:bodyPr/>
+                    <a:lstStyle/>
+                    <a:p>
+                      <a:pPr algn="l" fontAlgn="ctr"/>
+                      <a:r>
+                        <a:rPr lang="ko-KR" altLang="en-US" sz="1100" u="none" strike="noStrike">
+                          <a:effectLst/>
+                        </a:rPr>
+                        <a:t>　</a:t>
+                      </a:r>
+                      <a:endParaRPr lang="ko-KR" altLang="en-US" sz="1100" b="0" i="0" u="none" strike="noStrike">
+                        <a:solidFill>
+                          <a:srgbClr val="000000"/>
+                        </a:solidFill>
+                        <a:effectLst/>
+                        <a:latin typeface="맑은 고딕" panose="020B0503020000020004" pitchFamily="50" charset="-127"/>
+                        <a:ea typeface="맑은 고딕" panose="020B0503020000020004" pitchFamily="50" charset="-127"/>
+                      </a:endParaRPr>
+                    </a:p>
+                  </a:txBody>
+                  <a:tcPr marL="6350" marR="6350" marT="6350" marB="0" anchor="ctr"/>
+                </a:tc>
+                <a:extLst>
+                  <a:ext uri="{0D108BD9-81ED-4DB2-BD59-A6C34878D82A}">
+                    <a16:rowId xmlns:a16="http://schemas.microsoft.com/office/drawing/2014/main" val="3778425694"/>
+                  </a:ext>
+                </a:extLst>
+              </a:tr>
+              <a:tr h="215900">
+                <a:tc>
+                  <a:txBody>
+                    <a:bodyPr/>
+                    <a:lstStyle/>
+                    <a:p>
+                      <a:pPr algn="r" fontAlgn="ctr"/>
+                      <a:r>
+                        <a:rPr lang="en-US" altLang="ko-KR" sz="1100" u="none" strike="noStrike">
+                          <a:effectLst/>
+                        </a:rPr>
+                        <a:t>9</a:t>
+                      </a:r>
+                      <a:endParaRPr lang="en-US" altLang="ko-KR" sz="1100" b="0" i="0" u="none" strike="noStrike">
+                        <a:solidFill>
+                          <a:srgbClr val="000000"/>
+                        </a:solidFill>
+                        <a:effectLst/>
+                        <a:latin typeface="맑은 고딕" panose="020B0503020000020004" pitchFamily="50" charset="-127"/>
+                        <a:ea typeface="맑은 고딕" panose="020B0503020000020004" pitchFamily="50" charset="-127"/>
+                      </a:endParaRPr>
+                    </a:p>
+                  </a:txBody>
+                  <a:tcPr marL="6350" marR="6350" marT="6350" marB="0" anchor="ctr"/>
+                </a:tc>
+                <a:tc>
+                  <a:txBody>
+                    <a:bodyPr/>
+                    <a:lstStyle/>
+                    <a:p>
+                      <a:pPr algn="r" fontAlgn="ctr"/>
+                      <a:r>
+                        <a:rPr lang="en-US" altLang="ko-KR" sz="1100" u="none" strike="noStrike">
+                          <a:effectLst/>
+                        </a:rPr>
+                        <a:t>12</a:t>
+                      </a:r>
+                      <a:endParaRPr lang="en-US" altLang="ko-KR" sz="1100" b="0" i="0" u="none" strike="noStrike">
+                        <a:solidFill>
+                          <a:srgbClr val="000000"/>
+                        </a:solidFill>
+                        <a:effectLst/>
+                        <a:latin typeface="맑은 고딕" panose="020B0503020000020004" pitchFamily="50" charset="-127"/>
+                        <a:ea typeface="맑은 고딕" panose="020B0503020000020004" pitchFamily="50" charset="-127"/>
+                      </a:endParaRPr>
+                    </a:p>
+                  </a:txBody>
+                  <a:tcPr marL="6350" marR="6350" marT="6350" marB="0" anchor="ctr"/>
+                </a:tc>
+                <a:tc>
+                  <a:txBody>
+                    <a:bodyPr/>
+                    <a:lstStyle/>
+                    <a:p>
+                      <a:pPr algn="r" fontAlgn="ctr"/>
+                      <a:r>
+                        <a:rPr lang="en-US" altLang="ko-KR" sz="1100" u="none" strike="noStrike">
+                          <a:effectLst/>
+                        </a:rPr>
+                        <a:t>0</a:t>
+                      </a:r>
+                      <a:endParaRPr lang="en-US" altLang="ko-KR" sz="1100" b="0" i="0" u="none" strike="noStrike">
+                        <a:solidFill>
+                          <a:srgbClr val="000000"/>
+                        </a:solidFill>
+                        <a:effectLst/>
+                        <a:latin typeface="맑은 고딕" panose="020B0503020000020004" pitchFamily="50" charset="-127"/>
+                        <a:ea typeface="맑은 고딕" panose="020B0503020000020004" pitchFamily="50" charset="-127"/>
+                      </a:endParaRPr>
+                    </a:p>
+                  </a:txBody>
+                  <a:tcPr marL="6350" marR="6350" marT="6350" marB="0" anchor="ctr"/>
+                </a:tc>
+                <a:tc>
+                  <a:txBody>
+                    <a:bodyPr/>
+                    <a:lstStyle/>
+                    <a:p>
+                      <a:pPr algn="l" fontAlgn="ctr"/>
+                      <a:r>
+                        <a:rPr lang="ko-KR" altLang="en-US" sz="1100" u="none" strike="noStrike">
+                          <a:effectLst/>
+                        </a:rPr>
+                        <a:t>　</a:t>
+                      </a:r>
+                      <a:endParaRPr lang="ko-KR" altLang="en-US" sz="1100" b="0" i="0" u="none" strike="noStrike">
+                        <a:solidFill>
+                          <a:srgbClr val="000000"/>
+                        </a:solidFill>
+                        <a:effectLst/>
+                        <a:latin typeface="맑은 고딕" panose="020B0503020000020004" pitchFamily="50" charset="-127"/>
+                        <a:ea typeface="맑은 고딕" panose="020B0503020000020004" pitchFamily="50" charset="-127"/>
+                      </a:endParaRPr>
+                    </a:p>
+                  </a:txBody>
+                  <a:tcPr marL="6350" marR="6350" marT="6350" marB="0" anchor="ctr"/>
+                </a:tc>
+                <a:extLst>
+                  <a:ext uri="{0D108BD9-81ED-4DB2-BD59-A6C34878D82A}">
+                    <a16:rowId xmlns:a16="http://schemas.microsoft.com/office/drawing/2014/main" val="1048332622"/>
+                  </a:ext>
+                </a:extLst>
+              </a:tr>
+              <a:tr h="215900">
+                <a:tc>
+                  <a:txBody>
+                    <a:bodyPr/>
+                    <a:lstStyle/>
+                    <a:p>
+                      <a:pPr algn="r" fontAlgn="ctr"/>
+                      <a:r>
+                        <a:rPr lang="en-US" altLang="ko-KR" sz="1100" u="none" strike="noStrike">
+                          <a:effectLst/>
+                        </a:rPr>
+                        <a:t>10</a:t>
+                      </a:r>
+                      <a:endParaRPr lang="en-US" altLang="ko-KR" sz="1100" b="0" i="0" u="none" strike="noStrike">
+                        <a:solidFill>
+                          <a:srgbClr val="000000"/>
+                        </a:solidFill>
+                        <a:effectLst/>
+                        <a:latin typeface="맑은 고딕" panose="020B0503020000020004" pitchFamily="50" charset="-127"/>
+                        <a:ea typeface="맑은 고딕" panose="020B0503020000020004" pitchFamily="50" charset="-127"/>
+                      </a:endParaRPr>
+                    </a:p>
+                  </a:txBody>
+                  <a:tcPr marL="6350" marR="6350" marT="6350" marB="0" anchor="ctr"/>
+                </a:tc>
+                <a:tc>
+                  <a:txBody>
+                    <a:bodyPr/>
+                    <a:lstStyle/>
+                    <a:p>
+                      <a:pPr algn="r" fontAlgn="ctr"/>
+                      <a:r>
+                        <a:rPr lang="en-US" altLang="ko-KR" sz="1100" u="none" strike="noStrike">
+                          <a:effectLst/>
+                        </a:rPr>
+                        <a:t>3</a:t>
+                      </a:r>
+                      <a:endParaRPr lang="en-US" altLang="ko-KR" sz="1100" b="0" i="0" u="none" strike="noStrike">
+                        <a:solidFill>
+                          <a:srgbClr val="000000"/>
+                        </a:solidFill>
+                        <a:effectLst/>
+                        <a:latin typeface="맑은 고딕" panose="020B0503020000020004" pitchFamily="50" charset="-127"/>
+                        <a:ea typeface="맑은 고딕" panose="020B0503020000020004" pitchFamily="50" charset="-127"/>
+                      </a:endParaRPr>
+                    </a:p>
+                  </a:txBody>
+                  <a:tcPr marL="6350" marR="6350" marT="6350" marB="0" anchor="ctr"/>
+                </a:tc>
+                <a:tc>
+                  <a:txBody>
+                    <a:bodyPr/>
+                    <a:lstStyle/>
+                    <a:p>
+                      <a:pPr algn="r" fontAlgn="ctr"/>
+                      <a:r>
+                        <a:rPr lang="en-US" altLang="ko-KR" sz="1100" u="none" strike="noStrike">
+                          <a:effectLst/>
+                        </a:rPr>
+                        <a:t>3</a:t>
+                      </a:r>
+                      <a:endParaRPr lang="en-US" altLang="ko-KR" sz="1100" b="0" i="0" u="none" strike="noStrike">
+                        <a:solidFill>
+                          <a:srgbClr val="000000"/>
+                        </a:solidFill>
+                        <a:effectLst/>
+                        <a:latin typeface="맑은 고딕" panose="020B0503020000020004" pitchFamily="50" charset="-127"/>
+                        <a:ea typeface="맑은 고딕" panose="020B0503020000020004" pitchFamily="50" charset="-127"/>
+                      </a:endParaRPr>
+                    </a:p>
+                  </a:txBody>
+                  <a:tcPr marL="6350" marR="6350" marT="6350" marB="0" anchor="ctr"/>
+                </a:tc>
+                <a:tc>
+                  <a:txBody>
+                    <a:bodyPr/>
+                    <a:lstStyle/>
+                    <a:p>
+                      <a:pPr algn="l" fontAlgn="ctr"/>
+                      <a:r>
+                        <a:rPr lang="ko-KR" altLang="en-US" sz="1100" u="none" strike="noStrike">
+                          <a:effectLst/>
+                        </a:rPr>
+                        <a:t>　</a:t>
+                      </a:r>
+                      <a:endParaRPr lang="ko-KR" altLang="en-US" sz="1100" b="0" i="0" u="none" strike="noStrike">
+                        <a:solidFill>
+                          <a:srgbClr val="000000"/>
+                        </a:solidFill>
+                        <a:effectLst/>
+                        <a:latin typeface="맑은 고딕" panose="020B0503020000020004" pitchFamily="50" charset="-127"/>
+                        <a:ea typeface="맑은 고딕" panose="020B0503020000020004" pitchFamily="50" charset="-127"/>
+                      </a:endParaRPr>
+                    </a:p>
+                  </a:txBody>
+                  <a:tcPr marL="6350" marR="6350" marT="6350" marB="0" anchor="ctr"/>
+                </a:tc>
+                <a:extLst>
+                  <a:ext uri="{0D108BD9-81ED-4DB2-BD59-A6C34878D82A}">
+                    <a16:rowId xmlns:a16="http://schemas.microsoft.com/office/drawing/2014/main" val="1248894956"/>
+                  </a:ext>
+                </a:extLst>
+              </a:tr>
+              <a:tr h="215900">
+                <a:tc>
+                  <a:txBody>
+                    <a:bodyPr/>
+                    <a:lstStyle/>
+                    <a:p>
+                      <a:pPr algn="r" fontAlgn="ctr"/>
+                      <a:r>
+                        <a:rPr lang="en-US" altLang="ko-KR" sz="1100" u="none" strike="noStrike">
+                          <a:effectLst/>
+                        </a:rPr>
+                        <a:t>11</a:t>
+                      </a:r>
+                      <a:endParaRPr lang="en-US" altLang="ko-KR" sz="1100" b="0" i="0" u="none" strike="noStrike">
+                        <a:solidFill>
+                          <a:srgbClr val="000000"/>
+                        </a:solidFill>
+                        <a:effectLst/>
+                        <a:latin typeface="맑은 고딕" panose="020B0503020000020004" pitchFamily="50" charset="-127"/>
+                        <a:ea typeface="맑은 고딕" panose="020B0503020000020004" pitchFamily="50" charset="-127"/>
+                      </a:endParaRPr>
+                    </a:p>
+                  </a:txBody>
+                  <a:tcPr marL="6350" marR="6350" marT="6350" marB="0" anchor="ctr"/>
+                </a:tc>
+                <a:tc>
+                  <a:txBody>
+                    <a:bodyPr/>
+                    <a:lstStyle/>
+                    <a:p>
+                      <a:pPr algn="r" fontAlgn="ctr"/>
+                      <a:r>
+                        <a:rPr lang="en-US" altLang="ko-KR" sz="1100" u="none" strike="noStrike">
+                          <a:effectLst/>
+                        </a:rPr>
+                        <a:t>11</a:t>
+                      </a:r>
+                      <a:endParaRPr lang="en-US" altLang="ko-KR" sz="1100" b="0" i="0" u="none" strike="noStrike">
+                        <a:solidFill>
+                          <a:srgbClr val="000000"/>
+                        </a:solidFill>
+                        <a:effectLst/>
+                        <a:latin typeface="맑은 고딕" panose="020B0503020000020004" pitchFamily="50" charset="-127"/>
+                        <a:ea typeface="맑은 고딕" panose="020B0503020000020004" pitchFamily="50" charset="-127"/>
+                      </a:endParaRPr>
+                    </a:p>
+                  </a:txBody>
+                  <a:tcPr marL="6350" marR="6350" marT="6350" marB="0" anchor="ctr"/>
+                </a:tc>
+                <a:tc>
+                  <a:txBody>
+                    <a:bodyPr/>
+                    <a:lstStyle/>
+                    <a:p>
+                      <a:pPr algn="r" fontAlgn="ctr"/>
+                      <a:r>
+                        <a:rPr lang="en-US" altLang="ko-KR" sz="1100" u="none" strike="noStrike">
+                          <a:effectLst/>
+                        </a:rPr>
+                        <a:t>3</a:t>
+                      </a:r>
+                      <a:endParaRPr lang="en-US" altLang="ko-KR" sz="1100" b="0" i="0" u="none" strike="noStrike">
+                        <a:solidFill>
+                          <a:srgbClr val="000000"/>
+                        </a:solidFill>
+                        <a:effectLst/>
+                        <a:latin typeface="맑은 고딕" panose="020B0503020000020004" pitchFamily="50" charset="-127"/>
+                        <a:ea typeface="맑은 고딕" panose="020B0503020000020004" pitchFamily="50" charset="-127"/>
+                      </a:endParaRPr>
+                    </a:p>
+                  </a:txBody>
+                  <a:tcPr marL="6350" marR="6350" marT="6350" marB="0" anchor="ctr"/>
+                </a:tc>
+                <a:tc>
+                  <a:txBody>
+                    <a:bodyPr/>
+                    <a:lstStyle/>
+                    <a:p>
+                      <a:pPr algn="l" fontAlgn="ctr"/>
+                      <a:r>
+                        <a:rPr lang="ko-KR" altLang="en-US" sz="1100" u="none" strike="noStrike" dirty="0">
+                          <a:effectLst/>
+                        </a:rPr>
+                        <a:t>　</a:t>
+                      </a:r>
+                      <a:endParaRPr lang="ko-KR" altLang="en-US" sz="1100" b="0" i="0" u="none" strike="noStrike" dirty="0">
+                        <a:solidFill>
+                          <a:srgbClr val="000000"/>
+                        </a:solidFill>
+                        <a:effectLst/>
+                        <a:latin typeface="맑은 고딕" panose="020B0503020000020004" pitchFamily="50" charset="-127"/>
+                        <a:ea typeface="맑은 고딕" panose="020B0503020000020004" pitchFamily="50" charset="-127"/>
+                      </a:endParaRPr>
+                    </a:p>
+                  </a:txBody>
+                  <a:tcPr marL="6350" marR="6350" marT="6350" marB="0" anchor="ctr"/>
+                </a:tc>
+                <a:extLst>
+                  <a:ext uri="{0D108BD9-81ED-4DB2-BD59-A6C34878D82A}">
+                    <a16:rowId xmlns:a16="http://schemas.microsoft.com/office/drawing/2014/main" val="92391519"/>
+                  </a:ext>
+                </a:extLst>
+              </a:tr>
+              <a:tr h="215900">
+                <a:tc>
+                  <a:txBody>
+                    <a:bodyPr/>
+                    <a:lstStyle/>
+                    <a:p>
+                      <a:pPr algn="r" fontAlgn="ctr"/>
+                      <a:r>
+                        <a:rPr lang="en-US" altLang="ko-KR" sz="1100" u="none" strike="noStrike">
+                          <a:effectLst/>
+                        </a:rPr>
+                        <a:t>12</a:t>
+                      </a:r>
+                      <a:endParaRPr lang="en-US" altLang="ko-KR" sz="1100" b="0" i="0" u="none" strike="noStrike">
+                        <a:solidFill>
+                          <a:srgbClr val="000000"/>
+                        </a:solidFill>
+                        <a:effectLst/>
+                        <a:latin typeface="맑은 고딕" panose="020B0503020000020004" pitchFamily="50" charset="-127"/>
+                        <a:ea typeface="맑은 고딕" panose="020B0503020000020004" pitchFamily="50" charset="-127"/>
+                      </a:endParaRPr>
+                    </a:p>
+                  </a:txBody>
+                  <a:tcPr marL="6350" marR="6350" marT="6350" marB="0" anchor="ctr"/>
+                </a:tc>
+                <a:tc>
+                  <a:txBody>
+                    <a:bodyPr/>
+                    <a:lstStyle/>
+                    <a:p>
+                      <a:pPr algn="r" fontAlgn="ctr"/>
+                      <a:r>
+                        <a:rPr lang="en-US" altLang="ko-KR" sz="1100" u="none" strike="noStrike">
+                          <a:effectLst/>
+                        </a:rPr>
+                        <a:t>5</a:t>
+                      </a:r>
+                      <a:endParaRPr lang="en-US" altLang="ko-KR" sz="1100" b="0" i="0" u="none" strike="noStrike">
+                        <a:solidFill>
+                          <a:srgbClr val="000000"/>
+                        </a:solidFill>
+                        <a:effectLst/>
+                        <a:latin typeface="맑은 고딕" panose="020B0503020000020004" pitchFamily="50" charset="-127"/>
+                        <a:ea typeface="맑은 고딕" panose="020B0503020000020004" pitchFamily="50" charset="-127"/>
+                      </a:endParaRPr>
+                    </a:p>
+                  </a:txBody>
+                  <a:tcPr marL="6350" marR="6350" marT="6350" marB="0" anchor="ctr"/>
+                </a:tc>
+                <a:tc>
+                  <a:txBody>
+                    <a:bodyPr/>
+                    <a:lstStyle/>
+                    <a:p>
+                      <a:pPr algn="r" fontAlgn="ctr"/>
+                      <a:r>
+                        <a:rPr lang="en-US" altLang="ko-KR" sz="1100" u="none" strike="noStrike">
+                          <a:effectLst/>
+                        </a:rPr>
+                        <a:t>1</a:t>
+                      </a:r>
+                      <a:endParaRPr lang="en-US" altLang="ko-KR" sz="1100" b="0" i="0" u="none" strike="noStrike">
+                        <a:solidFill>
+                          <a:srgbClr val="000000"/>
+                        </a:solidFill>
+                        <a:effectLst/>
+                        <a:latin typeface="맑은 고딕" panose="020B0503020000020004" pitchFamily="50" charset="-127"/>
+                        <a:ea typeface="맑은 고딕" panose="020B0503020000020004" pitchFamily="50" charset="-127"/>
+                      </a:endParaRPr>
+                    </a:p>
+                  </a:txBody>
+                  <a:tcPr marL="6350" marR="6350" marT="6350" marB="0" anchor="ctr"/>
+                </a:tc>
+                <a:tc>
+                  <a:txBody>
+                    <a:bodyPr/>
+                    <a:lstStyle/>
+                    <a:p>
+                      <a:pPr algn="l" fontAlgn="ctr"/>
+                      <a:r>
+                        <a:rPr lang="ko-KR" altLang="en-US" sz="1100" u="none" strike="noStrike">
+                          <a:effectLst/>
+                        </a:rPr>
+                        <a:t>　</a:t>
+                      </a:r>
+                      <a:endParaRPr lang="ko-KR" altLang="en-US" sz="1100" b="0" i="0" u="none" strike="noStrike">
+                        <a:solidFill>
+                          <a:srgbClr val="000000"/>
+                        </a:solidFill>
+                        <a:effectLst/>
+                        <a:latin typeface="맑은 고딕" panose="020B0503020000020004" pitchFamily="50" charset="-127"/>
+                        <a:ea typeface="맑은 고딕" panose="020B0503020000020004" pitchFamily="50" charset="-127"/>
+                      </a:endParaRPr>
+                    </a:p>
+                  </a:txBody>
+                  <a:tcPr marL="6350" marR="6350" marT="6350" marB="0" anchor="ctr"/>
+                </a:tc>
+                <a:extLst>
+                  <a:ext uri="{0D108BD9-81ED-4DB2-BD59-A6C34878D82A}">
+                    <a16:rowId xmlns:a16="http://schemas.microsoft.com/office/drawing/2014/main" val="3688144972"/>
+                  </a:ext>
+                </a:extLst>
+              </a:tr>
+              <a:tr h="222250">
+                <a:tc>
+                  <a:txBody>
+                    <a:bodyPr/>
+                    <a:lstStyle/>
+                    <a:p>
+                      <a:pPr algn="r" fontAlgn="ctr"/>
+                      <a:r>
+                        <a:rPr lang="en-US" altLang="ko-KR" sz="1100" u="none" strike="noStrike">
+                          <a:effectLst/>
+                        </a:rPr>
+                        <a:t>13</a:t>
+                      </a:r>
+                      <a:endParaRPr lang="en-US" altLang="ko-KR" sz="1100" b="0" i="0" u="none" strike="noStrike">
+                        <a:solidFill>
+                          <a:srgbClr val="000000"/>
+                        </a:solidFill>
+                        <a:effectLst/>
+                        <a:latin typeface="맑은 고딕" panose="020B0503020000020004" pitchFamily="50" charset="-127"/>
+                        <a:ea typeface="맑은 고딕" panose="020B0503020000020004" pitchFamily="50" charset="-127"/>
+                      </a:endParaRPr>
+                    </a:p>
+                  </a:txBody>
+                  <a:tcPr marL="6350" marR="6350" marT="6350" marB="0" anchor="ctr"/>
+                </a:tc>
+                <a:tc>
+                  <a:txBody>
+                    <a:bodyPr/>
+                    <a:lstStyle/>
+                    <a:p>
+                      <a:pPr algn="r" fontAlgn="ctr"/>
+                      <a:r>
+                        <a:rPr lang="en-US" altLang="ko-KR" sz="1100" u="none" strike="noStrike">
+                          <a:effectLst/>
+                        </a:rPr>
+                        <a:t>5</a:t>
+                      </a:r>
+                      <a:endParaRPr lang="en-US" altLang="ko-KR" sz="1100" b="0" i="0" u="none" strike="noStrike">
+                        <a:solidFill>
+                          <a:srgbClr val="000000"/>
+                        </a:solidFill>
+                        <a:effectLst/>
+                        <a:latin typeface="맑은 고딕" panose="020B0503020000020004" pitchFamily="50" charset="-127"/>
+                        <a:ea typeface="맑은 고딕" panose="020B0503020000020004" pitchFamily="50" charset="-127"/>
+                      </a:endParaRPr>
+                    </a:p>
+                  </a:txBody>
+                  <a:tcPr marL="6350" marR="6350" marT="6350" marB="0" anchor="ctr"/>
+                </a:tc>
+                <a:tc>
+                  <a:txBody>
+                    <a:bodyPr/>
+                    <a:lstStyle/>
+                    <a:p>
+                      <a:pPr algn="r" fontAlgn="ctr"/>
+                      <a:r>
+                        <a:rPr lang="en-US" altLang="ko-KR" sz="1100" u="none" strike="noStrike">
+                          <a:effectLst/>
+                        </a:rPr>
+                        <a:t>1</a:t>
+                      </a:r>
+                      <a:endParaRPr lang="en-US" altLang="ko-KR" sz="1100" b="0" i="0" u="none" strike="noStrike">
+                        <a:solidFill>
+                          <a:srgbClr val="000000"/>
+                        </a:solidFill>
+                        <a:effectLst/>
+                        <a:latin typeface="맑은 고딕" panose="020B0503020000020004" pitchFamily="50" charset="-127"/>
+                        <a:ea typeface="맑은 고딕" panose="020B0503020000020004" pitchFamily="50" charset="-127"/>
+                      </a:endParaRPr>
+                    </a:p>
+                  </a:txBody>
+                  <a:tcPr marL="6350" marR="6350" marT="6350" marB="0" anchor="ctr"/>
+                </a:tc>
+                <a:tc>
+                  <a:txBody>
+                    <a:bodyPr/>
+                    <a:lstStyle/>
+                    <a:p>
+                      <a:pPr algn="l" fontAlgn="ctr"/>
+                      <a:r>
+                        <a:rPr lang="ko-KR" altLang="en-US" sz="1100" u="none" strike="noStrike" dirty="0">
+                          <a:effectLst/>
+                        </a:rPr>
+                        <a:t>　</a:t>
+                      </a:r>
+                      <a:endParaRPr lang="ko-KR" altLang="en-US" sz="1100" b="0" i="0" u="none" strike="noStrike" dirty="0">
+                        <a:solidFill>
+                          <a:srgbClr val="000000"/>
+                        </a:solidFill>
+                        <a:effectLst/>
+                        <a:latin typeface="맑은 고딕" panose="020B0503020000020004" pitchFamily="50" charset="-127"/>
+                        <a:ea typeface="맑은 고딕" panose="020B0503020000020004" pitchFamily="50" charset="-127"/>
+                      </a:endParaRPr>
+                    </a:p>
+                  </a:txBody>
+                  <a:tcPr marL="6350" marR="6350" marT="6350" marB="0" anchor="ctr"/>
+                </a:tc>
+                <a:extLst>
+                  <a:ext uri="{0D108BD9-81ED-4DB2-BD59-A6C34878D82A}">
+                    <a16:rowId xmlns:a16="http://schemas.microsoft.com/office/drawing/2014/main" val="2241327980"/>
+                  </a:ext>
+                </a:extLst>
+              </a:tr>
+            </a:tbl>
+          </a:graphicData>
+        </a:graphic>
+      </p:graphicFrame>
+      <p:sp>
+        <p:nvSpPr>
+          <p:cNvPr id="4" name="직사각형 3">
+            <a:extLst>
+              <a:ext uri="{FF2B5EF4-FFF2-40B4-BE49-F238E27FC236}">
+                <a16:creationId xmlns:a16="http://schemas.microsoft.com/office/drawing/2014/main" id="{D65F62A5-1A63-4480-A051-5E8560FE33E1}"/>
+              </a:ext>
+            </a:extLst>
+          </p:cNvPr>
+          <p:cNvSpPr/>
+          <p:nvPr/>
+        </p:nvSpPr>
+        <p:spPr>
+          <a:xfrm>
+            <a:off x="1142929" y="5268950"/>
+            <a:ext cx="9421169" cy="1200329"/>
+          </a:xfrm>
+          <a:prstGeom prst="rect">
+            <a:avLst/>
+          </a:prstGeom>
+        </p:spPr>
+        <p:txBody>
+          <a:bodyPr wrap="none">
+            <a:spAutoFit/>
+          </a:bodyPr>
+          <a:lstStyle/>
+          <a:p>
+            <a:r>
+              <a:rPr lang="ko-KR" altLang="en-US" dirty="0"/>
+              <a:t> </a:t>
+            </a:r>
+            <a:r>
+              <a:rPr lang="ko-KR" altLang="en-US" dirty="0" err="1"/>
+              <a:t>mysqli_fetch_row</a:t>
+            </a:r>
+            <a:r>
+              <a:rPr lang="ko-KR" altLang="en-US" dirty="0"/>
+              <a:t>($</a:t>
+            </a:r>
+            <a:r>
+              <a:rPr lang="ko-KR" altLang="en-US" dirty="0" err="1"/>
+              <a:t>result</a:t>
+            </a:r>
+            <a:r>
+              <a:rPr lang="ko-KR" altLang="en-US" dirty="0"/>
+              <a:t>) 을 이용하여 </a:t>
+            </a:r>
+            <a:r>
+              <a:rPr lang="en-US" altLang="ko-KR" dirty="0"/>
+              <a:t>member</a:t>
+            </a:r>
+            <a:r>
+              <a:rPr lang="ko-KR" altLang="en-US" dirty="0"/>
+              <a:t>에 있는 데이터를 가져옴</a:t>
+            </a:r>
+            <a:endParaRPr lang="en-US" altLang="ko-KR" dirty="0"/>
+          </a:p>
+          <a:p>
+            <a:r>
+              <a:rPr lang="ko-KR" altLang="en-US" dirty="0"/>
+              <a:t>랜덤수가 </a:t>
+            </a:r>
+            <a:r>
+              <a:rPr lang="ko-KR" altLang="en-US" dirty="0" err="1"/>
+              <a:t>겹칠때는</a:t>
+            </a:r>
+            <a:r>
+              <a:rPr lang="ko-KR" altLang="en-US" dirty="0"/>
+              <a:t> 어떻게 처리 해야 안 겹칠까</a:t>
+            </a:r>
+            <a:r>
+              <a:rPr lang="en-US" altLang="ko-KR" dirty="0"/>
+              <a:t>? </a:t>
+            </a:r>
+            <a:r>
+              <a:rPr lang="ko-KR" altLang="en-US" dirty="0"/>
+              <a:t>배열을 만들어 이미 있다고 기록 </a:t>
+            </a:r>
+            <a:r>
+              <a:rPr lang="ko-KR" altLang="en-US" dirty="0" err="1"/>
+              <a:t>해놓을까</a:t>
+            </a:r>
+            <a:r>
+              <a:rPr lang="en-US" altLang="ko-KR" dirty="0"/>
+              <a:t>?</a:t>
+            </a:r>
+          </a:p>
+          <a:p>
+            <a:r>
+              <a:rPr lang="ko-KR" altLang="en-US" dirty="0"/>
+              <a:t>총 몇 개의 자료가 </a:t>
+            </a:r>
+            <a:r>
+              <a:rPr lang="ko-KR" altLang="en-US" dirty="0" err="1"/>
+              <a:t>저장되어있는지</a:t>
+            </a:r>
+            <a:r>
+              <a:rPr lang="ko-KR" altLang="en-US" dirty="0"/>
+              <a:t> 알 수 있는 방법이 없을까</a:t>
+            </a:r>
+            <a:r>
+              <a:rPr lang="en-US" altLang="ko-KR" dirty="0"/>
+              <a:t>?</a:t>
+            </a:r>
+            <a:br>
+              <a:rPr lang="en-US" altLang="ko-KR" dirty="0"/>
+            </a:br>
+            <a:r>
+              <a:rPr lang="en-US" altLang="ko-KR" dirty="0"/>
+              <a:t>=&gt;SELECT COUNT(</a:t>
+            </a:r>
+            <a:r>
+              <a:rPr lang="en-US" altLang="ko-KR" dirty="0" err="1"/>
+              <a:t>song_num</a:t>
+            </a:r>
+            <a:r>
+              <a:rPr lang="en-US" altLang="ko-KR" dirty="0"/>
+              <a:t>) FROM </a:t>
+            </a:r>
+            <a:r>
+              <a:rPr lang="en-US" altLang="ko-KR" dirty="0" err="1"/>
+              <a:t>song_member</a:t>
+            </a:r>
+            <a:r>
+              <a:rPr lang="en-US" altLang="ko-KR" dirty="0"/>
+              <a:t>;</a:t>
+            </a:r>
+            <a:endParaRPr lang="ko-KR" altLang="en-US" dirty="0"/>
+          </a:p>
+        </p:txBody>
+      </p:sp>
+    </p:spTree>
+    <p:extLst>
+      <p:ext uri="{BB962C8B-B14F-4D97-AF65-F5344CB8AC3E}">
+        <p14:creationId xmlns:p14="http://schemas.microsoft.com/office/powerpoint/2010/main" val="3595417474"/>
+      </p:ext>
+    </p:extLst>
+  </p:cSld>
+  <p:clrMapOvr>
+    <a:masterClrMapping/>
+  </p:clrMapOvr>
+</p:sld>
+</file>
+
+<file path=ppt/slides/slide11.xml><?xml version="1.0" encoding="utf-8"?>
+<p:sld xmlns:a="http://schemas.openxmlformats.org/drawingml/2006/main" xmlns:r="http://schemas.openxmlformats.org/officeDocument/2006/relationships" xmlns:p="http://schemas.openxmlformats.org/presentationml/2006/main">
+  <p:cSld>
+    <p:spTree>
+      <p:nvGrpSpPr>
+        <p:cNvPr id="1" name=""/>
+        <p:cNvGrpSpPr/>
+        <p:nvPr/>
+      </p:nvGrpSpPr>
+      <p:grpSpPr>
+        <a:xfrm>
+          <a:off x="0" y="0"/>
+          <a:ext cx="0" cy="0"/>
+          <a:chOff x="0" y="0"/>
+          <a:chExt cx="0" cy="0"/>
+        </a:xfrm>
+      </p:grpSpPr>
+      <p:sp>
+        <p:nvSpPr>
+          <p:cNvPr id="2" name="TextBox 1">
+            <a:extLst>
+              <a:ext uri="{FF2B5EF4-FFF2-40B4-BE49-F238E27FC236}">
+                <a16:creationId xmlns:a16="http://schemas.microsoft.com/office/drawing/2014/main" id="{D5E6272A-C861-4EF3-A870-F2509DABB30E}"/>
+              </a:ext>
+            </a:extLst>
+          </p:cNvPr>
+          <p:cNvSpPr txBox="1"/>
+          <p:nvPr/>
+        </p:nvSpPr>
+        <p:spPr>
+          <a:xfrm>
+            <a:off x="1332411" y="627017"/>
+            <a:ext cx="7715795" cy="3693319"/>
+          </a:xfrm>
+          <a:prstGeom prst="rect">
+            <a:avLst/>
+          </a:prstGeom>
+          <a:noFill/>
+        </p:spPr>
+        <p:txBody>
+          <a:bodyPr wrap="square" rtlCol="0">
+            <a:spAutoFit/>
+          </a:bodyPr>
+          <a:lstStyle/>
+          <a:p>
+            <a:r>
+              <a:rPr lang="en-US" altLang="ko-KR" dirty="0"/>
+              <a:t>**</a:t>
+            </a:r>
+            <a:r>
+              <a:rPr lang="ko-KR" altLang="en-US" dirty="0"/>
+              <a:t>알고리즘</a:t>
+            </a:r>
+            <a:endParaRPr lang="en-US" altLang="ko-KR" dirty="0"/>
+          </a:p>
+          <a:p>
+            <a:endParaRPr lang="en-US" altLang="ko-KR" dirty="0"/>
+          </a:p>
+          <a:p>
+            <a:r>
+              <a:rPr lang="en-US" altLang="ko-KR" dirty="0" err="1"/>
+              <a:t>Member_count</a:t>
+            </a:r>
+            <a:r>
+              <a:rPr lang="en-US" altLang="ko-KR" dirty="0"/>
+              <a:t> = member</a:t>
+            </a:r>
+            <a:r>
+              <a:rPr lang="ko-KR" altLang="en-US" dirty="0"/>
+              <a:t>의 개수</a:t>
+            </a:r>
+            <a:endParaRPr lang="en-US" altLang="ko-KR" dirty="0"/>
+          </a:p>
+          <a:p>
+            <a:r>
+              <a:rPr lang="en-US" altLang="ko-KR" dirty="0"/>
+              <a:t>$</a:t>
+            </a:r>
+            <a:r>
+              <a:rPr lang="en-US" altLang="ko-KR" dirty="0" err="1"/>
+              <a:t>arr</a:t>
+            </a:r>
+            <a:r>
+              <a:rPr lang="en-US" altLang="ko-KR" dirty="0"/>
+              <a:t>= array();</a:t>
+            </a:r>
+          </a:p>
+          <a:p>
+            <a:r>
+              <a:rPr lang="en-US" altLang="ko-KR" dirty="0"/>
+              <a:t>While(member DB</a:t>
+            </a:r>
+            <a:r>
+              <a:rPr lang="ko-KR" altLang="en-US" dirty="0"/>
+              <a:t>에서 </a:t>
+            </a:r>
+            <a:r>
+              <a:rPr lang="ko-KR" altLang="en-US" dirty="0" err="1"/>
+              <a:t>한줄씩</a:t>
+            </a:r>
+            <a:r>
+              <a:rPr lang="ko-KR" altLang="en-US" dirty="0"/>
+              <a:t> </a:t>
+            </a:r>
+            <a:r>
+              <a:rPr lang="ko-KR" altLang="en-US" dirty="0" err="1"/>
+              <a:t>뽑아옴</a:t>
+            </a:r>
+            <a:r>
+              <a:rPr lang="en-US" altLang="ko-KR" dirty="0"/>
+              <a:t>){</a:t>
+            </a:r>
+          </a:p>
+          <a:p>
+            <a:r>
+              <a:rPr lang="en-US" altLang="ko-KR" dirty="0"/>
+              <a:t>	a = array[rand(1,member_count)] </a:t>
+            </a:r>
+          </a:p>
+          <a:p>
+            <a:r>
+              <a:rPr lang="en-US" altLang="ko-KR" dirty="0"/>
+              <a:t>	while(a != 0){</a:t>
+            </a:r>
+          </a:p>
+          <a:p>
+            <a:r>
+              <a:rPr lang="en-US" altLang="ko-KR" dirty="0"/>
+              <a:t>	a = rand(1, </a:t>
+            </a:r>
+            <a:r>
+              <a:rPr lang="en-US" altLang="ko-KR" dirty="0" err="1"/>
+              <a:t>member_count</a:t>
+            </a:r>
+            <a:r>
+              <a:rPr lang="en-US" altLang="ko-KR" dirty="0"/>
+              <a:t>)</a:t>
+            </a:r>
+          </a:p>
+          <a:p>
+            <a:r>
+              <a:rPr lang="en-US" altLang="ko-KR" dirty="0"/>
+              <a:t>	}</a:t>
+            </a:r>
+          </a:p>
+          <a:p>
+            <a:r>
+              <a:rPr lang="en-US" altLang="ko-KR" dirty="0"/>
+              <a:t>	</a:t>
+            </a:r>
+            <a:r>
+              <a:rPr lang="en-US" altLang="ko-KR" dirty="0" err="1"/>
+              <a:t>arr</a:t>
+            </a:r>
+            <a:r>
+              <a:rPr lang="en-US" altLang="ko-KR" dirty="0"/>
+              <a:t>[a] = 1;</a:t>
+            </a:r>
+          </a:p>
+          <a:p>
+            <a:r>
+              <a:rPr lang="en-US" altLang="ko-KR" dirty="0"/>
+              <a:t>	b = a / group</a:t>
+            </a:r>
+            <a:r>
+              <a:rPr lang="ko-KR" altLang="en-US" dirty="0"/>
+              <a:t> 수</a:t>
+            </a:r>
+            <a:endParaRPr lang="en-US" altLang="ko-KR" dirty="0"/>
+          </a:p>
+          <a:p>
+            <a:r>
+              <a:rPr lang="en-US" altLang="ko-KR" dirty="0"/>
+              <a:t>        </a:t>
+            </a:r>
+          </a:p>
+          <a:p>
+            <a:r>
+              <a:rPr lang="en-US" altLang="ko-KR" dirty="0"/>
+              <a:t>}</a:t>
+            </a:r>
+            <a:endParaRPr lang="ko-KR" altLang="en-US" dirty="0"/>
+          </a:p>
+        </p:txBody>
+      </p:sp>
+      <p:sp>
+        <p:nvSpPr>
+          <p:cNvPr id="3" name="TextBox 2">
+            <a:extLst>
+              <a:ext uri="{FF2B5EF4-FFF2-40B4-BE49-F238E27FC236}">
+                <a16:creationId xmlns:a16="http://schemas.microsoft.com/office/drawing/2014/main" id="{570C23D5-A8C8-48E8-BD78-DC6CF4130DC2}"/>
+              </a:ext>
+            </a:extLst>
+          </p:cNvPr>
+          <p:cNvSpPr txBox="1"/>
+          <p:nvPr/>
+        </p:nvSpPr>
+        <p:spPr>
+          <a:xfrm>
+            <a:off x="6411675" y="627016"/>
+            <a:ext cx="7715795" cy="4524315"/>
+          </a:xfrm>
+          <a:prstGeom prst="rect">
+            <a:avLst/>
+          </a:prstGeom>
+          <a:noFill/>
+        </p:spPr>
+        <p:txBody>
+          <a:bodyPr wrap="square" rtlCol="0">
+            <a:spAutoFit/>
+          </a:bodyPr>
+          <a:lstStyle/>
+          <a:p>
+            <a:r>
+              <a:rPr lang="en-US" altLang="ko-KR" dirty="0"/>
+              <a:t>**</a:t>
+            </a:r>
+            <a:r>
+              <a:rPr lang="ko-KR" altLang="en-US" dirty="0"/>
+              <a:t>알고리즘</a:t>
+            </a:r>
+            <a:endParaRPr lang="en-US" altLang="ko-KR" dirty="0"/>
+          </a:p>
+          <a:p>
+            <a:endParaRPr lang="en-US" altLang="ko-KR" dirty="0"/>
+          </a:p>
+          <a:p>
+            <a:r>
+              <a:rPr lang="en-US" altLang="ko-KR" dirty="0" err="1"/>
+              <a:t>Member_count</a:t>
+            </a:r>
+            <a:r>
+              <a:rPr lang="en-US" altLang="ko-KR" dirty="0"/>
+              <a:t> = member</a:t>
+            </a:r>
+            <a:r>
+              <a:rPr lang="ko-KR" altLang="en-US" dirty="0"/>
+              <a:t>의 개수</a:t>
+            </a:r>
+            <a:endParaRPr lang="en-US" altLang="ko-KR" dirty="0"/>
+          </a:p>
+          <a:p>
+            <a:r>
+              <a:rPr lang="en-US" altLang="ko-KR" dirty="0"/>
+              <a:t>$</a:t>
+            </a:r>
+            <a:r>
+              <a:rPr lang="en-US" altLang="ko-KR" dirty="0" err="1"/>
+              <a:t>arr</a:t>
+            </a:r>
+            <a:r>
+              <a:rPr lang="en-US" altLang="ko-KR" dirty="0"/>
+              <a:t>= array();</a:t>
+            </a:r>
+          </a:p>
+          <a:p>
+            <a:r>
+              <a:rPr lang="en-US" altLang="ko-KR" dirty="0"/>
+              <a:t>While(member DB</a:t>
+            </a:r>
+            <a:r>
+              <a:rPr lang="ko-KR" altLang="en-US" dirty="0"/>
+              <a:t>에서 </a:t>
+            </a:r>
+            <a:r>
+              <a:rPr lang="ko-KR" altLang="en-US" dirty="0" err="1"/>
+              <a:t>한줄씩</a:t>
+            </a:r>
+            <a:r>
+              <a:rPr lang="ko-KR" altLang="en-US" dirty="0"/>
+              <a:t> </a:t>
+            </a:r>
+            <a:r>
+              <a:rPr lang="ko-KR" altLang="en-US" dirty="0" err="1"/>
+              <a:t>뽑아옴</a:t>
+            </a:r>
+            <a:r>
+              <a:rPr lang="en-US" altLang="ko-KR" dirty="0"/>
+              <a:t>){</a:t>
+            </a:r>
+          </a:p>
+          <a:p>
+            <a:r>
+              <a:rPr lang="en-US" altLang="ko-KR" dirty="0"/>
+              <a:t>	a = array[rand(1,member_count)] </a:t>
+            </a:r>
+          </a:p>
+          <a:p>
+            <a:r>
+              <a:rPr lang="en-US" altLang="ko-KR" dirty="0"/>
+              <a:t>	while(a != 0){</a:t>
+            </a:r>
+          </a:p>
+          <a:p>
+            <a:r>
+              <a:rPr lang="en-US" altLang="ko-KR" dirty="0"/>
+              <a:t>	a = rand(1, </a:t>
+            </a:r>
+            <a:r>
+              <a:rPr lang="en-US" altLang="ko-KR" dirty="0" err="1"/>
+              <a:t>member_count</a:t>
+            </a:r>
+            <a:r>
+              <a:rPr lang="en-US" altLang="ko-KR" dirty="0"/>
+              <a:t>)</a:t>
+            </a:r>
+          </a:p>
+          <a:p>
+            <a:r>
+              <a:rPr lang="en-US" altLang="ko-KR" dirty="0"/>
+              <a:t>	}</a:t>
+            </a:r>
+          </a:p>
+          <a:p>
+            <a:r>
+              <a:rPr lang="en-US" altLang="ko-KR" dirty="0"/>
+              <a:t>	</a:t>
+            </a:r>
+            <a:r>
+              <a:rPr lang="en-US" altLang="ko-KR" dirty="0" err="1"/>
+              <a:t>arr</a:t>
+            </a:r>
+            <a:r>
+              <a:rPr lang="en-US" altLang="ko-KR" dirty="0"/>
+              <a:t>[a] = 1;</a:t>
+            </a:r>
+          </a:p>
+          <a:p>
+            <a:r>
+              <a:rPr lang="en-US" altLang="ko-KR" dirty="0"/>
+              <a:t>	b = a / group</a:t>
+            </a:r>
+            <a:r>
+              <a:rPr lang="ko-KR" altLang="en-US" dirty="0"/>
+              <a:t> 수</a:t>
+            </a:r>
+            <a:endParaRPr lang="en-US" altLang="ko-KR" dirty="0"/>
+          </a:p>
+          <a:p>
+            <a:r>
+              <a:rPr lang="en-US" altLang="ko-KR" dirty="0"/>
+              <a:t>        </a:t>
+            </a:r>
+          </a:p>
+          <a:p>
+            <a:r>
+              <a:rPr lang="en-US" altLang="ko-KR" dirty="0"/>
+              <a:t>	</a:t>
+            </a:r>
+            <a:r>
+              <a:rPr lang="en-US" altLang="ko-KR" dirty="0" err="1"/>
+              <a:t>groupDB</a:t>
+            </a:r>
+            <a:r>
+              <a:rPr lang="ko-KR" altLang="en-US" dirty="0"/>
+              <a:t>에서 </a:t>
+            </a:r>
+            <a:r>
+              <a:rPr lang="ko-KR" altLang="en-US" dirty="0" err="1"/>
+              <a:t>한줄씩</a:t>
+            </a:r>
+            <a:r>
+              <a:rPr lang="ko-KR" altLang="en-US" dirty="0"/>
+              <a:t> </a:t>
+            </a:r>
+            <a:r>
+              <a:rPr lang="ko-KR" altLang="en-US" dirty="0" err="1"/>
+              <a:t>뽑아옴</a:t>
+            </a:r>
+            <a:endParaRPr lang="en-US" altLang="ko-KR" dirty="0"/>
+          </a:p>
+          <a:p>
+            <a:r>
+              <a:rPr lang="en-US" altLang="ko-KR" dirty="0"/>
+              <a:t>	if(</a:t>
+            </a:r>
+            <a:r>
+              <a:rPr lang="en-US" altLang="ko-KR" dirty="0" err="1"/>
+              <a:t>group_row</a:t>
+            </a:r>
+            <a:r>
+              <a:rPr lang="en-US" altLang="ko-KR" dirty="0"/>
+              <a:t>[2] == row[0]) </a:t>
+            </a:r>
+          </a:p>
+          <a:p>
+            <a:endParaRPr lang="en-US" altLang="ko-KR" dirty="0"/>
+          </a:p>
+          <a:p>
+            <a:r>
+              <a:rPr lang="en-US" altLang="ko-KR" dirty="0"/>
+              <a:t>}</a:t>
+            </a:r>
+            <a:endParaRPr lang="ko-KR" altLang="en-US" dirty="0"/>
+          </a:p>
+        </p:txBody>
+      </p:sp>
+    </p:spTree>
+    <p:extLst>
+      <p:ext uri="{BB962C8B-B14F-4D97-AF65-F5344CB8AC3E}">
+        <p14:creationId xmlns:p14="http://schemas.microsoft.com/office/powerpoint/2010/main" val="2178556897"/>
+      </p:ext>
+    </p:extLst>
+  </p:cSld>
+  <p:clrMapOvr>
+    <a:masterClrMapping/>
+  </p:clrMapOvr>
+</p:sld>
+</file>
+
+<file path=ppt/slides/slide12.xml><?xml version="1.0" encoding="utf-8"?>
+<p:sld xmlns:a="http://schemas.openxmlformats.org/drawingml/2006/main" xmlns:r="http://schemas.openxmlformats.org/officeDocument/2006/relationships" xmlns:p="http://schemas.openxmlformats.org/presentationml/2006/main">
+  <p:cSld>
+    <p:spTree>
+      <p:nvGrpSpPr>
+        <p:cNvPr id="1" name=""/>
+        <p:cNvGrpSpPr/>
+        <p:nvPr/>
+      </p:nvGrpSpPr>
+      <p:grpSpPr>
+        <a:xfrm>
+          <a:off x="0" y="0"/>
+          <a:ext cx="0" cy="0"/>
+          <a:chOff x="0" y="0"/>
+          <a:chExt cx="0" cy="0"/>
+        </a:xfrm>
+      </p:grpSpPr>
+      <p:sp>
+        <p:nvSpPr>
+          <p:cNvPr id="4" name="TextBox 3">
+            <a:extLst>
+              <a:ext uri="{FF2B5EF4-FFF2-40B4-BE49-F238E27FC236}">
+                <a16:creationId xmlns:a16="http://schemas.microsoft.com/office/drawing/2014/main" id="{B2CC801F-6CAB-4E55-88BB-022194A88274}"/>
+              </a:ext>
+            </a:extLst>
+          </p:cNvPr>
+          <p:cNvSpPr txBox="1"/>
+          <p:nvPr/>
+        </p:nvSpPr>
+        <p:spPr>
+          <a:xfrm>
+            <a:off x="1412798" y="627017"/>
+            <a:ext cx="7715795" cy="1200329"/>
+          </a:xfrm>
+          <a:prstGeom prst="rect">
+            <a:avLst/>
+          </a:prstGeom>
+          <a:noFill/>
+        </p:spPr>
+        <p:txBody>
+          <a:bodyPr wrap="square" rtlCol="0">
+            <a:spAutoFit/>
+          </a:bodyPr>
+          <a:lstStyle/>
+          <a:p>
+            <a:r>
+              <a:rPr lang="en-US" altLang="ko-KR" dirty="0"/>
+              <a:t>**</a:t>
+            </a:r>
+            <a:r>
+              <a:rPr lang="ko-KR" altLang="en-US" dirty="0"/>
+              <a:t>정렬 알고리즘</a:t>
+            </a:r>
+            <a:endParaRPr lang="en-US" altLang="ko-KR" dirty="0"/>
+          </a:p>
+          <a:p>
+            <a:endParaRPr lang="en-US" altLang="ko-KR" dirty="0"/>
+          </a:p>
+          <a:p>
+            <a:r>
+              <a:rPr lang="en-US" altLang="ko-KR" dirty="0"/>
+              <a:t>-</a:t>
+            </a:r>
+            <a:r>
+              <a:rPr lang="ko-KR" altLang="en-US" dirty="0"/>
+              <a:t>그룹 지정된 멤버들을 정렬</a:t>
+            </a:r>
+            <a:endParaRPr lang="en-US" altLang="ko-KR" dirty="0"/>
+          </a:p>
+          <a:p>
+            <a:r>
+              <a:rPr lang="en-US" altLang="ko-KR" dirty="0"/>
+              <a:t>-</a:t>
+            </a:r>
+          </a:p>
+        </p:txBody>
+      </p:sp>
+    </p:spTree>
+    <p:extLst>
+      <p:ext uri="{BB962C8B-B14F-4D97-AF65-F5344CB8AC3E}">
+        <p14:creationId xmlns:p14="http://schemas.microsoft.com/office/powerpoint/2010/main" val="3655280709"/>
       </p:ext>
     </p:extLst>
   </p:cSld>
@@ -6310,241 +9034,10 @@
       </p:grpSpPr>
       <p:sp>
         <p:nvSpPr>
-          <p:cNvPr id="3" name="부제목 2">
+          <p:cNvPr id="4" name="TextBox 3">
             <a:extLst>
               <a:ext uri="{FF2B5EF4-FFF2-40B4-BE49-F238E27FC236}">
-                <a16:creationId xmlns:a16="http://schemas.microsoft.com/office/drawing/2014/main" id="{B5C448A2-31B5-4D2E-9261-92F1BFC10D91}"/>
-              </a:ext>
-            </a:extLst>
-          </p:cNvPr>
-          <p:cNvSpPr txBox="1">
-            <a:spLocks/>
-          </p:cNvSpPr>
-          <p:nvPr/>
-        </p:nvSpPr>
-        <p:spPr>
-          <a:xfrm>
-            <a:off x="854109" y="240653"/>
-            <a:ext cx="6831673" cy="1086237"/>
-          </a:xfrm>
-          <a:prstGeom prst="rect">
-            <a:avLst/>
-          </a:prstGeom>
-        </p:spPr>
-        <p:txBody>
-          <a:bodyPr/>
-          <a:lstStyle>
-            <a:lvl1pPr marL="384048" indent="-384048" algn="l" defTabSz="914400" rtl="0" eaLnBrk="1" latinLnBrk="1" hangingPunct="1">
-              <a:lnSpc>
-                <a:spcPct val="94000"/>
-              </a:lnSpc>
-              <a:spcBef>
-                <a:spcPts val="1000"/>
-              </a:spcBef>
-              <a:spcAft>
-                <a:spcPts val="200"/>
-              </a:spcAft>
-              <a:buFont typeface="Franklin Gothic Book" panose="020B0503020102020204" pitchFamily="34" charset="0"/>
-              <a:buChar char="■"/>
-              <a:defRPr sz="2000" kern="1200" baseline="0">
-                <a:solidFill>
-                  <a:schemeClr val="tx2"/>
-                </a:solidFill>
-                <a:latin typeface="+mn-lt"/>
-                <a:ea typeface="+mn-ea"/>
-                <a:cs typeface="+mn-cs"/>
-              </a:defRPr>
-            </a:lvl1pPr>
-            <a:lvl2pPr marL="914400" indent="-384048" algn="l" defTabSz="914400" rtl="0" eaLnBrk="1" latinLnBrk="1" hangingPunct="1">
-              <a:lnSpc>
-                <a:spcPct val="94000"/>
-              </a:lnSpc>
-              <a:spcBef>
-                <a:spcPts val="500"/>
-              </a:spcBef>
-              <a:spcAft>
-                <a:spcPts val="200"/>
-              </a:spcAft>
-              <a:buFont typeface="Franklin Gothic Book" panose="020B0503020102020204" pitchFamily="34" charset="0"/>
-              <a:buChar char="–"/>
-              <a:defRPr sz="2000" i="1" kern="1200" baseline="0">
-                <a:solidFill>
-                  <a:schemeClr val="tx2"/>
-                </a:solidFill>
-                <a:latin typeface="+mn-lt"/>
-                <a:ea typeface="+mn-ea"/>
-                <a:cs typeface="+mn-cs"/>
-              </a:defRPr>
-            </a:lvl2pPr>
-            <a:lvl3pPr marL="1371600" indent="-384048" algn="l" defTabSz="914400" rtl="0" eaLnBrk="1" latinLnBrk="1" hangingPunct="1">
-              <a:lnSpc>
-                <a:spcPct val="94000"/>
-              </a:lnSpc>
-              <a:spcBef>
-                <a:spcPts val="500"/>
-              </a:spcBef>
-              <a:spcAft>
-                <a:spcPts val="200"/>
-              </a:spcAft>
-              <a:buFont typeface="Franklin Gothic Book" panose="020B0503020102020204" pitchFamily="34" charset="0"/>
-              <a:buChar char="■"/>
-              <a:defRPr sz="1800" kern="1200" baseline="0">
-                <a:solidFill>
-                  <a:schemeClr val="tx2"/>
-                </a:solidFill>
-                <a:latin typeface="+mn-lt"/>
-                <a:ea typeface="+mn-ea"/>
-                <a:cs typeface="+mn-cs"/>
-              </a:defRPr>
-            </a:lvl3pPr>
-            <a:lvl4pPr marL="1828800" indent="-384048" algn="l" defTabSz="914400" rtl="0" eaLnBrk="1" latinLnBrk="1" hangingPunct="1">
-              <a:lnSpc>
-                <a:spcPct val="94000"/>
-              </a:lnSpc>
-              <a:spcBef>
-                <a:spcPts val="500"/>
-              </a:spcBef>
-              <a:spcAft>
-                <a:spcPts val="200"/>
-              </a:spcAft>
-              <a:buFont typeface="Franklin Gothic Book" panose="020B0503020102020204" pitchFamily="34" charset="0"/>
-              <a:buChar char="–"/>
-              <a:defRPr sz="1800" i="1" kern="1200" baseline="0">
-                <a:solidFill>
-                  <a:schemeClr val="tx2"/>
-                </a:solidFill>
-                <a:latin typeface="+mn-lt"/>
-                <a:ea typeface="+mn-ea"/>
-                <a:cs typeface="+mn-cs"/>
-              </a:defRPr>
-            </a:lvl4pPr>
-            <a:lvl5pPr marL="2286000" indent="-384048" algn="l" defTabSz="914400" rtl="0" eaLnBrk="1" latinLnBrk="1" hangingPunct="1">
-              <a:lnSpc>
-                <a:spcPct val="94000"/>
-              </a:lnSpc>
-              <a:spcBef>
-                <a:spcPts val="500"/>
-              </a:spcBef>
-              <a:spcAft>
-                <a:spcPts val="200"/>
-              </a:spcAft>
-              <a:buFont typeface="Franklin Gothic Book" panose="020B0503020102020204" pitchFamily="34" charset="0"/>
-              <a:buChar char="■"/>
-              <a:defRPr sz="1600" kern="1200" baseline="0">
-                <a:solidFill>
-                  <a:schemeClr val="tx2"/>
-                </a:solidFill>
-                <a:latin typeface="+mn-lt"/>
-                <a:ea typeface="+mn-ea"/>
-                <a:cs typeface="+mn-cs"/>
-              </a:defRPr>
-            </a:lvl5pPr>
-            <a:lvl6pPr marL="2743200" indent="-384048" algn="l" defTabSz="914400" rtl="0" eaLnBrk="1" latinLnBrk="1" hangingPunct="1">
-              <a:lnSpc>
-                <a:spcPct val="94000"/>
-              </a:lnSpc>
-              <a:spcBef>
-                <a:spcPts val="500"/>
-              </a:spcBef>
-              <a:spcAft>
-                <a:spcPts val="200"/>
-              </a:spcAft>
-              <a:buFont typeface="Franklin Gothic Book" panose="020B0503020102020204" pitchFamily="34" charset="0"/>
-              <a:buChar char="–"/>
-              <a:defRPr sz="1600" i="1" kern="1200" baseline="0">
-                <a:solidFill>
-                  <a:schemeClr val="tx2"/>
-                </a:solidFill>
-                <a:latin typeface="+mn-lt"/>
-                <a:ea typeface="+mn-ea"/>
-                <a:cs typeface="+mn-cs"/>
-              </a:defRPr>
-            </a:lvl6pPr>
-            <a:lvl7pPr marL="3200400" indent="-384048" algn="l" defTabSz="914400" rtl="0" eaLnBrk="1" latinLnBrk="1" hangingPunct="1">
-              <a:lnSpc>
-                <a:spcPct val="94000"/>
-              </a:lnSpc>
-              <a:spcBef>
-                <a:spcPts val="500"/>
-              </a:spcBef>
-              <a:spcAft>
-                <a:spcPts val="200"/>
-              </a:spcAft>
-              <a:buFont typeface="Franklin Gothic Book" panose="020B0503020102020204" pitchFamily="34" charset="0"/>
-              <a:buChar char="■"/>
-              <a:defRPr sz="1400" kern="1200" baseline="0">
-                <a:solidFill>
-                  <a:schemeClr val="tx2"/>
-                </a:solidFill>
-                <a:latin typeface="+mn-lt"/>
-                <a:ea typeface="+mn-ea"/>
-                <a:cs typeface="+mn-cs"/>
-              </a:defRPr>
-            </a:lvl7pPr>
-            <a:lvl8pPr marL="3657600" indent="-384048" algn="l" defTabSz="914400" rtl="0" eaLnBrk="1" latinLnBrk="1" hangingPunct="1">
-              <a:lnSpc>
-                <a:spcPct val="94000"/>
-              </a:lnSpc>
-              <a:spcBef>
-                <a:spcPts val="500"/>
-              </a:spcBef>
-              <a:spcAft>
-                <a:spcPts val="200"/>
-              </a:spcAft>
-              <a:buFont typeface="Franklin Gothic Book" panose="020B0503020102020204" pitchFamily="34" charset="0"/>
-              <a:buChar char="–"/>
-              <a:defRPr sz="1400" i="1" kern="1200" baseline="0">
-                <a:solidFill>
-                  <a:schemeClr val="tx2"/>
-                </a:solidFill>
-                <a:latin typeface="+mn-lt"/>
-                <a:ea typeface="+mn-ea"/>
-                <a:cs typeface="+mn-cs"/>
-              </a:defRPr>
-            </a:lvl8pPr>
-            <a:lvl9pPr marL="4114800" indent="-384048" algn="l" defTabSz="914400" rtl="0" eaLnBrk="1" latinLnBrk="1" hangingPunct="1">
-              <a:lnSpc>
-                <a:spcPct val="94000"/>
-              </a:lnSpc>
-              <a:spcBef>
-                <a:spcPts val="500"/>
-              </a:spcBef>
-              <a:spcAft>
-                <a:spcPts val="200"/>
-              </a:spcAft>
-              <a:buFont typeface="Franklin Gothic Book" panose="020B0503020102020204" pitchFamily="34" charset="0"/>
-              <a:buChar char="■"/>
-              <a:defRPr sz="1400" kern="1200" baseline="0">
-                <a:solidFill>
-                  <a:schemeClr val="tx2"/>
-                </a:solidFill>
-                <a:latin typeface="+mn-lt"/>
-                <a:ea typeface="+mn-ea"/>
-                <a:cs typeface="+mn-cs"/>
-              </a:defRPr>
-            </a:lvl9pPr>
-          </a:lstStyle>
-          <a:p>
-            <a:r>
-              <a:rPr lang="en-US" altLang="ko-KR" dirty="0">
-                <a:latin typeface="한컴 윤고딕 250" panose="02020603020101020101" pitchFamily="18" charset="-127"/>
-                <a:ea typeface="한컴 윤고딕 250" panose="02020603020101020101" pitchFamily="18" charset="-127"/>
-              </a:rPr>
-              <a:t>HOW?</a:t>
-            </a:r>
-            <a:endParaRPr lang="ko-KR" altLang="en-US" dirty="0">
-              <a:latin typeface="한컴 윤고딕 250" panose="02020603020101020101" pitchFamily="18" charset="-127"/>
-              <a:ea typeface="한컴 윤고딕 250" panose="02020603020101020101" pitchFamily="18" charset="-127"/>
-            </a:endParaRPr>
-          </a:p>
-        </p:txBody>
-      </p:sp>
-      <p:sp>
-        <p:nvSpPr>
-          <p:cNvPr id="8" name="TextBox 7">
-            <a:extLst>
-              <a:ext uri="{FF2B5EF4-FFF2-40B4-BE49-F238E27FC236}">
-                <a16:creationId xmlns:a16="http://schemas.microsoft.com/office/drawing/2014/main" id="{28A4C48E-7E13-43C4-A156-AB1F53E91A60}"/>
+                <a16:creationId xmlns:a16="http://schemas.microsoft.com/office/drawing/2014/main" id="{B2CC801F-6CAB-4E55-88BB-022194A88274}"/>
               </a:ext>
             </a:extLst>
           </p:cNvPr>
@@ -6553,8 +9046,8 @@
         </p:nvSpPr>
         <p:spPr>
           <a:xfrm>
-            <a:off x="5674759" y="3020517"/>
-            <a:ext cx="7157776" cy="1569660"/>
+            <a:off x="1332412" y="566727"/>
+            <a:ext cx="7715795" cy="923330"/>
           </a:xfrm>
           <a:prstGeom prst="rect">
             <a:avLst/>
@@ -6568,1801 +9061,1589 @@
           <a:lstStyle/>
           <a:p>
             <a:r>
-              <a:rPr lang="en-US" altLang="ko-KR" sz="1600" dirty="0">
-                <a:latin typeface="한컴 윤고딕 240" panose="02020603020101020101" pitchFamily="18" charset="-127"/>
-                <a:ea typeface="한컴 윤고딕 240" panose="02020603020101020101" pitchFamily="18" charset="-127"/>
+              <a:rPr lang="ko-KR" altLang="en-US" dirty="0" err="1">
+                <a:latin typeface="한컴 윤고딕 250" panose="02020603020101020101" pitchFamily="18" charset="-127"/>
+                <a:ea typeface="한컴 윤고딕 250" panose="02020603020101020101" pitchFamily="18" charset="-127"/>
               </a:rPr>
-              <a:t>Group table</a:t>
-            </a:r>
-            <a:r>
-              <a:rPr lang="ko-KR" altLang="en-US" sz="1600" dirty="0">
-                <a:latin typeface="한컴 윤고딕 240" panose="02020603020101020101" pitchFamily="18" charset="-127"/>
-                <a:ea typeface="한컴 윤고딕 240" panose="02020603020101020101" pitchFamily="18" charset="-127"/>
+              <a:t>메인화면</a:t>
+            </a:r>
+            <a:r>
+              <a:rPr lang="en-US" altLang="ko-KR" dirty="0">
+                <a:latin typeface="한컴 윤고딕 250" panose="02020603020101020101" pitchFamily="18" charset="-127"/>
+                <a:ea typeface="한컴 윤고딕 250" panose="02020603020101020101" pitchFamily="18" charset="-127"/>
               </a:rPr>
-              <a:t>을 생성 후 </a:t>
-            </a:r>
-            <a:r>
-              <a:rPr lang="en-US" altLang="ko-KR" sz="1600" dirty="0">
-                <a:latin typeface="한컴 윤고딕 240" panose="02020603020101020101" pitchFamily="18" charset="-127"/>
-                <a:ea typeface="한컴 윤고딕 240" panose="02020603020101020101" pitchFamily="18" charset="-127"/>
-              </a:rPr>
-              <a:t>member</a:t>
-            </a:r>
-            <a:r>
-              <a:rPr lang="ko-KR" altLang="en-US" sz="1600" dirty="0">
-                <a:latin typeface="한컴 윤고딕 240" panose="02020603020101020101" pitchFamily="18" charset="-127"/>
-                <a:ea typeface="한컴 윤고딕 240" panose="02020603020101020101" pitchFamily="18" charset="-127"/>
-              </a:rPr>
-              <a:t> 의 데이터를 가공하여 </a:t>
-            </a:r>
-            <a:r>
-              <a:rPr lang="en-US" altLang="ko-KR" sz="1600" dirty="0">
-                <a:latin typeface="한컴 윤고딕 240" panose="02020603020101020101" pitchFamily="18" charset="-127"/>
-                <a:ea typeface="한컴 윤고딕 240" panose="02020603020101020101" pitchFamily="18" charset="-127"/>
-              </a:rPr>
-              <a:t>INSERT</a:t>
-            </a:r>
-          </a:p>
-          <a:p>
-            <a:pPr marL="285750" indent="-285750">
-              <a:buFont typeface="Wingdings" panose="05000000000000000000" pitchFamily="2" charset="2"/>
-              <a:buChar char="§"/>
-            </a:pPr>
-            <a:endParaRPr lang="en-US" altLang="ko-KR" sz="1600" dirty="0">
-              <a:latin typeface="한컴 윤고딕 240" panose="02020603020101020101" pitchFamily="18" charset="-127"/>
-              <a:ea typeface="한컴 윤고딕 240" panose="02020603020101020101" pitchFamily="18" charset="-127"/>
+              <a:t>(INSERT)</a:t>
+            </a:r>
+          </a:p>
+          <a:p>
+            <a:endParaRPr lang="en-US" altLang="ko-KR" dirty="0">
+              <a:latin typeface="한컴 윤고딕 250" panose="02020603020101020101" pitchFamily="18" charset="-127"/>
+              <a:ea typeface="한컴 윤고딕 250" panose="02020603020101020101" pitchFamily="18" charset="-127"/>
             </a:endParaRPr>
           </a:p>
           <a:p>
-            <a:pPr marL="285750" indent="-285750">
-              <a:buFont typeface="Wingdings" panose="05000000000000000000" pitchFamily="2" charset="2"/>
-              <a:buChar char="§"/>
-            </a:pPr>
-            <a:r>
-              <a:rPr lang="ko-KR" altLang="en-US" sz="1600" dirty="0">
-                <a:latin typeface="한컴 윤고딕 240" panose="02020603020101020101" pitchFamily="18" charset="-127"/>
-                <a:ea typeface="한컴 윤고딕 240" panose="02020603020101020101" pitchFamily="18" charset="-127"/>
-              </a:rPr>
-              <a:t>랜덤 수를 만들어</a:t>
-            </a:r>
-            <a:r>
-              <a:rPr lang="en-US" altLang="ko-KR" sz="1600" dirty="0">
-                <a:latin typeface="한컴 윤고딕 240" panose="02020603020101020101" pitchFamily="18" charset="-127"/>
-                <a:ea typeface="한컴 윤고딕 240" panose="02020603020101020101" pitchFamily="18" charset="-127"/>
-              </a:rPr>
-              <a:t>, </a:t>
-            </a:r>
-            <a:r>
-              <a:rPr lang="ko-KR" altLang="en-US" sz="1600" dirty="0">
-                <a:latin typeface="한컴 윤고딕 240" panose="02020603020101020101" pitchFamily="18" charset="-127"/>
-                <a:ea typeface="한컴 윤고딕 240" panose="02020603020101020101" pitchFamily="18" charset="-127"/>
-              </a:rPr>
-              <a:t>랜덤 수에다 만들고자 하는 </a:t>
-            </a:r>
-            <a:r>
-              <a:rPr lang="ko-KR" altLang="en-US" sz="1600" dirty="0" err="1">
-                <a:latin typeface="한컴 윤고딕 240" panose="02020603020101020101" pitchFamily="18" charset="-127"/>
-                <a:ea typeface="한컴 윤고딕 240" panose="02020603020101020101" pitchFamily="18" charset="-127"/>
-              </a:rPr>
-              <a:t>그룹수를</a:t>
-            </a:r>
-            <a:r>
-              <a:rPr lang="ko-KR" altLang="en-US" sz="1600" dirty="0">
-                <a:latin typeface="한컴 윤고딕 240" panose="02020603020101020101" pitchFamily="18" charset="-127"/>
-                <a:ea typeface="한컴 윤고딕 240" panose="02020603020101020101" pitchFamily="18" charset="-127"/>
-              </a:rPr>
-              <a:t> 나눠 그 나머지를 </a:t>
-            </a:r>
-            <a:endParaRPr lang="en-US" altLang="ko-KR" sz="1600" dirty="0">
-              <a:latin typeface="한컴 윤고딕 240" panose="02020603020101020101" pitchFamily="18" charset="-127"/>
-              <a:ea typeface="한컴 윤고딕 240" panose="02020603020101020101" pitchFamily="18" charset="-127"/>
-            </a:endParaRPr>
-          </a:p>
-          <a:p>
-            <a:r>
-              <a:rPr lang="ko-KR" altLang="en-US" sz="1600" dirty="0">
-                <a:latin typeface="한컴 윤고딕 240" panose="02020603020101020101" pitchFamily="18" charset="-127"/>
-                <a:ea typeface="한컴 윤고딕 240" panose="02020603020101020101" pitchFamily="18" charset="-127"/>
-              </a:rPr>
-              <a:t>그룹의 넘버로 이용</a:t>
-            </a:r>
-            <a:r>
-              <a:rPr lang="en-US" altLang="ko-KR" sz="1600" dirty="0">
-                <a:latin typeface="한컴 윤고딕 240" panose="02020603020101020101" pitchFamily="18" charset="-127"/>
-                <a:ea typeface="한컴 윤고딕 240" panose="02020603020101020101" pitchFamily="18" charset="-127"/>
-              </a:rPr>
-              <a:t>.</a:t>
-            </a:r>
-          </a:p>
-          <a:p>
-            <a:pPr marL="285750" indent="-285750">
-              <a:buFont typeface="Wingdings" panose="05000000000000000000" pitchFamily="2" charset="2"/>
-              <a:buChar char="§"/>
-            </a:pPr>
-            <a:r>
-              <a:rPr lang="en-US" altLang="ko-KR" sz="1600" dirty="0">
-                <a:latin typeface="한컴 윤고딕 240" panose="02020603020101020101" pitchFamily="18" charset="-127"/>
-                <a:ea typeface="한컴 윤고딕 240" panose="02020603020101020101" pitchFamily="18" charset="-127"/>
-              </a:rPr>
-              <a:t>Flag</a:t>
-            </a:r>
-            <a:r>
-              <a:rPr lang="ko-KR" altLang="en-US" sz="1600" dirty="0">
-                <a:latin typeface="한컴 윤고딕 240" panose="02020603020101020101" pitchFamily="18" charset="-127"/>
-                <a:ea typeface="한컴 윤고딕 240" panose="02020603020101020101" pitchFamily="18" charset="-127"/>
-              </a:rPr>
-              <a:t>를 이용하여 </a:t>
-            </a:r>
-            <a:r>
-              <a:rPr lang="ko-KR" altLang="en-US" sz="1600" dirty="0" err="1">
-                <a:latin typeface="한컴 윤고딕 240" panose="02020603020101020101" pitchFamily="18" charset="-127"/>
-                <a:ea typeface="한컴 윤고딕 240" panose="02020603020101020101" pitchFamily="18" charset="-127"/>
-              </a:rPr>
-              <a:t>멤버들간의</a:t>
-            </a:r>
-            <a:r>
-              <a:rPr lang="ko-KR" altLang="en-US" sz="1600" dirty="0">
-                <a:latin typeface="한컴 윤고딕 240" panose="02020603020101020101" pitchFamily="18" charset="-127"/>
-                <a:ea typeface="한컴 윤고딕 240" panose="02020603020101020101" pitchFamily="18" charset="-127"/>
-              </a:rPr>
-              <a:t> 필터링</a:t>
-            </a:r>
-            <a:endParaRPr lang="en-US" altLang="ko-KR" sz="1600" dirty="0">
-              <a:latin typeface="한컴 윤고딕 240" panose="02020603020101020101" pitchFamily="18" charset="-127"/>
-              <a:ea typeface="한컴 윤고딕 240" panose="02020603020101020101" pitchFamily="18" charset="-127"/>
-            </a:endParaRPr>
-          </a:p>
-          <a:p>
-            <a:endParaRPr lang="ko-KR" altLang="en-US" sz="1600" dirty="0">
-              <a:latin typeface="한컴 윤고딕 240" panose="02020603020101020101" pitchFamily="18" charset="-127"/>
-              <a:ea typeface="한컴 윤고딕 240" panose="02020603020101020101" pitchFamily="18" charset="-127"/>
+            <a:endParaRPr lang="en-US" altLang="ko-KR" dirty="0">
+              <a:latin typeface="한컴 윤고딕 250" panose="02020603020101020101" pitchFamily="18" charset="-127"/>
+              <a:ea typeface="한컴 윤고딕 250" panose="02020603020101020101" pitchFamily="18" charset="-127"/>
             </a:endParaRPr>
           </a:p>
         </p:txBody>
       </p:sp>
-      <p:graphicFrame>
-        <p:nvGraphicFramePr>
-          <p:cNvPr id="2" name="표 1">
+      <p:sp>
+        <p:nvSpPr>
+          <p:cNvPr id="2" name="TextBox 1">
             <a:extLst>
               <a:ext uri="{FF2B5EF4-FFF2-40B4-BE49-F238E27FC236}">
-                <a16:creationId xmlns:a16="http://schemas.microsoft.com/office/drawing/2014/main" id="{BCB64E93-AAEF-46E8-BDBB-1A33CF28F66D}"/>
+                <a16:creationId xmlns:a16="http://schemas.microsoft.com/office/drawing/2014/main" id="{32999FB5-5009-42D4-81D4-0E738E543E2B}"/>
               </a:ext>
             </a:extLst>
           </p:cNvPr>
-          <p:cNvGraphicFramePr>
-            <a:graphicFrameLocks noGrp="1"/>
-          </p:cNvGraphicFramePr>
-          <p:nvPr>
-            <p:extLst>
-              <p:ext uri="{D42A27DB-BD31-4B8C-83A1-F6EECF244321}">
-                <p14:modId xmlns:p14="http://schemas.microsoft.com/office/powerpoint/2010/main" val="3223463004"/>
-              </p:ext>
-            </p:extLst>
-          </p:nvPr>
-        </p:nvGraphicFramePr>
-        <p:xfrm>
-          <a:off x="1142929" y="1669145"/>
-          <a:ext cx="4191000" cy="3257550"/>
-        </p:xfrm>
-        <a:graphic>
-          <a:graphicData uri="http://schemas.openxmlformats.org/drawingml/2006/table">
-            <a:tbl>
-              <a:tblPr>
-                <a:tableStyleId>{5C22544A-7EE6-4342-B048-85BDC9FD1C3A}</a:tableStyleId>
-              </a:tblPr>
-              <a:tblGrid>
-                <a:gridCol w="1054100">
-                  <a:extLst>
-                    <a:ext uri="{9D8B030D-6E8A-4147-A177-3AD203B41FA5}">
-                      <a16:colId xmlns:a16="http://schemas.microsoft.com/office/drawing/2014/main" val="3229896804"/>
-                    </a:ext>
-                  </a:extLst>
-                </a:gridCol>
-                <a:gridCol w="1333500">
-                  <a:extLst>
-                    <a:ext uri="{9D8B030D-6E8A-4147-A177-3AD203B41FA5}">
-                      <a16:colId xmlns:a16="http://schemas.microsoft.com/office/drawing/2014/main" val="3628034473"/>
-                    </a:ext>
-                  </a:extLst>
-                </a:gridCol>
-                <a:gridCol w="1143000">
-                  <a:extLst>
-                    <a:ext uri="{9D8B030D-6E8A-4147-A177-3AD203B41FA5}">
-                      <a16:colId xmlns:a16="http://schemas.microsoft.com/office/drawing/2014/main" val="816556053"/>
-                    </a:ext>
-                  </a:extLst>
-                </a:gridCol>
-                <a:gridCol w="660400">
-                  <a:extLst>
-                    <a:ext uri="{9D8B030D-6E8A-4147-A177-3AD203B41FA5}">
-                      <a16:colId xmlns:a16="http://schemas.microsoft.com/office/drawing/2014/main" val="743237345"/>
-                    </a:ext>
-                  </a:extLst>
-                </a:gridCol>
-              </a:tblGrid>
-              <a:tr h="222250">
-                <a:tc>
-                  <a:txBody>
-                    <a:bodyPr/>
-                    <a:lstStyle/>
-                    <a:p>
-                      <a:pPr algn="ctr" fontAlgn="ctr"/>
-                      <a:r>
-                        <a:rPr lang="en-US" sz="1100" u="none" strike="noStrike">
-                          <a:effectLst/>
-                        </a:rPr>
-                        <a:t>Group</a:t>
-                      </a:r>
-                      <a:endParaRPr lang="en-US" sz="1100" b="0" i="0" u="none" strike="noStrike">
-                        <a:solidFill>
-                          <a:srgbClr val="9C5700"/>
-                        </a:solidFill>
-                        <a:effectLst/>
-                        <a:latin typeface="맑은 고딕" panose="020B0503020000020004" pitchFamily="50" charset="-127"/>
-                        <a:ea typeface="맑은 고딕" panose="020B0503020000020004" pitchFamily="50" charset="-127"/>
-                      </a:endParaRPr>
-                    </a:p>
-                  </a:txBody>
-                  <a:tcPr marL="6350" marR="6350" marT="6350" marB="0" anchor="ctr"/>
-                </a:tc>
-                <a:tc>
-                  <a:txBody>
-                    <a:bodyPr/>
-                    <a:lstStyle/>
-                    <a:p>
-                      <a:pPr algn="r" fontAlgn="ctr"/>
-                      <a:r>
-                        <a:rPr lang="ko-KR" altLang="en-US" sz="1100" u="none" strike="noStrike">
-                          <a:effectLst/>
-                        </a:rPr>
-                        <a:t>만들 그룹 수</a:t>
-                      </a:r>
-                      <a:endParaRPr lang="ko-KR" altLang="en-US" sz="1100" b="0" i="0" u="none" strike="noStrike">
-                        <a:solidFill>
-                          <a:srgbClr val="000000"/>
-                        </a:solidFill>
-                        <a:effectLst/>
-                        <a:latin typeface="맑은 고딕" panose="020B0503020000020004" pitchFamily="50" charset="-127"/>
-                        <a:ea typeface="맑은 고딕" panose="020B0503020000020004" pitchFamily="50" charset="-127"/>
-                      </a:endParaRPr>
-                    </a:p>
-                  </a:txBody>
-                  <a:tcPr marL="6350" marR="6350" marT="6350" marB="0" anchor="ctr"/>
-                </a:tc>
-                <a:tc>
-                  <a:txBody>
-                    <a:bodyPr/>
-                    <a:lstStyle/>
-                    <a:p>
-                      <a:pPr algn="ctr" fontAlgn="ctr"/>
-                      <a:r>
-                        <a:rPr lang="en-US" altLang="ko-KR" sz="1100" u="none" strike="noStrike">
-                          <a:effectLst/>
-                        </a:rPr>
-                        <a:t>4</a:t>
-                      </a:r>
-                      <a:endParaRPr lang="en-US" altLang="ko-KR" sz="1100" b="0" i="0" u="none" strike="noStrike">
-                        <a:solidFill>
-                          <a:srgbClr val="000000"/>
-                        </a:solidFill>
-                        <a:effectLst/>
-                        <a:latin typeface="맑은 고딕" panose="020B0503020000020004" pitchFamily="50" charset="-127"/>
-                        <a:ea typeface="맑은 고딕" panose="020B0503020000020004" pitchFamily="50" charset="-127"/>
-                      </a:endParaRPr>
-                    </a:p>
-                  </a:txBody>
-                  <a:tcPr marL="6350" marR="6350" marT="6350" marB="0" anchor="ctr"/>
-                </a:tc>
-                <a:tc>
-                  <a:txBody>
-                    <a:bodyPr/>
-                    <a:lstStyle/>
-                    <a:p>
-                      <a:pPr algn="l" fontAlgn="ctr"/>
-                      <a:endParaRPr lang="ko-KR" altLang="en-US" sz="1100" b="0" i="0" u="none" strike="noStrike">
-                        <a:solidFill>
-                          <a:srgbClr val="000000"/>
-                        </a:solidFill>
-                        <a:effectLst/>
-                        <a:latin typeface="맑은 고딕" panose="020B0503020000020004" pitchFamily="50" charset="-127"/>
-                        <a:ea typeface="맑은 고딕" panose="020B0503020000020004" pitchFamily="50" charset="-127"/>
-                      </a:endParaRPr>
-                    </a:p>
-                  </a:txBody>
-                  <a:tcPr marL="6350" marR="6350" marT="6350" marB="0" anchor="ctr"/>
-                </a:tc>
-                <a:extLst>
-                  <a:ext uri="{0D108BD9-81ED-4DB2-BD59-A6C34878D82A}">
-                    <a16:rowId xmlns:a16="http://schemas.microsoft.com/office/drawing/2014/main" val="2056187735"/>
-                  </a:ext>
-                </a:extLst>
-              </a:tr>
-              <a:tr h="222250">
-                <a:tc>
-                  <a:txBody>
-                    <a:bodyPr/>
-                    <a:lstStyle/>
-                    <a:p>
-                      <a:pPr algn="ctr" fontAlgn="ctr"/>
-                      <a:r>
-                        <a:rPr lang="ko-KR" altLang="en-US" sz="1100" u="none" strike="noStrike">
-                          <a:effectLst/>
-                        </a:rPr>
-                        <a:t>번호</a:t>
-                      </a:r>
-                      <a:r>
-                        <a:rPr lang="en-US" altLang="ko-KR" sz="1100" u="none" strike="noStrike">
-                          <a:effectLst/>
-                        </a:rPr>
-                        <a:t>(</a:t>
-                      </a:r>
-                      <a:r>
-                        <a:rPr lang="en-US" sz="1100" u="none" strike="noStrike">
-                          <a:effectLst/>
-                        </a:rPr>
-                        <a:t>num)</a:t>
-                      </a:r>
-                      <a:endParaRPr lang="en-US" sz="1100" b="0" i="0" u="none" strike="noStrike">
-                        <a:solidFill>
-                          <a:srgbClr val="000000"/>
-                        </a:solidFill>
-                        <a:effectLst/>
-                        <a:latin typeface="맑은 고딕" panose="020B0503020000020004" pitchFamily="50" charset="-127"/>
-                        <a:ea typeface="맑은 고딕" panose="020B0503020000020004" pitchFamily="50" charset="-127"/>
-                      </a:endParaRPr>
-                    </a:p>
-                  </a:txBody>
-                  <a:tcPr marL="6350" marR="6350" marT="6350" marB="0" anchor="ctr"/>
-                </a:tc>
-                <a:tc>
-                  <a:txBody>
-                    <a:bodyPr/>
-                    <a:lstStyle/>
-                    <a:p>
-                      <a:pPr algn="ctr" fontAlgn="ctr"/>
-                      <a:r>
-                        <a:rPr lang="ko-KR" altLang="en-US" sz="1100" u="none" strike="noStrike">
-                          <a:effectLst/>
-                        </a:rPr>
-                        <a:t>랜덤수</a:t>
-                      </a:r>
-                      <a:r>
-                        <a:rPr lang="en-US" altLang="ko-KR" sz="1100" u="none" strike="noStrike">
-                          <a:effectLst/>
-                        </a:rPr>
-                        <a:t>(</a:t>
-                      </a:r>
-                      <a:r>
-                        <a:rPr lang="en-US" sz="1100" u="none" strike="noStrike">
-                          <a:effectLst/>
-                        </a:rPr>
-                        <a:t>randNum)</a:t>
-                      </a:r>
-                      <a:endParaRPr lang="en-US" sz="1100" b="0" i="0" u="none" strike="noStrike">
-                        <a:solidFill>
-                          <a:srgbClr val="000000"/>
-                        </a:solidFill>
-                        <a:effectLst/>
-                        <a:latin typeface="맑은 고딕" panose="020B0503020000020004" pitchFamily="50" charset="-127"/>
-                        <a:ea typeface="맑은 고딕" panose="020B0503020000020004" pitchFamily="50" charset="-127"/>
-                      </a:endParaRPr>
-                    </a:p>
-                  </a:txBody>
-                  <a:tcPr marL="6350" marR="6350" marT="6350" marB="0" anchor="ctr"/>
-                </a:tc>
-                <a:tc>
-                  <a:txBody>
-                    <a:bodyPr/>
-                    <a:lstStyle/>
-                    <a:p>
-                      <a:pPr algn="ctr" fontAlgn="ctr"/>
-                      <a:r>
-                        <a:rPr lang="ko-KR" altLang="en-US" sz="1100" u="none" strike="noStrike">
-                          <a:effectLst/>
-                        </a:rPr>
-                        <a:t>그룹</a:t>
-                      </a:r>
-                      <a:r>
-                        <a:rPr lang="en-US" altLang="ko-KR" sz="1100" u="none" strike="noStrike">
-                          <a:effectLst/>
-                        </a:rPr>
-                        <a:t>(</a:t>
-                      </a:r>
-                      <a:r>
-                        <a:rPr lang="en-US" sz="1100" u="none" strike="noStrike">
-                          <a:effectLst/>
-                        </a:rPr>
-                        <a:t>group)</a:t>
-                      </a:r>
-                      <a:endParaRPr lang="en-US" sz="1100" b="0" i="0" u="none" strike="noStrike">
-                        <a:solidFill>
-                          <a:srgbClr val="000000"/>
-                        </a:solidFill>
-                        <a:effectLst/>
-                        <a:latin typeface="맑은 고딕" panose="020B0503020000020004" pitchFamily="50" charset="-127"/>
-                        <a:ea typeface="맑은 고딕" panose="020B0503020000020004" pitchFamily="50" charset="-127"/>
-                      </a:endParaRPr>
-                    </a:p>
-                  </a:txBody>
-                  <a:tcPr marL="6350" marR="6350" marT="6350" marB="0" anchor="ctr"/>
-                </a:tc>
-                <a:tc>
-                  <a:txBody>
-                    <a:bodyPr/>
-                    <a:lstStyle/>
-                    <a:p>
-                      <a:pPr algn="ctr" fontAlgn="ctr"/>
-                      <a:r>
-                        <a:rPr lang="en-US" sz="1100" u="none" strike="noStrike">
-                          <a:effectLst/>
-                        </a:rPr>
-                        <a:t>flag</a:t>
-                      </a:r>
-                      <a:endParaRPr lang="en-US" sz="1100" b="0" i="0" u="none" strike="noStrike">
-                        <a:solidFill>
-                          <a:srgbClr val="000000"/>
-                        </a:solidFill>
-                        <a:effectLst/>
-                        <a:latin typeface="맑은 고딕" panose="020B0503020000020004" pitchFamily="50" charset="-127"/>
-                        <a:ea typeface="맑은 고딕" panose="020B0503020000020004" pitchFamily="50" charset="-127"/>
-                      </a:endParaRPr>
-                    </a:p>
-                  </a:txBody>
-                  <a:tcPr marL="6350" marR="6350" marT="6350" marB="0" anchor="ctr"/>
-                </a:tc>
-                <a:extLst>
-                  <a:ext uri="{0D108BD9-81ED-4DB2-BD59-A6C34878D82A}">
-                    <a16:rowId xmlns:a16="http://schemas.microsoft.com/office/drawing/2014/main" val="1811318526"/>
-                  </a:ext>
-                </a:extLst>
-              </a:tr>
-              <a:tr h="215900">
-                <a:tc>
-                  <a:txBody>
-                    <a:bodyPr/>
-                    <a:lstStyle/>
-                    <a:p>
-                      <a:pPr algn="r" fontAlgn="ctr"/>
-                      <a:r>
-                        <a:rPr lang="en-US" altLang="ko-KR" sz="1100" u="none" strike="noStrike">
-                          <a:effectLst/>
-                        </a:rPr>
-                        <a:t>1</a:t>
-                      </a:r>
-                      <a:endParaRPr lang="en-US" altLang="ko-KR" sz="1100" b="0" i="0" u="none" strike="noStrike">
-                        <a:solidFill>
-                          <a:srgbClr val="000000"/>
-                        </a:solidFill>
-                        <a:effectLst/>
-                        <a:latin typeface="맑은 고딕" panose="020B0503020000020004" pitchFamily="50" charset="-127"/>
-                        <a:ea typeface="맑은 고딕" panose="020B0503020000020004" pitchFamily="50" charset="-127"/>
-                      </a:endParaRPr>
-                    </a:p>
-                  </a:txBody>
-                  <a:tcPr marL="6350" marR="6350" marT="6350" marB="0" anchor="ctr"/>
-                </a:tc>
-                <a:tc>
-                  <a:txBody>
-                    <a:bodyPr/>
-                    <a:lstStyle/>
-                    <a:p>
-                      <a:pPr algn="r" fontAlgn="ctr"/>
-                      <a:r>
-                        <a:rPr lang="en-US" altLang="ko-KR" sz="1100" u="none" strike="noStrike">
-                          <a:effectLst/>
-                        </a:rPr>
-                        <a:t>13</a:t>
-                      </a:r>
-                      <a:endParaRPr lang="en-US" altLang="ko-KR" sz="1100" b="0" i="0" u="none" strike="noStrike">
-                        <a:solidFill>
-                          <a:srgbClr val="000000"/>
-                        </a:solidFill>
-                        <a:effectLst/>
-                        <a:latin typeface="맑은 고딕" panose="020B0503020000020004" pitchFamily="50" charset="-127"/>
-                        <a:ea typeface="맑은 고딕" panose="020B0503020000020004" pitchFamily="50" charset="-127"/>
-                      </a:endParaRPr>
-                    </a:p>
-                  </a:txBody>
-                  <a:tcPr marL="6350" marR="6350" marT="6350" marB="0" anchor="ctr"/>
-                </a:tc>
-                <a:tc>
-                  <a:txBody>
-                    <a:bodyPr/>
-                    <a:lstStyle/>
-                    <a:p>
-                      <a:pPr algn="r" fontAlgn="ctr"/>
-                      <a:r>
-                        <a:rPr lang="en-US" altLang="ko-KR" sz="1100" u="none" strike="noStrike">
-                          <a:effectLst/>
-                        </a:rPr>
-                        <a:t>1</a:t>
-                      </a:r>
-                      <a:endParaRPr lang="en-US" altLang="ko-KR" sz="1100" b="0" i="0" u="none" strike="noStrike">
-                        <a:solidFill>
-                          <a:srgbClr val="000000"/>
-                        </a:solidFill>
-                        <a:effectLst/>
-                        <a:latin typeface="맑은 고딕" panose="020B0503020000020004" pitchFamily="50" charset="-127"/>
-                        <a:ea typeface="맑은 고딕" panose="020B0503020000020004" pitchFamily="50" charset="-127"/>
-                      </a:endParaRPr>
-                    </a:p>
-                  </a:txBody>
-                  <a:tcPr marL="6350" marR="6350" marT="6350" marB="0" anchor="ctr"/>
-                </a:tc>
-                <a:tc>
-                  <a:txBody>
-                    <a:bodyPr/>
-                    <a:lstStyle/>
-                    <a:p>
-                      <a:pPr algn="l" fontAlgn="ctr"/>
-                      <a:r>
-                        <a:rPr lang="ko-KR" altLang="en-US" sz="1100" u="none" strike="noStrike">
-                          <a:effectLst/>
-                        </a:rPr>
-                        <a:t>　</a:t>
-                      </a:r>
-                      <a:endParaRPr lang="ko-KR" altLang="en-US" sz="1100" b="0" i="0" u="none" strike="noStrike">
-                        <a:solidFill>
-                          <a:srgbClr val="000000"/>
-                        </a:solidFill>
-                        <a:effectLst/>
-                        <a:latin typeface="맑은 고딕" panose="020B0503020000020004" pitchFamily="50" charset="-127"/>
-                        <a:ea typeface="맑은 고딕" panose="020B0503020000020004" pitchFamily="50" charset="-127"/>
-                      </a:endParaRPr>
-                    </a:p>
-                  </a:txBody>
-                  <a:tcPr marL="6350" marR="6350" marT="6350" marB="0" anchor="ctr"/>
-                </a:tc>
-                <a:extLst>
-                  <a:ext uri="{0D108BD9-81ED-4DB2-BD59-A6C34878D82A}">
-                    <a16:rowId xmlns:a16="http://schemas.microsoft.com/office/drawing/2014/main" val="1354110585"/>
-                  </a:ext>
-                </a:extLst>
-              </a:tr>
-              <a:tr h="215900">
-                <a:tc>
-                  <a:txBody>
-                    <a:bodyPr/>
-                    <a:lstStyle/>
-                    <a:p>
-                      <a:pPr algn="r" fontAlgn="ctr"/>
-                      <a:r>
-                        <a:rPr lang="en-US" altLang="ko-KR" sz="1100" u="none" strike="noStrike">
-                          <a:effectLst/>
-                        </a:rPr>
-                        <a:t>2</a:t>
-                      </a:r>
-                      <a:endParaRPr lang="en-US" altLang="ko-KR" sz="1100" b="0" i="0" u="none" strike="noStrike">
-                        <a:solidFill>
-                          <a:srgbClr val="000000"/>
-                        </a:solidFill>
-                        <a:effectLst/>
-                        <a:latin typeface="맑은 고딕" panose="020B0503020000020004" pitchFamily="50" charset="-127"/>
-                        <a:ea typeface="맑은 고딕" panose="020B0503020000020004" pitchFamily="50" charset="-127"/>
-                      </a:endParaRPr>
-                    </a:p>
-                  </a:txBody>
-                  <a:tcPr marL="6350" marR="6350" marT="6350" marB="0" anchor="ctr"/>
-                </a:tc>
-                <a:tc>
-                  <a:txBody>
-                    <a:bodyPr/>
-                    <a:lstStyle/>
-                    <a:p>
-                      <a:pPr algn="r" fontAlgn="ctr"/>
-                      <a:r>
-                        <a:rPr lang="en-US" altLang="ko-KR" sz="1100" u="none" strike="noStrike">
-                          <a:effectLst/>
-                        </a:rPr>
-                        <a:t>7</a:t>
-                      </a:r>
-                      <a:endParaRPr lang="en-US" altLang="ko-KR" sz="1100" b="0" i="0" u="none" strike="noStrike">
-                        <a:solidFill>
-                          <a:srgbClr val="000000"/>
-                        </a:solidFill>
-                        <a:effectLst/>
-                        <a:latin typeface="맑은 고딕" panose="020B0503020000020004" pitchFamily="50" charset="-127"/>
-                        <a:ea typeface="맑은 고딕" panose="020B0503020000020004" pitchFamily="50" charset="-127"/>
-                      </a:endParaRPr>
-                    </a:p>
-                  </a:txBody>
-                  <a:tcPr marL="6350" marR="6350" marT="6350" marB="0" anchor="ctr"/>
-                </a:tc>
-                <a:tc>
-                  <a:txBody>
-                    <a:bodyPr/>
-                    <a:lstStyle/>
-                    <a:p>
-                      <a:pPr algn="r" fontAlgn="ctr"/>
-                      <a:r>
-                        <a:rPr lang="en-US" altLang="ko-KR" sz="1100" u="none" strike="noStrike">
-                          <a:effectLst/>
-                        </a:rPr>
-                        <a:t>3</a:t>
-                      </a:r>
-                      <a:endParaRPr lang="en-US" altLang="ko-KR" sz="1100" b="0" i="0" u="none" strike="noStrike">
-                        <a:solidFill>
-                          <a:srgbClr val="000000"/>
-                        </a:solidFill>
-                        <a:effectLst/>
-                        <a:latin typeface="맑은 고딕" panose="020B0503020000020004" pitchFamily="50" charset="-127"/>
-                        <a:ea typeface="맑은 고딕" panose="020B0503020000020004" pitchFamily="50" charset="-127"/>
-                      </a:endParaRPr>
-                    </a:p>
-                  </a:txBody>
-                  <a:tcPr marL="6350" marR="6350" marT="6350" marB="0" anchor="ctr"/>
-                </a:tc>
-                <a:tc>
-                  <a:txBody>
-                    <a:bodyPr/>
-                    <a:lstStyle/>
-                    <a:p>
-                      <a:pPr algn="l" fontAlgn="ctr"/>
-                      <a:r>
-                        <a:rPr lang="ko-KR" altLang="en-US" sz="1100" u="none" strike="noStrike">
-                          <a:effectLst/>
-                        </a:rPr>
-                        <a:t>　</a:t>
-                      </a:r>
-                      <a:endParaRPr lang="ko-KR" altLang="en-US" sz="1100" b="0" i="0" u="none" strike="noStrike">
-                        <a:solidFill>
-                          <a:srgbClr val="000000"/>
-                        </a:solidFill>
-                        <a:effectLst/>
-                        <a:latin typeface="맑은 고딕" panose="020B0503020000020004" pitchFamily="50" charset="-127"/>
-                        <a:ea typeface="맑은 고딕" panose="020B0503020000020004" pitchFamily="50" charset="-127"/>
-                      </a:endParaRPr>
-                    </a:p>
-                  </a:txBody>
-                  <a:tcPr marL="6350" marR="6350" marT="6350" marB="0" anchor="ctr"/>
-                </a:tc>
-                <a:extLst>
-                  <a:ext uri="{0D108BD9-81ED-4DB2-BD59-A6C34878D82A}">
-                    <a16:rowId xmlns:a16="http://schemas.microsoft.com/office/drawing/2014/main" val="1456795625"/>
-                  </a:ext>
-                </a:extLst>
-              </a:tr>
-              <a:tr h="215900">
-                <a:tc>
-                  <a:txBody>
-                    <a:bodyPr/>
-                    <a:lstStyle/>
-                    <a:p>
-                      <a:pPr algn="r" fontAlgn="ctr"/>
-                      <a:r>
-                        <a:rPr lang="en-US" altLang="ko-KR" sz="1100" u="none" strike="noStrike">
-                          <a:effectLst/>
-                        </a:rPr>
-                        <a:t>3</a:t>
-                      </a:r>
-                      <a:endParaRPr lang="en-US" altLang="ko-KR" sz="1100" b="0" i="0" u="none" strike="noStrike">
-                        <a:solidFill>
-                          <a:srgbClr val="000000"/>
-                        </a:solidFill>
-                        <a:effectLst/>
-                        <a:latin typeface="맑은 고딕" panose="020B0503020000020004" pitchFamily="50" charset="-127"/>
-                        <a:ea typeface="맑은 고딕" panose="020B0503020000020004" pitchFamily="50" charset="-127"/>
-                      </a:endParaRPr>
-                    </a:p>
-                  </a:txBody>
-                  <a:tcPr marL="6350" marR="6350" marT="6350" marB="0" anchor="ctr"/>
-                </a:tc>
-                <a:tc>
-                  <a:txBody>
-                    <a:bodyPr/>
-                    <a:lstStyle/>
-                    <a:p>
-                      <a:pPr algn="r" fontAlgn="ctr"/>
-                      <a:r>
-                        <a:rPr lang="en-US" altLang="ko-KR" sz="1100" u="none" strike="noStrike">
-                          <a:effectLst/>
-                        </a:rPr>
-                        <a:t>11</a:t>
-                      </a:r>
-                      <a:endParaRPr lang="en-US" altLang="ko-KR" sz="1100" b="0" i="0" u="none" strike="noStrike">
-                        <a:solidFill>
-                          <a:srgbClr val="000000"/>
-                        </a:solidFill>
-                        <a:effectLst/>
-                        <a:latin typeface="맑은 고딕" panose="020B0503020000020004" pitchFamily="50" charset="-127"/>
-                        <a:ea typeface="맑은 고딕" panose="020B0503020000020004" pitchFamily="50" charset="-127"/>
-                      </a:endParaRPr>
-                    </a:p>
-                  </a:txBody>
-                  <a:tcPr marL="6350" marR="6350" marT="6350" marB="0" anchor="ctr"/>
-                </a:tc>
-                <a:tc>
-                  <a:txBody>
-                    <a:bodyPr/>
-                    <a:lstStyle/>
-                    <a:p>
-                      <a:pPr algn="r" fontAlgn="ctr"/>
-                      <a:r>
-                        <a:rPr lang="en-US" altLang="ko-KR" sz="1100" u="none" strike="noStrike">
-                          <a:effectLst/>
-                        </a:rPr>
-                        <a:t>3</a:t>
-                      </a:r>
-                      <a:endParaRPr lang="en-US" altLang="ko-KR" sz="1100" b="0" i="0" u="none" strike="noStrike">
-                        <a:solidFill>
-                          <a:srgbClr val="000000"/>
-                        </a:solidFill>
-                        <a:effectLst/>
-                        <a:latin typeface="맑은 고딕" panose="020B0503020000020004" pitchFamily="50" charset="-127"/>
-                        <a:ea typeface="맑은 고딕" panose="020B0503020000020004" pitchFamily="50" charset="-127"/>
-                      </a:endParaRPr>
-                    </a:p>
-                  </a:txBody>
-                  <a:tcPr marL="6350" marR="6350" marT="6350" marB="0" anchor="ctr"/>
-                </a:tc>
-                <a:tc>
-                  <a:txBody>
-                    <a:bodyPr/>
-                    <a:lstStyle/>
-                    <a:p>
-                      <a:pPr algn="l" fontAlgn="ctr"/>
-                      <a:r>
-                        <a:rPr lang="ko-KR" altLang="en-US" sz="1100" u="none" strike="noStrike">
-                          <a:effectLst/>
-                        </a:rPr>
-                        <a:t>　</a:t>
-                      </a:r>
-                      <a:endParaRPr lang="ko-KR" altLang="en-US" sz="1100" b="0" i="0" u="none" strike="noStrike">
-                        <a:solidFill>
-                          <a:srgbClr val="000000"/>
-                        </a:solidFill>
-                        <a:effectLst/>
-                        <a:latin typeface="맑은 고딕" panose="020B0503020000020004" pitchFamily="50" charset="-127"/>
-                        <a:ea typeface="맑은 고딕" panose="020B0503020000020004" pitchFamily="50" charset="-127"/>
-                      </a:endParaRPr>
-                    </a:p>
-                  </a:txBody>
-                  <a:tcPr marL="6350" marR="6350" marT="6350" marB="0" anchor="ctr"/>
-                </a:tc>
-                <a:extLst>
-                  <a:ext uri="{0D108BD9-81ED-4DB2-BD59-A6C34878D82A}">
-                    <a16:rowId xmlns:a16="http://schemas.microsoft.com/office/drawing/2014/main" val="2053547149"/>
-                  </a:ext>
-                </a:extLst>
-              </a:tr>
-              <a:tr h="215900">
-                <a:tc>
-                  <a:txBody>
-                    <a:bodyPr/>
-                    <a:lstStyle/>
-                    <a:p>
-                      <a:pPr algn="r" fontAlgn="ctr"/>
-                      <a:r>
-                        <a:rPr lang="en-US" altLang="ko-KR" sz="1100" u="none" strike="noStrike">
-                          <a:effectLst/>
-                        </a:rPr>
-                        <a:t>4</a:t>
-                      </a:r>
-                      <a:endParaRPr lang="en-US" altLang="ko-KR" sz="1100" b="0" i="0" u="none" strike="noStrike">
-                        <a:solidFill>
-                          <a:srgbClr val="000000"/>
-                        </a:solidFill>
-                        <a:effectLst/>
-                        <a:latin typeface="맑은 고딕" panose="020B0503020000020004" pitchFamily="50" charset="-127"/>
-                        <a:ea typeface="맑은 고딕" panose="020B0503020000020004" pitchFamily="50" charset="-127"/>
-                      </a:endParaRPr>
-                    </a:p>
-                  </a:txBody>
-                  <a:tcPr marL="6350" marR="6350" marT="6350" marB="0" anchor="ctr"/>
-                </a:tc>
-                <a:tc>
-                  <a:txBody>
-                    <a:bodyPr/>
-                    <a:lstStyle/>
-                    <a:p>
-                      <a:pPr algn="r" fontAlgn="ctr"/>
-                      <a:r>
-                        <a:rPr lang="en-US" altLang="ko-KR" sz="1100" u="none" strike="noStrike">
-                          <a:effectLst/>
-                        </a:rPr>
-                        <a:t>13</a:t>
-                      </a:r>
-                      <a:endParaRPr lang="en-US" altLang="ko-KR" sz="1100" b="0" i="0" u="none" strike="noStrike">
-                        <a:solidFill>
-                          <a:srgbClr val="000000"/>
-                        </a:solidFill>
-                        <a:effectLst/>
-                        <a:latin typeface="맑은 고딕" panose="020B0503020000020004" pitchFamily="50" charset="-127"/>
-                        <a:ea typeface="맑은 고딕" panose="020B0503020000020004" pitchFamily="50" charset="-127"/>
-                      </a:endParaRPr>
-                    </a:p>
-                  </a:txBody>
-                  <a:tcPr marL="6350" marR="6350" marT="6350" marB="0" anchor="ctr"/>
-                </a:tc>
-                <a:tc>
-                  <a:txBody>
-                    <a:bodyPr/>
-                    <a:lstStyle/>
-                    <a:p>
-                      <a:pPr algn="r" fontAlgn="ctr"/>
-                      <a:r>
-                        <a:rPr lang="en-US" altLang="ko-KR" sz="1100" u="none" strike="noStrike">
-                          <a:effectLst/>
-                        </a:rPr>
-                        <a:t>1</a:t>
-                      </a:r>
-                      <a:endParaRPr lang="en-US" altLang="ko-KR" sz="1100" b="0" i="0" u="none" strike="noStrike">
-                        <a:solidFill>
-                          <a:srgbClr val="000000"/>
-                        </a:solidFill>
-                        <a:effectLst/>
-                        <a:latin typeface="맑은 고딕" panose="020B0503020000020004" pitchFamily="50" charset="-127"/>
-                        <a:ea typeface="맑은 고딕" panose="020B0503020000020004" pitchFamily="50" charset="-127"/>
-                      </a:endParaRPr>
-                    </a:p>
-                  </a:txBody>
-                  <a:tcPr marL="6350" marR="6350" marT="6350" marB="0" anchor="ctr"/>
-                </a:tc>
-                <a:tc>
-                  <a:txBody>
-                    <a:bodyPr/>
-                    <a:lstStyle/>
-                    <a:p>
-                      <a:pPr algn="l" fontAlgn="ctr"/>
-                      <a:r>
-                        <a:rPr lang="ko-KR" altLang="en-US" sz="1100" u="none" strike="noStrike">
-                          <a:effectLst/>
-                        </a:rPr>
-                        <a:t>　</a:t>
-                      </a:r>
-                      <a:endParaRPr lang="ko-KR" altLang="en-US" sz="1100" b="0" i="0" u="none" strike="noStrike">
-                        <a:solidFill>
-                          <a:srgbClr val="000000"/>
-                        </a:solidFill>
-                        <a:effectLst/>
-                        <a:latin typeface="맑은 고딕" panose="020B0503020000020004" pitchFamily="50" charset="-127"/>
-                        <a:ea typeface="맑은 고딕" panose="020B0503020000020004" pitchFamily="50" charset="-127"/>
-                      </a:endParaRPr>
-                    </a:p>
-                  </a:txBody>
-                  <a:tcPr marL="6350" marR="6350" marT="6350" marB="0" anchor="ctr"/>
-                </a:tc>
-                <a:extLst>
-                  <a:ext uri="{0D108BD9-81ED-4DB2-BD59-A6C34878D82A}">
-                    <a16:rowId xmlns:a16="http://schemas.microsoft.com/office/drawing/2014/main" val="1911447647"/>
-                  </a:ext>
-                </a:extLst>
-              </a:tr>
-              <a:tr h="215900">
-                <a:tc>
-                  <a:txBody>
-                    <a:bodyPr/>
-                    <a:lstStyle/>
-                    <a:p>
-                      <a:pPr algn="r" fontAlgn="ctr"/>
-                      <a:r>
-                        <a:rPr lang="en-US" altLang="ko-KR" sz="1100" u="none" strike="noStrike">
-                          <a:effectLst/>
-                        </a:rPr>
-                        <a:t>5</a:t>
-                      </a:r>
-                      <a:endParaRPr lang="en-US" altLang="ko-KR" sz="1100" b="0" i="0" u="none" strike="noStrike">
-                        <a:solidFill>
-                          <a:srgbClr val="000000"/>
-                        </a:solidFill>
-                        <a:effectLst/>
-                        <a:latin typeface="맑은 고딕" panose="020B0503020000020004" pitchFamily="50" charset="-127"/>
-                        <a:ea typeface="맑은 고딕" panose="020B0503020000020004" pitchFamily="50" charset="-127"/>
-                      </a:endParaRPr>
-                    </a:p>
-                  </a:txBody>
-                  <a:tcPr marL="6350" marR="6350" marT="6350" marB="0" anchor="ctr"/>
-                </a:tc>
-                <a:tc>
-                  <a:txBody>
-                    <a:bodyPr/>
-                    <a:lstStyle/>
-                    <a:p>
-                      <a:pPr algn="r" fontAlgn="ctr"/>
-                      <a:r>
-                        <a:rPr lang="en-US" altLang="ko-KR" sz="1100" u="none" strike="noStrike">
-                          <a:effectLst/>
-                        </a:rPr>
-                        <a:t>6</a:t>
-                      </a:r>
-                      <a:endParaRPr lang="en-US" altLang="ko-KR" sz="1100" b="0" i="0" u="none" strike="noStrike">
-                        <a:solidFill>
-                          <a:srgbClr val="000000"/>
-                        </a:solidFill>
-                        <a:effectLst/>
-                        <a:latin typeface="맑은 고딕" panose="020B0503020000020004" pitchFamily="50" charset="-127"/>
-                        <a:ea typeface="맑은 고딕" panose="020B0503020000020004" pitchFamily="50" charset="-127"/>
-                      </a:endParaRPr>
-                    </a:p>
-                  </a:txBody>
-                  <a:tcPr marL="6350" marR="6350" marT="6350" marB="0" anchor="ctr"/>
-                </a:tc>
-                <a:tc>
-                  <a:txBody>
-                    <a:bodyPr/>
-                    <a:lstStyle/>
-                    <a:p>
-                      <a:pPr algn="r" fontAlgn="ctr"/>
-                      <a:r>
-                        <a:rPr lang="en-US" altLang="ko-KR" sz="1100" u="none" strike="noStrike">
-                          <a:effectLst/>
-                        </a:rPr>
-                        <a:t>2</a:t>
-                      </a:r>
-                      <a:endParaRPr lang="en-US" altLang="ko-KR" sz="1100" b="0" i="0" u="none" strike="noStrike">
-                        <a:solidFill>
-                          <a:srgbClr val="000000"/>
-                        </a:solidFill>
-                        <a:effectLst/>
-                        <a:latin typeface="맑은 고딕" panose="020B0503020000020004" pitchFamily="50" charset="-127"/>
-                        <a:ea typeface="맑은 고딕" panose="020B0503020000020004" pitchFamily="50" charset="-127"/>
-                      </a:endParaRPr>
-                    </a:p>
-                  </a:txBody>
-                  <a:tcPr marL="6350" marR="6350" marT="6350" marB="0" anchor="ctr"/>
-                </a:tc>
-                <a:tc>
-                  <a:txBody>
-                    <a:bodyPr/>
-                    <a:lstStyle/>
-                    <a:p>
-                      <a:pPr algn="l" fontAlgn="ctr"/>
-                      <a:r>
-                        <a:rPr lang="ko-KR" altLang="en-US" sz="1100" u="none" strike="noStrike">
-                          <a:effectLst/>
-                        </a:rPr>
-                        <a:t>　</a:t>
-                      </a:r>
-                      <a:endParaRPr lang="ko-KR" altLang="en-US" sz="1100" b="0" i="0" u="none" strike="noStrike">
-                        <a:solidFill>
-                          <a:srgbClr val="000000"/>
-                        </a:solidFill>
-                        <a:effectLst/>
-                        <a:latin typeface="맑은 고딕" panose="020B0503020000020004" pitchFamily="50" charset="-127"/>
-                        <a:ea typeface="맑은 고딕" panose="020B0503020000020004" pitchFamily="50" charset="-127"/>
-                      </a:endParaRPr>
-                    </a:p>
-                  </a:txBody>
-                  <a:tcPr marL="6350" marR="6350" marT="6350" marB="0" anchor="ctr"/>
-                </a:tc>
-                <a:extLst>
-                  <a:ext uri="{0D108BD9-81ED-4DB2-BD59-A6C34878D82A}">
-                    <a16:rowId xmlns:a16="http://schemas.microsoft.com/office/drawing/2014/main" val="2310267485"/>
-                  </a:ext>
-                </a:extLst>
-              </a:tr>
-              <a:tr h="215900">
-                <a:tc>
-                  <a:txBody>
-                    <a:bodyPr/>
-                    <a:lstStyle/>
-                    <a:p>
-                      <a:pPr algn="r" fontAlgn="ctr"/>
-                      <a:r>
-                        <a:rPr lang="en-US" altLang="ko-KR" sz="1100" u="none" strike="noStrike">
-                          <a:effectLst/>
-                        </a:rPr>
-                        <a:t>6</a:t>
-                      </a:r>
-                      <a:endParaRPr lang="en-US" altLang="ko-KR" sz="1100" b="0" i="0" u="none" strike="noStrike">
-                        <a:solidFill>
-                          <a:srgbClr val="000000"/>
-                        </a:solidFill>
-                        <a:effectLst/>
-                        <a:latin typeface="맑은 고딕" panose="020B0503020000020004" pitchFamily="50" charset="-127"/>
-                        <a:ea typeface="맑은 고딕" panose="020B0503020000020004" pitchFamily="50" charset="-127"/>
-                      </a:endParaRPr>
-                    </a:p>
-                  </a:txBody>
-                  <a:tcPr marL="6350" marR="6350" marT="6350" marB="0" anchor="ctr"/>
-                </a:tc>
-                <a:tc>
-                  <a:txBody>
-                    <a:bodyPr/>
-                    <a:lstStyle/>
-                    <a:p>
-                      <a:pPr algn="r" fontAlgn="ctr"/>
-                      <a:r>
-                        <a:rPr lang="en-US" altLang="ko-KR" sz="1100" u="none" strike="noStrike">
-                          <a:effectLst/>
-                        </a:rPr>
-                        <a:t>11</a:t>
-                      </a:r>
-                      <a:endParaRPr lang="en-US" altLang="ko-KR" sz="1100" b="0" i="0" u="none" strike="noStrike">
-                        <a:solidFill>
-                          <a:srgbClr val="000000"/>
-                        </a:solidFill>
-                        <a:effectLst/>
-                        <a:latin typeface="맑은 고딕" panose="020B0503020000020004" pitchFamily="50" charset="-127"/>
-                        <a:ea typeface="맑은 고딕" panose="020B0503020000020004" pitchFamily="50" charset="-127"/>
-                      </a:endParaRPr>
-                    </a:p>
-                  </a:txBody>
-                  <a:tcPr marL="6350" marR="6350" marT="6350" marB="0" anchor="ctr"/>
-                </a:tc>
-                <a:tc>
-                  <a:txBody>
-                    <a:bodyPr/>
-                    <a:lstStyle/>
-                    <a:p>
-                      <a:pPr algn="r" fontAlgn="ctr"/>
-                      <a:r>
-                        <a:rPr lang="en-US" altLang="ko-KR" sz="1100" u="none" strike="noStrike">
-                          <a:effectLst/>
-                        </a:rPr>
-                        <a:t>3</a:t>
-                      </a:r>
-                      <a:endParaRPr lang="en-US" altLang="ko-KR" sz="1100" b="0" i="0" u="none" strike="noStrike">
-                        <a:solidFill>
-                          <a:srgbClr val="000000"/>
-                        </a:solidFill>
-                        <a:effectLst/>
-                        <a:latin typeface="맑은 고딕" panose="020B0503020000020004" pitchFamily="50" charset="-127"/>
-                        <a:ea typeface="맑은 고딕" panose="020B0503020000020004" pitchFamily="50" charset="-127"/>
-                      </a:endParaRPr>
-                    </a:p>
-                  </a:txBody>
-                  <a:tcPr marL="6350" marR="6350" marT="6350" marB="0" anchor="ctr"/>
-                </a:tc>
-                <a:tc>
-                  <a:txBody>
-                    <a:bodyPr/>
-                    <a:lstStyle/>
-                    <a:p>
-                      <a:pPr algn="l" fontAlgn="ctr"/>
-                      <a:r>
-                        <a:rPr lang="ko-KR" altLang="en-US" sz="1100" u="none" strike="noStrike">
-                          <a:effectLst/>
-                        </a:rPr>
-                        <a:t>　</a:t>
-                      </a:r>
-                      <a:endParaRPr lang="ko-KR" altLang="en-US" sz="1100" b="0" i="0" u="none" strike="noStrike">
-                        <a:solidFill>
-                          <a:srgbClr val="000000"/>
-                        </a:solidFill>
-                        <a:effectLst/>
-                        <a:latin typeface="맑은 고딕" panose="020B0503020000020004" pitchFamily="50" charset="-127"/>
-                        <a:ea typeface="맑은 고딕" panose="020B0503020000020004" pitchFamily="50" charset="-127"/>
-                      </a:endParaRPr>
-                    </a:p>
-                  </a:txBody>
-                  <a:tcPr marL="6350" marR="6350" marT="6350" marB="0" anchor="ctr"/>
-                </a:tc>
-                <a:extLst>
-                  <a:ext uri="{0D108BD9-81ED-4DB2-BD59-A6C34878D82A}">
-                    <a16:rowId xmlns:a16="http://schemas.microsoft.com/office/drawing/2014/main" val="3115722159"/>
-                  </a:ext>
-                </a:extLst>
-              </a:tr>
-              <a:tr h="215900">
-                <a:tc>
-                  <a:txBody>
-                    <a:bodyPr/>
-                    <a:lstStyle/>
-                    <a:p>
-                      <a:pPr algn="r" fontAlgn="ctr"/>
-                      <a:r>
-                        <a:rPr lang="en-US" altLang="ko-KR" sz="1100" u="none" strike="noStrike">
-                          <a:effectLst/>
-                        </a:rPr>
-                        <a:t>7</a:t>
-                      </a:r>
-                      <a:endParaRPr lang="en-US" altLang="ko-KR" sz="1100" b="0" i="0" u="none" strike="noStrike">
-                        <a:solidFill>
-                          <a:srgbClr val="000000"/>
-                        </a:solidFill>
-                        <a:effectLst/>
-                        <a:latin typeface="맑은 고딕" panose="020B0503020000020004" pitchFamily="50" charset="-127"/>
-                        <a:ea typeface="맑은 고딕" panose="020B0503020000020004" pitchFamily="50" charset="-127"/>
-                      </a:endParaRPr>
-                    </a:p>
-                  </a:txBody>
-                  <a:tcPr marL="6350" marR="6350" marT="6350" marB="0" anchor="ctr"/>
-                </a:tc>
-                <a:tc>
-                  <a:txBody>
-                    <a:bodyPr/>
-                    <a:lstStyle/>
-                    <a:p>
-                      <a:pPr algn="r" fontAlgn="ctr"/>
-                      <a:r>
-                        <a:rPr lang="en-US" altLang="ko-KR" sz="1100" u="none" strike="noStrike">
-                          <a:effectLst/>
-                        </a:rPr>
-                        <a:t>11</a:t>
-                      </a:r>
-                      <a:endParaRPr lang="en-US" altLang="ko-KR" sz="1100" b="0" i="0" u="none" strike="noStrike">
-                        <a:solidFill>
-                          <a:srgbClr val="000000"/>
-                        </a:solidFill>
-                        <a:effectLst/>
-                        <a:latin typeface="맑은 고딕" panose="020B0503020000020004" pitchFamily="50" charset="-127"/>
-                        <a:ea typeface="맑은 고딕" panose="020B0503020000020004" pitchFamily="50" charset="-127"/>
-                      </a:endParaRPr>
-                    </a:p>
-                  </a:txBody>
-                  <a:tcPr marL="6350" marR="6350" marT="6350" marB="0" anchor="ctr"/>
-                </a:tc>
-                <a:tc>
-                  <a:txBody>
-                    <a:bodyPr/>
-                    <a:lstStyle/>
-                    <a:p>
-                      <a:pPr algn="r" fontAlgn="ctr"/>
-                      <a:r>
-                        <a:rPr lang="en-US" altLang="ko-KR" sz="1100" u="none" strike="noStrike">
-                          <a:effectLst/>
-                        </a:rPr>
-                        <a:t>3</a:t>
-                      </a:r>
-                      <a:endParaRPr lang="en-US" altLang="ko-KR" sz="1100" b="0" i="0" u="none" strike="noStrike">
-                        <a:solidFill>
-                          <a:srgbClr val="000000"/>
-                        </a:solidFill>
-                        <a:effectLst/>
-                        <a:latin typeface="맑은 고딕" panose="020B0503020000020004" pitchFamily="50" charset="-127"/>
-                        <a:ea typeface="맑은 고딕" panose="020B0503020000020004" pitchFamily="50" charset="-127"/>
-                      </a:endParaRPr>
-                    </a:p>
-                  </a:txBody>
-                  <a:tcPr marL="6350" marR="6350" marT="6350" marB="0" anchor="ctr"/>
-                </a:tc>
-                <a:tc>
-                  <a:txBody>
-                    <a:bodyPr/>
-                    <a:lstStyle/>
-                    <a:p>
-                      <a:pPr algn="l" fontAlgn="ctr"/>
-                      <a:r>
-                        <a:rPr lang="ko-KR" altLang="en-US" sz="1100" u="none" strike="noStrike">
-                          <a:effectLst/>
-                        </a:rPr>
-                        <a:t>　</a:t>
-                      </a:r>
-                      <a:endParaRPr lang="ko-KR" altLang="en-US" sz="1100" b="0" i="0" u="none" strike="noStrike">
-                        <a:solidFill>
-                          <a:srgbClr val="000000"/>
-                        </a:solidFill>
-                        <a:effectLst/>
-                        <a:latin typeface="맑은 고딕" panose="020B0503020000020004" pitchFamily="50" charset="-127"/>
-                        <a:ea typeface="맑은 고딕" panose="020B0503020000020004" pitchFamily="50" charset="-127"/>
-                      </a:endParaRPr>
-                    </a:p>
-                  </a:txBody>
-                  <a:tcPr marL="6350" marR="6350" marT="6350" marB="0" anchor="ctr"/>
-                </a:tc>
-                <a:extLst>
-                  <a:ext uri="{0D108BD9-81ED-4DB2-BD59-A6C34878D82A}">
-                    <a16:rowId xmlns:a16="http://schemas.microsoft.com/office/drawing/2014/main" val="47206205"/>
-                  </a:ext>
-                </a:extLst>
-              </a:tr>
-              <a:tr h="215900">
-                <a:tc>
-                  <a:txBody>
-                    <a:bodyPr/>
-                    <a:lstStyle/>
-                    <a:p>
-                      <a:pPr algn="r" fontAlgn="ctr"/>
-                      <a:r>
-                        <a:rPr lang="en-US" altLang="ko-KR" sz="1100" u="none" strike="noStrike">
-                          <a:effectLst/>
-                        </a:rPr>
-                        <a:t>8</a:t>
-                      </a:r>
-                      <a:endParaRPr lang="en-US" altLang="ko-KR" sz="1100" b="0" i="0" u="none" strike="noStrike">
-                        <a:solidFill>
-                          <a:srgbClr val="000000"/>
-                        </a:solidFill>
-                        <a:effectLst/>
-                        <a:latin typeface="맑은 고딕" panose="020B0503020000020004" pitchFamily="50" charset="-127"/>
-                        <a:ea typeface="맑은 고딕" panose="020B0503020000020004" pitchFamily="50" charset="-127"/>
-                      </a:endParaRPr>
-                    </a:p>
-                  </a:txBody>
-                  <a:tcPr marL="6350" marR="6350" marT="6350" marB="0" anchor="ctr"/>
-                </a:tc>
-                <a:tc>
-                  <a:txBody>
-                    <a:bodyPr/>
-                    <a:lstStyle/>
-                    <a:p>
-                      <a:pPr algn="r" fontAlgn="ctr"/>
-                      <a:r>
-                        <a:rPr lang="en-US" altLang="ko-KR" sz="1100" u="none" strike="noStrike">
-                          <a:effectLst/>
-                        </a:rPr>
-                        <a:t>12</a:t>
-                      </a:r>
-                      <a:endParaRPr lang="en-US" altLang="ko-KR" sz="1100" b="0" i="0" u="none" strike="noStrike">
-                        <a:solidFill>
-                          <a:srgbClr val="000000"/>
-                        </a:solidFill>
-                        <a:effectLst/>
-                        <a:latin typeface="맑은 고딕" panose="020B0503020000020004" pitchFamily="50" charset="-127"/>
-                        <a:ea typeface="맑은 고딕" panose="020B0503020000020004" pitchFamily="50" charset="-127"/>
-                      </a:endParaRPr>
-                    </a:p>
-                  </a:txBody>
-                  <a:tcPr marL="6350" marR="6350" marT="6350" marB="0" anchor="ctr"/>
-                </a:tc>
-                <a:tc>
-                  <a:txBody>
-                    <a:bodyPr/>
-                    <a:lstStyle/>
-                    <a:p>
-                      <a:pPr algn="r" fontAlgn="ctr"/>
-                      <a:r>
-                        <a:rPr lang="en-US" altLang="ko-KR" sz="1100" u="none" strike="noStrike">
-                          <a:effectLst/>
-                        </a:rPr>
-                        <a:t>0</a:t>
-                      </a:r>
-                      <a:endParaRPr lang="en-US" altLang="ko-KR" sz="1100" b="0" i="0" u="none" strike="noStrike">
-                        <a:solidFill>
-                          <a:srgbClr val="000000"/>
-                        </a:solidFill>
-                        <a:effectLst/>
-                        <a:latin typeface="맑은 고딕" panose="020B0503020000020004" pitchFamily="50" charset="-127"/>
-                        <a:ea typeface="맑은 고딕" panose="020B0503020000020004" pitchFamily="50" charset="-127"/>
-                      </a:endParaRPr>
-                    </a:p>
-                  </a:txBody>
-                  <a:tcPr marL="6350" marR="6350" marT="6350" marB="0" anchor="ctr"/>
-                </a:tc>
-                <a:tc>
-                  <a:txBody>
-                    <a:bodyPr/>
-                    <a:lstStyle/>
-                    <a:p>
-                      <a:pPr algn="l" fontAlgn="ctr"/>
-                      <a:r>
-                        <a:rPr lang="ko-KR" altLang="en-US" sz="1100" u="none" strike="noStrike">
-                          <a:effectLst/>
-                        </a:rPr>
-                        <a:t>　</a:t>
-                      </a:r>
-                      <a:endParaRPr lang="ko-KR" altLang="en-US" sz="1100" b="0" i="0" u="none" strike="noStrike">
-                        <a:solidFill>
-                          <a:srgbClr val="000000"/>
-                        </a:solidFill>
-                        <a:effectLst/>
-                        <a:latin typeface="맑은 고딕" panose="020B0503020000020004" pitchFamily="50" charset="-127"/>
-                        <a:ea typeface="맑은 고딕" panose="020B0503020000020004" pitchFamily="50" charset="-127"/>
-                      </a:endParaRPr>
-                    </a:p>
-                  </a:txBody>
-                  <a:tcPr marL="6350" marR="6350" marT="6350" marB="0" anchor="ctr"/>
-                </a:tc>
-                <a:extLst>
-                  <a:ext uri="{0D108BD9-81ED-4DB2-BD59-A6C34878D82A}">
-                    <a16:rowId xmlns:a16="http://schemas.microsoft.com/office/drawing/2014/main" val="3778425694"/>
-                  </a:ext>
-                </a:extLst>
-              </a:tr>
-              <a:tr h="215900">
-                <a:tc>
-                  <a:txBody>
-                    <a:bodyPr/>
-                    <a:lstStyle/>
-                    <a:p>
-                      <a:pPr algn="r" fontAlgn="ctr"/>
-                      <a:r>
-                        <a:rPr lang="en-US" altLang="ko-KR" sz="1100" u="none" strike="noStrike">
-                          <a:effectLst/>
-                        </a:rPr>
-                        <a:t>9</a:t>
-                      </a:r>
-                      <a:endParaRPr lang="en-US" altLang="ko-KR" sz="1100" b="0" i="0" u="none" strike="noStrike">
-                        <a:solidFill>
-                          <a:srgbClr val="000000"/>
-                        </a:solidFill>
-                        <a:effectLst/>
-                        <a:latin typeface="맑은 고딕" panose="020B0503020000020004" pitchFamily="50" charset="-127"/>
-                        <a:ea typeface="맑은 고딕" panose="020B0503020000020004" pitchFamily="50" charset="-127"/>
-                      </a:endParaRPr>
-                    </a:p>
-                  </a:txBody>
-                  <a:tcPr marL="6350" marR="6350" marT="6350" marB="0" anchor="ctr"/>
-                </a:tc>
-                <a:tc>
-                  <a:txBody>
-                    <a:bodyPr/>
-                    <a:lstStyle/>
-                    <a:p>
-                      <a:pPr algn="r" fontAlgn="ctr"/>
-                      <a:r>
-                        <a:rPr lang="en-US" altLang="ko-KR" sz="1100" u="none" strike="noStrike">
-                          <a:effectLst/>
-                        </a:rPr>
-                        <a:t>12</a:t>
-                      </a:r>
-                      <a:endParaRPr lang="en-US" altLang="ko-KR" sz="1100" b="0" i="0" u="none" strike="noStrike">
-                        <a:solidFill>
-                          <a:srgbClr val="000000"/>
-                        </a:solidFill>
-                        <a:effectLst/>
-                        <a:latin typeface="맑은 고딕" panose="020B0503020000020004" pitchFamily="50" charset="-127"/>
-                        <a:ea typeface="맑은 고딕" panose="020B0503020000020004" pitchFamily="50" charset="-127"/>
-                      </a:endParaRPr>
-                    </a:p>
-                  </a:txBody>
-                  <a:tcPr marL="6350" marR="6350" marT="6350" marB="0" anchor="ctr"/>
-                </a:tc>
-                <a:tc>
-                  <a:txBody>
-                    <a:bodyPr/>
-                    <a:lstStyle/>
-                    <a:p>
-                      <a:pPr algn="r" fontAlgn="ctr"/>
-                      <a:r>
-                        <a:rPr lang="en-US" altLang="ko-KR" sz="1100" u="none" strike="noStrike">
-                          <a:effectLst/>
-                        </a:rPr>
-                        <a:t>0</a:t>
-                      </a:r>
-                      <a:endParaRPr lang="en-US" altLang="ko-KR" sz="1100" b="0" i="0" u="none" strike="noStrike">
-                        <a:solidFill>
-                          <a:srgbClr val="000000"/>
-                        </a:solidFill>
-                        <a:effectLst/>
-                        <a:latin typeface="맑은 고딕" panose="020B0503020000020004" pitchFamily="50" charset="-127"/>
-                        <a:ea typeface="맑은 고딕" panose="020B0503020000020004" pitchFamily="50" charset="-127"/>
-                      </a:endParaRPr>
-                    </a:p>
-                  </a:txBody>
-                  <a:tcPr marL="6350" marR="6350" marT="6350" marB="0" anchor="ctr"/>
-                </a:tc>
-                <a:tc>
-                  <a:txBody>
-                    <a:bodyPr/>
-                    <a:lstStyle/>
-                    <a:p>
-                      <a:pPr algn="l" fontAlgn="ctr"/>
-                      <a:r>
-                        <a:rPr lang="ko-KR" altLang="en-US" sz="1100" u="none" strike="noStrike">
-                          <a:effectLst/>
-                        </a:rPr>
-                        <a:t>　</a:t>
-                      </a:r>
-                      <a:endParaRPr lang="ko-KR" altLang="en-US" sz="1100" b="0" i="0" u="none" strike="noStrike">
-                        <a:solidFill>
-                          <a:srgbClr val="000000"/>
-                        </a:solidFill>
-                        <a:effectLst/>
-                        <a:latin typeface="맑은 고딕" panose="020B0503020000020004" pitchFamily="50" charset="-127"/>
-                        <a:ea typeface="맑은 고딕" panose="020B0503020000020004" pitchFamily="50" charset="-127"/>
-                      </a:endParaRPr>
-                    </a:p>
-                  </a:txBody>
-                  <a:tcPr marL="6350" marR="6350" marT="6350" marB="0" anchor="ctr"/>
-                </a:tc>
-                <a:extLst>
-                  <a:ext uri="{0D108BD9-81ED-4DB2-BD59-A6C34878D82A}">
-                    <a16:rowId xmlns:a16="http://schemas.microsoft.com/office/drawing/2014/main" val="1048332622"/>
-                  </a:ext>
-                </a:extLst>
-              </a:tr>
-              <a:tr h="215900">
-                <a:tc>
-                  <a:txBody>
-                    <a:bodyPr/>
-                    <a:lstStyle/>
-                    <a:p>
-                      <a:pPr algn="r" fontAlgn="ctr"/>
-                      <a:r>
-                        <a:rPr lang="en-US" altLang="ko-KR" sz="1100" u="none" strike="noStrike">
-                          <a:effectLst/>
-                        </a:rPr>
-                        <a:t>10</a:t>
-                      </a:r>
-                      <a:endParaRPr lang="en-US" altLang="ko-KR" sz="1100" b="0" i="0" u="none" strike="noStrike">
-                        <a:solidFill>
-                          <a:srgbClr val="000000"/>
-                        </a:solidFill>
-                        <a:effectLst/>
-                        <a:latin typeface="맑은 고딕" panose="020B0503020000020004" pitchFamily="50" charset="-127"/>
-                        <a:ea typeface="맑은 고딕" panose="020B0503020000020004" pitchFamily="50" charset="-127"/>
-                      </a:endParaRPr>
-                    </a:p>
-                  </a:txBody>
-                  <a:tcPr marL="6350" marR="6350" marT="6350" marB="0" anchor="ctr"/>
-                </a:tc>
-                <a:tc>
-                  <a:txBody>
-                    <a:bodyPr/>
-                    <a:lstStyle/>
-                    <a:p>
-                      <a:pPr algn="r" fontAlgn="ctr"/>
-                      <a:r>
-                        <a:rPr lang="en-US" altLang="ko-KR" sz="1100" u="none" strike="noStrike">
-                          <a:effectLst/>
-                        </a:rPr>
-                        <a:t>3</a:t>
-                      </a:r>
-                      <a:endParaRPr lang="en-US" altLang="ko-KR" sz="1100" b="0" i="0" u="none" strike="noStrike">
-                        <a:solidFill>
-                          <a:srgbClr val="000000"/>
-                        </a:solidFill>
-                        <a:effectLst/>
-                        <a:latin typeface="맑은 고딕" panose="020B0503020000020004" pitchFamily="50" charset="-127"/>
-                        <a:ea typeface="맑은 고딕" panose="020B0503020000020004" pitchFamily="50" charset="-127"/>
-                      </a:endParaRPr>
-                    </a:p>
-                  </a:txBody>
-                  <a:tcPr marL="6350" marR="6350" marT="6350" marB="0" anchor="ctr"/>
-                </a:tc>
-                <a:tc>
-                  <a:txBody>
-                    <a:bodyPr/>
-                    <a:lstStyle/>
-                    <a:p>
-                      <a:pPr algn="r" fontAlgn="ctr"/>
-                      <a:r>
-                        <a:rPr lang="en-US" altLang="ko-KR" sz="1100" u="none" strike="noStrike">
-                          <a:effectLst/>
-                        </a:rPr>
-                        <a:t>3</a:t>
-                      </a:r>
-                      <a:endParaRPr lang="en-US" altLang="ko-KR" sz="1100" b="0" i="0" u="none" strike="noStrike">
-                        <a:solidFill>
-                          <a:srgbClr val="000000"/>
-                        </a:solidFill>
-                        <a:effectLst/>
-                        <a:latin typeface="맑은 고딕" panose="020B0503020000020004" pitchFamily="50" charset="-127"/>
-                        <a:ea typeface="맑은 고딕" panose="020B0503020000020004" pitchFamily="50" charset="-127"/>
-                      </a:endParaRPr>
-                    </a:p>
-                  </a:txBody>
-                  <a:tcPr marL="6350" marR="6350" marT="6350" marB="0" anchor="ctr"/>
-                </a:tc>
-                <a:tc>
-                  <a:txBody>
-                    <a:bodyPr/>
-                    <a:lstStyle/>
-                    <a:p>
-                      <a:pPr algn="l" fontAlgn="ctr"/>
-                      <a:r>
-                        <a:rPr lang="ko-KR" altLang="en-US" sz="1100" u="none" strike="noStrike">
-                          <a:effectLst/>
-                        </a:rPr>
-                        <a:t>　</a:t>
-                      </a:r>
-                      <a:endParaRPr lang="ko-KR" altLang="en-US" sz="1100" b="0" i="0" u="none" strike="noStrike">
-                        <a:solidFill>
-                          <a:srgbClr val="000000"/>
-                        </a:solidFill>
-                        <a:effectLst/>
-                        <a:latin typeface="맑은 고딕" panose="020B0503020000020004" pitchFamily="50" charset="-127"/>
-                        <a:ea typeface="맑은 고딕" panose="020B0503020000020004" pitchFamily="50" charset="-127"/>
-                      </a:endParaRPr>
-                    </a:p>
-                  </a:txBody>
-                  <a:tcPr marL="6350" marR="6350" marT="6350" marB="0" anchor="ctr"/>
-                </a:tc>
-                <a:extLst>
-                  <a:ext uri="{0D108BD9-81ED-4DB2-BD59-A6C34878D82A}">
-                    <a16:rowId xmlns:a16="http://schemas.microsoft.com/office/drawing/2014/main" val="1248894956"/>
-                  </a:ext>
-                </a:extLst>
-              </a:tr>
-              <a:tr h="215900">
-                <a:tc>
-                  <a:txBody>
-                    <a:bodyPr/>
-                    <a:lstStyle/>
-                    <a:p>
-                      <a:pPr algn="r" fontAlgn="ctr"/>
-                      <a:r>
-                        <a:rPr lang="en-US" altLang="ko-KR" sz="1100" u="none" strike="noStrike">
-                          <a:effectLst/>
-                        </a:rPr>
-                        <a:t>11</a:t>
-                      </a:r>
-                      <a:endParaRPr lang="en-US" altLang="ko-KR" sz="1100" b="0" i="0" u="none" strike="noStrike">
-                        <a:solidFill>
-                          <a:srgbClr val="000000"/>
-                        </a:solidFill>
-                        <a:effectLst/>
-                        <a:latin typeface="맑은 고딕" panose="020B0503020000020004" pitchFamily="50" charset="-127"/>
-                        <a:ea typeface="맑은 고딕" panose="020B0503020000020004" pitchFamily="50" charset="-127"/>
-                      </a:endParaRPr>
-                    </a:p>
-                  </a:txBody>
-                  <a:tcPr marL="6350" marR="6350" marT="6350" marB="0" anchor="ctr"/>
-                </a:tc>
-                <a:tc>
-                  <a:txBody>
-                    <a:bodyPr/>
-                    <a:lstStyle/>
-                    <a:p>
-                      <a:pPr algn="r" fontAlgn="ctr"/>
-                      <a:r>
-                        <a:rPr lang="en-US" altLang="ko-KR" sz="1100" u="none" strike="noStrike">
-                          <a:effectLst/>
-                        </a:rPr>
-                        <a:t>11</a:t>
-                      </a:r>
-                      <a:endParaRPr lang="en-US" altLang="ko-KR" sz="1100" b="0" i="0" u="none" strike="noStrike">
-                        <a:solidFill>
-                          <a:srgbClr val="000000"/>
-                        </a:solidFill>
-                        <a:effectLst/>
-                        <a:latin typeface="맑은 고딕" panose="020B0503020000020004" pitchFamily="50" charset="-127"/>
-                        <a:ea typeface="맑은 고딕" panose="020B0503020000020004" pitchFamily="50" charset="-127"/>
-                      </a:endParaRPr>
-                    </a:p>
-                  </a:txBody>
-                  <a:tcPr marL="6350" marR="6350" marT="6350" marB="0" anchor="ctr"/>
-                </a:tc>
-                <a:tc>
-                  <a:txBody>
-                    <a:bodyPr/>
-                    <a:lstStyle/>
-                    <a:p>
-                      <a:pPr algn="r" fontAlgn="ctr"/>
-                      <a:r>
-                        <a:rPr lang="en-US" altLang="ko-KR" sz="1100" u="none" strike="noStrike">
-                          <a:effectLst/>
-                        </a:rPr>
-                        <a:t>3</a:t>
-                      </a:r>
-                      <a:endParaRPr lang="en-US" altLang="ko-KR" sz="1100" b="0" i="0" u="none" strike="noStrike">
-                        <a:solidFill>
-                          <a:srgbClr val="000000"/>
-                        </a:solidFill>
-                        <a:effectLst/>
-                        <a:latin typeface="맑은 고딕" panose="020B0503020000020004" pitchFamily="50" charset="-127"/>
-                        <a:ea typeface="맑은 고딕" panose="020B0503020000020004" pitchFamily="50" charset="-127"/>
-                      </a:endParaRPr>
-                    </a:p>
-                  </a:txBody>
-                  <a:tcPr marL="6350" marR="6350" marT="6350" marB="0" anchor="ctr"/>
-                </a:tc>
-                <a:tc>
-                  <a:txBody>
-                    <a:bodyPr/>
-                    <a:lstStyle/>
-                    <a:p>
-                      <a:pPr algn="l" fontAlgn="ctr"/>
-                      <a:r>
-                        <a:rPr lang="ko-KR" altLang="en-US" sz="1100" u="none" strike="noStrike">
-                          <a:effectLst/>
-                        </a:rPr>
-                        <a:t>　</a:t>
-                      </a:r>
-                      <a:endParaRPr lang="ko-KR" altLang="en-US" sz="1100" b="0" i="0" u="none" strike="noStrike">
-                        <a:solidFill>
-                          <a:srgbClr val="000000"/>
-                        </a:solidFill>
-                        <a:effectLst/>
-                        <a:latin typeface="맑은 고딕" panose="020B0503020000020004" pitchFamily="50" charset="-127"/>
-                        <a:ea typeface="맑은 고딕" panose="020B0503020000020004" pitchFamily="50" charset="-127"/>
-                      </a:endParaRPr>
-                    </a:p>
-                  </a:txBody>
-                  <a:tcPr marL="6350" marR="6350" marT="6350" marB="0" anchor="ctr"/>
-                </a:tc>
-                <a:extLst>
-                  <a:ext uri="{0D108BD9-81ED-4DB2-BD59-A6C34878D82A}">
-                    <a16:rowId xmlns:a16="http://schemas.microsoft.com/office/drawing/2014/main" val="92391519"/>
-                  </a:ext>
-                </a:extLst>
-              </a:tr>
-              <a:tr h="215900">
-                <a:tc>
-                  <a:txBody>
-                    <a:bodyPr/>
-                    <a:lstStyle/>
-                    <a:p>
-                      <a:pPr algn="r" fontAlgn="ctr"/>
-                      <a:r>
-                        <a:rPr lang="en-US" altLang="ko-KR" sz="1100" u="none" strike="noStrike">
-                          <a:effectLst/>
-                        </a:rPr>
-                        <a:t>12</a:t>
-                      </a:r>
-                      <a:endParaRPr lang="en-US" altLang="ko-KR" sz="1100" b="0" i="0" u="none" strike="noStrike">
-                        <a:solidFill>
-                          <a:srgbClr val="000000"/>
-                        </a:solidFill>
-                        <a:effectLst/>
-                        <a:latin typeface="맑은 고딕" panose="020B0503020000020004" pitchFamily="50" charset="-127"/>
-                        <a:ea typeface="맑은 고딕" panose="020B0503020000020004" pitchFamily="50" charset="-127"/>
-                      </a:endParaRPr>
-                    </a:p>
-                  </a:txBody>
-                  <a:tcPr marL="6350" marR="6350" marT="6350" marB="0" anchor="ctr"/>
-                </a:tc>
-                <a:tc>
-                  <a:txBody>
-                    <a:bodyPr/>
-                    <a:lstStyle/>
-                    <a:p>
-                      <a:pPr algn="r" fontAlgn="ctr"/>
-                      <a:r>
-                        <a:rPr lang="en-US" altLang="ko-KR" sz="1100" u="none" strike="noStrike">
-                          <a:effectLst/>
-                        </a:rPr>
-                        <a:t>5</a:t>
-                      </a:r>
-                      <a:endParaRPr lang="en-US" altLang="ko-KR" sz="1100" b="0" i="0" u="none" strike="noStrike">
-                        <a:solidFill>
-                          <a:srgbClr val="000000"/>
-                        </a:solidFill>
-                        <a:effectLst/>
-                        <a:latin typeface="맑은 고딕" panose="020B0503020000020004" pitchFamily="50" charset="-127"/>
-                        <a:ea typeface="맑은 고딕" panose="020B0503020000020004" pitchFamily="50" charset="-127"/>
-                      </a:endParaRPr>
-                    </a:p>
-                  </a:txBody>
-                  <a:tcPr marL="6350" marR="6350" marT="6350" marB="0" anchor="ctr"/>
-                </a:tc>
-                <a:tc>
-                  <a:txBody>
-                    <a:bodyPr/>
-                    <a:lstStyle/>
-                    <a:p>
-                      <a:pPr algn="r" fontAlgn="ctr"/>
-                      <a:r>
-                        <a:rPr lang="en-US" altLang="ko-KR" sz="1100" u="none" strike="noStrike">
-                          <a:effectLst/>
-                        </a:rPr>
-                        <a:t>1</a:t>
-                      </a:r>
-                      <a:endParaRPr lang="en-US" altLang="ko-KR" sz="1100" b="0" i="0" u="none" strike="noStrike">
-                        <a:solidFill>
-                          <a:srgbClr val="000000"/>
-                        </a:solidFill>
-                        <a:effectLst/>
-                        <a:latin typeface="맑은 고딕" panose="020B0503020000020004" pitchFamily="50" charset="-127"/>
-                        <a:ea typeface="맑은 고딕" panose="020B0503020000020004" pitchFamily="50" charset="-127"/>
-                      </a:endParaRPr>
-                    </a:p>
-                  </a:txBody>
-                  <a:tcPr marL="6350" marR="6350" marT="6350" marB="0" anchor="ctr"/>
-                </a:tc>
-                <a:tc>
-                  <a:txBody>
-                    <a:bodyPr/>
-                    <a:lstStyle/>
-                    <a:p>
-                      <a:pPr algn="l" fontAlgn="ctr"/>
-                      <a:r>
-                        <a:rPr lang="ko-KR" altLang="en-US" sz="1100" u="none" strike="noStrike">
-                          <a:effectLst/>
-                        </a:rPr>
-                        <a:t>　</a:t>
-                      </a:r>
-                      <a:endParaRPr lang="ko-KR" altLang="en-US" sz="1100" b="0" i="0" u="none" strike="noStrike">
-                        <a:solidFill>
-                          <a:srgbClr val="000000"/>
-                        </a:solidFill>
-                        <a:effectLst/>
-                        <a:latin typeface="맑은 고딕" panose="020B0503020000020004" pitchFamily="50" charset="-127"/>
-                        <a:ea typeface="맑은 고딕" panose="020B0503020000020004" pitchFamily="50" charset="-127"/>
-                      </a:endParaRPr>
-                    </a:p>
-                  </a:txBody>
-                  <a:tcPr marL="6350" marR="6350" marT="6350" marB="0" anchor="ctr"/>
-                </a:tc>
-                <a:extLst>
-                  <a:ext uri="{0D108BD9-81ED-4DB2-BD59-A6C34878D82A}">
-                    <a16:rowId xmlns:a16="http://schemas.microsoft.com/office/drawing/2014/main" val="3688144972"/>
-                  </a:ext>
-                </a:extLst>
-              </a:tr>
-              <a:tr h="222250">
-                <a:tc>
-                  <a:txBody>
-                    <a:bodyPr/>
-                    <a:lstStyle/>
-                    <a:p>
-                      <a:pPr algn="r" fontAlgn="ctr"/>
-                      <a:r>
-                        <a:rPr lang="en-US" altLang="ko-KR" sz="1100" u="none" strike="noStrike">
-                          <a:effectLst/>
-                        </a:rPr>
-                        <a:t>13</a:t>
-                      </a:r>
-                      <a:endParaRPr lang="en-US" altLang="ko-KR" sz="1100" b="0" i="0" u="none" strike="noStrike">
-                        <a:solidFill>
-                          <a:srgbClr val="000000"/>
-                        </a:solidFill>
-                        <a:effectLst/>
-                        <a:latin typeface="맑은 고딕" panose="020B0503020000020004" pitchFamily="50" charset="-127"/>
-                        <a:ea typeface="맑은 고딕" panose="020B0503020000020004" pitchFamily="50" charset="-127"/>
-                      </a:endParaRPr>
-                    </a:p>
-                  </a:txBody>
-                  <a:tcPr marL="6350" marR="6350" marT="6350" marB="0" anchor="ctr"/>
-                </a:tc>
-                <a:tc>
-                  <a:txBody>
-                    <a:bodyPr/>
-                    <a:lstStyle/>
-                    <a:p>
-                      <a:pPr algn="r" fontAlgn="ctr"/>
-                      <a:r>
-                        <a:rPr lang="en-US" altLang="ko-KR" sz="1100" u="none" strike="noStrike">
-                          <a:effectLst/>
-                        </a:rPr>
-                        <a:t>5</a:t>
-                      </a:r>
-                      <a:endParaRPr lang="en-US" altLang="ko-KR" sz="1100" b="0" i="0" u="none" strike="noStrike">
-                        <a:solidFill>
-                          <a:srgbClr val="000000"/>
-                        </a:solidFill>
-                        <a:effectLst/>
-                        <a:latin typeface="맑은 고딕" panose="020B0503020000020004" pitchFamily="50" charset="-127"/>
-                        <a:ea typeface="맑은 고딕" panose="020B0503020000020004" pitchFamily="50" charset="-127"/>
-                      </a:endParaRPr>
-                    </a:p>
-                  </a:txBody>
-                  <a:tcPr marL="6350" marR="6350" marT="6350" marB="0" anchor="ctr"/>
-                </a:tc>
-                <a:tc>
-                  <a:txBody>
-                    <a:bodyPr/>
-                    <a:lstStyle/>
-                    <a:p>
-                      <a:pPr algn="r" fontAlgn="ctr"/>
-                      <a:r>
-                        <a:rPr lang="en-US" altLang="ko-KR" sz="1100" u="none" strike="noStrike">
-                          <a:effectLst/>
-                        </a:rPr>
-                        <a:t>1</a:t>
-                      </a:r>
-                      <a:endParaRPr lang="en-US" altLang="ko-KR" sz="1100" b="0" i="0" u="none" strike="noStrike">
-                        <a:solidFill>
-                          <a:srgbClr val="000000"/>
-                        </a:solidFill>
-                        <a:effectLst/>
-                        <a:latin typeface="맑은 고딕" panose="020B0503020000020004" pitchFamily="50" charset="-127"/>
-                        <a:ea typeface="맑은 고딕" panose="020B0503020000020004" pitchFamily="50" charset="-127"/>
-                      </a:endParaRPr>
-                    </a:p>
-                  </a:txBody>
-                  <a:tcPr marL="6350" marR="6350" marT="6350" marB="0" anchor="ctr"/>
-                </a:tc>
-                <a:tc>
-                  <a:txBody>
-                    <a:bodyPr/>
-                    <a:lstStyle/>
-                    <a:p>
-                      <a:pPr algn="l" fontAlgn="ctr"/>
-                      <a:r>
-                        <a:rPr lang="ko-KR" altLang="en-US" sz="1100" u="none" strike="noStrike" dirty="0">
-                          <a:effectLst/>
-                        </a:rPr>
-                        <a:t>　</a:t>
-                      </a:r>
-                      <a:endParaRPr lang="ko-KR" altLang="en-US" sz="1100" b="0" i="0" u="none" strike="noStrike" dirty="0">
-                        <a:solidFill>
-                          <a:srgbClr val="000000"/>
-                        </a:solidFill>
-                        <a:effectLst/>
-                        <a:latin typeface="맑은 고딕" panose="020B0503020000020004" pitchFamily="50" charset="-127"/>
-                        <a:ea typeface="맑은 고딕" panose="020B0503020000020004" pitchFamily="50" charset="-127"/>
-                      </a:endParaRPr>
-                    </a:p>
-                  </a:txBody>
-                  <a:tcPr marL="6350" marR="6350" marT="6350" marB="0" anchor="ctr"/>
-                </a:tc>
-                <a:extLst>
-                  <a:ext uri="{0D108BD9-81ED-4DB2-BD59-A6C34878D82A}">
-                    <a16:rowId xmlns:a16="http://schemas.microsoft.com/office/drawing/2014/main" val="2241327980"/>
-                  </a:ext>
-                </a:extLst>
-              </a:tr>
-            </a:tbl>
-          </a:graphicData>
-        </a:graphic>
-      </p:graphicFrame>
+          <p:cNvSpPr txBox="1"/>
+          <p:nvPr/>
+        </p:nvSpPr>
+        <p:spPr>
+          <a:xfrm>
+            <a:off x="1858945" y="1416818"/>
+            <a:ext cx="5948624" cy="923330"/>
+          </a:xfrm>
+          <a:prstGeom prst="rect">
+            <a:avLst/>
+          </a:prstGeom>
+          <a:noFill/>
+        </p:spPr>
+        <p:txBody>
+          <a:bodyPr wrap="square" rtlCol="0">
+            <a:spAutoFit/>
+          </a:bodyPr>
+          <a:lstStyle/>
+          <a:p>
+            <a:r>
+              <a:rPr lang="en-US" altLang="ko-KR" dirty="0"/>
+              <a:t>1. </a:t>
+            </a:r>
+            <a:r>
+              <a:rPr lang="ko-KR" altLang="en-US" dirty="0"/>
+              <a:t>그룹명과 인원 수를 입력하면 그 인원만큼의 칸이 생김</a:t>
+            </a:r>
+            <a:endParaRPr lang="en-US" altLang="ko-KR" dirty="0"/>
+          </a:p>
+          <a:p>
+            <a:endParaRPr lang="en-US" altLang="ko-KR" dirty="0"/>
+          </a:p>
+          <a:p>
+            <a:r>
+              <a:rPr lang="en-US" altLang="ko-KR" dirty="0"/>
+              <a:t>ID,</a:t>
+            </a:r>
+            <a:r>
+              <a:rPr lang="ko-KR" altLang="en-US" dirty="0"/>
+              <a:t> 이름 </a:t>
+            </a:r>
+            <a:r>
+              <a:rPr lang="en-US" altLang="ko-KR" dirty="0"/>
+              <a:t>, </a:t>
+            </a:r>
+            <a:r>
+              <a:rPr lang="ko-KR" altLang="en-US" dirty="0"/>
+              <a:t>그룹 수 </a:t>
+            </a:r>
+          </a:p>
+        </p:txBody>
+      </p:sp>
+      <p:pic>
+        <p:nvPicPr>
+          <p:cNvPr id="5" name="그림 4">
+            <a:extLst>
+              <a:ext uri="{FF2B5EF4-FFF2-40B4-BE49-F238E27FC236}">
+                <a16:creationId xmlns:a16="http://schemas.microsoft.com/office/drawing/2014/main" id="{0452C906-E304-44EF-8AC7-A73355BC546D}"/>
+              </a:ext>
+            </a:extLst>
+          </p:cNvPr>
+          <p:cNvPicPr>
+            <a:picLocks noChangeAspect="1"/>
+          </p:cNvPicPr>
+          <p:nvPr/>
+        </p:nvPicPr>
+        <p:blipFill>
+          <a:blip r:embed="rId2"/>
+          <a:stretch>
+            <a:fillRect/>
+          </a:stretch>
+        </p:blipFill>
+        <p:spPr>
+          <a:xfrm>
+            <a:off x="2018672" y="2705100"/>
+            <a:ext cx="3009900" cy="1447800"/>
+          </a:xfrm>
+          <a:prstGeom prst="rect">
+            <a:avLst/>
+          </a:prstGeom>
+        </p:spPr>
+      </p:pic>
     </p:spTree>
     <p:extLst>
       <p:ext uri="{BB962C8B-B14F-4D97-AF65-F5344CB8AC3E}">
-        <p14:creationId xmlns:p14="http://schemas.microsoft.com/office/powerpoint/2010/main" val="3595417474"/>
+        <p14:creationId xmlns:p14="http://schemas.microsoft.com/office/powerpoint/2010/main" val="1684373310"/>
+      </p:ext>
+    </p:extLst>
+  </p:cSld>
+  <p:clrMapOvr>
+    <a:masterClrMapping/>
+  </p:clrMapOvr>
+</p:sld>
+</file>
+
+<file path=ppt/slides/slide6.xml><?xml version="1.0" encoding="utf-8"?>
+<p:sld xmlns:a="http://schemas.openxmlformats.org/drawingml/2006/main" xmlns:r="http://schemas.openxmlformats.org/officeDocument/2006/relationships" xmlns:p="http://schemas.openxmlformats.org/presentationml/2006/main">
+  <p:cSld>
+    <p:spTree>
+      <p:nvGrpSpPr>
+        <p:cNvPr id="1" name=""/>
+        <p:cNvGrpSpPr/>
+        <p:nvPr/>
+      </p:nvGrpSpPr>
+      <p:grpSpPr>
+        <a:xfrm>
+          <a:off x="0" y="0"/>
+          <a:ext cx="0" cy="0"/>
+          <a:chOff x="0" y="0"/>
+          <a:chExt cx="0" cy="0"/>
+        </a:xfrm>
+      </p:grpSpPr>
+      <p:sp>
+        <p:nvSpPr>
+          <p:cNvPr id="4" name="TextBox 3">
+            <a:extLst>
+              <a:ext uri="{FF2B5EF4-FFF2-40B4-BE49-F238E27FC236}">
+                <a16:creationId xmlns:a16="http://schemas.microsoft.com/office/drawing/2014/main" id="{B2CC801F-6CAB-4E55-88BB-022194A88274}"/>
+              </a:ext>
+            </a:extLst>
+          </p:cNvPr>
+          <p:cNvSpPr txBox="1"/>
+          <p:nvPr/>
+        </p:nvSpPr>
+        <p:spPr>
+          <a:xfrm>
+            <a:off x="1332412" y="566727"/>
+            <a:ext cx="7715795" cy="923330"/>
+          </a:xfrm>
+          <a:prstGeom prst="rect">
+            <a:avLst/>
+          </a:prstGeom>
+          <a:noFill/>
+        </p:spPr>
+        <p:txBody>
+          <a:bodyPr wrap="square" rtlCol="0">
+            <a:spAutoFit/>
+          </a:bodyPr>
+          <a:lstStyle/>
+          <a:p>
+            <a:r>
+              <a:rPr lang="ko-KR" altLang="en-US" dirty="0" err="1">
+                <a:latin typeface="한컴 윤고딕 250" panose="02020603020101020101" pitchFamily="18" charset="-127"/>
+                <a:ea typeface="한컴 윤고딕 250" panose="02020603020101020101" pitchFamily="18" charset="-127"/>
+              </a:rPr>
+              <a:t>메인화면</a:t>
+            </a:r>
+            <a:r>
+              <a:rPr lang="en-US" altLang="ko-KR" dirty="0">
+                <a:latin typeface="한컴 윤고딕 250" panose="02020603020101020101" pitchFamily="18" charset="-127"/>
+                <a:ea typeface="한컴 윤고딕 250" panose="02020603020101020101" pitchFamily="18" charset="-127"/>
+              </a:rPr>
+              <a:t>(INSERT)</a:t>
+            </a:r>
+          </a:p>
+          <a:p>
+            <a:endParaRPr lang="en-US" altLang="ko-KR" dirty="0">
+              <a:latin typeface="한컴 윤고딕 250" panose="02020603020101020101" pitchFamily="18" charset="-127"/>
+              <a:ea typeface="한컴 윤고딕 250" panose="02020603020101020101" pitchFamily="18" charset="-127"/>
+            </a:endParaRPr>
+          </a:p>
+          <a:p>
+            <a:endParaRPr lang="en-US" altLang="ko-KR" dirty="0">
+              <a:latin typeface="한컴 윤고딕 250" panose="02020603020101020101" pitchFamily="18" charset="-127"/>
+              <a:ea typeface="한컴 윤고딕 250" panose="02020603020101020101" pitchFamily="18" charset="-127"/>
+            </a:endParaRPr>
+          </a:p>
+        </p:txBody>
+      </p:sp>
+      <p:sp>
+        <p:nvSpPr>
+          <p:cNvPr id="2" name="TextBox 1">
+            <a:extLst>
+              <a:ext uri="{FF2B5EF4-FFF2-40B4-BE49-F238E27FC236}">
+                <a16:creationId xmlns:a16="http://schemas.microsoft.com/office/drawing/2014/main" id="{32999FB5-5009-42D4-81D4-0E738E543E2B}"/>
+              </a:ext>
+            </a:extLst>
+          </p:cNvPr>
+          <p:cNvSpPr txBox="1"/>
+          <p:nvPr/>
+        </p:nvSpPr>
+        <p:spPr>
+          <a:xfrm>
+            <a:off x="1858945" y="1416818"/>
+            <a:ext cx="5948624" cy="923330"/>
+          </a:xfrm>
+          <a:prstGeom prst="rect">
+            <a:avLst/>
+          </a:prstGeom>
+          <a:noFill/>
+        </p:spPr>
+        <p:txBody>
+          <a:bodyPr wrap="square" rtlCol="0">
+            <a:spAutoFit/>
+          </a:bodyPr>
+          <a:lstStyle/>
+          <a:p>
+            <a:r>
+              <a:rPr lang="en-US" altLang="ko-KR" dirty="0"/>
+              <a:t>1. </a:t>
+            </a:r>
+            <a:r>
+              <a:rPr lang="ko-KR" altLang="en-US" dirty="0"/>
+              <a:t>그룹명과 인원 수를 입력하면 그 인원만큼의 칸이 생김</a:t>
+            </a:r>
+            <a:endParaRPr lang="en-US" altLang="ko-KR" dirty="0"/>
+          </a:p>
+          <a:p>
+            <a:endParaRPr lang="en-US" altLang="ko-KR" dirty="0"/>
+          </a:p>
+          <a:p>
+            <a:r>
+              <a:rPr lang="en-US" altLang="ko-KR" dirty="0"/>
+              <a:t>ID,</a:t>
+            </a:r>
+            <a:r>
+              <a:rPr lang="ko-KR" altLang="en-US" dirty="0"/>
+              <a:t> 이름 </a:t>
+            </a:r>
+            <a:r>
+              <a:rPr lang="en-US" altLang="ko-KR" dirty="0"/>
+              <a:t>, </a:t>
+            </a:r>
+            <a:r>
+              <a:rPr lang="ko-KR" altLang="en-US" dirty="0"/>
+              <a:t>그룹 수 </a:t>
+            </a:r>
+          </a:p>
+        </p:txBody>
+      </p:sp>
+      <p:pic>
+        <p:nvPicPr>
+          <p:cNvPr id="3" name="그림 2">
+            <a:extLst>
+              <a:ext uri="{FF2B5EF4-FFF2-40B4-BE49-F238E27FC236}">
+                <a16:creationId xmlns:a16="http://schemas.microsoft.com/office/drawing/2014/main" id="{B14FB61E-17CF-4E31-8A62-8E3E4476301B}"/>
+              </a:ext>
+            </a:extLst>
+          </p:cNvPr>
+          <p:cNvPicPr>
+            <a:picLocks noChangeAspect="1"/>
+          </p:cNvPicPr>
+          <p:nvPr/>
+        </p:nvPicPr>
+        <p:blipFill>
+          <a:blip r:embed="rId2"/>
+          <a:stretch>
+            <a:fillRect/>
+          </a:stretch>
+        </p:blipFill>
+        <p:spPr>
+          <a:xfrm>
+            <a:off x="1858945" y="2824053"/>
+            <a:ext cx="2552700" cy="2628900"/>
+          </a:xfrm>
+          <a:prstGeom prst="rect">
+            <a:avLst/>
+          </a:prstGeom>
+        </p:spPr>
+      </p:pic>
+      <p:sp>
+        <p:nvSpPr>
+          <p:cNvPr id="7" name="타원 6">
+            <a:extLst>
+              <a:ext uri="{FF2B5EF4-FFF2-40B4-BE49-F238E27FC236}">
+                <a16:creationId xmlns:a16="http://schemas.microsoft.com/office/drawing/2014/main" id="{91DF7FE5-D016-4E29-86AD-51171DB37603}"/>
+              </a:ext>
+            </a:extLst>
+          </p:cNvPr>
+          <p:cNvSpPr/>
+          <p:nvPr/>
+        </p:nvSpPr>
+        <p:spPr>
+          <a:xfrm>
+            <a:off x="3637503" y="2881880"/>
+            <a:ext cx="693337" cy="616718"/>
+          </a:xfrm>
+          <a:prstGeom prst="ellipse">
+            <a:avLst/>
+          </a:prstGeom>
+          <a:noFill/>
+          <a:ln>
+            <a:solidFill>
+              <a:srgbClr val="FFC000"/>
+            </a:solidFill>
+          </a:ln>
+        </p:spPr>
+        <p:style>
+          <a:lnRef idx="2">
+            <a:schemeClr val="accent1">
+              <a:shade val="50000"/>
+            </a:schemeClr>
+          </a:lnRef>
+          <a:fillRef idx="1">
+            <a:schemeClr val="accent1"/>
+          </a:fillRef>
+          <a:effectRef idx="0">
+            <a:schemeClr val="accent1"/>
+          </a:effectRef>
+          <a:fontRef idx="minor">
+            <a:schemeClr val="lt1"/>
+          </a:fontRef>
+        </p:style>
+        <p:txBody>
+          <a:bodyPr rtlCol="0" anchor="ctr"/>
+          <a:lstStyle/>
+          <a:p>
+            <a:pPr algn="ctr"/>
+            <a:endParaRPr lang="ko-KR" altLang="en-US"/>
+          </a:p>
+        </p:txBody>
+      </p:sp>
+      <p:sp>
+        <p:nvSpPr>
+          <p:cNvPr id="8" name="타원 7">
+            <a:extLst>
+              <a:ext uri="{FF2B5EF4-FFF2-40B4-BE49-F238E27FC236}">
+                <a16:creationId xmlns:a16="http://schemas.microsoft.com/office/drawing/2014/main" id="{5B1723A7-108D-483E-932A-72704FB62D6B}"/>
+              </a:ext>
+            </a:extLst>
+          </p:cNvPr>
+          <p:cNvSpPr/>
+          <p:nvPr/>
+        </p:nvSpPr>
+        <p:spPr>
+          <a:xfrm>
+            <a:off x="3637502" y="3627688"/>
+            <a:ext cx="693337" cy="616718"/>
+          </a:xfrm>
+          <a:prstGeom prst="ellipse">
+            <a:avLst/>
+          </a:prstGeom>
+          <a:noFill/>
+          <a:ln>
+            <a:solidFill>
+              <a:srgbClr val="FFC000"/>
+            </a:solidFill>
+          </a:ln>
+        </p:spPr>
+        <p:style>
+          <a:lnRef idx="2">
+            <a:schemeClr val="accent1">
+              <a:shade val="50000"/>
+            </a:schemeClr>
+          </a:lnRef>
+          <a:fillRef idx="1">
+            <a:schemeClr val="accent1"/>
+          </a:fillRef>
+          <a:effectRef idx="0">
+            <a:schemeClr val="accent1"/>
+          </a:effectRef>
+          <a:fontRef idx="minor">
+            <a:schemeClr val="lt1"/>
+          </a:fontRef>
+        </p:style>
+        <p:txBody>
+          <a:bodyPr rtlCol="0" anchor="ctr"/>
+          <a:lstStyle/>
+          <a:p>
+            <a:pPr algn="ctr"/>
+            <a:endParaRPr lang="ko-KR" altLang="en-US"/>
+          </a:p>
+        </p:txBody>
+      </p:sp>
+      <p:sp>
+        <p:nvSpPr>
+          <p:cNvPr id="9" name="타원 8">
+            <a:extLst>
+              <a:ext uri="{FF2B5EF4-FFF2-40B4-BE49-F238E27FC236}">
+                <a16:creationId xmlns:a16="http://schemas.microsoft.com/office/drawing/2014/main" id="{DDCAED1D-FFFA-4D9B-9D6B-0E4345C52233}"/>
+              </a:ext>
+            </a:extLst>
+          </p:cNvPr>
+          <p:cNvSpPr/>
+          <p:nvPr/>
+        </p:nvSpPr>
+        <p:spPr>
+          <a:xfrm>
+            <a:off x="3637502" y="4373496"/>
+            <a:ext cx="693337" cy="616718"/>
+          </a:xfrm>
+          <a:prstGeom prst="ellipse">
+            <a:avLst/>
+          </a:prstGeom>
+          <a:noFill/>
+          <a:ln>
+            <a:solidFill>
+              <a:srgbClr val="FFC000"/>
+            </a:solidFill>
+          </a:ln>
+        </p:spPr>
+        <p:style>
+          <a:lnRef idx="2">
+            <a:schemeClr val="accent1">
+              <a:shade val="50000"/>
+            </a:schemeClr>
+          </a:lnRef>
+          <a:fillRef idx="1">
+            <a:schemeClr val="accent1"/>
+          </a:fillRef>
+          <a:effectRef idx="0">
+            <a:schemeClr val="accent1"/>
+          </a:effectRef>
+          <a:fontRef idx="minor">
+            <a:schemeClr val="lt1"/>
+          </a:fontRef>
+        </p:style>
+        <p:txBody>
+          <a:bodyPr rtlCol="0" anchor="ctr"/>
+          <a:lstStyle/>
+          <a:p>
+            <a:pPr algn="ctr"/>
+            <a:endParaRPr lang="ko-KR" altLang="en-US"/>
+          </a:p>
+        </p:txBody>
+      </p:sp>
+      <p:sp>
+        <p:nvSpPr>
+          <p:cNvPr id="15" name="TextBox 14">
+            <a:extLst>
+              <a:ext uri="{FF2B5EF4-FFF2-40B4-BE49-F238E27FC236}">
+                <a16:creationId xmlns:a16="http://schemas.microsoft.com/office/drawing/2014/main" id="{60CE385D-64EF-46CE-A6DB-7B13EE602AB8}"/>
+              </a:ext>
+            </a:extLst>
+          </p:cNvPr>
+          <p:cNvSpPr txBox="1"/>
+          <p:nvPr/>
+        </p:nvSpPr>
+        <p:spPr>
+          <a:xfrm>
+            <a:off x="4005315" y="3006447"/>
+            <a:ext cx="914400" cy="369332"/>
+          </a:xfrm>
+          <a:prstGeom prst="rect">
+            <a:avLst/>
+          </a:prstGeom>
+          <a:noFill/>
+        </p:spPr>
+        <p:txBody>
+          <a:bodyPr wrap="square" rtlCol="0">
+            <a:spAutoFit/>
+          </a:bodyPr>
+          <a:lstStyle/>
+          <a:p>
+            <a:r>
+              <a:rPr lang="en-US" altLang="ko-KR" dirty="0"/>
+              <a:t>1</a:t>
+            </a:r>
+            <a:endParaRPr lang="ko-KR" altLang="en-US" dirty="0"/>
+          </a:p>
+        </p:txBody>
+      </p:sp>
+      <p:sp>
+        <p:nvSpPr>
+          <p:cNvPr id="16" name="TextBox 15">
+            <a:extLst>
+              <a:ext uri="{FF2B5EF4-FFF2-40B4-BE49-F238E27FC236}">
+                <a16:creationId xmlns:a16="http://schemas.microsoft.com/office/drawing/2014/main" id="{911C249B-48F9-4E8D-907B-505CB20C2B21}"/>
+              </a:ext>
+            </a:extLst>
+          </p:cNvPr>
+          <p:cNvSpPr txBox="1"/>
+          <p:nvPr/>
+        </p:nvSpPr>
+        <p:spPr>
+          <a:xfrm>
+            <a:off x="3994848" y="3764905"/>
+            <a:ext cx="914400" cy="369332"/>
+          </a:xfrm>
+          <a:prstGeom prst="rect">
+            <a:avLst/>
+          </a:prstGeom>
+          <a:noFill/>
+        </p:spPr>
+        <p:txBody>
+          <a:bodyPr wrap="square" rtlCol="0">
+            <a:spAutoFit/>
+          </a:bodyPr>
+          <a:lstStyle/>
+          <a:p>
+            <a:r>
+              <a:rPr lang="en-US" altLang="ko-KR" dirty="0"/>
+              <a:t>2</a:t>
+            </a:r>
+            <a:endParaRPr lang="ko-KR" altLang="en-US" dirty="0"/>
+          </a:p>
+        </p:txBody>
+      </p:sp>
+      <p:sp>
+        <p:nvSpPr>
+          <p:cNvPr id="17" name="TextBox 16">
+            <a:extLst>
+              <a:ext uri="{FF2B5EF4-FFF2-40B4-BE49-F238E27FC236}">
+                <a16:creationId xmlns:a16="http://schemas.microsoft.com/office/drawing/2014/main" id="{0AE149C7-9042-485E-81F2-E848676E37B1}"/>
+              </a:ext>
+            </a:extLst>
+          </p:cNvPr>
+          <p:cNvSpPr txBox="1"/>
+          <p:nvPr/>
+        </p:nvSpPr>
+        <p:spPr>
+          <a:xfrm>
+            <a:off x="3984170" y="4497189"/>
+            <a:ext cx="914400" cy="369332"/>
+          </a:xfrm>
+          <a:prstGeom prst="rect">
+            <a:avLst/>
+          </a:prstGeom>
+          <a:noFill/>
+        </p:spPr>
+        <p:txBody>
+          <a:bodyPr wrap="square" rtlCol="0">
+            <a:spAutoFit/>
+          </a:bodyPr>
+          <a:lstStyle/>
+          <a:p>
+            <a:r>
+              <a:rPr lang="en-US" altLang="ko-KR" dirty="0"/>
+              <a:t>3</a:t>
+            </a:r>
+            <a:endParaRPr lang="ko-KR" altLang="en-US" dirty="0"/>
+          </a:p>
+        </p:txBody>
+      </p:sp>
+      <p:sp>
+        <p:nvSpPr>
+          <p:cNvPr id="18" name="직사각형 17">
+            <a:extLst>
+              <a:ext uri="{FF2B5EF4-FFF2-40B4-BE49-F238E27FC236}">
+                <a16:creationId xmlns:a16="http://schemas.microsoft.com/office/drawing/2014/main" id="{A7BD9C63-6668-4B8D-9342-A43B5841F4DD}"/>
+              </a:ext>
+            </a:extLst>
+          </p:cNvPr>
+          <p:cNvSpPr/>
+          <p:nvPr/>
+        </p:nvSpPr>
+        <p:spPr>
+          <a:xfrm>
+            <a:off x="4773009" y="2610743"/>
+            <a:ext cx="6096000" cy="2677656"/>
+          </a:xfrm>
+          <a:prstGeom prst="rect">
+            <a:avLst/>
+          </a:prstGeom>
+        </p:spPr>
+        <p:txBody>
+          <a:bodyPr wrap="square">
+            <a:spAutoFit/>
+          </a:bodyPr>
+          <a:lstStyle/>
+          <a:p>
+            <a:r>
+              <a:rPr lang="ko-KR" altLang="en-US" sz="1400" dirty="0" err="1"/>
+              <a:t>for</a:t>
+            </a:r>
+            <a:r>
+              <a:rPr lang="ko-KR" altLang="en-US" sz="1400" dirty="0"/>
+              <a:t>($</a:t>
+            </a:r>
+            <a:r>
+              <a:rPr lang="ko-KR" altLang="en-US" sz="1400" dirty="0" err="1"/>
+              <a:t>count</a:t>
+            </a:r>
+            <a:r>
+              <a:rPr lang="ko-KR" altLang="en-US" sz="1400" dirty="0"/>
+              <a:t> = 0; $</a:t>
+            </a:r>
+            <a:r>
+              <a:rPr lang="ko-KR" altLang="en-US" sz="1400" dirty="0" err="1"/>
+              <a:t>count</a:t>
+            </a:r>
+            <a:r>
+              <a:rPr lang="ko-KR" altLang="en-US" sz="1400" dirty="0"/>
+              <a:t> &lt; $_POST['</a:t>
+            </a:r>
+            <a:r>
+              <a:rPr lang="ko-KR" altLang="en-US" sz="1400" dirty="0" err="1"/>
+              <a:t>song_groupCount</a:t>
+            </a:r>
+            <a:r>
+              <a:rPr lang="ko-KR" altLang="en-US" sz="1400" dirty="0"/>
+              <a:t>']; $</a:t>
+            </a:r>
+            <a:r>
+              <a:rPr lang="ko-KR" altLang="en-US" sz="1400" dirty="0" err="1"/>
+              <a:t>count</a:t>
+            </a:r>
+            <a:r>
+              <a:rPr lang="ko-KR" altLang="en-US" sz="1400" dirty="0"/>
+              <a:t>++){</a:t>
+            </a:r>
+          </a:p>
+          <a:p>
+            <a:r>
+              <a:rPr lang="ko-KR" altLang="en-US" sz="1400" dirty="0"/>
+              <a:t>    </a:t>
+            </a:r>
+            <a:r>
+              <a:rPr lang="ko-KR" altLang="en-US" sz="1400" dirty="0" err="1"/>
+              <a:t>echo</a:t>
+            </a:r>
+            <a:r>
+              <a:rPr lang="ko-KR" altLang="en-US" sz="1400" dirty="0"/>
+              <a:t>  '</a:t>
+            </a:r>
+          </a:p>
+          <a:p>
+            <a:endParaRPr lang="ko-KR" altLang="en-US" sz="1400" dirty="0"/>
+          </a:p>
+          <a:p>
+            <a:r>
+              <a:rPr lang="ko-KR" altLang="en-US" sz="1400" dirty="0"/>
+              <a:t>      &lt;</a:t>
+            </a:r>
+            <a:r>
+              <a:rPr lang="ko-KR" altLang="en-US" sz="1400" dirty="0" err="1"/>
+              <a:t>p</a:t>
+            </a:r>
+            <a:r>
+              <a:rPr lang="ko-KR" altLang="en-US" sz="1400" dirty="0"/>
+              <a:t>&gt; </a:t>
+            </a:r>
+            <a:r>
+              <a:rPr lang="ko-KR" altLang="en-US" sz="1400" dirty="0" err="1"/>
+              <a:t>No</a:t>
+            </a:r>
+            <a:r>
+              <a:rPr lang="ko-KR" altLang="en-US" sz="1400" dirty="0"/>
+              <a:t> : &lt;</a:t>
+            </a:r>
+            <a:r>
+              <a:rPr lang="ko-KR" altLang="en-US" sz="1400" dirty="0" err="1"/>
+              <a:t>input</a:t>
+            </a:r>
+            <a:r>
+              <a:rPr lang="ko-KR" altLang="en-US" sz="1400" dirty="0"/>
+              <a:t> </a:t>
+            </a:r>
+            <a:r>
+              <a:rPr lang="ko-KR" altLang="en-US" sz="1400" dirty="0" err="1"/>
+              <a:t>type</a:t>
+            </a:r>
+            <a:r>
+              <a:rPr lang="ko-KR" altLang="en-US" sz="1400" dirty="0"/>
+              <a:t>="</a:t>
+            </a:r>
+            <a:r>
+              <a:rPr lang="ko-KR" altLang="en-US" sz="1400" dirty="0" err="1"/>
+              <a:t>text</a:t>
+            </a:r>
+            <a:r>
+              <a:rPr lang="ko-KR" altLang="en-US" sz="1400" dirty="0"/>
+              <a:t>" </a:t>
+            </a:r>
+            <a:r>
+              <a:rPr lang="ko-KR" altLang="en-US" sz="1400" dirty="0" err="1"/>
+              <a:t>name</a:t>
+            </a:r>
+            <a:r>
+              <a:rPr lang="ko-KR" altLang="en-US" sz="1400" dirty="0"/>
+              <a:t>="</a:t>
+            </a:r>
+            <a:r>
+              <a:rPr lang="ko-KR" altLang="en-US" sz="1400" dirty="0" err="1"/>
+              <a:t>song_num</a:t>
+            </a:r>
+            <a:r>
+              <a:rPr lang="ko-KR" altLang="en-US" sz="1400" dirty="0"/>
+              <a:t>[]"&gt;&lt;/</a:t>
+            </a:r>
+            <a:r>
+              <a:rPr lang="ko-KR" altLang="en-US" sz="1400" dirty="0" err="1"/>
+              <a:t>p</a:t>
+            </a:r>
+            <a:r>
+              <a:rPr lang="ko-KR" altLang="en-US" sz="1400" dirty="0"/>
+              <a:t>&gt;</a:t>
+            </a:r>
+          </a:p>
+          <a:p>
+            <a:r>
+              <a:rPr lang="ko-KR" altLang="en-US" sz="1400" dirty="0"/>
+              <a:t>      &lt;</a:t>
+            </a:r>
+            <a:r>
+              <a:rPr lang="ko-KR" altLang="en-US" sz="1400" dirty="0" err="1"/>
+              <a:t>p</a:t>
+            </a:r>
+            <a:r>
+              <a:rPr lang="ko-KR" altLang="en-US" sz="1400" dirty="0"/>
+              <a:t>&gt; </a:t>
+            </a:r>
+            <a:r>
+              <a:rPr lang="ko-KR" altLang="en-US" sz="1400" dirty="0" err="1"/>
+              <a:t>Name</a:t>
+            </a:r>
+            <a:r>
+              <a:rPr lang="ko-KR" altLang="en-US" sz="1400" dirty="0"/>
+              <a:t> :&lt;</a:t>
+            </a:r>
+            <a:r>
+              <a:rPr lang="ko-KR" altLang="en-US" sz="1400" dirty="0" err="1"/>
+              <a:t>input</a:t>
+            </a:r>
+            <a:r>
+              <a:rPr lang="ko-KR" altLang="en-US" sz="1400" dirty="0"/>
+              <a:t> </a:t>
+            </a:r>
+            <a:r>
+              <a:rPr lang="ko-KR" altLang="en-US" sz="1400" dirty="0" err="1"/>
+              <a:t>type</a:t>
+            </a:r>
+            <a:r>
+              <a:rPr lang="ko-KR" altLang="en-US" sz="1400" dirty="0"/>
+              <a:t>="</a:t>
+            </a:r>
+            <a:r>
+              <a:rPr lang="ko-KR" altLang="en-US" sz="1400" dirty="0" err="1"/>
+              <a:t>text</a:t>
+            </a:r>
+            <a:r>
+              <a:rPr lang="ko-KR" altLang="en-US" sz="1400" dirty="0"/>
+              <a:t>" </a:t>
+            </a:r>
+            <a:r>
+              <a:rPr lang="ko-KR" altLang="en-US" sz="1400" dirty="0" err="1"/>
+              <a:t>name</a:t>
+            </a:r>
+            <a:r>
+              <a:rPr lang="ko-KR" altLang="en-US" sz="1400" dirty="0"/>
+              <a:t>="</a:t>
+            </a:r>
+            <a:r>
+              <a:rPr lang="ko-KR" altLang="en-US" sz="1400" dirty="0" err="1"/>
+              <a:t>song_name</a:t>
+            </a:r>
+            <a:r>
+              <a:rPr lang="ko-KR" altLang="en-US" sz="1400" dirty="0"/>
+              <a:t>[]"&gt;&lt;/</a:t>
+            </a:r>
+            <a:r>
+              <a:rPr lang="ko-KR" altLang="en-US" sz="1400" dirty="0" err="1"/>
+              <a:t>p</a:t>
+            </a:r>
+            <a:r>
+              <a:rPr lang="ko-KR" altLang="en-US" sz="1400" dirty="0"/>
+              <a:t>&gt;</a:t>
+            </a:r>
+          </a:p>
+          <a:p>
+            <a:r>
+              <a:rPr lang="ko-KR" altLang="en-US" sz="1400" dirty="0"/>
+              <a:t>      ';</a:t>
+            </a:r>
+          </a:p>
+          <a:p>
+            <a:r>
+              <a:rPr lang="ko-KR" altLang="en-US" sz="1400" dirty="0"/>
+              <a:t>    }</a:t>
+            </a:r>
+          </a:p>
+          <a:p>
+            <a:r>
+              <a:rPr lang="ko-KR" altLang="en-US" sz="1400" dirty="0"/>
+              <a:t>    </a:t>
+            </a:r>
+            <a:r>
+              <a:rPr lang="ko-KR" altLang="en-US" sz="1400" dirty="0" err="1"/>
+              <a:t>echo</a:t>
+            </a:r>
+            <a:r>
+              <a:rPr lang="ko-KR" altLang="en-US" sz="1400" dirty="0"/>
+              <a:t> '</a:t>
+            </a:r>
+          </a:p>
+          <a:p>
+            <a:r>
+              <a:rPr lang="ko-KR" altLang="en-US" sz="1400" dirty="0"/>
+              <a:t>    &lt;</a:t>
+            </a:r>
+            <a:r>
+              <a:rPr lang="ko-KR" altLang="en-US" sz="1400" dirty="0" err="1"/>
+              <a:t>input</a:t>
+            </a:r>
+            <a:r>
+              <a:rPr lang="ko-KR" altLang="en-US" sz="1400" dirty="0"/>
+              <a:t> </a:t>
+            </a:r>
+            <a:r>
+              <a:rPr lang="ko-KR" altLang="en-US" sz="1400" dirty="0" err="1"/>
+              <a:t>type</a:t>
+            </a:r>
+            <a:r>
+              <a:rPr lang="ko-KR" altLang="en-US" sz="1400" dirty="0"/>
+              <a:t>="</a:t>
+            </a:r>
+            <a:r>
+              <a:rPr lang="ko-KR" altLang="en-US" sz="1400" dirty="0" err="1"/>
+              <a:t>hidden</a:t>
+            </a:r>
+            <a:r>
+              <a:rPr lang="ko-KR" altLang="en-US" sz="1400" dirty="0"/>
+              <a:t>" </a:t>
+            </a:r>
+            <a:r>
+              <a:rPr lang="ko-KR" altLang="en-US" sz="1400" dirty="0" err="1"/>
+              <a:t>name</a:t>
+            </a:r>
+            <a:r>
+              <a:rPr lang="ko-KR" altLang="en-US" sz="1400" dirty="0"/>
+              <a:t> = "</a:t>
+            </a:r>
+            <a:r>
+              <a:rPr lang="ko-KR" altLang="en-US" sz="1400" dirty="0" err="1"/>
+              <a:t>count</a:t>
+            </a:r>
+            <a:r>
+              <a:rPr lang="ko-KR" altLang="en-US" sz="1400" dirty="0"/>
+              <a:t>" </a:t>
+            </a:r>
+            <a:r>
+              <a:rPr lang="ko-KR" altLang="en-US" sz="1400" dirty="0" err="1"/>
+              <a:t>value</a:t>
+            </a:r>
+            <a:r>
+              <a:rPr lang="ko-KR" altLang="en-US" sz="1400" dirty="0"/>
+              <a:t> ="';</a:t>
+            </a:r>
+          </a:p>
+          <a:p>
+            <a:r>
+              <a:rPr lang="ko-KR" altLang="en-US" sz="1400" dirty="0"/>
+              <a:t>    </a:t>
+            </a:r>
+            <a:r>
+              <a:rPr lang="ko-KR" altLang="en-US" sz="1400" dirty="0" err="1"/>
+              <a:t>echo</a:t>
+            </a:r>
+            <a:r>
+              <a:rPr lang="ko-KR" altLang="en-US" sz="1400" dirty="0"/>
+              <a:t> $</a:t>
+            </a:r>
+            <a:r>
+              <a:rPr lang="ko-KR" altLang="en-US" sz="1400" dirty="0" err="1"/>
+              <a:t>groupCount</a:t>
+            </a:r>
+            <a:r>
+              <a:rPr lang="ko-KR" altLang="en-US" sz="1400" dirty="0"/>
+              <a:t>.'"&gt;</a:t>
+            </a:r>
+          </a:p>
+          <a:p>
+            <a:r>
+              <a:rPr lang="ko-KR" altLang="en-US" sz="1400" dirty="0"/>
+              <a:t>    &lt;</a:t>
+            </a:r>
+            <a:r>
+              <a:rPr lang="ko-KR" altLang="en-US" sz="1400" dirty="0" err="1"/>
+              <a:t>input</a:t>
+            </a:r>
+            <a:r>
+              <a:rPr lang="ko-KR" altLang="en-US" sz="1400" dirty="0"/>
+              <a:t> </a:t>
+            </a:r>
+            <a:r>
+              <a:rPr lang="ko-KR" altLang="en-US" sz="1400" dirty="0" err="1"/>
+              <a:t>type</a:t>
+            </a:r>
+            <a:r>
+              <a:rPr lang="ko-KR" altLang="en-US" sz="1400" dirty="0"/>
+              <a:t>="</a:t>
+            </a:r>
+            <a:r>
+              <a:rPr lang="ko-KR" altLang="en-US" sz="1400" dirty="0" err="1"/>
+              <a:t>submit</a:t>
+            </a:r>
+            <a:r>
+              <a:rPr lang="ko-KR" altLang="en-US" sz="1400" dirty="0"/>
+              <a:t>"&gt;</a:t>
+            </a:r>
+          </a:p>
+          <a:p>
+            <a:r>
+              <a:rPr lang="ko-KR" altLang="en-US" sz="1400" dirty="0"/>
+              <a:t>    &lt;/</a:t>
+            </a:r>
+            <a:r>
+              <a:rPr lang="ko-KR" altLang="en-US" sz="1400" dirty="0" err="1"/>
+              <a:t>form</a:t>
+            </a:r>
+            <a:r>
+              <a:rPr lang="ko-KR" altLang="en-US" sz="1400" dirty="0"/>
+              <a:t>&gt;';</a:t>
+            </a:r>
+          </a:p>
+        </p:txBody>
+      </p:sp>
+    </p:spTree>
+    <p:extLst>
+      <p:ext uri="{BB962C8B-B14F-4D97-AF65-F5344CB8AC3E}">
+        <p14:creationId xmlns:p14="http://schemas.microsoft.com/office/powerpoint/2010/main" val="953023215"/>
+      </p:ext>
+    </p:extLst>
+  </p:cSld>
+  <p:clrMapOvr>
+    <a:masterClrMapping/>
+  </p:clrMapOvr>
+</p:sld>
+</file>
+
+<file path=ppt/slides/slide7.xml><?xml version="1.0" encoding="utf-8"?>
+<p:sld xmlns:a="http://schemas.openxmlformats.org/drawingml/2006/main" xmlns:r="http://schemas.openxmlformats.org/officeDocument/2006/relationships" xmlns:p="http://schemas.openxmlformats.org/presentationml/2006/main">
+  <p:cSld>
+    <p:spTree>
+      <p:nvGrpSpPr>
+        <p:cNvPr id="1" name=""/>
+        <p:cNvGrpSpPr/>
+        <p:nvPr/>
+      </p:nvGrpSpPr>
+      <p:grpSpPr>
+        <a:xfrm>
+          <a:off x="0" y="0"/>
+          <a:ext cx="0" cy="0"/>
+          <a:chOff x="0" y="0"/>
+          <a:chExt cx="0" cy="0"/>
+        </a:xfrm>
+      </p:grpSpPr>
+      <p:sp>
+        <p:nvSpPr>
+          <p:cNvPr id="4" name="TextBox 3">
+            <a:extLst>
+              <a:ext uri="{FF2B5EF4-FFF2-40B4-BE49-F238E27FC236}">
+                <a16:creationId xmlns:a16="http://schemas.microsoft.com/office/drawing/2014/main" id="{B2CC801F-6CAB-4E55-88BB-022194A88274}"/>
+              </a:ext>
+            </a:extLst>
+          </p:cNvPr>
+          <p:cNvSpPr txBox="1"/>
+          <p:nvPr/>
+        </p:nvSpPr>
+        <p:spPr>
+          <a:xfrm>
+            <a:off x="1332412" y="566727"/>
+            <a:ext cx="7715795" cy="923330"/>
+          </a:xfrm>
+          <a:prstGeom prst="rect">
+            <a:avLst/>
+          </a:prstGeom>
+          <a:noFill/>
+        </p:spPr>
+        <p:txBody>
+          <a:bodyPr wrap="square" rtlCol="0">
+            <a:spAutoFit/>
+          </a:bodyPr>
+          <a:lstStyle/>
+          <a:p>
+            <a:r>
+              <a:rPr lang="ko-KR" altLang="en-US" dirty="0" err="1">
+                <a:latin typeface="한컴 윤고딕 250" panose="02020603020101020101" pitchFamily="18" charset="-127"/>
+                <a:ea typeface="한컴 윤고딕 250" panose="02020603020101020101" pitchFamily="18" charset="-127"/>
+              </a:rPr>
+              <a:t>메인화면</a:t>
+            </a:r>
+            <a:r>
+              <a:rPr lang="en-US" altLang="ko-KR" dirty="0">
+                <a:latin typeface="한컴 윤고딕 250" panose="02020603020101020101" pitchFamily="18" charset="-127"/>
+                <a:ea typeface="한컴 윤고딕 250" panose="02020603020101020101" pitchFamily="18" charset="-127"/>
+              </a:rPr>
+              <a:t>(INSERT)</a:t>
+            </a:r>
+          </a:p>
+          <a:p>
+            <a:endParaRPr lang="en-US" altLang="ko-KR" dirty="0">
+              <a:latin typeface="한컴 윤고딕 250" panose="02020603020101020101" pitchFamily="18" charset="-127"/>
+              <a:ea typeface="한컴 윤고딕 250" panose="02020603020101020101" pitchFamily="18" charset="-127"/>
+            </a:endParaRPr>
+          </a:p>
+          <a:p>
+            <a:endParaRPr lang="en-US" altLang="ko-KR" dirty="0">
+              <a:latin typeface="한컴 윤고딕 250" panose="02020603020101020101" pitchFamily="18" charset="-127"/>
+              <a:ea typeface="한컴 윤고딕 250" panose="02020603020101020101" pitchFamily="18" charset="-127"/>
+            </a:endParaRPr>
+          </a:p>
+        </p:txBody>
+      </p:sp>
+      <p:sp>
+        <p:nvSpPr>
+          <p:cNvPr id="2" name="TextBox 1">
+            <a:extLst>
+              <a:ext uri="{FF2B5EF4-FFF2-40B4-BE49-F238E27FC236}">
+                <a16:creationId xmlns:a16="http://schemas.microsoft.com/office/drawing/2014/main" id="{32999FB5-5009-42D4-81D4-0E738E543E2B}"/>
+              </a:ext>
+            </a:extLst>
+          </p:cNvPr>
+          <p:cNvSpPr txBox="1"/>
+          <p:nvPr/>
+        </p:nvSpPr>
+        <p:spPr>
+          <a:xfrm>
+            <a:off x="1858945" y="1416818"/>
+            <a:ext cx="5948624" cy="646331"/>
+          </a:xfrm>
+          <a:prstGeom prst="rect">
+            <a:avLst/>
+          </a:prstGeom>
+          <a:noFill/>
+        </p:spPr>
+        <p:txBody>
+          <a:bodyPr wrap="square" rtlCol="0">
+            <a:spAutoFit/>
+          </a:bodyPr>
+          <a:lstStyle/>
+          <a:p>
+            <a:r>
+              <a:rPr lang="en-US" altLang="ko-KR" dirty="0"/>
+              <a:t>2. </a:t>
+            </a:r>
+            <a:r>
+              <a:rPr lang="ko-KR" altLang="en-US" dirty="0"/>
+              <a:t>여러 그룹으로 나눔</a:t>
+            </a:r>
+            <a:endParaRPr lang="en-US" altLang="ko-KR" dirty="0"/>
+          </a:p>
+          <a:p>
+            <a:endParaRPr lang="en-US" altLang="ko-KR" dirty="0"/>
+          </a:p>
+        </p:txBody>
+      </p:sp>
+      <p:pic>
+        <p:nvPicPr>
+          <p:cNvPr id="3" name="그림 2">
+            <a:extLst>
+              <a:ext uri="{FF2B5EF4-FFF2-40B4-BE49-F238E27FC236}">
+                <a16:creationId xmlns:a16="http://schemas.microsoft.com/office/drawing/2014/main" id="{334361F3-C670-4737-891D-9673EF3D35B2}"/>
+              </a:ext>
+            </a:extLst>
+          </p:cNvPr>
+          <p:cNvPicPr>
+            <a:picLocks noChangeAspect="1"/>
+          </p:cNvPicPr>
+          <p:nvPr/>
+        </p:nvPicPr>
+        <p:blipFill>
+          <a:blip r:embed="rId2"/>
+          <a:stretch>
+            <a:fillRect/>
+          </a:stretch>
+        </p:blipFill>
+        <p:spPr>
+          <a:xfrm>
+            <a:off x="1416555" y="2063149"/>
+            <a:ext cx="5781675" cy="4848225"/>
+          </a:xfrm>
+          <a:prstGeom prst="rect">
+            <a:avLst/>
+          </a:prstGeom>
+        </p:spPr>
+      </p:pic>
+    </p:spTree>
+    <p:extLst>
+      <p:ext uri="{BB962C8B-B14F-4D97-AF65-F5344CB8AC3E}">
+        <p14:creationId xmlns:p14="http://schemas.microsoft.com/office/powerpoint/2010/main" val="615519845"/>
+      </p:ext>
+    </p:extLst>
+  </p:cSld>
+  <p:clrMapOvr>
+    <a:masterClrMapping/>
+  </p:clrMapOvr>
+</p:sld>
+</file>
+
+<file path=ppt/slides/slide8.xml><?xml version="1.0" encoding="utf-8"?>
+<p:sld xmlns:a="http://schemas.openxmlformats.org/drawingml/2006/main" xmlns:r="http://schemas.openxmlformats.org/officeDocument/2006/relationships" xmlns:p="http://schemas.openxmlformats.org/presentationml/2006/main">
+  <p:cSld>
+    <p:spTree>
+      <p:nvGrpSpPr>
+        <p:cNvPr id="1" name=""/>
+        <p:cNvGrpSpPr/>
+        <p:nvPr/>
+      </p:nvGrpSpPr>
+      <p:grpSpPr>
+        <a:xfrm>
+          <a:off x="0" y="0"/>
+          <a:ext cx="0" cy="0"/>
+          <a:chOff x="0" y="0"/>
+          <a:chExt cx="0" cy="0"/>
+        </a:xfrm>
+      </p:grpSpPr>
+      <p:sp>
+        <p:nvSpPr>
+          <p:cNvPr id="4" name="TextBox 3">
+            <a:extLst>
+              <a:ext uri="{FF2B5EF4-FFF2-40B4-BE49-F238E27FC236}">
+                <a16:creationId xmlns:a16="http://schemas.microsoft.com/office/drawing/2014/main" id="{B2CC801F-6CAB-4E55-88BB-022194A88274}"/>
+              </a:ext>
+            </a:extLst>
+          </p:cNvPr>
+          <p:cNvSpPr txBox="1"/>
+          <p:nvPr/>
+        </p:nvSpPr>
+        <p:spPr>
+          <a:xfrm>
+            <a:off x="1332412" y="566727"/>
+            <a:ext cx="7715795" cy="923330"/>
+          </a:xfrm>
+          <a:prstGeom prst="rect">
+            <a:avLst/>
+          </a:prstGeom>
+          <a:noFill/>
+        </p:spPr>
+        <p:txBody>
+          <a:bodyPr wrap="square" rtlCol="0">
+            <a:spAutoFit/>
+          </a:bodyPr>
+          <a:lstStyle/>
+          <a:p>
+            <a:r>
+              <a:rPr lang="ko-KR" altLang="en-US" dirty="0" err="1">
+                <a:latin typeface="한컴 윤고딕 250" panose="02020603020101020101" pitchFamily="18" charset="-127"/>
+                <a:ea typeface="한컴 윤고딕 250" panose="02020603020101020101" pitchFamily="18" charset="-127"/>
+              </a:rPr>
+              <a:t>메인화면</a:t>
+            </a:r>
+            <a:r>
+              <a:rPr lang="en-US" altLang="ko-KR" dirty="0">
+                <a:latin typeface="한컴 윤고딕 250" panose="02020603020101020101" pitchFamily="18" charset="-127"/>
+                <a:ea typeface="한컴 윤고딕 250" panose="02020603020101020101" pitchFamily="18" charset="-127"/>
+              </a:rPr>
+              <a:t>(INSERT)</a:t>
+            </a:r>
+          </a:p>
+          <a:p>
+            <a:endParaRPr lang="en-US" altLang="ko-KR" dirty="0">
+              <a:latin typeface="한컴 윤고딕 250" panose="02020603020101020101" pitchFamily="18" charset="-127"/>
+              <a:ea typeface="한컴 윤고딕 250" panose="02020603020101020101" pitchFamily="18" charset="-127"/>
+            </a:endParaRPr>
+          </a:p>
+          <a:p>
+            <a:endParaRPr lang="en-US" altLang="ko-KR" dirty="0">
+              <a:latin typeface="한컴 윤고딕 250" panose="02020603020101020101" pitchFamily="18" charset="-127"/>
+              <a:ea typeface="한컴 윤고딕 250" panose="02020603020101020101" pitchFamily="18" charset="-127"/>
+            </a:endParaRPr>
+          </a:p>
+        </p:txBody>
+      </p:sp>
+      <p:sp>
+        <p:nvSpPr>
+          <p:cNvPr id="2" name="TextBox 1">
+            <a:extLst>
+              <a:ext uri="{FF2B5EF4-FFF2-40B4-BE49-F238E27FC236}">
+                <a16:creationId xmlns:a16="http://schemas.microsoft.com/office/drawing/2014/main" id="{32999FB5-5009-42D4-81D4-0E738E543E2B}"/>
+              </a:ext>
+            </a:extLst>
+          </p:cNvPr>
+          <p:cNvSpPr txBox="1"/>
+          <p:nvPr/>
+        </p:nvSpPr>
+        <p:spPr>
+          <a:xfrm>
+            <a:off x="1768510" y="1093652"/>
+            <a:ext cx="5948624" cy="369332"/>
+          </a:xfrm>
+          <a:prstGeom prst="rect">
+            <a:avLst/>
+          </a:prstGeom>
+          <a:noFill/>
+        </p:spPr>
+        <p:txBody>
+          <a:bodyPr wrap="square" rtlCol="0">
+            <a:spAutoFit/>
+          </a:bodyPr>
+          <a:lstStyle/>
+          <a:p>
+            <a:r>
+              <a:rPr lang="ko-KR" altLang="en-US" dirty="0">
+                <a:latin typeface="한컴 윤고딕 250" panose="02020603020101020101" pitchFamily="18" charset="-127"/>
+                <a:ea typeface="한컴 윤고딕 250" panose="02020603020101020101" pitchFamily="18" charset="-127"/>
+              </a:rPr>
+              <a:t>그룹별 </a:t>
+            </a:r>
+            <a:r>
+              <a:rPr lang="ko-KR" altLang="en-US" dirty="0" err="1">
+                <a:latin typeface="한컴 윤고딕 250" panose="02020603020101020101" pitchFamily="18" charset="-127"/>
+                <a:ea typeface="한컴 윤고딕 250" panose="02020603020101020101" pitchFamily="18" charset="-127"/>
+              </a:rPr>
+              <a:t>인원표</a:t>
+            </a:r>
+            <a:r>
+              <a:rPr lang="ko-KR" altLang="en-US" dirty="0">
+                <a:latin typeface="한컴 윤고딕 250" panose="02020603020101020101" pitchFamily="18" charset="-127"/>
+                <a:ea typeface="한컴 윤고딕 250" panose="02020603020101020101" pitchFamily="18" charset="-127"/>
+              </a:rPr>
+              <a:t> </a:t>
+            </a:r>
+            <a:r>
+              <a:rPr lang="ko-KR" altLang="en-US" dirty="0" err="1">
+                <a:latin typeface="한컴 윤고딕 250" panose="02020603020101020101" pitchFamily="18" charset="-127"/>
+                <a:ea typeface="한컴 윤고딕 250" panose="02020603020101020101" pitchFamily="18" charset="-127"/>
+              </a:rPr>
+              <a:t>만들예정</a:t>
+            </a:r>
+            <a:endParaRPr lang="en-US" altLang="ko-KR" dirty="0">
+              <a:latin typeface="한컴 윤고딕 250" panose="02020603020101020101" pitchFamily="18" charset="-127"/>
+              <a:ea typeface="한컴 윤고딕 250" panose="02020603020101020101" pitchFamily="18" charset="-127"/>
+            </a:endParaRPr>
+          </a:p>
+        </p:txBody>
+      </p:sp>
+      <p:pic>
+        <p:nvPicPr>
+          <p:cNvPr id="3" name="그림 2">
+            <a:extLst>
+              <a:ext uri="{FF2B5EF4-FFF2-40B4-BE49-F238E27FC236}">
+                <a16:creationId xmlns:a16="http://schemas.microsoft.com/office/drawing/2014/main" id="{334361F3-C670-4737-891D-9673EF3D35B2}"/>
+              </a:ext>
+            </a:extLst>
+          </p:cNvPr>
+          <p:cNvPicPr>
+            <a:picLocks noChangeAspect="1"/>
+          </p:cNvPicPr>
+          <p:nvPr/>
+        </p:nvPicPr>
+        <p:blipFill>
+          <a:blip r:embed="rId2"/>
+          <a:stretch>
+            <a:fillRect/>
+          </a:stretch>
+        </p:blipFill>
+        <p:spPr>
+          <a:xfrm>
+            <a:off x="1332412" y="1490057"/>
+            <a:ext cx="5781675" cy="4848225"/>
+          </a:xfrm>
+          <a:prstGeom prst="rect">
+            <a:avLst/>
+          </a:prstGeom>
+        </p:spPr>
+      </p:pic>
+      <p:sp>
+        <p:nvSpPr>
+          <p:cNvPr id="5" name="화살표: 오른쪽 4">
+            <a:extLst>
+              <a:ext uri="{FF2B5EF4-FFF2-40B4-BE49-F238E27FC236}">
+                <a16:creationId xmlns:a16="http://schemas.microsoft.com/office/drawing/2014/main" id="{A4A47B1F-9134-4802-B0E4-042C403A0914}"/>
+              </a:ext>
+            </a:extLst>
+          </p:cNvPr>
+          <p:cNvSpPr/>
+          <p:nvPr/>
+        </p:nvSpPr>
+        <p:spPr>
+          <a:xfrm>
+            <a:off x="2250977" y="4029390"/>
+            <a:ext cx="5466157" cy="542610"/>
+          </a:xfrm>
+          <a:prstGeom prst="rightArrow">
+            <a:avLst/>
+          </a:prstGeom>
+          <a:noFill/>
+          <a:ln>
+            <a:solidFill>
+              <a:srgbClr val="FF0000"/>
+            </a:solidFill>
+          </a:ln>
+        </p:spPr>
+        <p:style>
+          <a:lnRef idx="2">
+            <a:schemeClr val="accent1">
+              <a:shade val="50000"/>
+            </a:schemeClr>
+          </a:lnRef>
+          <a:fillRef idx="1">
+            <a:schemeClr val="accent1"/>
+          </a:fillRef>
+          <a:effectRef idx="0">
+            <a:schemeClr val="accent1"/>
+          </a:effectRef>
+          <a:fontRef idx="minor">
+            <a:schemeClr val="lt1"/>
+          </a:fontRef>
+        </p:style>
+        <p:txBody>
+          <a:bodyPr rtlCol="0" anchor="ctr"/>
+          <a:lstStyle/>
+          <a:p>
+            <a:pPr algn="ctr"/>
+            <a:endParaRPr lang="ko-KR" altLang="en-US"/>
+          </a:p>
+        </p:txBody>
+      </p:sp>
+      <p:sp>
+        <p:nvSpPr>
+          <p:cNvPr id="6" name="TextBox 5">
+            <a:extLst>
+              <a:ext uri="{FF2B5EF4-FFF2-40B4-BE49-F238E27FC236}">
+                <a16:creationId xmlns:a16="http://schemas.microsoft.com/office/drawing/2014/main" id="{26446B1C-587B-4827-9EB8-97B6CA01342B}"/>
+              </a:ext>
+            </a:extLst>
+          </p:cNvPr>
+          <p:cNvSpPr txBox="1"/>
+          <p:nvPr/>
+        </p:nvSpPr>
+        <p:spPr>
+          <a:xfrm>
+            <a:off x="2519532" y="4478493"/>
+            <a:ext cx="4109775" cy="369332"/>
+          </a:xfrm>
+          <a:prstGeom prst="rect">
+            <a:avLst/>
+          </a:prstGeom>
+          <a:noFill/>
+        </p:spPr>
+        <p:txBody>
+          <a:bodyPr wrap="square" rtlCol="0">
+            <a:spAutoFit/>
+          </a:bodyPr>
+          <a:lstStyle/>
+          <a:p>
+            <a:r>
+              <a:rPr lang="ko-KR" altLang="en-US" dirty="0">
+                <a:solidFill>
+                  <a:srgbClr val="FF0000"/>
+                </a:solidFill>
+                <a:latin typeface="한컴 윤고딕 230" panose="02020603020101020101" pitchFamily="18" charset="-127"/>
+                <a:ea typeface="한컴 윤고딕 230" panose="02020603020101020101" pitchFamily="18" charset="-127"/>
+              </a:rPr>
+              <a:t>클릭하면 해당 그룹 </a:t>
+            </a:r>
+            <a:r>
+              <a:rPr lang="ko-KR" altLang="en-US" dirty="0" err="1">
+                <a:solidFill>
+                  <a:srgbClr val="FF0000"/>
+                </a:solidFill>
+                <a:latin typeface="한컴 윤고딕 230" panose="02020603020101020101" pitchFamily="18" charset="-127"/>
+                <a:ea typeface="한컴 윤고딕 230" panose="02020603020101020101" pitchFamily="18" charset="-127"/>
+              </a:rPr>
+              <a:t>인원표</a:t>
+            </a:r>
+            <a:r>
+              <a:rPr lang="ko-KR" altLang="en-US" dirty="0">
+                <a:solidFill>
+                  <a:srgbClr val="FF0000"/>
+                </a:solidFill>
+                <a:latin typeface="한컴 윤고딕 230" panose="02020603020101020101" pitchFamily="18" charset="-127"/>
+                <a:ea typeface="한컴 윤고딕 230" panose="02020603020101020101" pitchFamily="18" charset="-127"/>
+              </a:rPr>
+              <a:t> 나오게</a:t>
+            </a:r>
+          </a:p>
+        </p:txBody>
+      </p:sp>
+    </p:spTree>
+    <p:extLst>
+      <p:ext uri="{BB962C8B-B14F-4D97-AF65-F5344CB8AC3E}">
+        <p14:creationId xmlns:p14="http://schemas.microsoft.com/office/powerpoint/2010/main" val="56112283"/>
+      </p:ext>
+    </p:extLst>
+  </p:cSld>
+  <p:clrMapOvr>
+    <a:masterClrMapping/>
+  </p:clrMapOvr>
+</p:sld>
+</file>
+
+<file path=ppt/slides/slide9.xml><?xml version="1.0" encoding="utf-8"?>
+<p:sld xmlns:a="http://schemas.openxmlformats.org/drawingml/2006/main" xmlns:r="http://schemas.openxmlformats.org/officeDocument/2006/relationships" xmlns:p="http://schemas.openxmlformats.org/presentationml/2006/main">
+  <p:cSld>
+    <p:spTree>
+      <p:nvGrpSpPr>
+        <p:cNvPr id="1" name=""/>
+        <p:cNvGrpSpPr/>
+        <p:nvPr/>
+      </p:nvGrpSpPr>
+      <p:grpSpPr>
+        <a:xfrm>
+          <a:off x="0" y="0"/>
+          <a:ext cx="0" cy="0"/>
+          <a:chOff x="0" y="0"/>
+          <a:chExt cx="0" cy="0"/>
+        </a:xfrm>
+      </p:grpSpPr>
+      <p:sp>
+        <p:nvSpPr>
+          <p:cNvPr id="4" name="TextBox 3">
+            <a:extLst>
+              <a:ext uri="{FF2B5EF4-FFF2-40B4-BE49-F238E27FC236}">
+                <a16:creationId xmlns:a16="http://schemas.microsoft.com/office/drawing/2014/main" id="{B2CC801F-6CAB-4E55-88BB-022194A88274}"/>
+              </a:ext>
+            </a:extLst>
+          </p:cNvPr>
+          <p:cNvSpPr txBox="1"/>
+          <p:nvPr/>
+        </p:nvSpPr>
+        <p:spPr>
+          <a:xfrm>
+            <a:off x="1332412" y="566727"/>
+            <a:ext cx="7715795" cy="923330"/>
+          </a:xfrm>
+          <a:prstGeom prst="rect">
+            <a:avLst/>
+          </a:prstGeom>
+          <a:noFill/>
+        </p:spPr>
+        <p:txBody>
+          <a:bodyPr wrap="square" rtlCol="0">
+            <a:spAutoFit/>
+          </a:bodyPr>
+          <a:lstStyle/>
+          <a:p>
+            <a:r>
+              <a:rPr lang="ko-KR" altLang="en-US" dirty="0" err="1">
+                <a:latin typeface="한컴 윤고딕 250" panose="02020603020101020101" pitchFamily="18" charset="-127"/>
+                <a:ea typeface="한컴 윤고딕 250" panose="02020603020101020101" pitchFamily="18" charset="-127"/>
+              </a:rPr>
+              <a:t>메인화면</a:t>
+            </a:r>
+            <a:r>
+              <a:rPr lang="en-US" altLang="ko-KR" dirty="0">
+                <a:latin typeface="한컴 윤고딕 250" panose="02020603020101020101" pitchFamily="18" charset="-127"/>
+                <a:ea typeface="한컴 윤고딕 250" panose="02020603020101020101" pitchFamily="18" charset="-127"/>
+              </a:rPr>
+              <a:t>(INSERT)</a:t>
+            </a:r>
+          </a:p>
+          <a:p>
+            <a:endParaRPr lang="en-US" altLang="ko-KR" dirty="0">
+              <a:latin typeface="한컴 윤고딕 250" panose="02020603020101020101" pitchFamily="18" charset="-127"/>
+              <a:ea typeface="한컴 윤고딕 250" panose="02020603020101020101" pitchFamily="18" charset="-127"/>
+            </a:endParaRPr>
+          </a:p>
+          <a:p>
+            <a:endParaRPr lang="en-US" altLang="ko-KR" dirty="0">
+              <a:latin typeface="한컴 윤고딕 250" panose="02020603020101020101" pitchFamily="18" charset="-127"/>
+              <a:ea typeface="한컴 윤고딕 250" panose="02020603020101020101" pitchFamily="18" charset="-127"/>
+            </a:endParaRPr>
+          </a:p>
+        </p:txBody>
+      </p:sp>
+      <p:sp>
+        <p:nvSpPr>
+          <p:cNvPr id="2" name="TextBox 1">
+            <a:extLst>
+              <a:ext uri="{FF2B5EF4-FFF2-40B4-BE49-F238E27FC236}">
+                <a16:creationId xmlns:a16="http://schemas.microsoft.com/office/drawing/2014/main" id="{32999FB5-5009-42D4-81D4-0E738E543E2B}"/>
+              </a:ext>
+            </a:extLst>
+          </p:cNvPr>
+          <p:cNvSpPr txBox="1"/>
+          <p:nvPr/>
+        </p:nvSpPr>
+        <p:spPr>
+          <a:xfrm>
+            <a:off x="1858945" y="1416818"/>
+            <a:ext cx="5948624" cy="646331"/>
+          </a:xfrm>
+          <a:prstGeom prst="rect">
+            <a:avLst/>
+          </a:prstGeom>
+          <a:noFill/>
+        </p:spPr>
+        <p:txBody>
+          <a:bodyPr wrap="square" rtlCol="0">
+            <a:spAutoFit/>
+          </a:bodyPr>
+          <a:lstStyle/>
+          <a:p>
+            <a:r>
+              <a:rPr lang="en-US" altLang="ko-KR" dirty="0"/>
+              <a:t>3. </a:t>
+            </a:r>
+            <a:r>
+              <a:rPr lang="ko-KR" altLang="en-US" dirty="0"/>
+              <a:t>그룹추출</a:t>
+            </a:r>
+            <a:endParaRPr lang="en-US" altLang="ko-KR" dirty="0"/>
+          </a:p>
+          <a:p>
+            <a:endParaRPr lang="en-US" altLang="ko-KR" dirty="0"/>
+          </a:p>
+        </p:txBody>
+      </p:sp>
+      <p:sp>
+        <p:nvSpPr>
+          <p:cNvPr id="3" name="TextBox 2">
+            <a:extLst>
+              <a:ext uri="{FF2B5EF4-FFF2-40B4-BE49-F238E27FC236}">
+                <a16:creationId xmlns:a16="http://schemas.microsoft.com/office/drawing/2014/main" id="{5645C1BE-CAD2-46D4-BA4F-7B53F74796D0}"/>
+              </a:ext>
+            </a:extLst>
+          </p:cNvPr>
+          <p:cNvSpPr txBox="1"/>
+          <p:nvPr/>
+        </p:nvSpPr>
+        <p:spPr>
+          <a:xfrm>
+            <a:off x="1959429" y="2220686"/>
+            <a:ext cx="6782637" cy="369332"/>
+          </a:xfrm>
+          <a:prstGeom prst="rect">
+            <a:avLst/>
+          </a:prstGeom>
+          <a:noFill/>
+        </p:spPr>
+        <p:txBody>
+          <a:bodyPr wrap="square" rtlCol="0">
+            <a:spAutoFit/>
+          </a:bodyPr>
+          <a:lstStyle/>
+          <a:p>
+            <a:endParaRPr lang="ko-KR" altLang="en-US" dirty="0"/>
+          </a:p>
+        </p:txBody>
+      </p:sp>
+      <p:pic>
+        <p:nvPicPr>
+          <p:cNvPr id="5" name="그림 4">
+            <a:extLst>
+              <a:ext uri="{FF2B5EF4-FFF2-40B4-BE49-F238E27FC236}">
+                <a16:creationId xmlns:a16="http://schemas.microsoft.com/office/drawing/2014/main" id="{D92298FD-05BA-40CF-98D9-326A36AF45A7}"/>
+              </a:ext>
+            </a:extLst>
+          </p:cNvPr>
+          <p:cNvPicPr>
+            <a:picLocks noChangeAspect="1"/>
+          </p:cNvPicPr>
+          <p:nvPr/>
+        </p:nvPicPr>
+        <p:blipFill>
+          <a:blip r:embed="rId2"/>
+          <a:stretch>
+            <a:fillRect/>
+          </a:stretch>
+        </p:blipFill>
+        <p:spPr>
+          <a:xfrm>
+            <a:off x="1744394" y="2340148"/>
+            <a:ext cx="2076450" cy="2724150"/>
+          </a:xfrm>
+          <a:prstGeom prst="rect">
+            <a:avLst/>
+          </a:prstGeom>
+        </p:spPr>
+      </p:pic>
+    </p:spTree>
+    <p:extLst>
+      <p:ext uri="{BB962C8B-B14F-4D97-AF65-F5344CB8AC3E}">
+        <p14:creationId xmlns:p14="http://schemas.microsoft.com/office/powerpoint/2010/main" val="3289668812"/>
       </p:ext>
     </p:extLst>
   </p:cSld>

--- a/S01_그룹 지정하기.pptx
+++ b/S01_그룹 지정하기.pptx
@@ -8,15 +8,16 @@
     <p:sldId id="256" r:id="rId2"/>
     <p:sldId id="257" r:id="rId3"/>
     <p:sldId id="259" r:id="rId4"/>
-    <p:sldId id="258" r:id="rId5"/>
-    <p:sldId id="264" r:id="rId6"/>
-    <p:sldId id="263" r:id="rId7"/>
-    <p:sldId id="265" r:id="rId8"/>
-    <p:sldId id="267" r:id="rId9"/>
-    <p:sldId id="266" r:id="rId10"/>
-    <p:sldId id="260" r:id="rId11"/>
-    <p:sldId id="261" r:id="rId12"/>
-    <p:sldId id="262" r:id="rId13"/>
+    <p:sldId id="268" r:id="rId5"/>
+    <p:sldId id="258" r:id="rId6"/>
+    <p:sldId id="264" r:id="rId7"/>
+    <p:sldId id="263" r:id="rId8"/>
+    <p:sldId id="265" r:id="rId9"/>
+    <p:sldId id="267" r:id="rId10"/>
+    <p:sldId id="266" r:id="rId11"/>
+    <p:sldId id="260" r:id="rId12"/>
+    <p:sldId id="261" r:id="rId13"/>
+    <p:sldId id="262" r:id="rId14"/>
   </p:sldIdLst>
   <p:sldSz cx="12192000" cy="6858000"/>
   <p:notesSz cx="6858000" cy="9144000"/>
@@ -293,7 +294,7 @@
             <a:fld id="{87DE6118-2437-4B30-8E3C-4D2BE6020583}" type="datetimeFigureOut">
               <a:rPr lang="en-US" dirty="0"/>
               <a:pPr/>
-              <a:t>2/14/2019</a:t>
+              <a:t>2/15/2019</a:t>
             </a:fld>
             <a:endParaRPr lang="en-US" dirty="0"/>
           </a:p>
@@ -619,7 +620,7 @@
           <a:p>
             <a:fld id="{87DE6118-2437-4B30-8E3C-4D2BE6020583}" type="datetimeFigureOut">
               <a:rPr lang="en-US" dirty="0"/>
-              <a:t>2/14/2019</a:t>
+              <a:t>2/15/2019</a:t>
             </a:fld>
             <a:endParaRPr lang="en-US" dirty="0"/>
           </a:p>
@@ -794,7 +795,7 @@
           <a:p>
             <a:fld id="{87DE6118-2437-4B30-8E3C-4D2BE6020583}" type="datetimeFigureOut">
               <a:rPr lang="en-US" dirty="0"/>
-              <a:t>2/14/2019</a:t>
+              <a:t>2/15/2019</a:t>
             </a:fld>
             <a:endParaRPr lang="en-US" dirty="0"/>
           </a:p>
@@ -959,7 +960,7 @@
           <a:p>
             <a:fld id="{87DE6118-2437-4B30-8E3C-4D2BE6020583}" type="datetimeFigureOut">
               <a:rPr lang="en-US" dirty="0"/>
-              <a:t>2/14/2019</a:t>
+              <a:t>2/15/2019</a:t>
             </a:fld>
             <a:endParaRPr lang="en-US" dirty="0"/>
           </a:p>
@@ -1232,7 +1233,7 @@
             <a:fld id="{87DE6118-2437-4B30-8E3C-4D2BE6020583}" type="datetimeFigureOut">
               <a:rPr lang="en-US" dirty="0"/>
               <a:pPr/>
-              <a:t>2/14/2019</a:t>
+              <a:t>2/15/2019</a:t>
             </a:fld>
             <a:endParaRPr lang="en-US" dirty="0"/>
           </a:p>
@@ -1622,7 +1623,7 @@
           <a:p>
             <a:fld id="{87DE6118-2437-4B30-8E3C-4D2BE6020583}" type="datetimeFigureOut">
               <a:rPr lang="en-US" dirty="0"/>
-              <a:t>2/14/2019</a:t>
+              <a:t>2/15/2019</a:t>
             </a:fld>
             <a:endParaRPr lang="en-US" dirty="0"/>
           </a:p>
@@ -2094,7 +2095,7 @@
           <a:p>
             <a:fld id="{87DE6118-2437-4B30-8E3C-4D2BE6020583}" type="datetimeFigureOut">
               <a:rPr lang="en-US" dirty="0"/>
-              <a:t>2/14/2019</a:t>
+              <a:t>2/15/2019</a:t>
             </a:fld>
             <a:endParaRPr lang="en-US" dirty="0"/>
           </a:p>
@@ -2207,7 +2208,7 @@
           <a:p>
             <a:fld id="{87DE6118-2437-4B30-8E3C-4D2BE6020583}" type="datetimeFigureOut">
               <a:rPr lang="en-US" dirty="0"/>
-              <a:t>2/14/2019</a:t>
+              <a:t>2/15/2019</a:t>
             </a:fld>
             <a:endParaRPr lang="en-US" dirty="0"/>
           </a:p>
@@ -2297,7 +2298,7 @@
           <a:p>
             <a:fld id="{87DE6118-2437-4B30-8E3C-4D2BE6020583}" type="datetimeFigureOut">
               <a:rPr lang="en-US" dirty="0"/>
-              <a:t>2/14/2019</a:t>
+              <a:t>2/15/2019</a:t>
             </a:fld>
             <a:endParaRPr lang="en-US" dirty="0"/>
           </a:p>
@@ -2639,7 +2640,7 @@
             <a:fld id="{87DE6118-2437-4B30-8E3C-4D2BE6020583}" type="datetimeFigureOut">
               <a:rPr lang="en-US" dirty="0"/>
               <a:pPr/>
-              <a:t>2/14/2019</a:t>
+              <a:t>2/15/2019</a:t>
             </a:fld>
             <a:endParaRPr lang="en-US" dirty="0"/>
           </a:p>
@@ -3024,7 +3025,7 @@
             <a:fld id="{87DE6118-2437-4B30-8E3C-4D2BE6020583}" type="datetimeFigureOut">
               <a:rPr lang="en-US" dirty="0"/>
               <a:pPr/>
-              <a:t>2/14/2019</a:t>
+              <a:t>2/15/2019</a:t>
             </a:fld>
             <a:endParaRPr lang="en-US" dirty="0"/>
           </a:p>
@@ -3299,7 +3300,7 @@
             <a:fld id="{87DE6118-2437-4B30-8E3C-4D2BE6020583}" type="datetimeFigureOut">
               <a:rPr lang="en-US" dirty="0"/>
               <a:pPr/>
-              <a:t>2/14/2019</a:t>
+              <a:t>2/15/2019</a:t>
             </a:fld>
             <a:endParaRPr lang="en-US" dirty="0"/>
           </a:p>
@@ -3908,6 +3909,283 @@
 </file>
 
 <file path=ppt/slides/slide10.xml><?xml version="1.0" encoding="utf-8"?>
+<p:sld xmlns:a="http://schemas.openxmlformats.org/drawingml/2006/main" xmlns:r="http://schemas.openxmlformats.org/officeDocument/2006/relationships" xmlns:p="http://schemas.openxmlformats.org/presentationml/2006/main">
+  <p:cSld>
+    <p:spTree>
+      <p:nvGrpSpPr>
+        <p:cNvPr id="1" name=""/>
+        <p:cNvGrpSpPr/>
+        <p:nvPr/>
+      </p:nvGrpSpPr>
+      <p:grpSpPr>
+        <a:xfrm>
+          <a:off x="0" y="0"/>
+          <a:ext cx="0" cy="0"/>
+          <a:chOff x="0" y="0"/>
+          <a:chExt cx="0" cy="0"/>
+        </a:xfrm>
+      </p:grpSpPr>
+      <p:sp>
+        <p:nvSpPr>
+          <p:cNvPr id="4" name="TextBox 3">
+            <a:extLst>
+              <a:ext uri="{FF2B5EF4-FFF2-40B4-BE49-F238E27FC236}">
+                <a16:creationId xmlns:a16="http://schemas.microsoft.com/office/drawing/2014/main" id="{B2CC801F-6CAB-4E55-88BB-022194A88274}"/>
+              </a:ext>
+            </a:extLst>
+          </p:cNvPr>
+          <p:cNvSpPr txBox="1"/>
+          <p:nvPr/>
+        </p:nvSpPr>
+        <p:spPr>
+          <a:xfrm>
+            <a:off x="1332412" y="566727"/>
+            <a:ext cx="7715795" cy="923330"/>
+          </a:xfrm>
+          <a:prstGeom prst="rect">
+            <a:avLst/>
+          </a:prstGeom>
+          <a:noFill/>
+        </p:spPr>
+        <p:txBody>
+          <a:bodyPr wrap="square" rtlCol="0">
+            <a:spAutoFit/>
+          </a:bodyPr>
+          <a:lstStyle/>
+          <a:p>
+            <a:r>
+              <a:rPr lang="ko-KR" altLang="en-US" dirty="0" err="1">
+                <a:latin typeface="한컴 윤고딕 250" panose="02020603020101020101" pitchFamily="18" charset="-127"/>
+                <a:ea typeface="한컴 윤고딕 250" panose="02020603020101020101" pitchFamily="18" charset="-127"/>
+              </a:rPr>
+              <a:t>메인화면</a:t>
+            </a:r>
+            <a:r>
+              <a:rPr lang="en-US" altLang="ko-KR" dirty="0">
+                <a:latin typeface="한컴 윤고딕 250" panose="02020603020101020101" pitchFamily="18" charset="-127"/>
+                <a:ea typeface="한컴 윤고딕 250" panose="02020603020101020101" pitchFamily="18" charset="-127"/>
+              </a:rPr>
+              <a:t>(INSERT)</a:t>
+            </a:r>
+          </a:p>
+          <a:p>
+            <a:endParaRPr lang="en-US" altLang="ko-KR" dirty="0">
+              <a:latin typeface="한컴 윤고딕 250" panose="02020603020101020101" pitchFamily="18" charset="-127"/>
+              <a:ea typeface="한컴 윤고딕 250" panose="02020603020101020101" pitchFamily="18" charset="-127"/>
+            </a:endParaRPr>
+          </a:p>
+          <a:p>
+            <a:endParaRPr lang="en-US" altLang="ko-KR" dirty="0">
+              <a:latin typeface="한컴 윤고딕 250" panose="02020603020101020101" pitchFamily="18" charset="-127"/>
+              <a:ea typeface="한컴 윤고딕 250" panose="02020603020101020101" pitchFamily="18" charset="-127"/>
+            </a:endParaRPr>
+          </a:p>
+        </p:txBody>
+      </p:sp>
+      <p:sp>
+        <p:nvSpPr>
+          <p:cNvPr id="2" name="TextBox 1">
+            <a:extLst>
+              <a:ext uri="{FF2B5EF4-FFF2-40B4-BE49-F238E27FC236}">
+                <a16:creationId xmlns:a16="http://schemas.microsoft.com/office/drawing/2014/main" id="{32999FB5-5009-42D4-81D4-0E738E543E2B}"/>
+              </a:ext>
+            </a:extLst>
+          </p:cNvPr>
+          <p:cNvSpPr txBox="1"/>
+          <p:nvPr/>
+        </p:nvSpPr>
+        <p:spPr>
+          <a:xfrm>
+            <a:off x="1858945" y="1416818"/>
+            <a:ext cx="5948624" cy="646331"/>
+          </a:xfrm>
+          <a:prstGeom prst="rect">
+            <a:avLst/>
+          </a:prstGeom>
+          <a:noFill/>
+        </p:spPr>
+        <p:txBody>
+          <a:bodyPr wrap="square" rtlCol="0">
+            <a:spAutoFit/>
+          </a:bodyPr>
+          <a:lstStyle/>
+          <a:p>
+            <a:r>
+              <a:rPr lang="en-US" altLang="ko-KR" dirty="0"/>
+              <a:t>3. </a:t>
+            </a:r>
+            <a:r>
+              <a:rPr lang="ko-KR" altLang="en-US" dirty="0"/>
+              <a:t>그룹추출</a:t>
+            </a:r>
+            <a:endParaRPr lang="en-US" altLang="ko-KR" dirty="0"/>
+          </a:p>
+          <a:p>
+            <a:endParaRPr lang="en-US" altLang="ko-KR" dirty="0"/>
+          </a:p>
+        </p:txBody>
+      </p:sp>
+      <p:sp>
+        <p:nvSpPr>
+          <p:cNvPr id="3" name="TextBox 2">
+            <a:extLst>
+              <a:ext uri="{FF2B5EF4-FFF2-40B4-BE49-F238E27FC236}">
+                <a16:creationId xmlns:a16="http://schemas.microsoft.com/office/drawing/2014/main" id="{5645C1BE-CAD2-46D4-BA4F-7B53F74796D0}"/>
+              </a:ext>
+            </a:extLst>
+          </p:cNvPr>
+          <p:cNvSpPr txBox="1"/>
+          <p:nvPr/>
+        </p:nvSpPr>
+        <p:spPr>
+          <a:xfrm>
+            <a:off x="1959429" y="2220686"/>
+            <a:ext cx="6782637" cy="369332"/>
+          </a:xfrm>
+          <a:prstGeom prst="rect">
+            <a:avLst/>
+          </a:prstGeom>
+          <a:noFill/>
+        </p:spPr>
+        <p:txBody>
+          <a:bodyPr wrap="square" rtlCol="0">
+            <a:spAutoFit/>
+          </a:bodyPr>
+          <a:lstStyle/>
+          <a:p>
+            <a:endParaRPr lang="ko-KR" altLang="en-US" dirty="0"/>
+          </a:p>
+        </p:txBody>
+      </p:sp>
+      <p:pic>
+        <p:nvPicPr>
+          <p:cNvPr id="5" name="그림 4">
+            <a:extLst>
+              <a:ext uri="{FF2B5EF4-FFF2-40B4-BE49-F238E27FC236}">
+                <a16:creationId xmlns:a16="http://schemas.microsoft.com/office/drawing/2014/main" id="{D92298FD-05BA-40CF-98D9-326A36AF45A7}"/>
+              </a:ext>
+            </a:extLst>
+          </p:cNvPr>
+          <p:cNvPicPr>
+            <a:picLocks noChangeAspect="1"/>
+          </p:cNvPicPr>
+          <p:nvPr/>
+        </p:nvPicPr>
+        <p:blipFill>
+          <a:blip r:embed="rId2"/>
+          <a:stretch>
+            <a:fillRect/>
+          </a:stretch>
+        </p:blipFill>
+        <p:spPr>
+          <a:xfrm>
+            <a:off x="1744394" y="2340148"/>
+            <a:ext cx="2076450" cy="2724150"/>
+          </a:xfrm>
+          <a:prstGeom prst="rect">
+            <a:avLst/>
+          </a:prstGeom>
+        </p:spPr>
+      </p:pic>
+      <p:pic>
+        <p:nvPicPr>
+          <p:cNvPr id="6" name="그림 5">
+            <a:extLst>
+              <a:ext uri="{FF2B5EF4-FFF2-40B4-BE49-F238E27FC236}">
+                <a16:creationId xmlns:a16="http://schemas.microsoft.com/office/drawing/2014/main" id="{79447C8B-4649-4EFB-9B55-BE0BA84F66B1}"/>
+              </a:ext>
+            </a:extLst>
+          </p:cNvPr>
+          <p:cNvPicPr>
+            <a:picLocks noChangeAspect="1"/>
+          </p:cNvPicPr>
+          <p:nvPr/>
+        </p:nvPicPr>
+        <p:blipFill>
+          <a:blip r:embed="rId3"/>
+          <a:stretch>
+            <a:fillRect/>
+          </a:stretch>
+        </p:blipFill>
+        <p:spPr>
+          <a:xfrm>
+            <a:off x="6029325" y="1284105"/>
+            <a:ext cx="5010150" cy="4429125"/>
+          </a:xfrm>
+          <a:prstGeom prst="rect">
+            <a:avLst/>
+          </a:prstGeom>
+        </p:spPr>
+      </p:pic>
+      <p:sp>
+        <p:nvSpPr>
+          <p:cNvPr id="7" name="TextBox 6">
+            <a:extLst>
+              <a:ext uri="{FF2B5EF4-FFF2-40B4-BE49-F238E27FC236}">
+                <a16:creationId xmlns:a16="http://schemas.microsoft.com/office/drawing/2014/main" id="{402274B0-4C37-43FC-9A1D-318AA1296A2B}"/>
+              </a:ext>
+            </a:extLst>
+          </p:cNvPr>
+          <p:cNvSpPr txBox="1"/>
+          <p:nvPr/>
+        </p:nvSpPr>
+        <p:spPr>
+          <a:xfrm>
+            <a:off x="7890740" y="3944817"/>
+            <a:ext cx="2969623" cy="646331"/>
+          </a:xfrm>
+          <a:prstGeom prst="rect">
+            <a:avLst/>
+          </a:prstGeom>
+          <a:noFill/>
+        </p:spPr>
+        <p:txBody>
+          <a:bodyPr wrap="square" rtlCol="0">
+            <a:spAutoFit/>
+          </a:bodyPr>
+          <a:lstStyle/>
+          <a:p>
+            <a:r>
+              <a:rPr lang="ko-KR" altLang="en-US" dirty="0"/>
+              <a:t>중복 </a:t>
+            </a:r>
+            <a:r>
+              <a:rPr lang="ko-KR" altLang="en-US" dirty="0" err="1"/>
+              <a:t>안들어가고</a:t>
+            </a:r>
+            <a:endParaRPr lang="en-US" altLang="ko-KR" dirty="0"/>
+          </a:p>
+          <a:p>
+            <a:r>
+              <a:rPr lang="en-US" altLang="ko-KR" dirty="0"/>
+              <a:t>NULL </a:t>
+            </a:r>
+            <a:r>
+              <a:rPr lang="ko-KR" altLang="en-US" dirty="0"/>
+              <a:t>값이 </a:t>
+            </a:r>
+            <a:r>
+              <a:rPr lang="ko-KR" altLang="en-US" dirty="0" err="1"/>
+              <a:t>안들어가게</a:t>
+            </a:r>
+            <a:endParaRPr lang="ko-KR" altLang="en-US" dirty="0"/>
+          </a:p>
+        </p:txBody>
+      </p:sp>
+    </p:spTree>
+    <p:extLst>
+      <p:ext uri="{BB962C8B-B14F-4D97-AF65-F5344CB8AC3E}">
+        <p14:creationId xmlns:p14="http://schemas.microsoft.com/office/powerpoint/2010/main" val="3289668812"/>
+      </p:ext>
+    </p:extLst>
+  </p:cSld>
+  <p:clrMapOvr>
+    <a:masterClrMapping/>
+  </p:clrMapOvr>
+</p:sld>
+</file>
+
+<file path=ppt/slides/slide11.xml><?xml version="1.0" encoding="utf-8"?>
 <p:sld xmlns:a="http://schemas.openxmlformats.org/drawingml/2006/main" xmlns:r="http://schemas.openxmlformats.org/officeDocument/2006/relationships" xmlns:p="http://schemas.openxmlformats.org/presentationml/2006/main">
   <p:cSld>
     <p:spTree>
@@ -6119,7 +6397,7 @@
 </p:sld>
 </file>
 
-<file path=ppt/slides/slide11.xml><?xml version="1.0" encoding="utf-8"?>
+<file path=ppt/slides/slide12.xml><?xml version="1.0" encoding="utf-8"?>
 <p:sld xmlns:a="http://schemas.openxmlformats.org/drawingml/2006/main" xmlns:r="http://schemas.openxmlformats.org/officeDocument/2006/relationships" xmlns:p="http://schemas.openxmlformats.org/presentationml/2006/main">
   <p:cSld>
     <p:spTree>
@@ -6529,7 +6807,7 @@
 </p:sld>
 </file>
 
-<file path=ppt/slides/slide12.xml><?xml version="1.0" encoding="utf-8"?>
+<file path=ppt/slides/slide13.xml><?xml version="1.0" encoding="utf-8"?>
 <p:sld xmlns:a="http://schemas.openxmlformats.org/drawingml/2006/main" xmlns:r="http://schemas.openxmlformats.org/officeDocument/2006/relationships" xmlns:p="http://schemas.openxmlformats.org/presentationml/2006/main">
   <p:cSld>
     <p:spTree>
@@ -7817,6 +8095,1468 @@
 </file>
 
 <file path=ppt/slides/slide4.xml><?xml version="1.0" encoding="utf-8"?>
+<p:sld xmlns:a="http://schemas.openxmlformats.org/drawingml/2006/main" xmlns:r="http://schemas.openxmlformats.org/officeDocument/2006/relationships" xmlns:p="http://schemas.openxmlformats.org/presentationml/2006/main">
+  <p:cSld>
+    <p:spTree>
+      <p:nvGrpSpPr>
+        <p:cNvPr id="1" name=""/>
+        <p:cNvGrpSpPr/>
+        <p:nvPr/>
+      </p:nvGrpSpPr>
+      <p:grpSpPr>
+        <a:xfrm>
+          <a:off x="0" y="0"/>
+          <a:ext cx="0" cy="0"/>
+          <a:chOff x="0" y="0"/>
+          <a:chExt cx="0" cy="0"/>
+        </a:xfrm>
+      </p:grpSpPr>
+      <p:grpSp>
+        <p:nvGrpSpPr>
+          <p:cNvPr id="5" name="그룹 4">
+            <a:extLst>
+              <a:ext uri="{FF2B5EF4-FFF2-40B4-BE49-F238E27FC236}">
+                <a16:creationId xmlns:a16="http://schemas.microsoft.com/office/drawing/2014/main" id="{786E25C5-398D-4273-B1F9-CE81FC816F42}"/>
+              </a:ext>
+            </a:extLst>
+          </p:cNvPr>
+          <p:cNvGrpSpPr/>
+          <p:nvPr/>
+        </p:nvGrpSpPr>
+        <p:grpSpPr>
+          <a:xfrm>
+            <a:off x="1249680" y="583476"/>
+            <a:ext cx="1558835" cy="1088571"/>
+            <a:chOff x="1079863" y="3004458"/>
+            <a:chExt cx="1558835" cy="1088571"/>
+          </a:xfrm>
+        </p:grpSpPr>
+        <p:sp>
+          <p:nvSpPr>
+            <p:cNvPr id="2" name="직사각형 1">
+              <a:extLst>
+                <a:ext uri="{FF2B5EF4-FFF2-40B4-BE49-F238E27FC236}">
+                  <a16:creationId xmlns:a16="http://schemas.microsoft.com/office/drawing/2014/main" id="{691567B5-CFFA-4CEF-82EF-A090316FB3B7}"/>
+                </a:ext>
+              </a:extLst>
+            </p:cNvPr>
+            <p:cNvSpPr/>
+            <p:nvPr/>
+          </p:nvSpPr>
+          <p:spPr>
+            <a:xfrm>
+              <a:off x="1079863" y="3004458"/>
+              <a:ext cx="1175657" cy="1088571"/>
+            </a:xfrm>
+            <a:prstGeom prst="rect">
+              <a:avLst/>
+            </a:prstGeom>
+            <a:noFill/>
+          </p:spPr>
+          <p:style>
+            <a:lnRef idx="2">
+              <a:schemeClr val="accent1">
+                <a:shade val="50000"/>
+              </a:schemeClr>
+            </a:lnRef>
+            <a:fillRef idx="1">
+              <a:schemeClr val="accent1"/>
+            </a:fillRef>
+            <a:effectRef idx="0">
+              <a:schemeClr val="accent1"/>
+            </a:effectRef>
+            <a:fontRef idx="minor">
+              <a:schemeClr val="lt1"/>
+            </a:fontRef>
+          </p:style>
+          <p:txBody>
+            <a:bodyPr rtlCol="0" anchor="ctr"/>
+            <a:lstStyle/>
+            <a:p>
+              <a:pPr algn="ctr"/>
+              <a:endParaRPr lang="ko-KR" altLang="en-US"/>
+            </a:p>
+          </p:txBody>
+        </p:sp>
+        <p:sp>
+          <p:nvSpPr>
+            <p:cNvPr id="3" name="TextBox 2">
+              <a:extLst>
+                <a:ext uri="{FF2B5EF4-FFF2-40B4-BE49-F238E27FC236}">
+                  <a16:creationId xmlns:a16="http://schemas.microsoft.com/office/drawing/2014/main" id="{61D72A27-C7D2-47B7-B636-F84FF7C9DB93}"/>
+                </a:ext>
+              </a:extLst>
+            </p:cNvPr>
+            <p:cNvSpPr txBox="1"/>
+            <p:nvPr/>
+          </p:nvSpPr>
+          <p:spPr>
+            <a:xfrm>
+              <a:off x="1079863" y="3394854"/>
+              <a:ext cx="1558835" cy="307777"/>
+            </a:xfrm>
+            <a:prstGeom prst="rect">
+              <a:avLst/>
+            </a:prstGeom>
+            <a:noFill/>
+          </p:spPr>
+          <p:txBody>
+            <a:bodyPr wrap="square" rtlCol="0">
+              <a:spAutoFit/>
+            </a:bodyPr>
+            <a:lstStyle/>
+            <a:p>
+              <a:r>
+                <a:rPr lang="en-US" altLang="ko-KR" sz="1400" dirty="0" err="1">
+                  <a:latin typeface="한컴 윤고딕 240" panose="02020603020101020101" pitchFamily="18" charset="-127"/>
+                  <a:ea typeface="한컴 윤고딕 240" panose="02020603020101020101" pitchFamily="18" charset="-127"/>
+                </a:rPr>
+                <a:t>song_main</a:t>
+              </a:r>
+              <a:endParaRPr lang="ko-KR" altLang="en-US" sz="1400" dirty="0">
+                <a:latin typeface="한컴 윤고딕 240" panose="02020603020101020101" pitchFamily="18" charset="-127"/>
+                <a:ea typeface="한컴 윤고딕 240" panose="02020603020101020101" pitchFamily="18" charset="-127"/>
+              </a:endParaRPr>
+            </a:p>
+          </p:txBody>
+        </p:sp>
+      </p:grpSp>
+      <p:sp>
+        <p:nvSpPr>
+          <p:cNvPr id="4" name="TextBox 3">
+            <a:extLst>
+              <a:ext uri="{FF2B5EF4-FFF2-40B4-BE49-F238E27FC236}">
+                <a16:creationId xmlns:a16="http://schemas.microsoft.com/office/drawing/2014/main" id="{37E04D05-0B2B-43FD-9805-D8DF409A3AC9}"/>
+              </a:ext>
+            </a:extLst>
+          </p:cNvPr>
+          <p:cNvSpPr txBox="1"/>
+          <p:nvPr/>
+        </p:nvSpPr>
+        <p:spPr>
+          <a:xfrm>
+            <a:off x="119741" y="1728168"/>
+            <a:ext cx="3457303" cy="461665"/>
+          </a:xfrm>
+          <a:prstGeom prst="rect">
+            <a:avLst/>
+          </a:prstGeom>
+          <a:noFill/>
+        </p:spPr>
+        <p:txBody>
+          <a:bodyPr wrap="square" rtlCol="0">
+            <a:spAutoFit/>
+          </a:bodyPr>
+          <a:lstStyle/>
+          <a:p>
+            <a:pPr algn="ctr"/>
+            <a:r>
+              <a:rPr lang="ko-KR" altLang="en-US" sz="1200" dirty="0">
+                <a:latin typeface="한컴 윤고딕 240" panose="02020603020101020101" pitchFamily="18" charset="-127"/>
+                <a:ea typeface="한컴 윤고딕 240" panose="02020603020101020101" pitchFamily="18" charset="-127"/>
+              </a:rPr>
+              <a:t>그룹 등록</a:t>
+            </a:r>
+            <a:endParaRPr lang="en-US" altLang="ko-KR" sz="1200" dirty="0">
+              <a:latin typeface="한컴 윤고딕 240" panose="02020603020101020101" pitchFamily="18" charset="-127"/>
+              <a:ea typeface="한컴 윤고딕 240" panose="02020603020101020101" pitchFamily="18" charset="-127"/>
+            </a:endParaRPr>
+          </a:p>
+          <a:p>
+            <a:pPr algn="ctr"/>
+            <a:r>
+              <a:rPr lang="ko-KR" altLang="en-US" sz="1200" dirty="0">
+                <a:latin typeface="한컴 윤고딕 240" panose="02020603020101020101" pitchFamily="18" charset="-127"/>
+                <a:ea typeface="한컴 윤고딕 240" panose="02020603020101020101" pitchFamily="18" charset="-127"/>
+              </a:rPr>
+              <a:t>그룹 이름과 그룹 명 입력</a:t>
+            </a:r>
+          </a:p>
+        </p:txBody>
+      </p:sp>
+      <p:grpSp>
+        <p:nvGrpSpPr>
+          <p:cNvPr id="6" name="그룹 5">
+            <a:extLst>
+              <a:ext uri="{FF2B5EF4-FFF2-40B4-BE49-F238E27FC236}">
+                <a16:creationId xmlns:a16="http://schemas.microsoft.com/office/drawing/2014/main" id="{55445C80-78D7-4280-9901-951DF9540D04}"/>
+              </a:ext>
+            </a:extLst>
+          </p:cNvPr>
+          <p:cNvGrpSpPr/>
+          <p:nvPr/>
+        </p:nvGrpSpPr>
+        <p:grpSpPr>
+          <a:xfrm>
+            <a:off x="1260565" y="2749605"/>
+            <a:ext cx="1558835" cy="1088571"/>
+            <a:chOff x="1079863" y="3004458"/>
+            <a:chExt cx="1558835" cy="1088571"/>
+          </a:xfrm>
+        </p:grpSpPr>
+        <p:sp>
+          <p:nvSpPr>
+            <p:cNvPr id="7" name="직사각형 6">
+              <a:extLst>
+                <a:ext uri="{FF2B5EF4-FFF2-40B4-BE49-F238E27FC236}">
+                  <a16:creationId xmlns:a16="http://schemas.microsoft.com/office/drawing/2014/main" id="{C0933391-E18D-41DD-83D0-A611268589C6}"/>
+                </a:ext>
+              </a:extLst>
+            </p:cNvPr>
+            <p:cNvSpPr/>
+            <p:nvPr/>
+          </p:nvSpPr>
+          <p:spPr>
+            <a:xfrm>
+              <a:off x="1079863" y="3004458"/>
+              <a:ext cx="1175657" cy="1088571"/>
+            </a:xfrm>
+            <a:prstGeom prst="rect">
+              <a:avLst/>
+            </a:prstGeom>
+            <a:noFill/>
+          </p:spPr>
+          <p:style>
+            <a:lnRef idx="2">
+              <a:schemeClr val="accent1">
+                <a:shade val="50000"/>
+              </a:schemeClr>
+            </a:lnRef>
+            <a:fillRef idx="1">
+              <a:schemeClr val="accent1"/>
+            </a:fillRef>
+            <a:effectRef idx="0">
+              <a:schemeClr val="accent1"/>
+            </a:effectRef>
+            <a:fontRef idx="minor">
+              <a:schemeClr val="lt1"/>
+            </a:fontRef>
+          </p:style>
+          <p:txBody>
+            <a:bodyPr rtlCol="0" anchor="ctr"/>
+            <a:lstStyle/>
+            <a:p>
+              <a:pPr algn="ctr"/>
+              <a:endParaRPr lang="ko-KR" altLang="en-US"/>
+            </a:p>
+          </p:txBody>
+        </p:sp>
+        <p:sp>
+          <p:nvSpPr>
+            <p:cNvPr id="8" name="TextBox 7">
+              <a:extLst>
+                <a:ext uri="{FF2B5EF4-FFF2-40B4-BE49-F238E27FC236}">
+                  <a16:creationId xmlns:a16="http://schemas.microsoft.com/office/drawing/2014/main" id="{02C0BB2A-2C3B-4BB1-BEDA-07A36DF76811}"/>
+                </a:ext>
+              </a:extLst>
+            </p:cNvPr>
+            <p:cNvSpPr txBox="1"/>
+            <p:nvPr/>
+          </p:nvSpPr>
+          <p:spPr>
+            <a:xfrm>
+              <a:off x="1079863" y="3419548"/>
+              <a:ext cx="1558835" cy="261610"/>
+            </a:xfrm>
+            <a:prstGeom prst="rect">
+              <a:avLst/>
+            </a:prstGeom>
+            <a:noFill/>
+          </p:spPr>
+          <p:txBody>
+            <a:bodyPr wrap="square" rtlCol="0">
+              <a:spAutoFit/>
+            </a:bodyPr>
+            <a:lstStyle/>
+            <a:p>
+              <a:r>
+                <a:rPr lang="en-US" altLang="ko-KR" sz="1100" dirty="0" err="1">
+                  <a:latin typeface="한컴 윤고딕 240" panose="02020603020101020101" pitchFamily="18" charset="-127"/>
+                  <a:ea typeface="한컴 윤고딕 240" panose="02020603020101020101" pitchFamily="18" charset="-127"/>
+                </a:rPr>
+                <a:t>createMember</a:t>
+              </a:r>
+              <a:endParaRPr lang="ko-KR" altLang="en-US" sz="1100" dirty="0">
+                <a:latin typeface="한컴 윤고딕 240" panose="02020603020101020101" pitchFamily="18" charset="-127"/>
+                <a:ea typeface="한컴 윤고딕 240" panose="02020603020101020101" pitchFamily="18" charset="-127"/>
+              </a:endParaRPr>
+            </a:p>
+          </p:txBody>
+        </p:sp>
+      </p:grpSp>
+      <p:sp>
+        <p:nvSpPr>
+          <p:cNvPr id="9" name="TextBox 8">
+            <a:extLst>
+              <a:ext uri="{FF2B5EF4-FFF2-40B4-BE49-F238E27FC236}">
+                <a16:creationId xmlns:a16="http://schemas.microsoft.com/office/drawing/2014/main" id="{481EDB51-330E-4426-B104-FE618D1DD301}"/>
+              </a:ext>
+            </a:extLst>
+          </p:cNvPr>
+          <p:cNvSpPr txBox="1"/>
+          <p:nvPr/>
+        </p:nvSpPr>
+        <p:spPr>
+          <a:xfrm>
+            <a:off x="620485" y="3966454"/>
+            <a:ext cx="2434045" cy="461665"/>
+          </a:xfrm>
+          <a:prstGeom prst="rect">
+            <a:avLst/>
+          </a:prstGeom>
+          <a:noFill/>
+        </p:spPr>
+        <p:txBody>
+          <a:bodyPr wrap="square" rtlCol="0">
+            <a:spAutoFit/>
+          </a:bodyPr>
+          <a:lstStyle/>
+          <a:p>
+            <a:pPr algn="ctr"/>
+            <a:r>
+              <a:rPr lang="ko-KR" altLang="en-US" sz="1200" dirty="0">
+                <a:latin typeface="한컴 윤고딕 240" panose="02020603020101020101" pitchFamily="18" charset="-127"/>
+                <a:ea typeface="한컴 윤고딕 240" panose="02020603020101020101" pitchFamily="18" charset="-127"/>
+              </a:rPr>
+              <a:t>그룹 인원 등록</a:t>
+            </a:r>
+            <a:endParaRPr lang="en-US" altLang="ko-KR" sz="1200" dirty="0">
+              <a:latin typeface="한컴 윤고딕 240" panose="02020603020101020101" pitchFamily="18" charset="-127"/>
+              <a:ea typeface="한컴 윤고딕 240" panose="02020603020101020101" pitchFamily="18" charset="-127"/>
+            </a:endParaRPr>
+          </a:p>
+          <a:p>
+            <a:pPr algn="ctr"/>
+            <a:r>
+              <a:rPr lang="ko-KR" altLang="en-US" sz="1200" dirty="0">
+                <a:latin typeface="한컴 윤고딕 240" panose="02020603020101020101" pitchFamily="18" charset="-127"/>
+                <a:ea typeface="한컴 윤고딕 240" panose="02020603020101020101" pitchFamily="18" charset="-127"/>
+              </a:rPr>
+              <a:t>그룹 인원 수 대로 인원 입력</a:t>
+            </a:r>
+          </a:p>
+        </p:txBody>
+      </p:sp>
+      <p:grpSp>
+        <p:nvGrpSpPr>
+          <p:cNvPr id="10" name="그룹 9">
+            <a:extLst>
+              <a:ext uri="{FF2B5EF4-FFF2-40B4-BE49-F238E27FC236}">
+                <a16:creationId xmlns:a16="http://schemas.microsoft.com/office/drawing/2014/main" id="{4049FBDA-2FA6-4631-B1CE-A71EAB8EFB26}"/>
+              </a:ext>
+            </a:extLst>
+          </p:cNvPr>
+          <p:cNvGrpSpPr/>
+          <p:nvPr/>
+        </p:nvGrpSpPr>
+        <p:grpSpPr>
+          <a:xfrm>
+            <a:off x="1249680" y="4987891"/>
+            <a:ext cx="1593669" cy="1088571"/>
+            <a:chOff x="1079863" y="3004458"/>
+            <a:chExt cx="1593669" cy="1088571"/>
+          </a:xfrm>
+        </p:grpSpPr>
+        <p:sp>
+          <p:nvSpPr>
+            <p:cNvPr id="11" name="직사각형 10">
+              <a:extLst>
+                <a:ext uri="{FF2B5EF4-FFF2-40B4-BE49-F238E27FC236}">
+                  <a16:creationId xmlns:a16="http://schemas.microsoft.com/office/drawing/2014/main" id="{A4C156BF-B790-4041-ABBB-CFC878F20393}"/>
+                </a:ext>
+              </a:extLst>
+            </p:cNvPr>
+            <p:cNvSpPr/>
+            <p:nvPr/>
+          </p:nvSpPr>
+          <p:spPr>
+            <a:xfrm>
+              <a:off x="1079863" y="3004458"/>
+              <a:ext cx="1175657" cy="1088571"/>
+            </a:xfrm>
+            <a:prstGeom prst="rect">
+              <a:avLst/>
+            </a:prstGeom>
+            <a:noFill/>
+          </p:spPr>
+          <p:style>
+            <a:lnRef idx="2">
+              <a:schemeClr val="accent1">
+                <a:shade val="50000"/>
+              </a:schemeClr>
+            </a:lnRef>
+            <a:fillRef idx="1">
+              <a:schemeClr val="accent1"/>
+            </a:fillRef>
+            <a:effectRef idx="0">
+              <a:schemeClr val="accent1"/>
+            </a:effectRef>
+            <a:fontRef idx="minor">
+              <a:schemeClr val="lt1"/>
+            </a:fontRef>
+          </p:style>
+          <p:txBody>
+            <a:bodyPr rtlCol="0" anchor="ctr"/>
+            <a:lstStyle/>
+            <a:p>
+              <a:pPr algn="ctr"/>
+              <a:endParaRPr lang="ko-KR" altLang="en-US"/>
+            </a:p>
+          </p:txBody>
+        </p:sp>
+        <p:sp>
+          <p:nvSpPr>
+            <p:cNvPr id="12" name="TextBox 11">
+              <a:extLst>
+                <a:ext uri="{FF2B5EF4-FFF2-40B4-BE49-F238E27FC236}">
+                  <a16:creationId xmlns:a16="http://schemas.microsoft.com/office/drawing/2014/main" id="{B9E6909D-F8B1-4547-8E4E-DD3E400E22AC}"/>
+                </a:ext>
+              </a:extLst>
+            </p:cNvPr>
+            <p:cNvSpPr txBox="1"/>
+            <p:nvPr/>
+          </p:nvSpPr>
+          <p:spPr>
+            <a:xfrm>
+              <a:off x="1114697" y="3419548"/>
+              <a:ext cx="1558835" cy="261610"/>
+            </a:xfrm>
+            <a:prstGeom prst="rect">
+              <a:avLst/>
+            </a:prstGeom>
+            <a:noFill/>
+          </p:spPr>
+          <p:txBody>
+            <a:bodyPr wrap="square" rtlCol="0">
+              <a:spAutoFit/>
+            </a:bodyPr>
+            <a:lstStyle/>
+            <a:p>
+              <a:r>
+                <a:rPr lang="en-US" altLang="ko-KR" sz="1100" dirty="0" err="1">
+                  <a:latin typeface="한컴 윤고딕 240" panose="02020603020101020101" pitchFamily="18" charset="-127"/>
+                  <a:ea typeface="한컴 윤고딕 240" panose="02020603020101020101" pitchFamily="18" charset="-127"/>
+                </a:rPr>
+                <a:t>createGroup</a:t>
+              </a:r>
+              <a:endParaRPr lang="ko-KR" altLang="en-US" sz="1100" dirty="0">
+                <a:latin typeface="한컴 윤고딕 240" panose="02020603020101020101" pitchFamily="18" charset="-127"/>
+                <a:ea typeface="한컴 윤고딕 240" panose="02020603020101020101" pitchFamily="18" charset="-127"/>
+              </a:endParaRPr>
+            </a:p>
+          </p:txBody>
+        </p:sp>
+      </p:grpSp>
+      <p:sp>
+        <p:nvSpPr>
+          <p:cNvPr id="13" name="TextBox 12">
+            <a:extLst>
+              <a:ext uri="{FF2B5EF4-FFF2-40B4-BE49-F238E27FC236}">
+                <a16:creationId xmlns:a16="http://schemas.microsoft.com/office/drawing/2014/main" id="{E9A79101-65CB-4B21-B19E-281B8FFBC598}"/>
+              </a:ext>
+            </a:extLst>
+          </p:cNvPr>
+          <p:cNvSpPr txBox="1"/>
+          <p:nvPr/>
+        </p:nvSpPr>
+        <p:spPr>
+          <a:xfrm>
+            <a:off x="799011" y="6132583"/>
+            <a:ext cx="3457303" cy="276999"/>
+          </a:xfrm>
+          <a:prstGeom prst="rect">
+            <a:avLst/>
+          </a:prstGeom>
+          <a:noFill/>
+        </p:spPr>
+        <p:txBody>
+          <a:bodyPr wrap="square" rtlCol="0">
+            <a:spAutoFit/>
+          </a:bodyPr>
+          <a:lstStyle/>
+          <a:p>
+            <a:r>
+              <a:rPr lang="en-US" altLang="ko-KR" sz="1200" dirty="0" err="1">
+                <a:latin typeface="한컴 윤고딕 240" panose="02020603020101020101" pitchFamily="18" charset="-127"/>
+                <a:ea typeface="한컴 윤고딕 240" panose="02020603020101020101" pitchFamily="18" charset="-127"/>
+              </a:rPr>
+              <a:t>song_member</a:t>
+            </a:r>
+            <a:r>
+              <a:rPr lang="ko-KR" altLang="en-US" sz="1200" dirty="0">
+                <a:latin typeface="한컴 윤고딕 240" panose="02020603020101020101" pitchFamily="18" charset="-127"/>
+                <a:ea typeface="한컴 윤고딕 240" panose="02020603020101020101" pitchFamily="18" charset="-127"/>
+              </a:rPr>
+              <a:t> </a:t>
+            </a:r>
+            <a:r>
+              <a:rPr lang="en-US" altLang="ko-KR" sz="1200" dirty="0">
+                <a:latin typeface="한컴 윤고딕 240" panose="02020603020101020101" pitchFamily="18" charset="-127"/>
+                <a:ea typeface="한컴 윤고딕 240" panose="02020603020101020101" pitchFamily="18" charset="-127"/>
+              </a:rPr>
+              <a:t>table</a:t>
+            </a:r>
+            <a:r>
+              <a:rPr lang="ko-KR" altLang="en-US" sz="1200" dirty="0">
+                <a:latin typeface="한컴 윤고딕 240" panose="02020603020101020101" pitchFamily="18" charset="-127"/>
+                <a:ea typeface="한컴 윤고딕 240" panose="02020603020101020101" pitchFamily="18" charset="-127"/>
+              </a:rPr>
+              <a:t>에 입력</a:t>
+            </a:r>
+          </a:p>
+        </p:txBody>
+      </p:sp>
+      <p:grpSp>
+        <p:nvGrpSpPr>
+          <p:cNvPr id="18" name="그룹 17">
+            <a:extLst>
+              <a:ext uri="{FF2B5EF4-FFF2-40B4-BE49-F238E27FC236}">
+                <a16:creationId xmlns:a16="http://schemas.microsoft.com/office/drawing/2014/main" id="{B973903A-8B72-482B-8C54-F06AA062437E}"/>
+              </a:ext>
+            </a:extLst>
+          </p:cNvPr>
+          <p:cNvGrpSpPr/>
+          <p:nvPr/>
+        </p:nvGrpSpPr>
+        <p:grpSpPr>
+          <a:xfrm>
+            <a:off x="7415344" y="536017"/>
+            <a:ext cx="2107474" cy="1088571"/>
+            <a:chOff x="1079863" y="3004458"/>
+            <a:chExt cx="2107474" cy="1088571"/>
+          </a:xfrm>
+        </p:grpSpPr>
+        <p:sp>
+          <p:nvSpPr>
+            <p:cNvPr id="19" name="직사각형 18">
+              <a:extLst>
+                <a:ext uri="{FF2B5EF4-FFF2-40B4-BE49-F238E27FC236}">
+                  <a16:creationId xmlns:a16="http://schemas.microsoft.com/office/drawing/2014/main" id="{383A6E6C-572C-4A92-A3D8-32161B66038A}"/>
+                </a:ext>
+              </a:extLst>
+            </p:cNvPr>
+            <p:cNvSpPr/>
+            <p:nvPr/>
+          </p:nvSpPr>
+          <p:spPr>
+            <a:xfrm>
+              <a:off x="1079863" y="3004458"/>
+              <a:ext cx="1175657" cy="1088571"/>
+            </a:xfrm>
+            <a:prstGeom prst="rect">
+              <a:avLst/>
+            </a:prstGeom>
+            <a:noFill/>
+          </p:spPr>
+          <p:style>
+            <a:lnRef idx="2">
+              <a:schemeClr val="accent1">
+                <a:shade val="50000"/>
+              </a:schemeClr>
+            </a:lnRef>
+            <a:fillRef idx="1">
+              <a:schemeClr val="accent1"/>
+            </a:fillRef>
+            <a:effectRef idx="0">
+              <a:schemeClr val="accent1"/>
+            </a:effectRef>
+            <a:fontRef idx="minor">
+              <a:schemeClr val="lt1"/>
+            </a:fontRef>
+          </p:style>
+          <p:txBody>
+            <a:bodyPr rtlCol="0" anchor="ctr"/>
+            <a:lstStyle/>
+            <a:p>
+              <a:pPr algn="ctr"/>
+              <a:endParaRPr lang="ko-KR" altLang="en-US"/>
+            </a:p>
+          </p:txBody>
+        </p:sp>
+        <p:sp>
+          <p:nvSpPr>
+            <p:cNvPr id="20" name="TextBox 19">
+              <a:extLst>
+                <a:ext uri="{FF2B5EF4-FFF2-40B4-BE49-F238E27FC236}">
+                  <a16:creationId xmlns:a16="http://schemas.microsoft.com/office/drawing/2014/main" id="{DD5FEFA2-21DC-46D5-B172-108F2A3856EC}"/>
+                </a:ext>
+              </a:extLst>
+            </p:cNvPr>
+            <p:cNvSpPr txBox="1"/>
+            <p:nvPr/>
+          </p:nvSpPr>
+          <p:spPr>
+            <a:xfrm>
+              <a:off x="1079863" y="3394854"/>
+              <a:ext cx="2107474" cy="230832"/>
+            </a:xfrm>
+            <a:prstGeom prst="rect">
+              <a:avLst/>
+            </a:prstGeom>
+            <a:noFill/>
+          </p:spPr>
+          <p:txBody>
+            <a:bodyPr wrap="square" rtlCol="0">
+              <a:spAutoFit/>
+            </a:bodyPr>
+            <a:lstStyle/>
+            <a:p>
+              <a:r>
+                <a:rPr lang="en-US" altLang="ko-KR" sz="900" dirty="0" err="1">
+                  <a:latin typeface="한컴 윤고딕 240" panose="02020603020101020101" pitchFamily="18" charset="-127"/>
+                  <a:ea typeface="한컴 윤고딕 240" panose="02020603020101020101" pitchFamily="18" charset="-127"/>
+                </a:rPr>
+                <a:t>song_showgroup</a:t>
+              </a:r>
+              <a:endParaRPr lang="ko-KR" altLang="en-US" sz="900" dirty="0">
+                <a:latin typeface="한컴 윤고딕 240" panose="02020603020101020101" pitchFamily="18" charset="-127"/>
+                <a:ea typeface="한컴 윤고딕 240" panose="02020603020101020101" pitchFamily="18" charset="-127"/>
+              </a:endParaRPr>
+            </a:p>
+          </p:txBody>
+        </p:sp>
+      </p:grpSp>
+      <p:sp>
+        <p:nvSpPr>
+          <p:cNvPr id="21" name="TextBox 20">
+            <a:extLst>
+              <a:ext uri="{FF2B5EF4-FFF2-40B4-BE49-F238E27FC236}">
+                <a16:creationId xmlns:a16="http://schemas.microsoft.com/office/drawing/2014/main" id="{5086179A-7F60-4436-9096-75BABF6C937C}"/>
+              </a:ext>
+            </a:extLst>
+          </p:cNvPr>
+          <p:cNvSpPr txBox="1"/>
+          <p:nvPr/>
+        </p:nvSpPr>
+        <p:spPr>
+          <a:xfrm>
+            <a:off x="6775265" y="1679093"/>
+            <a:ext cx="2455813" cy="461665"/>
+          </a:xfrm>
+          <a:prstGeom prst="rect">
+            <a:avLst/>
+          </a:prstGeom>
+          <a:noFill/>
+        </p:spPr>
+        <p:txBody>
+          <a:bodyPr wrap="square" rtlCol="0">
+            <a:spAutoFit/>
+          </a:bodyPr>
+          <a:lstStyle/>
+          <a:p>
+            <a:pPr algn="ctr"/>
+            <a:r>
+              <a:rPr lang="ko-KR" altLang="en-US" sz="1200" dirty="0" err="1">
+                <a:latin typeface="한컴 윤고딕 240" panose="02020603020101020101" pitchFamily="18" charset="-127"/>
+                <a:ea typeface="한컴 윤고딕 240" panose="02020603020101020101" pitchFamily="18" charset="-127"/>
+              </a:rPr>
+              <a:t>그룹명</a:t>
+            </a:r>
+            <a:r>
+              <a:rPr lang="ko-KR" altLang="en-US" sz="1200" dirty="0">
+                <a:latin typeface="한컴 윤고딕 240" panose="02020603020101020101" pitchFamily="18" charset="-127"/>
+                <a:ea typeface="한컴 윤고딕 240" panose="02020603020101020101" pitchFamily="18" charset="-127"/>
+              </a:rPr>
+              <a:t> 보여주기</a:t>
+            </a:r>
+            <a:endParaRPr lang="en-US" altLang="ko-KR" sz="1200" dirty="0">
+              <a:latin typeface="한컴 윤고딕 240" panose="02020603020101020101" pitchFamily="18" charset="-127"/>
+              <a:ea typeface="한컴 윤고딕 240" panose="02020603020101020101" pitchFamily="18" charset="-127"/>
+            </a:endParaRPr>
+          </a:p>
+          <a:p>
+            <a:pPr algn="ctr"/>
+            <a:r>
+              <a:rPr lang="en-US" altLang="ko-KR" sz="1200" dirty="0">
+                <a:latin typeface="한컴 윤고딕 240" panose="02020603020101020101" pitchFamily="18" charset="-127"/>
+                <a:ea typeface="한컴 윤고딕 240" panose="02020603020101020101" pitchFamily="18" charset="-127"/>
+              </a:rPr>
+              <a:t>(</a:t>
+            </a:r>
+            <a:r>
+              <a:rPr lang="ko-KR" altLang="en-US" sz="1200" dirty="0">
+                <a:latin typeface="한컴 윤고딕 240" panose="02020603020101020101" pitchFamily="18" charset="-127"/>
+                <a:ea typeface="한컴 윤고딕 240" panose="02020603020101020101" pitchFamily="18" charset="-127"/>
+              </a:rPr>
+              <a:t>클릭하면 인원 목록 보여주기</a:t>
+            </a:r>
+            <a:r>
+              <a:rPr lang="en-US" altLang="ko-KR" sz="1200" dirty="0">
+                <a:latin typeface="한컴 윤고딕 240" panose="02020603020101020101" pitchFamily="18" charset="-127"/>
+                <a:ea typeface="한컴 윤고딕 240" panose="02020603020101020101" pitchFamily="18" charset="-127"/>
+              </a:rPr>
+              <a:t>)</a:t>
+            </a:r>
+          </a:p>
+        </p:txBody>
+      </p:sp>
+      <p:grpSp>
+        <p:nvGrpSpPr>
+          <p:cNvPr id="22" name="그룹 21">
+            <a:extLst>
+              <a:ext uri="{FF2B5EF4-FFF2-40B4-BE49-F238E27FC236}">
+                <a16:creationId xmlns:a16="http://schemas.microsoft.com/office/drawing/2014/main" id="{AA080798-BBA7-45D4-B1BF-05532EC96F33}"/>
+              </a:ext>
+            </a:extLst>
+          </p:cNvPr>
+          <p:cNvGrpSpPr/>
+          <p:nvPr/>
+        </p:nvGrpSpPr>
+        <p:grpSpPr>
+          <a:xfrm>
+            <a:off x="4850672" y="2749605"/>
+            <a:ext cx="2107474" cy="1088571"/>
+            <a:chOff x="1079863" y="3004458"/>
+            <a:chExt cx="2107474" cy="1088571"/>
+          </a:xfrm>
+        </p:grpSpPr>
+        <p:sp>
+          <p:nvSpPr>
+            <p:cNvPr id="23" name="직사각형 22">
+              <a:extLst>
+                <a:ext uri="{FF2B5EF4-FFF2-40B4-BE49-F238E27FC236}">
+                  <a16:creationId xmlns:a16="http://schemas.microsoft.com/office/drawing/2014/main" id="{5E4EBE48-E1FF-4122-8C31-A7D5C7B40D8C}"/>
+                </a:ext>
+              </a:extLst>
+            </p:cNvPr>
+            <p:cNvSpPr/>
+            <p:nvPr/>
+          </p:nvSpPr>
+          <p:spPr>
+            <a:xfrm>
+              <a:off x="1079863" y="3004458"/>
+              <a:ext cx="1175657" cy="1088571"/>
+            </a:xfrm>
+            <a:prstGeom prst="rect">
+              <a:avLst/>
+            </a:prstGeom>
+            <a:noFill/>
+          </p:spPr>
+          <p:style>
+            <a:lnRef idx="2">
+              <a:schemeClr val="accent1">
+                <a:shade val="50000"/>
+              </a:schemeClr>
+            </a:lnRef>
+            <a:fillRef idx="1">
+              <a:schemeClr val="accent1"/>
+            </a:fillRef>
+            <a:effectRef idx="0">
+              <a:schemeClr val="accent1"/>
+            </a:effectRef>
+            <a:fontRef idx="minor">
+              <a:schemeClr val="lt1"/>
+            </a:fontRef>
+          </p:style>
+          <p:txBody>
+            <a:bodyPr rtlCol="0" anchor="ctr"/>
+            <a:lstStyle/>
+            <a:p>
+              <a:pPr algn="ctr"/>
+              <a:endParaRPr lang="ko-KR" altLang="en-US"/>
+            </a:p>
+          </p:txBody>
+        </p:sp>
+        <p:sp>
+          <p:nvSpPr>
+            <p:cNvPr id="24" name="TextBox 23">
+              <a:extLst>
+                <a:ext uri="{FF2B5EF4-FFF2-40B4-BE49-F238E27FC236}">
+                  <a16:creationId xmlns:a16="http://schemas.microsoft.com/office/drawing/2014/main" id="{5F841D1E-818E-4207-A87C-EA83FE654A97}"/>
+                </a:ext>
+              </a:extLst>
+            </p:cNvPr>
+            <p:cNvSpPr txBox="1"/>
+            <p:nvPr/>
+          </p:nvSpPr>
+          <p:spPr>
+            <a:xfrm>
+              <a:off x="1079863" y="3394854"/>
+              <a:ext cx="2107474" cy="215444"/>
+            </a:xfrm>
+            <a:prstGeom prst="rect">
+              <a:avLst/>
+            </a:prstGeom>
+            <a:noFill/>
+          </p:spPr>
+          <p:txBody>
+            <a:bodyPr wrap="square" rtlCol="0">
+              <a:spAutoFit/>
+            </a:bodyPr>
+            <a:lstStyle/>
+            <a:p>
+              <a:r>
+                <a:rPr lang="en-US" altLang="ko-KR" sz="800" dirty="0" err="1">
+                  <a:latin typeface="한컴 윤고딕 240" panose="02020603020101020101" pitchFamily="18" charset="-127"/>
+                  <a:ea typeface="한컴 윤고딕 240" panose="02020603020101020101" pitchFamily="18" charset="-127"/>
+                </a:rPr>
+                <a:t>Song_updategroup</a:t>
+              </a:r>
+              <a:endParaRPr lang="ko-KR" altLang="en-US" sz="800" dirty="0">
+                <a:latin typeface="한컴 윤고딕 240" panose="02020603020101020101" pitchFamily="18" charset="-127"/>
+                <a:ea typeface="한컴 윤고딕 240" panose="02020603020101020101" pitchFamily="18" charset="-127"/>
+              </a:endParaRPr>
+            </a:p>
+          </p:txBody>
+        </p:sp>
+      </p:grpSp>
+      <p:sp>
+        <p:nvSpPr>
+          <p:cNvPr id="25" name="TextBox 24">
+            <a:extLst>
+              <a:ext uri="{FF2B5EF4-FFF2-40B4-BE49-F238E27FC236}">
+                <a16:creationId xmlns:a16="http://schemas.microsoft.com/office/drawing/2014/main" id="{B9DC0B95-C166-4F48-AAAC-DB70581EE3A5}"/>
+              </a:ext>
+            </a:extLst>
+          </p:cNvPr>
+          <p:cNvSpPr txBox="1"/>
+          <p:nvPr/>
+        </p:nvSpPr>
+        <p:spPr>
+          <a:xfrm>
+            <a:off x="4425412" y="3986864"/>
+            <a:ext cx="2026176" cy="276999"/>
+          </a:xfrm>
+          <a:prstGeom prst="rect">
+            <a:avLst/>
+          </a:prstGeom>
+          <a:noFill/>
+        </p:spPr>
+        <p:txBody>
+          <a:bodyPr wrap="square" rtlCol="0">
+            <a:spAutoFit/>
+          </a:bodyPr>
+          <a:lstStyle/>
+          <a:p>
+            <a:pPr algn="ctr"/>
+            <a:r>
+              <a:rPr lang="ko-KR" altLang="en-US" sz="1200" dirty="0">
+                <a:latin typeface="한컴 윤고딕 240" panose="02020603020101020101" pitchFamily="18" charset="-127"/>
+                <a:ea typeface="한컴 윤고딕 240" panose="02020603020101020101" pitchFamily="18" charset="-127"/>
+              </a:rPr>
+              <a:t>그룹 인원 수정 및 삭제 하기</a:t>
+            </a:r>
+            <a:endParaRPr lang="en-US" altLang="ko-KR" sz="1200" dirty="0">
+              <a:latin typeface="한컴 윤고딕 240" panose="02020603020101020101" pitchFamily="18" charset="-127"/>
+              <a:ea typeface="한컴 윤고딕 240" panose="02020603020101020101" pitchFamily="18" charset="-127"/>
+            </a:endParaRPr>
+          </a:p>
+        </p:txBody>
+      </p:sp>
+      <p:grpSp>
+        <p:nvGrpSpPr>
+          <p:cNvPr id="26" name="그룹 25">
+            <a:extLst>
+              <a:ext uri="{FF2B5EF4-FFF2-40B4-BE49-F238E27FC236}">
+                <a16:creationId xmlns:a16="http://schemas.microsoft.com/office/drawing/2014/main" id="{4EF62569-B3E8-4D01-9164-2EAD93B8A332}"/>
+              </a:ext>
+            </a:extLst>
+          </p:cNvPr>
+          <p:cNvGrpSpPr/>
+          <p:nvPr/>
+        </p:nvGrpSpPr>
+        <p:grpSpPr>
+          <a:xfrm>
+            <a:off x="7426237" y="2754822"/>
+            <a:ext cx="2107474" cy="1088571"/>
+            <a:chOff x="1079863" y="3004458"/>
+            <a:chExt cx="2107474" cy="1088571"/>
+          </a:xfrm>
+        </p:grpSpPr>
+        <p:sp>
+          <p:nvSpPr>
+            <p:cNvPr id="27" name="직사각형 26">
+              <a:extLst>
+                <a:ext uri="{FF2B5EF4-FFF2-40B4-BE49-F238E27FC236}">
+                  <a16:creationId xmlns:a16="http://schemas.microsoft.com/office/drawing/2014/main" id="{4518D32E-644C-4296-883D-EA783E33E5DE}"/>
+                </a:ext>
+              </a:extLst>
+            </p:cNvPr>
+            <p:cNvSpPr/>
+            <p:nvPr/>
+          </p:nvSpPr>
+          <p:spPr>
+            <a:xfrm>
+              <a:off x="1079863" y="3004458"/>
+              <a:ext cx="1175657" cy="1088571"/>
+            </a:xfrm>
+            <a:prstGeom prst="rect">
+              <a:avLst/>
+            </a:prstGeom>
+            <a:noFill/>
+          </p:spPr>
+          <p:style>
+            <a:lnRef idx="2">
+              <a:schemeClr val="accent1">
+                <a:shade val="50000"/>
+              </a:schemeClr>
+            </a:lnRef>
+            <a:fillRef idx="1">
+              <a:schemeClr val="accent1"/>
+            </a:fillRef>
+            <a:effectRef idx="0">
+              <a:schemeClr val="accent1"/>
+            </a:effectRef>
+            <a:fontRef idx="minor">
+              <a:schemeClr val="lt1"/>
+            </a:fontRef>
+          </p:style>
+          <p:txBody>
+            <a:bodyPr rtlCol="0" anchor="ctr"/>
+            <a:lstStyle/>
+            <a:p>
+              <a:pPr algn="ctr"/>
+              <a:endParaRPr lang="ko-KR" altLang="en-US"/>
+            </a:p>
+          </p:txBody>
+        </p:sp>
+        <p:sp>
+          <p:nvSpPr>
+            <p:cNvPr id="28" name="TextBox 27">
+              <a:extLst>
+                <a:ext uri="{FF2B5EF4-FFF2-40B4-BE49-F238E27FC236}">
+                  <a16:creationId xmlns:a16="http://schemas.microsoft.com/office/drawing/2014/main" id="{55368223-C1E7-4974-BFCA-65FB59E8A4FF}"/>
+                </a:ext>
+              </a:extLst>
+            </p:cNvPr>
+            <p:cNvSpPr txBox="1"/>
+            <p:nvPr/>
+          </p:nvSpPr>
+          <p:spPr>
+            <a:xfrm>
+              <a:off x="1079863" y="3394854"/>
+              <a:ext cx="2107474" cy="215444"/>
+            </a:xfrm>
+            <a:prstGeom prst="rect">
+              <a:avLst/>
+            </a:prstGeom>
+            <a:noFill/>
+          </p:spPr>
+          <p:txBody>
+            <a:bodyPr wrap="square" rtlCol="0">
+              <a:spAutoFit/>
+            </a:bodyPr>
+            <a:lstStyle/>
+            <a:p>
+              <a:r>
+                <a:rPr lang="en-US" altLang="ko-KR" sz="800" dirty="0" err="1">
+                  <a:latin typeface="한컴 윤고딕 240" panose="02020603020101020101" pitchFamily="18" charset="-127"/>
+                  <a:ea typeface="한컴 윤고딕 240" panose="02020603020101020101" pitchFamily="18" charset="-127"/>
+                </a:rPr>
+                <a:t>Song_makeGroup</a:t>
+              </a:r>
+              <a:endParaRPr lang="ko-KR" altLang="en-US" sz="800" dirty="0">
+                <a:latin typeface="한컴 윤고딕 240" panose="02020603020101020101" pitchFamily="18" charset="-127"/>
+                <a:ea typeface="한컴 윤고딕 240" panose="02020603020101020101" pitchFamily="18" charset="-127"/>
+              </a:endParaRPr>
+            </a:p>
+          </p:txBody>
+        </p:sp>
+      </p:grpSp>
+      <p:sp>
+        <p:nvSpPr>
+          <p:cNvPr id="29" name="TextBox 28">
+            <a:extLst>
+              <a:ext uri="{FF2B5EF4-FFF2-40B4-BE49-F238E27FC236}">
+                <a16:creationId xmlns:a16="http://schemas.microsoft.com/office/drawing/2014/main" id="{488D604D-8C56-4984-A7FB-9A9F6831790A}"/>
+              </a:ext>
+            </a:extLst>
+          </p:cNvPr>
+          <p:cNvSpPr txBox="1"/>
+          <p:nvPr/>
+        </p:nvSpPr>
+        <p:spPr>
+          <a:xfrm>
+            <a:off x="7067005" y="4037999"/>
+            <a:ext cx="1928949" cy="276999"/>
+          </a:xfrm>
+          <a:prstGeom prst="rect">
+            <a:avLst/>
+          </a:prstGeom>
+          <a:noFill/>
+        </p:spPr>
+        <p:txBody>
+          <a:bodyPr wrap="square" rtlCol="0">
+            <a:spAutoFit/>
+          </a:bodyPr>
+          <a:lstStyle/>
+          <a:p>
+            <a:pPr algn="ctr"/>
+            <a:r>
+              <a:rPr lang="ko-KR" altLang="en-US" sz="1200" dirty="0">
+                <a:latin typeface="한컴 윤고딕 240" panose="02020603020101020101" pitchFamily="18" charset="-127"/>
+                <a:ea typeface="한컴 윤고딕 240" panose="02020603020101020101" pitchFamily="18" charset="-127"/>
+              </a:rPr>
+              <a:t>그룹</a:t>
+            </a:r>
+            <a:r>
+              <a:rPr lang="en-US" altLang="ko-KR" sz="1200" dirty="0">
+                <a:latin typeface="한컴 윤고딕 240" panose="02020603020101020101" pitchFamily="18" charset="-127"/>
+                <a:ea typeface="한컴 윤고딕 240" panose="02020603020101020101" pitchFamily="18" charset="-127"/>
+              </a:rPr>
+              <a:t> </a:t>
+            </a:r>
+            <a:r>
+              <a:rPr lang="ko-KR" altLang="en-US" sz="1200" dirty="0">
+                <a:latin typeface="한컴 윤고딕 240" panose="02020603020101020101" pitchFamily="18" charset="-127"/>
+                <a:ea typeface="한컴 윤고딕 240" panose="02020603020101020101" pitchFamily="18" charset="-127"/>
+              </a:rPr>
+              <a:t>인원 들 조 나누기 </a:t>
+            </a:r>
+            <a:endParaRPr lang="en-US" altLang="ko-KR" sz="1200" dirty="0">
+              <a:latin typeface="한컴 윤고딕 240" panose="02020603020101020101" pitchFamily="18" charset="-127"/>
+              <a:ea typeface="한컴 윤고딕 240" panose="02020603020101020101" pitchFamily="18" charset="-127"/>
+            </a:endParaRPr>
+          </a:p>
+        </p:txBody>
+      </p:sp>
+      <p:grpSp>
+        <p:nvGrpSpPr>
+          <p:cNvPr id="30" name="그룹 29">
+            <a:extLst>
+              <a:ext uri="{FF2B5EF4-FFF2-40B4-BE49-F238E27FC236}">
+                <a16:creationId xmlns:a16="http://schemas.microsoft.com/office/drawing/2014/main" id="{A615698E-5362-444A-AED8-5E155422DEFC}"/>
+              </a:ext>
+            </a:extLst>
+          </p:cNvPr>
+          <p:cNvGrpSpPr/>
+          <p:nvPr/>
+        </p:nvGrpSpPr>
+        <p:grpSpPr>
+          <a:xfrm>
+            <a:off x="10038804" y="2749605"/>
+            <a:ext cx="2229394" cy="1088571"/>
+            <a:chOff x="1079863" y="3004458"/>
+            <a:chExt cx="2229394" cy="1088571"/>
+          </a:xfrm>
+        </p:grpSpPr>
+        <p:sp>
+          <p:nvSpPr>
+            <p:cNvPr id="31" name="직사각형 30">
+              <a:extLst>
+                <a:ext uri="{FF2B5EF4-FFF2-40B4-BE49-F238E27FC236}">
+                  <a16:creationId xmlns:a16="http://schemas.microsoft.com/office/drawing/2014/main" id="{5B0F72E9-3297-4EAC-986D-2DE7F5A16247}"/>
+                </a:ext>
+              </a:extLst>
+            </p:cNvPr>
+            <p:cNvSpPr/>
+            <p:nvPr/>
+          </p:nvSpPr>
+          <p:spPr>
+            <a:xfrm>
+              <a:off x="1079863" y="3004458"/>
+              <a:ext cx="1175657" cy="1088571"/>
+            </a:xfrm>
+            <a:prstGeom prst="rect">
+              <a:avLst/>
+            </a:prstGeom>
+            <a:noFill/>
+          </p:spPr>
+          <p:style>
+            <a:lnRef idx="2">
+              <a:schemeClr val="accent1">
+                <a:shade val="50000"/>
+              </a:schemeClr>
+            </a:lnRef>
+            <a:fillRef idx="1">
+              <a:schemeClr val="accent1"/>
+            </a:fillRef>
+            <a:effectRef idx="0">
+              <a:schemeClr val="accent1"/>
+            </a:effectRef>
+            <a:fontRef idx="minor">
+              <a:schemeClr val="lt1"/>
+            </a:fontRef>
+          </p:style>
+          <p:txBody>
+            <a:bodyPr rtlCol="0" anchor="ctr"/>
+            <a:lstStyle/>
+            <a:p>
+              <a:pPr algn="ctr"/>
+              <a:endParaRPr lang="ko-KR" altLang="en-US"/>
+            </a:p>
+          </p:txBody>
+        </p:sp>
+        <p:sp>
+          <p:nvSpPr>
+            <p:cNvPr id="32" name="TextBox 31">
+              <a:extLst>
+                <a:ext uri="{FF2B5EF4-FFF2-40B4-BE49-F238E27FC236}">
+                  <a16:creationId xmlns:a16="http://schemas.microsoft.com/office/drawing/2014/main" id="{FD364C7B-C667-44B1-893B-8E3D9970C406}"/>
+                </a:ext>
+              </a:extLst>
+            </p:cNvPr>
+            <p:cNvSpPr txBox="1"/>
+            <p:nvPr/>
+          </p:nvSpPr>
+          <p:spPr>
+            <a:xfrm>
+              <a:off x="1201783" y="3394854"/>
+              <a:ext cx="2107474" cy="215444"/>
+            </a:xfrm>
+            <a:prstGeom prst="rect">
+              <a:avLst/>
+            </a:prstGeom>
+            <a:noFill/>
+          </p:spPr>
+          <p:txBody>
+            <a:bodyPr wrap="square" rtlCol="0">
+              <a:spAutoFit/>
+            </a:bodyPr>
+            <a:lstStyle/>
+            <a:p>
+              <a:r>
+                <a:rPr lang="en-US" altLang="ko-KR" sz="800" dirty="0" err="1">
+                  <a:latin typeface="한컴 윤고딕 240" panose="02020603020101020101" pitchFamily="18" charset="-127"/>
+                  <a:ea typeface="한컴 윤고딕 240" panose="02020603020101020101" pitchFamily="18" charset="-127"/>
+                </a:rPr>
+                <a:t>Song_showing</a:t>
+              </a:r>
+              <a:endParaRPr lang="ko-KR" altLang="en-US" sz="800" dirty="0">
+                <a:latin typeface="한컴 윤고딕 240" panose="02020603020101020101" pitchFamily="18" charset="-127"/>
+                <a:ea typeface="한컴 윤고딕 240" panose="02020603020101020101" pitchFamily="18" charset="-127"/>
+              </a:endParaRPr>
+            </a:p>
+          </p:txBody>
+        </p:sp>
+      </p:grpSp>
+      <p:sp>
+        <p:nvSpPr>
+          <p:cNvPr id="33" name="TextBox 32">
+            <a:extLst>
+              <a:ext uri="{FF2B5EF4-FFF2-40B4-BE49-F238E27FC236}">
+                <a16:creationId xmlns:a16="http://schemas.microsoft.com/office/drawing/2014/main" id="{5F6B5E3C-9E9A-42BB-8575-77E32D0F2DEB}"/>
+              </a:ext>
+            </a:extLst>
+          </p:cNvPr>
+          <p:cNvSpPr txBox="1"/>
+          <p:nvPr/>
+        </p:nvSpPr>
+        <p:spPr>
+          <a:xfrm>
+            <a:off x="9753597" y="4032083"/>
+            <a:ext cx="1733009" cy="276999"/>
+          </a:xfrm>
+          <a:prstGeom prst="rect">
+            <a:avLst/>
+          </a:prstGeom>
+          <a:noFill/>
+        </p:spPr>
+        <p:txBody>
+          <a:bodyPr wrap="square" rtlCol="0">
+            <a:spAutoFit/>
+          </a:bodyPr>
+          <a:lstStyle/>
+          <a:p>
+            <a:pPr algn="ctr"/>
+            <a:r>
+              <a:rPr lang="ko-KR" altLang="en-US" sz="1200" dirty="0">
+                <a:latin typeface="한컴 윤고딕 240" panose="02020603020101020101" pitchFamily="18" charset="-127"/>
+                <a:ea typeface="한컴 윤고딕 240" panose="02020603020101020101" pitchFamily="18" charset="-127"/>
+              </a:rPr>
+              <a:t>조 짠 결과 보여주기</a:t>
+            </a:r>
+            <a:endParaRPr lang="en-US" altLang="ko-KR" sz="1200" dirty="0">
+              <a:latin typeface="한컴 윤고딕 240" panose="02020603020101020101" pitchFamily="18" charset="-127"/>
+              <a:ea typeface="한컴 윤고딕 240" panose="02020603020101020101" pitchFamily="18" charset="-127"/>
+            </a:endParaRPr>
+          </a:p>
+        </p:txBody>
+      </p:sp>
+      <p:sp>
+        <p:nvSpPr>
+          <p:cNvPr id="37" name="화살표: 아래쪽 36">
+            <a:extLst>
+              <a:ext uri="{FF2B5EF4-FFF2-40B4-BE49-F238E27FC236}">
+                <a16:creationId xmlns:a16="http://schemas.microsoft.com/office/drawing/2014/main" id="{FA9D203A-0316-4390-B681-ACFAF4D157CE}"/>
+              </a:ext>
+            </a:extLst>
+          </p:cNvPr>
+          <p:cNvSpPr/>
+          <p:nvPr/>
+        </p:nvSpPr>
+        <p:spPr>
+          <a:xfrm>
+            <a:off x="1741714" y="4428473"/>
+            <a:ext cx="287383" cy="503651"/>
+          </a:xfrm>
+          <a:prstGeom prst="downArrow">
+            <a:avLst/>
+          </a:prstGeom>
+          <a:noFill/>
+        </p:spPr>
+        <p:style>
+          <a:lnRef idx="2">
+            <a:schemeClr val="accent1">
+              <a:shade val="50000"/>
+            </a:schemeClr>
+          </a:lnRef>
+          <a:fillRef idx="1">
+            <a:schemeClr val="accent1"/>
+          </a:fillRef>
+          <a:effectRef idx="0">
+            <a:schemeClr val="accent1"/>
+          </a:effectRef>
+          <a:fontRef idx="minor">
+            <a:schemeClr val="lt1"/>
+          </a:fontRef>
+        </p:style>
+        <p:txBody>
+          <a:bodyPr rtlCol="0" anchor="ctr"/>
+          <a:lstStyle/>
+          <a:p>
+            <a:pPr algn="ctr"/>
+            <a:endParaRPr lang="ko-KR" altLang="en-US"/>
+          </a:p>
+        </p:txBody>
+      </p:sp>
+      <p:sp>
+        <p:nvSpPr>
+          <p:cNvPr id="38" name="화살표: 아래쪽 37">
+            <a:extLst>
+              <a:ext uri="{FF2B5EF4-FFF2-40B4-BE49-F238E27FC236}">
+                <a16:creationId xmlns:a16="http://schemas.microsoft.com/office/drawing/2014/main" id="{A32599AF-CF87-4A37-AAEC-E2EEB7EC9005}"/>
+              </a:ext>
+            </a:extLst>
+          </p:cNvPr>
+          <p:cNvSpPr/>
+          <p:nvPr/>
+        </p:nvSpPr>
+        <p:spPr>
+          <a:xfrm>
+            <a:off x="1752599" y="2238771"/>
+            <a:ext cx="287383" cy="503651"/>
+          </a:xfrm>
+          <a:prstGeom prst="downArrow">
+            <a:avLst/>
+          </a:prstGeom>
+          <a:noFill/>
+        </p:spPr>
+        <p:style>
+          <a:lnRef idx="2">
+            <a:schemeClr val="accent1">
+              <a:shade val="50000"/>
+            </a:schemeClr>
+          </a:lnRef>
+          <a:fillRef idx="1">
+            <a:schemeClr val="accent1"/>
+          </a:fillRef>
+          <a:effectRef idx="0">
+            <a:schemeClr val="accent1"/>
+          </a:effectRef>
+          <a:fontRef idx="minor">
+            <a:schemeClr val="lt1"/>
+          </a:fontRef>
+        </p:style>
+        <p:txBody>
+          <a:bodyPr rtlCol="0" anchor="ctr"/>
+          <a:lstStyle/>
+          <a:p>
+            <a:pPr algn="ctr"/>
+            <a:endParaRPr lang="ko-KR" altLang="en-US"/>
+          </a:p>
+        </p:txBody>
+      </p:sp>
+      <p:sp>
+        <p:nvSpPr>
+          <p:cNvPr id="39" name="화살표: 아래쪽 38">
+            <a:extLst>
+              <a:ext uri="{FF2B5EF4-FFF2-40B4-BE49-F238E27FC236}">
+                <a16:creationId xmlns:a16="http://schemas.microsoft.com/office/drawing/2014/main" id="{126732F8-8E1B-4050-914E-ECC34C086897}"/>
+              </a:ext>
+            </a:extLst>
+          </p:cNvPr>
+          <p:cNvSpPr/>
+          <p:nvPr/>
+        </p:nvSpPr>
+        <p:spPr>
+          <a:xfrm>
+            <a:off x="7859479" y="2140758"/>
+            <a:ext cx="287383" cy="488290"/>
+          </a:xfrm>
+          <a:prstGeom prst="downArrow">
+            <a:avLst/>
+          </a:prstGeom>
+          <a:noFill/>
+        </p:spPr>
+        <p:style>
+          <a:lnRef idx="2">
+            <a:schemeClr val="accent1">
+              <a:shade val="50000"/>
+            </a:schemeClr>
+          </a:lnRef>
+          <a:fillRef idx="1">
+            <a:schemeClr val="accent1"/>
+          </a:fillRef>
+          <a:effectRef idx="0">
+            <a:schemeClr val="accent1"/>
+          </a:effectRef>
+          <a:fontRef idx="minor">
+            <a:schemeClr val="lt1"/>
+          </a:fontRef>
+        </p:style>
+        <p:txBody>
+          <a:bodyPr rtlCol="0" anchor="ctr"/>
+          <a:lstStyle/>
+          <a:p>
+            <a:pPr algn="ctr"/>
+            <a:endParaRPr lang="ko-KR" altLang="en-US"/>
+          </a:p>
+        </p:txBody>
+      </p:sp>
+      <p:sp>
+        <p:nvSpPr>
+          <p:cNvPr id="40" name="화살표: 아래쪽 39">
+            <a:extLst>
+              <a:ext uri="{FF2B5EF4-FFF2-40B4-BE49-F238E27FC236}">
+                <a16:creationId xmlns:a16="http://schemas.microsoft.com/office/drawing/2014/main" id="{16D4F35B-9915-44E5-9849-84819C9DE4ED}"/>
+              </a:ext>
+            </a:extLst>
+          </p:cNvPr>
+          <p:cNvSpPr/>
+          <p:nvPr/>
+        </p:nvSpPr>
+        <p:spPr>
+          <a:xfrm rot="2900995">
+            <a:off x="6096000" y="2074647"/>
+            <a:ext cx="287383" cy="488290"/>
+          </a:xfrm>
+          <a:prstGeom prst="downArrow">
+            <a:avLst/>
+          </a:prstGeom>
+          <a:noFill/>
+        </p:spPr>
+        <p:style>
+          <a:lnRef idx="2">
+            <a:schemeClr val="accent1">
+              <a:shade val="50000"/>
+            </a:schemeClr>
+          </a:lnRef>
+          <a:fillRef idx="1">
+            <a:schemeClr val="accent1"/>
+          </a:fillRef>
+          <a:effectRef idx="0">
+            <a:schemeClr val="accent1"/>
+          </a:effectRef>
+          <a:fontRef idx="minor">
+            <a:schemeClr val="lt1"/>
+          </a:fontRef>
+        </p:style>
+        <p:txBody>
+          <a:bodyPr rtlCol="0" anchor="ctr"/>
+          <a:lstStyle/>
+          <a:p>
+            <a:pPr algn="ctr"/>
+            <a:endParaRPr lang="ko-KR" altLang="en-US"/>
+          </a:p>
+        </p:txBody>
+      </p:sp>
+      <p:sp>
+        <p:nvSpPr>
+          <p:cNvPr id="41" name="화살표: 아래쪽 40">
+            <a:extLst>
+              <a:ext uri="{FF2B5EF4-FFF2-40B4-BE49-F238E27FC236}">
+                <a16:creationId xmlns:a16="http://schemas.microsoft.com/office/drawing/2014/main" id="{460A44AE-C3DF-4534-A0E0-B9941E5370CD}"/>
+              </a:ext>
+            </a:extLst>
+          </p:cNvPr>
+          <p:cNvSpPr/>
+          <p:nvPr/>
+        </p:nvSpPr>
+        <p:spPr>
+          <a:xfrm rot="18033019">
+            <a:off x="9662418" y="2074646"/>
+            <a:ext cx="287383" cy="488290"/>
+          </a:xfrm>
+          <a:prstGeom prst="downArrow">
+            <a:avLst/>
+          </a:prstGeom>
+          <a:noFill/>
+        </p:spPr>
+        <p:style>
+          <a:lnRef idx="2">
+            <a:schemeClr val="accent1">
+              <a:shade val="50000"/>
+            </a:schemeClr>
+          </a:lnRef>
+          <a:fillRef idx="1">
+            <a:schemeClr val="accent1"/>
+          </a:fillRef>
+          <a:effectRef idx="0">
+            <a:schemeClr val="accent1"/>
+          </a:effectRef>
+          <a:fontRef idx="minor">
+            <a:schemeClr val="lt1"/>
+          </a:fontRef>
+        </p:style>
+        <p:txBody>
+          <a:bodyPr rtlCol="0" anchor="ctr"/>
+          <a:lstStyle/>
+          <a:p>
+            <a:pPr algn="ctr"/>
+            <a:endParaRPr lang="ko-KR" altLang="en-US"/>
+          </a:p>
+        </p:txBody>
+      </p:sp>
+      <p:cxnSp>
+        <p:nvCxnSpPr>
+          <p:cNvPr id="43" name="연결선: 꺾임 42">
+            <a:extLst>
+              <a:ext uri="{FF2B5EF4-FFF2-40B4-BE49-F238E27FC236}">
+                <a16:creationId xmlns:a16="http://schemas.microsoft.com/office/drawing/2014/main" id="{96FA9BEA-6AC1-4D81-BA1D-FB98A3447851}"/>
+              </a:ext>
+            </a:extLst>
+          </p:cNvPr>
+          <p:cNvCxnSpPr>
+            <a:cxnSpLocks/>
+            <a:stCxn id="29" idx="2"/>
+            <a:endCxn id="33" idx="2"/>
+          </p:cNvCxnSpPr>
+          <p:nvPr/>
+        </p:nvCxnSpPr>
+        <p:spPr>
+          <a:xfrm rot="5400000" flipH="1" flipV="1">
+            <a:off x="9322833" y="3017729"/>
+            <a:ext cx="5916" cy="2588622"/>
+          </a:xfrm>
+          <a:prstGeom prst="bentConnector3">
+            <a:avLst>
+              <a:gd name="adj1" fmla="val -5924949"/>
+            </a:avLst>
+          </a:prstGeom>
+          <a:ln w="28575">
+            <a:tailEnd type="triangle"/>
+          </a:ln>
+        </p:spPr>
+        <p:style>
+          <a:lnRef idx="1">
+            <a:schemeClr val="accent1"/>
+          </a:lnRef>
+          <a:fillRef idx="0">
+            <a:schemeClr val="accent1"/>
+          </a:fillRef>
+          <a:effectRef idx="0">
+            <a:schemeClr val="accent1"/>
+          </a:effectRef>
+          <a:fontRef idx="minor">
+            <a:schemeClr val="tx1"/>
+          </a:fontRef>
+        </p:style>
+      </p:cxnSp>
+    </p:spTree>
+    <p:extLst>
+      <p:ext uri="{BB962C8B-B14F-4D97-AF65-F5344CB8AC3E}">
+        <p14:creationId xmlns:p14="http://schemas.microsoft.com/office/powerpoint/2010/main" val="3495619771"/>
+      </p:ext>
+    </p:extLst>
+  </p:cSld>
+  <p:clrMapOvr>
+    <a:masterClrMapping/>
+  </p:clrMapOvr>
+</p:sld>
+</file>
+
+<file path=ppt/slides/slide5.xml><?xml version="1.0" encoding="utf-8"?>
 <p:sld xmlns:a="http://schemas.openxmlformats.org/drawingml/2006/main" xmlns:r="http://schemas.openxmlformats.org/officeDocument/2006/relationships" xmlns:p="http://schemas.openxmlformats.org/presentationml/2006/main">
   <p:cSld>
     <p:spTree>
@@ -9015,7 +10755,7 @@
 </p:sld>
 </file>
 
-<file path=ppt/slides/slide5.xml><?xml version="1.0" encoding="utf-8"?>
+<file path=ppt/slides/slide6.xml><?xml version="1.0" encoding="utf-8"?>
 <p:sld xmlns:a="http://schemas.openxmlformats.org/drawingml/2006/main" xmlns:r="http://schemas.openxmlformats.org/officeDocument/2006/relationships" xmlns:p="http://schemas.openxmlformats.org/presentationml/2006/main">
   <p:cSld>
     <p:spTree>
@@ -9193,7 +10933,7 @@
 </p:sld>
 </file>
 
-<file path=ppt/slides/slide6.xml><?xml version="1.0" encoding="utf-8"?>
+<file path=ppt/slides/slide7.xml><?xml version="1.0" encoding="utf-8"?>
 <p:sld xmlns:a="http://schemas.openxmlformats.org/drawingml/2006/main" xmlns:r="http://schemas.openxmlformats.org/officeDocument/2006/relationships" xmlns:p="http://schemas.openxmlformats.org/presentationml/2006/main">
   <p:cSld>
     <p:spTree>
@@ -10008,7 +11748,7 @@
 </p:sld>
 </file>
 
-<file path=ppt/slides/slide7.xml><?xml version="1.0" encoding="utf-8"?>
+<file path=ppt/slides/slide8.xml><?xml version="1.0" encoding="utf-8"?>
 <p:sld xmlns:a="http://schemas.openxmlformats.org/drawingml/2006/main" xmlns:r="http://schemas.openxmlformats.org/officeDocument/2006/relationships" xmlns:p="http://schemas.openxmlformats.org/presentationml/2006/main">
   <p:cSld>
     <p:spTree>
@@ -10168,7 +11908,7 @@
 </p:sld>
 </file>
 
-<file path=ppt/slides/slide8.xml><?xml version="1.0" encoding="utf-8"?>
+<file path=ppt/slides/slide9.xml><?xml version="1.0" encoding="utf-8"?>
 <p:sld xmlns:a="http://schemas.openxmlformats.org/drawingml/2006/main" xmlns:r="http://schemas.openxmlformats.org/officeDocument/2006/relationships" xmlns:p="http://schemas.openxmlformats.org/presentationml/2006/main">
   <p:cSld>
     <p:spTree>
@@ -10448,174 +12188,12 @@
           </a:p>
         </p:txBody>
       </p:sp>
-    </p:spTree>
-    <p:extLst>
-      <p:ext uri="{BB962C8B-B14F-4D97-AF65-F5344CB8AC3E}">
-        <p14:creationId xmlns:p14="http://schemas.microsoft.com/office/powerpoint/2010/main" val="56112283"/>
-      </p:ext>
-    </p:extLst>
-  </p:cSld>
-  <p:clrMapOvr>
-    <a:masterClrMapping/>
-  </p:clrMapOvr>
-</p:sld>
-</file>
-
-<file path=ppt/slides/slide9.xml><?xml version="1.0" encoding="utf-8"?>
-<p:sld xmlns:a="http://schemas.openxmlformats.org/drawingml/2006/main" xmlns:r="http://schemas.openxmlformats.org/officeDocument/2006/relationships" xmlns:p="http://schemas.openxmlformats.org/presentationml/2006/main">
-  <p:cSld>
-    <p:spTree>
-      <p:nvGrpSpPr>
-        <p:cNvPr id="1" name=""/>
-        <p:cNvGrpSpPr/>
-        <p:nvPr/>
-      </p:nvGrpSpPr>
-      <p:grpSpPr>
-        <a:xfrm>
-          <a:off x="0" y="0"/>
-          <a:ext cx="0" cy="0"/>
-          <a:chOff x="0" y="0"/>
-          <a:chExt cx="0" cy="0"/>
-        </a:xfrm>
-      </p:grpSpPr>
-      <p:sp>
-        <p:nvSpPr>
-          <p:cNvPr id="4" name="TextBox 3">
+      <p:pic>
+        <p:nvPicPr>
+          <p:cNvPr id="7" name="그림 6">
             <a:extLst>
               <a:ext uri="{FF2B5EF4-FFF2-40B4-BE49-F238E27FC236}">
-                <a16:creationId xmlns:a16="http://schemas.microsoft.com/office/drawing/2014/main" id="{B2CC801F-6CAB-4E55-88BB-022194A88274}"/>
-              </a:ext>
-            </a:extLst>
-          </p:cNvPr>
-          <p:cNvSpPr txBox="1"/>
-          <p:nvPr/>
-        </p:nvSpPr>
-        <p:spPr>
-          <a:xfrm>
-            <a:off x="1332412" y="566727"/>
-            <a:ext cx="7715795" cy="923330"/>
-          </a:xfrm>
-          <a:prstGeom prst="rect">
-            <a:avLst/>
-          </a:prstGeom>
-          <a:noFill/>
-        </p:spPr>
-        <p:txBody>
-          <a:bodyPr wrap="square" rtlCol="0">
-            <a:spAutoFit/>
-          </a:bodyPr>
-          <a:lstStyle/>
-          <a:p>
-            <a:r>
-              <a:rPr lang="ko-KR" altLang="en-US" dirty="0" err="1">
-                <a:latin typeface="한컴 윤고딕 250" panose="02020603020101020101" pitchFamily="18" charset="-127"/>
-                <a:ea typeface="한컴 윤고딕 250" panose="02020603020101020101" pitchFamily="18" charset="-127"/>
-              </a:rPr>
-              <a:t>메인화면</a:t>
-            </a:r>
-            <a:r>
-              <a:rPr lang="en-US" altLang="ko-KR" dirty="0">
-                <a:latin typeface="한컴 윤고딕 250" panose="02020603020101020101" pitchFamily="18" charset="-127"/>
-                <a:ea typeface="한컴 윤고딕 250" panose="02020603020101020101" pitchFamily="18" charset="-127"/>
-              </a:rPr>
-              <a:t>(INSERT)</a:t>
-            </a:r>
-          </a:p>
-          <a:p>
-            <a:endParaRPr lang="en-US" altLang="ko-KR" dirty="0">
-              <a:latin typeface="한컴 윤고딕 250" panose="02020603020101020101" pitchFamily="18" charset="-127"/>
-              <a:ea typeface="한컴 윤고딕 250" panose="02020603020101020101" pitchFamily="18" charset="-127"/>
-            </a:endParaRPr>
-          </a:p>
-          <a:p>
-            <a:endParaRPr lang="en-US" altLang="ko-KR" dirty="0">
-              <a:latin typeface="한컴 윤고딕 250" panose="02020603020101020101" pitchFamily="18" charset="-127"/>
-              <a:ea typeface="한컴 윤고딕 250" panose="02020603020101020101" pitchFamily="18" charset="-127"/>
-            </a:endParaRPr>
-          </a:p>
-        </p:txBody>
-      </p:sp>
-      <p:sp>
-        <p:nvSpPr>
-          <p:cNvPr id="2" name="TextBox 1">
-            <a:extLst>
-              <a:ext uri="{FF2B5EF4-FFF2-40B4-BE49-F238E27FC236}">
-                <a16:creationId xmlns:a16="http://schemas.microsoft.com/office/drawing/2014/main" id="{32999FB5-5009-42D4-81D4-0E738E543E2B}"/>
-              </a:ext>
-            </a:extLst>
-          </p:cNvPr>
-          <p:cNvSpPr txBox="1"/>
-          <p:nvPr/>
-        </p:nvSpPr>
-        <p:spPr>
-          <a:xfrm>
-            <a:off x="1858945" y="1416818"/>
-            <a:ext cx="5948624" cy="646331"/>
-          </a:xfrm>
-          <a:prstGeom prst="rect">
-            <a:avLst/>
-          </a:prstGeom>
-          <a:noFill/>
-        </p:spPr>
-        <p:txBody>
-          <a:bodyPr wrap="square" rtlCol="0">
-            <a:spAutoFit/>
-          </a:bodyPr>
-          <a:lstStyle/>
-          <a:p>
-            <a:r>
-              <a:rPr lang="en-US" altLang="ko-KR" dirty="0"/>
-              <a:t>3. </a:t>
-            </a:r>
-            <a:r>
-              <a:rPr lang="ko-KR" altLang="en-US" dirty="0"/>
-              <a:t>그룹추출</a:t>
-            </a:r>
-            <a:endParaRPr lang="en-US" altLang="ko-KR" dirty="0"/>
-          </a:p>
-          <a:p>
-            <a:endParaRPr lang="en-US" altLang="ko-KR" dirty="0"/>
-          </a:p>
-        </p:txBody>
-      </p:sp>
-      <p:sp>
-        <p:nvSpPr>
-          <p:cNvPr id="3" name="TextBox 2">
-            <a:extLst>
-              <a:ext uri="{FF2B5EF4-FFF2-40B4-BE49-F238E27FC236}">
-                <a16:creationId xmlns:a16="http://schemas.microsoft.com/office/drawing/2014/main" id="{5645C1BE-CAD2-46D4-BA4F-7B53F74796D0}"/>
-              </a:ext>
-            </a:extLst>
-          </p:cNvPr>
-          <p:cNvSpPr txBox="1"/>
-          <p:nvPr/>
-        </p:nvSpPr>
-        <p:spPr>
-          <a:xfrm>
-            <a:off x="1959429" y="2220686"/>
-            <a:ext cx="6782637" cy="369332"/>
-          </a:xfrm>
-          <a:prstGeom prst="rect">
-            <a:avLst/>
-          </a:prstGeom>
-          <a:noFill/>
-        </p:spPr>
-        <p:txBody>
-          <a:bodyPr wrap="square" rtlCol="0">
-            <a:spAutoFit/>
-          </a:bodyPr>
-          <a:lstStyle/>
-          <a:p>
-            <a:endParaRPr lang="ko-KR" altLang="en-US" dirty="0"/>
-          </a:p>
-        </p:txBody>
-      </p:sp>
-      <p:pic>
-        <p:nvPicPr>
-          <p:cNvPr id="5" name="그림 4">
-            <a:extLst>
-              <a:ext uri="{FF2B5EF4-FFF2-40B4-BE49-F238E27FC236}">
-                <a16:creationId xmlns:a16="http://schemas.microsoft.com/office/drawing/2014/main" id="{D92298FD-05BA-40CF-98D9-326A36AF45A7}"/>
+                <a16:creationId xmlns:a16="http://schemas.microsoft.com/office/drawing/2014/main" id="{16EFF8A4-0FDB-4CED-93A1-574A30226405}"/>
               </a:ext>
             </a:extLst>
           </p:cNvPr>
@@ -10625,15 +12203,15 @@
           <p:nvPr/>
         </p:nvPicPr>
         <p:blipFill>
-          <a:blip r:embed="rId2"/>
+          <a:blip r:embed="rId3"/>
           <a:stretch>
             <a:fillRect/>
           </a:stretch>
         </p:blipFill>
         <p:spPr>
           <a:xfrm>
-            <a:off x="1744394" y="2340148"/>
-            <a:ext cx="2076450" cy="2724150"/>
+            <a:off x="8497388" y="2959689"/>
+            <a:ext cx="2362200" cy="2314575"/>
           </a:xfrm>
           <a:prstGeom prst="rect">
             <a:avLst/>
@@ -10643,7 +12221,7 @@
     </p:spTree>
     <p:extLst>
       <p:ext uri="{BB962C8B-B14F-4D97-AF65-F5344CB8AC3E}">
-        <p14:creationId xmlns:p14="http://schemas.microsoft.com/office/powerpoint/2010/main" val="3289668812"/>
+        <p14:creationId xmlns:p14="http://schemas.microsoft.com/office/powerpoint/2010/main" val="56112283"/>
       </p:ext>
     </p:extLst>
   </p:cSld>

--- a/S01_그룹 지정하기.pptx
+++ b/S01_그룹 지정하기.pptx
@@ -10,14 +10,20 @@
     <p:sldId id="259" r:id="rId4"/>
     <p:sldId id="268" r:id="rId5"/>
     <p:sldId id="258" r:id="rId6"/>
-    <p:sldId id="264" r:id="rId7"/>
-    <p:sldId id="263" r:id="rId8"/>
-    <p:sldId id="265" r:id="rId9"/>
-    <p:sldId id="267" r:id="rId10"/>
-    <p:sldId id="266" r:id="rId11"/>
-    <p:sldId id="260" r:id="rId12"/>
-    <p:sldId id="261" r:id="rId13"/>
-    <p:sldId id="262" r:id="rId14"/>
+    <p:sldId id="273" r:id="rId7"/>
+    <p:sldId id="272" r:id="rId8"/>
+    <p:sldId id="264" r:id="rId9"/>
+    <p:sldId id="263" r:id="rId10"/>
+    <p:sldId id="265" r:id="rId11"/>
+    <p:sldId id="266" r:id="rId12"/>
+    <p:sldId id="267" r:id="rId13"/>
+    <p:sldId id="269" r:id="rId14"/>
+    <p:sldId id="270" r:id="rId15"/>
+    <p:sldId id="271" r:id="rId16"/>
+    <p:sldId id="274" r:id="rId17"/>
+    <p:sldId id="260" r:id="rId18"/>
+    <p:sldId id="261" r:id="rId19"/>
+    <p:sldId id="262" r:id="rId20"/>
   </p:sldIdLst>
   <p:sldSz cx="12192000" cy="6858000"/>
   <p:notesSz cx="6858000" cy="9144000"/>
@@ -294,7 +300,7 @@
             <a:fld id="{87DE6118-2437-4B30-8E3C-4D2BE6020583}" type="datetimeFigureOut">
               <a:rPr lang="en-US" dirty="0"/>
               <a:pPr/>
-              <a:t>2/15/2019</a:t>
+              <a:t>2/18/2019</a:t>
             </a:fld>
             <a:endParaRPr lang="en-US" dirty="0"/>
           </a:p>
@@ -620,7 +626,7 @@
           <a:p>
             <a:fld id="{87DE6118-2437-4B30-8E3C-4D2BE6020583}" type="datetimeFigureOut">
               <a:rPr lang="en-US" dirty="0"/>
-              <a:t>2/15/2019</a:t>
+              <a:t>2/18/2019</a:t>
             </a:fld>
             <a:endParaRPr lang="en-US" dirty="0"/>
           </a:p>
@@ -795,7 +801,7 @@
           <a:p>
             <a:fld id="{87DE6118-2437-4B30-8E3C-4D2BE6020583}" type="datetimeFigureOut">
               <a:rPr lang="en-US" dirty="0"/>
-              <a:t>2/15/2019</a:t>
+              <a:t>2/18/2019</a:t>
             </a:fld>
             <a:endParaRPr lang="en-US" dirty="0"/>
           </a:p>
@@ -960,7 +966,7 @@
           <a:p>
             <a:fld id="{87DE6118-2437-4B30-8E3C-4D2BE6020583}" type="datetimeFigureOut">
               <a:rPr lang="en-US" dirty="0"/>
-              <a:t>2/15/2019</a:t>
+              <a:t>2/18/2019</a:t>
             </a:fld>
             <a:endParaRPr lang="en-US" dirty="0"/>
           </a:p>
@@ -1233,7 +1239,7 @@
             <a:fld id="{87DE6118-2437-4B30-8E3C-4D2BE6020583}" type="datetimeFigureOut">
               <a:rPr lang="en-US" dirty="0"/>
               <a:pPr/>
-              <a:t>2/15/2019</a:t>
+              <a:t>2/18/2019</a:t>
             </a:fld>
             <a:endParaRPr lang="en-US" dirty="0"/>
           </a:p>
@@ -1623,7 +1629,7 @@
           <a:p>
             <a:fld id="{87DE6118-2437-4B30-8E3C-4D2BE6020583}" type="datetimeFigureOut">
               <a:rPr lang="en-US" dirty="0"/>
-              <a:t>2/15/2019</a:t>
+              <a:t>2/18/2019</a:t>
             </a:fld>
             <a:endParaRPr lang="en-US" dirty="0"/>
           </a:p>
@@ -2095,7 +2101,7 @@
           <a:p>
             <a:fld id="{87DE6118-2437-4B30-8E3C-4D2BE6020583}" type="datetimeFigureOut">
               <a:rPr lang="en-US" dirty="0"/>
-              <a:t>2/15/2019</a:t>
+              <a:t>2/18/2019</a:t>
             </a:fld>
             <a:endParaRPr lang="en-US" dirty="0"/>
           </a:p>
@@ -2208,7 +2214,7 @@
           <a:p>
             <a:fld id="{87DE6118-2437-4B30-8E3C-4D2BE6020583}" type="datetimeFigureOut">
               <a:rPr lang="en-US" dirty="0"/>
-              <a:t>2/15/2019</a:t>
+              <a:t>2/18/2019</a:t>
             </a:fld>
             <a:endParaRPr lang="en-US" dirty="0"/>
           </a:p>
@@ -2298,7 +2304,7 @@
           <a:p>
             <a:fld id="{87DE6118-2437-4B30-8E3C-4D2BE6020583}" type="datetimeFigureOut">
               <a:rPr lang="en-US" dirty="0"/>
-              <a:t>2/15/2019</a:t>
+              <a:t>2/18/2019</a:t>
             </a:fld>
             <a:endParaRPr lang="en-US" dirty="0"/>
           </a:p>
@@ -2640,7 +2646,7 @@
             <a:fld id="{87DE6118-2437-4B30-8E3C-4D2BE6020583}" type="datetimeFigureOut">
               <a:rPr lang="en-US" dirty="0"/>
               <a:pPr/>
-              <a:t>2/15/2019</a:t>
+              <a:t>2/18/2019</a:t>
             </a:fld>
             <a:endParaRPr lang="en-US" dirty="0"/>
           </a:p>
@@ -3025,7 +3031,7 @@
             <a:fld id="{87DE6118-2437-4B30-8E3C-4D2BE6020583}" type="datetimeFigureOut">
               <a:rPr lang="en-US" dirty="0"/>
               <a:pPr/>
-              <a:t>2/15/2019</a:t>
+              <a:t>2/18/2019</a:t>
             </a:fld>
             <a:endParaRPr lang="en-US" dirty="0"/>
           </a:p>
@@ -3300,7 +3306,7 @@
             <a:fld id="{87DE6118-2437-4B30-8E3C-4D2BE6020583}" type="datetimeFigureOut">
               <a:rPr lang="en-US" dirty="0"/>
               <a:pPr/>
-              <a:t>2/15/2019</a:t>
+              <a:t>2/18/2019</a:t>
             </a:fld>
             <a:endParaRPr lang="en-US" dirty="0"/>
           </a:p>
@@ -4012,6 +4018,166 @@
           <a:p>
             <a:r>
               <a:rPr lang="en-US" altLang="ko-KR" dirty="0"/>
+              <a:t>2. </a:t>
+            </a:r>
+            <a:r>
+              <a:rPr lang="ko-KR" altLang="en-US" dirty="0"/>
+              <a:t>여러 그룹으로 나눔</a:t>
+            </a:r>
+            <a:endParaRPr lang="en-US" altLang="ko-KR" dirty="0"/>
+          </a:p>
+          <a:p>
+            <a:endParaRPr lang="en-US" altLang="ko-KR" dirty="0"/>
+          </a:p>
+        </p:txBody>
+      </p:sp>
+      <p:pic>
+        <p:nvPicPr>
+          <p:cNvPr id="3" name="그림 2">
+            <a:extLst>
+              <a:ext uri="{FF2B5EF4-FFF2-40B4-BE49-F238E27FC236}">
+                <a16:creationId xmlns:a16="http://schemas.microsoft.com/office/drawing/2014/main" id="{334361F3-C670-4737-891D-9673EF3D35B2}"/>
+              </a:ext>
+            </a:extLst>
+          </p:cNvPr>
+          <p:cNvPicPr>
+            <a:picLocks noChangeAspect="1"/>
+          </p:cNvPicPr>
+          <p:nvPr/>
+        </p:nvPicPr>
+        <p:blipFill>
+          <a:blip r:embed="rId2"/>
+          <a:stretch>
+            <a:fillRect/>
+          </a:stretch>
+        </p:blipFill>
+        <p:spPr>
+          <a:xfrm>
+            <a:off x="1416555" y="2063149"/>
+            <a:ext cx="5781675" cy="4848225"/>
+          </a:xfrm>
+          <a:prstGeom prst="rect">
+            <a:avLst/>
+          </a:prstGeom>
+        </p:spPr>
+      </p:pic>
+    </p:spTree>
+    <p:extLst>
+      <p:ext uri="{BB962C8B-B14F-4D97-AF65-F5344CB8AC3E}">
+        <p14:creationId xmlns:p14="http://schemas.microsoft.com/office/powerpoint/2010/main" val="615519845"/>
+      </p:ext>
+    </p:extLst>
+  </p:cSld>
+  <p:clrMapOvr>
+    <a:masterClrMapping/>
+  </p:clrMapOvr>
+</p:sld>
+</file>
+
+<file path=ppt/slides/slide11.xml><?xml version="1.0" encoding="utf-8"?>
+<p:sld xmlns:a="http://schemas.openxmlformats.org/drawingml/2006/main" xmlns:r="http://schemas.openxmlformats.org/officeDocument/2006/relationships" xmlns:p="http://schemas.openxmlformats.org/presentationml/2006/main">
+  <p:cSld>
+    <p:spTree>
+      <p:nvGrpSpPr>
+        <p:cNvPr id="1" name=""/>
+        <p:cNvGrpSpPr/>
+        <p:nvPr/>
+      </p:nvGrpSpPr>
+      <p:grpSpPr>
+        <a:xfrm>
+          <a:off x="0" y="0"/>
+          <a:ext cx="0" cy="0"/>
+          <a:chOff x="0" y="0"/>
+          <a:chExt cx="0" cy="0"/>
+        </a:xfrm>
+      </p:grpSpPr>
+      <p:sp>
+        <p:nvSpPr>
+          <p:cNvPr id="4" name="TextBox 3">
+            <a:extLst>
+              <a:ext uri="{FF2B5EF4-FFF2-40B4-BE49-F238E27FC236}">
+                <a16:creationId xmlns:a16="http://schemas.microsoft.com/office/drawing/2014/main" id="{B2CC801F-6CAB-4E55-88BB-022194A88274}"/>
+              </a:ext>
+            </a:extLst>
+          </p:cNvPr>
+          <p:cNvSpPr txBox="1"/>
+          <p:nvPr/>
+        </p:nvSpPr>
+        <p:spPr>
+          <a:xfrm>
+            <a:off x="1332412" y="566727"/>
+            <a:ext cx="7715795" cy="923330"/>
+          </a:xfrm>
+          <a:prstGeom prst="rect">
+            <a:avLst/>
+          </a:prstGeom>
+          <a:noFill/>
+        </p:spPr>
+        <p:txBody>
+          <a:bodyPr wrap="square" rtlCol="0">
+            <a:spAutoFit/>
+          </a:bodyPr>
+          <a:lstStyle/>
+          <a:p>
+            <a:r>
+              <a:rPr lang="ko-KR" altLang="en-US" dirty="0" err="1">
+                <a:latin typeface="한컴 윤고딕 250" panose="02020603020101020101" pitchFamily="18" charset="-127"/>
+                <a:ea typeface="한컴 윤고딕 250" panose="02020603020101020101" pitchFamily="18" charset="-127"/>
+              </a:rPr>
+              <a:t>메인화면</a:t>
+            </a:r>
+            <a:r>
+              <a:rPr lang="en-US" altLang="ko-KR" dirty="0">
+                <a:latin typeface="한컴 윤고딕 250" panose="02020603020101020101" pitchFamily="18" charset="-127"/>
+                <a:ea typeface="한컴 윤고딕 250" panose="02020603020101020101" pitchFamily="18" charset="-127"/>
+              </a:rPr>
+              <a:t>(INSERT)</a:t>
+            </a:r>
+          </a:p>
+          <a:p>
+            <a:endParaRPr lang="en-US" altLang="ko-KR" dirty="0">
+              <a:latin typeface="한컴 윤고딕 250" panose="02020603020101020101" pitchFamily="18" charset="-127"/>
+              <a:ea typeface="한컴 윤고딕 250" panose="02020603020101020101" pitchFamily="18" charset="-127"/>
+            </a:endParaRPr>
+          </a:p>
+          <a:p>
+            <a:endParaRPr lang="en-US" altLang="ko-KR" dirty="0">
+              <a:latin typeface="한컴 윤고딕 250" panose="02020603020101020101" pitchFamily="18" charset="-127"/>
+              <a:ea typeface="한컴 윤고딕 250" panose="02020603020101020101" pitchFamily="18" charset="-127"/>
+            </a:endParaRPr>
+          </a:p>
+        </p:txBody>
+      </p:sp>
+      <p:sp>
+        <p:nvSpPr>
+          <p:cNvPr id="2" name="TextBox 1">
+            <a:extLst>
+              <a:ext uri="{FF2B5EF4-FFF2-40B4-BE49-F238E27FC236}">
+                <a16:creationId xmlns:a16="http://schemas.microsoft.com/office/drawing/2014/main" id="{32999FB5-5009-42D4-81D4-0E738E543E2B}"/>
+              </a:ext>
+            </a:extLst>
+          </p:cNvPr>
+          <p:cNvSpPr txBox="1"/>
+          <p:nvPr/>
+        </p:nvSpPr>
+        <p:spPr>
+          <a:xfrm>
+            <a:off x="1858945" y="1416818"/>
+            <a:ext cx="5948624" cy="646331"/>
+          </a:xfrm>
+          <a:prstGeom prst="rect">
+            <a:avLst/>
+          </a:prstGeom>
+          <a:noFill/>
+        </p:spPr>
+        <p:txBody>
+          <a:bodyPr wrap="square" rtlCol="0">
+            <a:spAutoFit/>
+          </a:bodyPr>
+          <a:lstStyle/>
+          <a:p>
+            <a:r>
+              <a:rPr lang="en-US" altLang="ko-KR" dirty="0"/>
               <a:t>3. </a:t>
             </a:r>
             <a:r>
@@ -4087,12 +4253,298 @@
           </a:prstGeom>
         </p:spPr>
       </p:pic>
+    </p:spTree>
+    <p:extLst>
+      <p:ext uri="{BB962C8B-B14F-4D97-AF65-F5344CB8AC3E}">
+        <p14:creationId xmlns:p14="http://schemas.microsoft.com/office/powerpoint/2010/main" val="3289668812"/>
+      </p:ext>
+    </p:extLst>
+  </p:cSld>
+  <p:clrMapOvr>
+    <a:masterClrMapping/>
+  </p:clrMapOvr>
+</p:sld>
+</file>
+
+<file path=ppt/slides/slide12.xml><?xml version="1.0" encoding="utf-8"?>
+<p:sld xmlns:a="http://schemas.openxmlformats.org/drawingml/2006/main" xmlns:r="http://schemas.openxmlformats.org/officeDocument/2006/relationships" xmlns:p="http://schemas.openxmlformats.org/presentationml/2006/main">
+  <p:cSld>
+    <p:spTree>
+      <p:nvGrpSpPr>
+        <p:cNvPr id="1" name=""/>
+        <p:cNvGrpSpPr/>
+        <p:nvPr/>
+      </p:nvGrpSpPr>
+      <p:grpSpPr>
+        <a:xfrm>
+          <a:off x="0" y="0"/>
+          <a:ext cx="0" cy="0"/>
+          <a:chOff x="0" y="0"/>
+          <a:chExt cx="0" cy="0"/>
+        </a:xfrm>
+      </p:grpSpPr>
+      <p:sp>
+        <p:nvSpPr>
+          <p:cNvPr id="4" name="TextBox 3">
+            <a:extLst>
+              <a:ext uri="{FF2B5EF4-FFF2-40B4-BE49-F238E27FC236}">
+                <a16:creationId xmlns:a16="http://schemas.microsoft.com/office/drawing/2014/main" id="{B2CC801F-6CAB-4E55-88BB-022194A88274}"/>
+              </a:ext>
+            </a:extLst>
+          </p:cNvPr>
+          <p:cNvSpPr txBox="1"/>
+          <p:nvPr/>
+        </p:nvSpPr>
+        <p:spPr>
+          <a:xfrm>
+            <a:off x="1332412" y="566727"/>
+            <a:ext cx="7715795" cy="923330"/>
+          </a:xfrm>
+          <a:prstGeom prst="rect">
+            <a:avLst/>
+          </a:prstGeom>
+          <a:noFill/>
+        </p:spPr>
+        <p:txBody>
+          <a:bodyPr wrap="square" rtlCol="0">
+            <a:spAutoFit/>
+          </a:bodyPr>
+          <a:lstStyle/>
+          <a:p>
+            <a:r>
+              <a:rPr lang="en-US" altLang="ko-KR" dirty="0">
+                <a:latin typeface="한컴 윤고딕 250" panose="02020603020101020101" pitchFamily="18" charset="-127"/>
+                <a:ea typeface="한컴 윤고딕 250" panose="02020603020101020101" pitchFamily="18" charset="-127"/>
+              </a:rPr>
+              <a:t>HOW TO solve?</a:t>
+            </a:r>
+          </a:p>
+          <a:p>
+            <a:endParaRPr lang="en-US" altLang="ko-KR" dirty="0">
+              <a:latin typeface="한컴 윤고딕 250" panose="02020603020101020101" pitchFamily="18" charset="-127"/>
+              <a:ea typeface="한컴 윤고딕 250" panose="02020603020101020101" pitchFamily="18" charset="-127"/>
+            </a:endParaRPr>
+          </a:p>
+          <a:p>
+            <a:endParaRPr lang="en-US" altLang="ko-KR" dirty="0">
+              <a:latin typeface="한컴 윤고딕 250" panose="02020603020101020101" pitchFamily="18" charset="-127"/>
+              <a:ea typeface="한컴 윤고딕 250" panose="02020603020101020101" pitchFamily="18" charset="-127"/>
+            </a:endParaRPr>
+          </a:p>
+        </p:txBody>
+      </p:sp>
+      <p:sp>
+        <p:nvSpPr>
+          <p:cNvPr id="2" name="TextBox 1">
+            <a:extLst>
+              <a:ext uri="{FF2B5EF4-FFF2-40B4-BE49-F238E27FC236}">
+                <a16:creationId xmlns:a16="http://schemas.microsoft.com/office/drawing/2014/main" id="{32999FB5-5009-42D4-81D4-0E738E543E2B}"/>
+              </a:ext>
+            </a:extLst>
+          </p:cNvPr>
+          <p:cNvSpPr txBox="1"/>
+          <p:nvPr/>
+        </p:nvSpPr>
+        <p:spPr>
+          <a:xfrm>
+            <a:off x="1768510" y="1093652"/>
+            <a:ext cx="5948624" cy="369332"/>
+          </a:xfrm>
+          <a:prstGeom prst="rect">
+            <a:avLst/>
+          </a:prstGeom>
+          <a:noFill/>
+        </p:spPr>
+        <p:txBody>
+          <a:bodyPr wrap="square" rtlCol="0">
+            <a:spAutoFit/>
+          </a:bodyPr>
+          <a:lstStyle/>
+          <a:p>
+            <a:r>
+              <a:rPr lang="ko-KR" altLang="en-US" dirty="0">
+                <a:latin typeface="한컴 윤고딕 250" panose="02020603020101020101" pitchFamily="18" charset="-127"/>
+                <a:ea typeface="한컴 윤고딕 250" panose="02020603020101020101" pitchFamily="18" charset="-127"/>
+              </a:rPr>
+              <a:t>그룹별 </a:t>
+            </a:r>
+            <a:r>
+              <a:rPr lang="ko-KR" altLang="en-US" dirty="0" err="1">
+                <a:latin typeface="한컴 윤고딕 250" panose="02020603020101020101" pitchFamily="18" charset="-127"/>
+                <a:ea typeface="한컴 윤고딕 250" panose="02020603020101020101" pitchFamily="18" charset="-127"/>
+              </a:rPr>
+              <a:t>인원표</a:t>
+            </a:r>
+            <a:r>
+              <a:rPr lang="ko-KR" altLang="en-US" dirty="0">
+                <a:latin typeface="한컴 윤고딕 250" panose="02020603020101020101" pitchFamily="18" charset="-127"/>
+                <a:ea typeface="한컴 윤고딕 250" panose="02020603020101020101" pitchFamily="18" charset="-127"/>
+              </a:rPr>
+              <a:t> </a:t>
+            </a:r>
+            <a:r>
+              <a:rPr lang="ko-KR" altLang="en-US" dirty="0" err="1">
+                <a:latin typeface="한컴 윤고딕 250" panose="02020603020101020101" pitchFamily="18" charset="-127"/>
+                <a:ea typeface="한컴 윤고딕 250" panose="02020603020101020101" pitchFamily="18" charset="-127"/>
+              </a:rPr>
+              <a:t>만들예정</a:t>
+            </a:r>
+            <a:endParaRPr lang="en-US" altLang="ko-KR" dirty="0">
+              <a:latin typeface="한컴 윤고딕 250" panose="02020603020101020101" pitchFamily="18" charset="-127"/>
+              <a:ea typeface="한컴 윤고딕 250" panose="02020603020101020101" pitchFamily="18" charset="-127"/>
+            </a:endParaRPr>
+          </a:p>
+        </p:txBody>
+      </p:sp>
       <p:pic>
         <p:nvPicPr>
-          <p:cNvPr id="6" name="그림 5">
+          <p:cNvPr id="3" name="그림 2">
             <a:extLst>
               <a:ext uri="{FF2B5EF4-FFF2-40B4-BE49-F238E27FC236}">
-                <a16:creationId xmlns:a16="http://schemas.microsoft.com/office/drawing/2014/main" id="{79447C8B-4649-4EFB-9B55-BE0BA84F66B1}"/>
+                <a16:creationId xmlns:a16="http://schemas.microsoft.com/office/drawing/2014/main" id="{334361F3-C670-4737-891D-9673EF3D35B2}"/>
+              </a:ext>
+            </a:extLst>
+          </p:cNvPr>
+          <p:cNvPicPr>
+            <a:picLocks noChangeAspect="1"/>
+          </p:cNvPicPr>
+          <p:nvPr/>
+        </p:nvPicPr>
+        <p:blipFill>
+          <a:blip r:embed="rId2"/>
+          <a:stretch>
+            <a:fillRect/>
+          </a:stretch>
+        </p:blipFill>
+        <p:spPr>
+          <a:xfrm>
+            <a:off x="1332412" y="1490057"/>
+            <a:ext cx="5781675" cy="4848225"/>
+          </a:xfrm>
+          <a:prstGeom prst="rect">
+            <a:avLst/>
+          </a:prstGeom>
+        </p:spPr>
+      </p:pic>
+      <p:sp>
+        <p:nvSpPr>
+          <p:cNvPr id="5" name="화살표: 오른쪽 4">
+            <a:extLst>
+              <a:ext uri="{FF2B5EF4-FFF2-40B4-BE49-F238E27FC236}">
+                <a16:creationId xmlns:a16="http://schemas.microsoft.com/office/drawing/2014/main" id="{A4A47B1F-9134-4802-B0E4-042C403A0914}"/>
+              </a:ext>
+            </a:extLst>
+          </p:cNvPr>
+          <p:cNvSpPr/>
+          <p:nvPr/>
+        </p:nvSpPr>
+        <p:spPr>
+          <a:xfrm>
+            <a:off x="2250977" y="4029390"/>
+            <a:ext cx="5466157" cy="542610"/>
+          </a:xfrm>
+          <a:prstGeom prst="rightArrow">
+            <a:avLst/>
+          </a:prstGeom>
+          <a:noFill/>
+          <a:ln>
+            <a:solidFill>
+              <a:srgbClr val="FF0000"/>
+            </a:solidFill>
+          </a:ln>
+        </p:spPr>
+        <p:style>
+          <a:lnRef idx="2">
+            <a:schemeClr val="accent1">
+              <a:shade val="50000"/>
+            </a:schemeClr>
+          </a:lnRef>
+          <a:fillRef idx="1">
+            <a:schemeClr val="accent1"/>
+          </a:fillRef>
+          <a:effectRef idx="0">
+            <a:schemeClr val="accent1"/>
+          </a:effectRef>
+          <a:fontRef idx="minor">
+            <a:schemeClr val="lt1"/>
+          </a:fontRef>
+        </p:style>
+        <p:txBody>
+          <a:bodyPr rtlCol="0" anchor="ctr"/>
+          <a:lstStyle/>
+          <a:p>
+            <a:pPr algn="ctr"/>
+            <a:endParaRPr lang="ko-KR" altLang="en-US"/>
+          </a:p>
+        </p:txBody>
+      </p:sp>
+      <p:sp>
+        <p:nvSpPr>
+          <p:cNvPr id="6" name="TextBox 5">
+            <a:extLst>
+              <a:ext uri="{FF2B5EF4-FFF2-40B4-BE49-F238E27FC236}">
+                <a16:creationId xmlns:a16="http://schemas.microsoft.com/office/drawing/2014/main" id="{26446B1C-587B-4827-9EB8-97B6CA01342B}"/>
+              </a:ext>
+            </a:extLst>
+          </p:cNvPr>
+          <p:cNvSpPr txBox="1"/>
+          <p:nvPr/>
+        </p:nvSpPr>
+        <p:spPr>
+          <a:xfrm>
+            <a:off x="2519532" y="4478493"/>
+            <a:ext cx="4109775" cy="369332"/>
+          </a:xfrm>
+          <a:prstGeom prst="rect">
+            <a:avLst/>
+          </a:prstGeom>
+          <a:noFill/>
+        </p:spPr>
+        <p:txBody>
+          <a:bodyPr wrap="square" rtlCol="0">
+            <a:spAutoFit/>
+          </a:bodyPr>
+          <a:lstStyle/>
+          <a:p>
+            <a:r>
+              <a:rPr lang="ko-KR" altLang="en-US" dirty="0">
+                <a:solidFill>
+                  <a:srgbClr val="FF0000"/>
+                </a:solidFill>
+                <a:latin typeface="한컴 윤고딕 230" panose="02020603020101020101" pitchFamily="18" charset="-127"/>
+                <a:ea typeface="한컴 윤고딕 230" panose="02020603020101020101" pitchFamily="18" charset="-127"/>
+              </a:rPr>
+              <a:t>클릭하면 해당 그룹 </a:t>
+            </a:r>
+            <a:r>
+              <a:rPr lang="ko-KR" altLang="en-US" dirty="0" err="1">
+                <a:solidFill>
+                  <a:srgbClr val="FF0000"/>
+                </a:solidFill>
+                <a:latin typeface="한컴 윤고딕 230" panose="02020603020101020101" pitchFamily="18" charset="-127"/>
+                <a:ea typeface="한컴 윤고딕 230" panose="02020603020101020101" pitchFamily="18" charset="-127"/>
+              </a:rPr>
+              <a:t>인원표</a:t>
+            </a:r>
+            <a:r>
+              <a:rPr lang="ko-KR" altLang="en-US" dirty="0">
+                <a:solidFill>
+                  <a:srgbClr val="FF0000"/>
+                </a:solidFill>
+                <a:latin typeface="한컴 윤고딕 230" panose="02020603020101020101" pitchFamily="18" charset="-127"/>
+                <a:ea typeface="한컴 윤고딕 230" panose="02020603020101020101" pitchFamily="18" charset="-127"/>
+              </a:rPr>
+              <a:t> 나오게</a:t>
+            </a:r>
+          </a:p>
+        </p:txBody>
+      </p:sp>
+      <p:pic>
+        <p:nvPicPr>
+          <p:cNvPr id="7" name="그림 6">
+            <a:extLst>
+              <a:ext uri="{FF2B5EF4-FFF2-40B4-BE49-F238E27FC236}">
+                <a16:creationId xmlns:a16="http://schemas.microsoft.com/office/drawing/2014/main" id="{16EFF8A4-0FDB-4CED-93A1-574A30226405}"/>
               </a:ext>
             </a:extLst>
           </p:cNvPr>
@@ -4109,7 +4561,143 @@
         </p:blipFill>
         <p:spPr>
           <a:xfrm>
-            <a:off x="6029325" y="1284105"/>
+            <a:off x="8497388" y="2959689"/>
+            <a:ext cx="2362200" cy="2314575"/>
+          </a:xfrm>
+          <a:prstGeom prst="rect">
+            <a:avLst/>
+          </a:prstGeom>
+        </p:spPr>
+      </p:pic>
+    </p:spTree>
+    <p:extLst>
+      <p:ext uri="{BB962C8B-B14F-4D97-AF65-F5344CB8AC3E}">
+        <p14:creationId xmlns:p14="http://schemas.microsoft.com/office/powerpoint/2010/main" val="56112283"/>
+      </p:ext>
+    </p:extLst>
+  </p:cSld>
+  <p:clrMapOvr>
+    <a:masterClrMapping/>
+  </p:clrMapOvr>
+</p:sld>
+</file>
+
+<file path=ppt/slides/slide13.xml><?xml version="1.0" encoding="utf-8"?>
+<p:sld xmlns:a="http://schemas.openxmlformats.org/drawingml/2006/main" xmlns:r="http://schemas.openxmlformats.org/officeDocument/2006/relationships" xmlns:p="http://schemas.openxmlformats.org/presentationml/2006/main">
+  <p:cSld>
+    <p:spTree>
+      <p:nvGrpSpPr>
+        <p:cNvPr id="1" name=""/>
+        <p:cNvGrpSpPr/>
+        <p:nvPr/>
+      </p:nvGrpSpPr>
+      <p:grpSpPr>
+        <a:xfrm>
+          <a:off x="0" y="0"/>
+          <a:ext cx="0" cy="0"/>
+          <a:chOff x="0" y="0"/>
+          <a:chExt cx="0" cy="0"/>
+        </a:xfrm>
+      </p:grpSpPr>
+      <p:sp>
+        <p:nvSpPr>
+          <p:cNvPr id="4" name="TextBox 3">
+            <a:extLst>
+              <a:ext uri="{FF2B5EF4-FFF2-40B4-BE49-F238E27FC236}">
+                <a16:creationId xmlns:a16="http://schemas.microsoft.com/office/drawing/2014/main" id="{B2CC801F-6CAB-4E55-88BB-022194A88274}"/>
+              </a:ext>
+            </a:extLst>
+          </p:cNvPr>
+          <p:cNvSpPr txBox="1"/>
+          <p:nvPr/>
+        </p:nvSpPr>
+        <p:spPr>
+          <a:xfrm>
+            <a:off x="1332412" y="566727"/>
+            <a:ext cx="7715795" cy="646331"/>
+          </a:xfrm>
+          <a:prstGeom prst="rect">
+            <a:avLst/>
+          </a:prstGeom>
+          <a:noFill/>
+        </p:spPr>
+        <p:txBody>
+          <a:bodyPr wrap="square" rtlCol="0">
+            <a:spAutoFit/>
+          </a:bodyPr>
+          <a:lstStyle/>
+          <a:p>
+            <a:r>
+              <a:rPr lang="en-US" altLang="ko-KR" dirty="0">
+                <a:latin typeface="한컴 윤고딕 250" panose="02020603020101020101" pitchFamily="18" charset="-127"/>
+                <a:ea typeface="한컴 윤고딕 250" panose="02020603020101020101" pitchFamily="18" charset="-127"/>
+              </a:rPr>
+              <a:t>How to solve?</a:t>
+            </a:r>
+          </a:p>
+          <a:p>
+            <a:endParaRPr lang="en-US" altLang="ko-KR" dirty="0">
+              <a:latin typeface="한컴 윤고딕 250" panose="02020603020101020101" pitchFamily="18" charset="-127"/>
+              <a:ea typeface="한컴 윤고딕 250" panose="02020603020101020101" pitchFamily="18" charset="-127"/>
+            </a:endParaRPr>
+          </a:p>
+        </p:txBody>
+      </p:sp>
+      <p:sp>
+        <p:nvSpPr>
+          <p:cNvPr id="3" name="TextBox 2">
+            <a:extLst>
+              <a:ext uri="{FF2B5EF4-FFF2-40B4-BE49-F238E27FC236}">
+                <a16:creationId xmlns:a16="http://schemas.microsoft.com/office/drawing/2014/main" id="{5645C1BE-CAD2-46D4-BA4F-7B53F74796D0}"/>
+              </a:ext>
+            </a:extLst>
+          </p:cNvPr>
+          <p:cNvSpPr txBox="1"/>
+          <p:nvPr/>
+        </p:nvSpPr>
+        <p:spPr>
+          <a:xfrm>
+            <a:off x="1959429" y="2220686"/>
+            <a:ext cx="6782637" cy="369332"/>
+          </a:xfrm>
+          <a:prstGeom prst="rect">
+            <a:avLst/>
+          </a:prstGeom>
+          <a:noFill/>
+        </p:spPr>
+        <p:txBody>
+          <a:bodyPr wrap="square" rtlCol="0">
+            <a:spAutoFit/>
+          </a:bodyPr>
+          <a:lstStyle/>
+          <a:p>
+            <a:endParaRPr lang="ko-KR" altLang="en-US" dirty="0"/>
+          </a:p>
+        </p:txBody>
+      </p:sp>
+      <p:pic>
+        <p:nvPicPr>
+          <p:cNvPr id="6" name="그림 5">
+            <a:extLst>
+              <a:ext uri="{FF2B5EF4-FFF2-40B4-BE49-F238E27FC236}">
+                <a16:creationId xmlns:a16="http://schemas.microsoft.com/office/drawing/2014/main" id="{79447C8B-4649-4EFB-9B55-BE0BA84F66B1}"/>
+              </a:ext>
+            </a:extLst>
+          </p:cNvPr>
+          <p:cNvPicPr>
+            <a:picLocks noChangeAspect="1"/>
+          </p:cNvPicPr>
+          <p:nvPr/>
+        </p:nvPicPr>
+        <p:blipFill>
+          <a:blip r:embed="rId2"/>
+          <a:stretch>
+            <a:fillRect/>
+          </a:stretch>
+        </p:blipFill>
+        <p:spPr>
+          <a:xfrm>
+            <a:off x="1332412" y="1641156"/>
             <a:ext cx="5010150" cy="4429125"/>
           </a:xfrm>
           <a:prstGeom prst="rect">
@@ -4131,7 +4719,7 @@
         </p:nvSpPr>
         <p:spPr>
           <a:xfrm>
-            <a:off x="7890740" y="3944817"/>
+            <a:off x="6683828" y="341621"/>
             <a:ext cx="2969623" cy="646331"/>
           </a:xfrm>
           <a:prstGeom prst="rect">
@@ -4153,6 +4741,10 @@
               <a:rPr lang="ko-KR" altLang="en-US" dirty="0" err="1"/>
               <a:t>안들어가고</a:t>
             </a:r>
+            <a:r>
+              <a:rPr lang="ko-KR" altLang="en-US" dirty="0"/>
+              <a:t> </a:t>
+            </a:r>
             <a:endParaRPr lang="en-US" altLang="ko-KR" dirty="0"/>
           </a:p>
           <a:p>
@@ -4169,13 +4761,470 @@
               <a:t>안들어가게</a:t>
             </a:r>
             <a:endParaRPr lang="ko-KR" altLang="en-US" dirty="0"/>
+          </a:p>
+        </p:txBody>
+      </p:sp>
+      <p:sp>
+        <p:nvSpPr>
+          <p:cNvPr id="8" name="TextBox 7">
+            <a:extLst>
+              <a:ext uri="{FF2B5EF4-FFF2-40B4-BE49-F238E27FC236}">
+                <a16:creationId xmlns:a16="http://schemas.microsoft.com/office/drawing/2014/main" id="{D25E0508-E9F9-48E7-AD42-90432FDDE560}"/>
+              </a:ext>
+            </a:extLst>
+          </p:cNvPr>
+          <p:cNvSpPr txBox="1"/>
+          <p:nvPr/>
+        </p:nvSpPr>
+        <p:spPr>
+          <a:xfrm>
+            <a:off x="6611983" y="1297356"/>
+            <a:ext cx="5865222" cy="923330"/>
+          </a:xfrm>
+          <a:prstGeom prst="rect">
+            <a:avLst/>
+          </a:prstGeom>
+          <a:noFill/>
+        </p:spPr>
+        <p:txBody>
+          <a:bodyPr wrap="square" rtlCol="0">
+            <a:spAutoFit/>
+          </a:bodyPr>
+          <a:lstStyle/>
+          <a:p>
+            <a:r>
+              <a:rPr lang="en-US" altLang="ko-KR" dirty="0">
+                <a:solidFill>
+                  <a:srgbClr val="FF0000"/>
+                </a:solidFill>
+                <a:latin typeface="한컴 윤고딕 230" panose="02020603020101020101" pitchFamily="18" charset="-127"/>
+                <a:ea typeface="한컴 윤고딕 230" panose="02020603020101020101" pitchFamily="18" charset="-127"/>
+              </a:rPr>
+              <a:t>SQL </a:t>
+            </a:r>
+            <a:r>
+              <a:rPr lang="ko-KR" altLang="en-US" dirty="0">
+                <a:solidFill>
+                  <a:srgbClr val="FF0000"/>
+                </a:solidFill>
+                <a:latin typeface="한컴 윤고딕 230" panose="02020603020101020101" pitchFamily="18" charset="-127"/>
+                <a:ea typeface="한컴 윤고딕 230" panose="02020603020101020101" pitchFamily="18" charset="-127"/>
+              </a:rPr>
+              <a:t>속성 변경</a:t>
+            </a:r>
+            <a:endParaRPr lang="en-US" altLang="ko-KR" dirty="0">
+              <a:solidFill>
+                <a:srgbClr val="FF0000"/>
+              </a:solidFill>
+              <a:latin typeface="한컴 윤고딕 230" panose="02020603020101020101" pitchFamily="18" charset="-127"/>
+              <a:ea typeface="한컴 윤고딕 230" panose="02020603020101020101" pitchFamily="18" charset="-127"/>
+            </a:endParaRPr>
+          </a:p>
+          <a:p>
+            <a:r>
+              <a:rPr lang="en-US" altLang="ko-KR" dirty="0">
+                <a:solidFill>
+                  <a:srgbClr val="FF0000"/>
+                </a:solidFill>
+                <a:latin typeface="한컴 윤고딕 230" panose="02020603020101020101" pitchFamily="18" charset="-127"/>
+                <a:ea typeface="한컴 윤고딕 230" panose="02020603020101020101" pitchFamily="18" charset="-127"/>
+              </a:rPr>
+              <a:t>? </a:t>
+            </a:r>
+            <a:r>
+              <a:rPr lang="en-US" altLang="ko-KR" dirty="0" err="1">
+                <a:solidFill>
+                  <a:srgbClr val="FF0000"/>
+                </a:solidFill>
+                <a:latin typeface="한컴 윤고딕 230" panose="02020603020101020101" pitchFamily="18" charset="-127"/>
+                <a:ea typeface="한컴 윤고딕 230" panose="02020603020101020101" pitchFamily="18" charset="-127"/>
+              </a:rPr>
+              <a:t>Group_name</a:t>
+            </a:r>
+            <a:r>
+              <a:rPr lang="ko-KR" altLang="en-US" dirty="0">
+                <a:solidFill>
+                  <a:srgbClr val="FF0000"/>
+                </a:solidFill>
+                <a:latin typeface="한컴 윤고딕 230" panose="02020603020101020101" pitchFamily="18" charset="-127"/>
+                <a:ea typeface="한컴 윤고딕 230" panose="02020603020101020101" pitchFamily="18" charset="-127"/>
+              </a:rPr>
+              <a:t>이 중복 안되기 위해 </a:t>
+            </a:r>
+            <a:r>
+              <a:rPr lang="en-US" altLang="ko-KR" dirty="0">
+                <a:solidFill>
+                  <a:srgbClr val="FF0000"/>
+                </a:solidFill>
+                <a:latin typeface="한컴 윤고딕 230" panose="02020603020101020101" pitchFamily="18" charset="-127"/>
+                <a:ea typeface="한컴 윤고딕 230" panose="02020603020101020101" pitchFamily="18" charset="-127"/>
+              </a:rPr>
+              <a:t>primary key</a:t>
+            </a:r>
+            <a:r>
+              <a:rPr lang="ko-KR" altLang="en-US" dirty="0">
+                <a:solidFill>
+                  <a:srgbClr val="FF0000"/>
+                </a:solidFill>
+                <a:latin typeface="한컴 윤고딕 230" panose="02020603020101020101" pitchFamily="18" charset="-127"/>
+                <a:ea typeface="한컴 윤고딕 230" panose="02020603020101020101" pitchFamily="18" charset="-127"/>
+              </a:rPr>
+              <a:t>를 </a:t>
+            </a:r>
+            <a:r>
+              <a:rPr lang="ko-KR" altLang="en-US" dirty="0" err="1">
+                <a:solidFill>
+                  <a:srgbClr val="FF0000"/>
+                </a:solidFill>
+                <a:latin typeface="한컴 윤고딕 230" panose="02020603020101020101" pitchFamily="18" charset="-127"/>
+                <a:ea typeface="한컴 윤고딕 230" panose="02020603020101020101" pitchFamily="18" charset="-127"/>
+              </a:rPr>
+              <a:t>설정시켜주려</a:t>
+            </a:r>
+            <a:r>
+              <a:rPr lang="ko-KR" altLang="en-US" dirty="0">
+                <a:solidFill>
+                  <a:srgbClr val="FF0000"/>
+                </a:solidFill>
+                <a:latin typeface="한컴 윤고딕 230" panose="02020603020101020101" pitchFamily="18" charset="-127"/>
+                <a:ea typeface="한컴 윤고딕 230" panose="02020603020101020101" pitchFamily="18" charset="-127"/>
+              </a:rPr>
+              <a:t> 했지만 오류 발생</a:t>
+            </a:r>
+          </a:p>
+        </p:txBody>
+      </p:sp>
+      <p:sp>
+        <p:nvSpPr>
+          <p:cNvPr id="9" name="화살표: 오른쪽 8">
+            <a:extLst>
+              <a:ext uri="{FF2B5EF4-FFF2-40B4-BE49-F238E27FC236}">
+                <a16:creationId xmlns:a16="http://schemas.microsoft.com/office/drawing/2014/main" id="{6D8B0AC6-D1B3-4C67-8205-F3064E4A4BFD}"/>
+              </a:ext>
+            </a:extLst>
+          </p:cNvPr>
+          <p:cNvSpPr/>
+          <p:nvPr/>
+        </p:nvSpPr>
+        <p:spPr>
+          <a:xfrm>
+            <a:off x="2716070" y="4408267"/>
+            <a:ext cx="3763107" cy="542610"/>
+          </a:xfrm>
+          <a:prstGeom prst="rightArrow">
+            <a:avLst/>
+          </a:prstGeom>
+          <a:noFill/>
+          <a:ln>
+            <a:solidFill>
+              <a:srgbClr val="FF0000"/>
+            </a:solidFill>
+          </a:ln>
+        </p:spPr>
+        <p:style>
+          <a:lnRef idx="2">
+            <a:schemeClr val="accent1">
+              <a:shade val="50000"/>
+            </a:schemeClr>
+          </a:lnRef>
+          <a:fillRef idx="1">
+            <a:schemeClr val="accent1"/>
+          </a:fillRef>
+          <a:effectRef idx="0">
+            <a:schemeClr val="accent1"/>
+          </a:effectRef>
+          <a:fontRef idx="minor">
+            <a:schemeClr val="lt1"/>
+          </a:fontRef>
+        </p:style>
+        <p:txBody>
+          <a:bodyPr rtlCol="0" anchor="ctr"/>
+          <a:lstStyle/>
+          <a:p>
+            <a:pPr algn="ctr"/>
+            <a:endParaRPr lang="ko-KR" altLang="en-US"/>
+          </a:p>
+        </p:txBody>
+      </p:sp>
+      <p:sp>
+        <p:nvSpPr>
+          <p:cNvPr id="10" name="직사각형 9">
+            <a:extLst>
+              <a:ext uri="{FF2B5EF4-FFF2-40B4-BE49-F238E27FC236}">
+                <a16:creationId xmlns:a16="http://schemas.microsoft.com/office/drawing/2014/main" id="{FDF37AB6-9968-4228-8656-02DB59DAEC7A}"/>
+              </a:ext>
+            </a:extLst>
+          </p:cNvPr>
+          <p:cNvSpPr/>
+          <p:nvPr/>
+        </p:nvSpPr>
+        <p:spPr>
+          <a:xfrm>
+            <a:off x="6611983" y="2590018"/>
+            <a:ext cx="6096000" cy="1477328"/>
+          </a:xfrm>
+          <a:prstGeom prst="rect">
+            <a:avLst/>
+          </a:prstGeom>
+        </p:spPr>
+        <p:txBody>
+          <a:bodyPr>
+            <a:spAutoFit/>
+          </a:bodyPr>
+          <a:lstStyle/>
+          <a:p>
+            <a:r>
+              <a:rPr lang="ko-KR" altLang="en-US" dirty="0">
+                <a:solidFill>
+                  <a:srgbClr val="FF0000"/>
+                </a:solidFill>
+                <a:latin typeface="Dotum" panose="020B0600000101010101" pitchFamily="50" charset="-127"/>
+                <a:ea typeface="Dotum" panose="020B0600000101010101" pitchFamily="50" charset="-127"/>
+              </a:rPr>
+              <a:t>프라이머리키</a:t>
+            </a:r>
+            <a:r>
+              <a:rPr lang="en-US" altLang="ko-KR" dirty="0">
+                <a:solidFill>
+                  <a:srgbClr val="FF0000"/>
+                </a:solidFill>
+                <a:latin typeface="Dotum" panose="020B0600000101010101" pitchFamily="50" charset="-127"/>
+                <a:ea typeface="Dotum" panose="020B0600000101010101" pitchFamily="50" charset="-127"/>
+              </a:rPr>
+              <a:t>(PK)</a:t>
+            </a:r>
+            <a:r>
+              <a:rPr lang="ko-KR" altLang="en-US" dirty="0">
+                <a:solidFill>
+                  <a:srgbClr val="FF0000"/>
+                </a:solidFill>
+                <a:latin typeface="Dotum" panose="020B0600000101010101" pitchFamily="50" charset="-127"/>
+                <a:ea typeface="Dotum" panose="020B0600000101010101" pitchFamily="50" charset="-127"/>
+              </a:rPr>
+              <a:t>를 변경시키기 위해서는 </a:t>
+            </a:r>
+            <a:br>
+              <a:rPr lang="ko-KR" altLang="en-US" dirty="0">
+                <a:solidFill>
+                  <a:srgbClr val="FF0000"/>
+                </a:solidFill>
+              </a:rPr>
+            </a:br>
+            <a:r>
+              <a:rPr lang="en-US" altLang="ko-KR" dirty="0">
+                <a:solidFill>
+                  <a:srgbClr val="FF0000"/>
+                </a:solidFill>
+                <a:latin typeface="Dotum" panose="020B0600000101010101" pitchFamily="50" charset="-127"/>
+                <a:ea typeface="Dotum" panose="020B0600000101010101" pitchFamily="50" charset="-127"/>
+              </a:rPr>
+              <a:t>1. PK</a:t>
+            </a:r>
+            <a:r>
+              <a:rPr lang="ko-KR" altLang="en-US" dirty="0">
+                <a:solidFill>
+                  <a:srgbClr val="FF0000"/>
+                </a:solidFill>
+                <a:latin typeface="Dotum" panose="020B0600000101010101" pitchFamily="50" charset="-127"/>
+                <a:ea typeface="Dotum" panose="020B0600000101010101" pitchFamily="50" charset="-127"/>
+              </a:rPr>
+              <a:t>로 참여할 칼럼조건이 </a:t>
+            </a:r>
+            <a:r>
+              <a:rPr lang="ko-KR" altLang="en-US" dirty="0" err="1">
+                <a:solidFill>
+                  <a:srgbClr val="FF0000"/>
+                </a:solidFill>
+                <a:latin typeface="Dotum" panose="020B0600000101010101" pitchFamily="50" charset="-127"/>
+                <a:ea typeface="Dotum" panose="020B0600000101010101" pitchFamily="50" charset="-127"/>
+              </a:rPr>
+              <a:t>널값이</a:t>
+            </a:r>
+            <a:r>
+              <a:rPr lang="ko-KR" altLang="en-US" dirty="0">
+                <a:solidFill>
+                  <a:srgbClr val="FF0000"/>
+                </a:solidFill>
+                <a:latin typeface="Dotum" panose="020B0600000101010101" pitchFamily="50" charset="-127"/>
+                <a:ea typeface="Dotum" panose="020B0600000101010101" pitchFamily="50" charset="-127"/>
+              </a:rPr>
+              <a:t> 아니어야 합니다</a:t>
+            </a:r>
+            <a:r>
+              <a:rPr lang="en-US" altLang="ko-KR" dirty="0">
+                <a:solidFill>
+                  <a:srgbClr val="FF0000"/>
+                </a:solidFill>
+                <a:latin typeface="Dotum" panose="020B0600000101010101" pitchFamily="50" charset="-127"/>
+                <a:ea typeface="Dotum" panose="020B0600000101010101" pitchFamily="50" charset="-127"/>
+              </a:rPr>
+              <a:t>. </a:t>
+            </a:r>
+            <a:br>
+              <a:rPr lang="ko-KR" altLang="en-US" dirty="0">
+                <a:solidFill>
+                  <a:srgbClr val="FF0000"/>
+                </a:solidFill>
+              </a:rPr>
+            </a:br>
+            <a:r>
+              <a:rPr lang="en-US" altLang="ko-KR" dirty="0">
+                <a:solidFill>
+                  <a:srgbClr val="FF0000"/>
+                </a:solidFill>
+                <a:latin typeface="Dotum" panose="020B0600000101010101" pitchFamily="50" charset="-127"/>
+                <a:ea typeface="Dotum" panose="020B0600000101010101" pitchFamily="50" charset="-127"/>
+              </a:rPr>
+              <a:t>2. alter table </a:t>
+            </a:r>
+            <a:r>
+              <a:rPr lang="ko-KR" altLang="en-US" dirty="0">
+                <a:solidFill>
+                  <a:srgbClr val="FF0000"/>
+                </a:solidFill>
+                <a:latin typeface="Dotum" panose="020B0600000101010101" pitchFamily="50" charset="-127"/>
+                <a:ea typeface="Dotum" panose="020B0600000101010101" pitchFamily="50" charset="-127"/>
+              </a:rPr>
+              <a:t>구문에서 기존 값 삭제와 새로운 정의를 함께 수행해야 합니다</a:t>
+            </a:r>
+            <a:r>
+              <a:rPr lang="en-US" altLang="ko-KR" dirty="0">
+                <a:solidFill>
+                  <a:srgbClr val="FF0000"/>
+                </a:solidFill>
+                <a:latin typeface="Dotum" panose="020B0600000101010101" pitchFamily="50" charset="-127"/>
+                <a:ea typeface="Dotum" panose="020B0600000101010101" pitchFamily="50" charset="-127"/>
+              </a:rPr>
+              <a:t>. </a:t>
+            </a:r>
+          </a:p>
+          <a:p>
+            <a:endParaRPr lang="ko-KR" altLang="en-US" dirty="0">
+              <a:solidFill>
+                <a:srgbClr val="FF0000"/>
+              </a:solidFill>
+            </a:endParaRPr>
+          </a:p>
+        </p:txBody>
+      </p:sp>
+      <p:sp>
+        <p:nvSpPr>
+          <p:cNvPr id="11" name="직사각형 10">
+            <a:extLst>
+              <a:ext uri="{FF2B5EF4-FFF2-40B4-BE49-F238E27FC236}">
+                <a16:creationId xmlns:a16="http://schemas.microsoft.com/office/drawing/2014/main" id="{597C79A0-A108-4E7D-9E69-1D6CCD337AB2}"/>
+              </a:ext>
+            </a:extLst>
+          </p:cNvPr>
+          <p:cNvSpPr/>
+          <p:nvPr/>
+        </p:nvSpPr>
+        <p:spPr>
+          <a:xfrm>
+            <a:off x="6605451" y="3750548"/>
+            <a:ext cx="6096000" cy="1200329"/>
+          </a:xfrm>
+          <a:prstGeom prst="rect">
+            <a:avLst/>
+          </a:prstGeom>
+        </p:spPr>
+        <p:txBody>
+          <a:bodyPr>
+            <a:spAutoFit/>
+          </a:bodyPr>
+          <a:lstStyle/>
+          <a:p>
+            <a:r>
+              <a:rPr lang="en-US" altLang="ko-KR" dirty="0">
+                <a:solidFill>
+                  <a:srgbClr val="FF0000"/>
+                </a:solidFill>
+                <a:latin typeface="Dotum" panose="020B0600000101010101" pitchFamily="50" charset="-127"/>
+                <a:ea typeface="Dotum" panose="020B0600000101010101" pitchFamily="50" charset="-127"/>
+              </a:rPr>
+              <a:t>Ex)</a:t>
+            </a:r>
+          </a:p>
+          <a:p>
+            <a:r>
+              <a:rPr lang="en-US" altLang="ko-KR" dirty="0">
+                <a:solidFill>
+                  <a:srgbClr val="FF0000"/>
+                </a:solidFill>
+                <a:latin typeface="Dotum" panose="020B0600000101010101" pitchFamily="50" charset="-127"/>
+                <a:ea typeface="Dotum" panose="020B0600000101010101" pitchFamily="50" charset="-127"/>
+              </a:rPr>
+              <a:t>alter table test change b </a:t>
+            </a:r>
+            <a:r>
+              <a:rPr lang="en-US" altLang="ko-KR" dirty="0" err="1">
+                <a:solidFill>
+                  <a:srgbClr val="FF0000"/>
+                </a:solidFill>
+                <a:latin typeface="Dotum" panose="020B0600000101010101" pitchFamily="50" charset="-127"/>
+                <a:ea typeface="Dotum" panose="020B0600000101010101" pitchFamily="50" charset="-127"/>
+              </a:rPr>
+              <a:t>b</a:t>
+            </a:r>
+            <a:r>
+              <a:rPr lang="en-US" altLang="ko-KR" dirty="0">
+                <a:solidFill>
+                  <a:srgbClr val="FF0000"/>
+                </a:solidFill>
+                <a:latin typeface="Dotum" panose="020B0600000101010101" pitchFamily="50" charset="-127"/>
+                <a:ea typeface="Dotum" panose="020B0600000101010101" pitchFamily="50" charset="-127"/>
+              </a:rPr>
+              <a:t> varchar(5) not null; </a:t>
+            </a:r>
+            <a:br>
+              <a:rPr lang="en-US" altLang="ko-KR" dirty="0">
+                <a:solidFill>
+                  <a:srgbClr val="FF0000"/>
+                </a:solidFill>
+              </a:rPr>
+            </a:br>
+            <a:r>
+              <a:rPr lang="en-US" altLang="ko-KR" dirty="0">
+                <a:solidFill>
+                  <a:srgbClr val="FF0000"/>
+                </a:solidFill>
+                <a:latin typeface="Dotum" panose="020B0600000101010101" pitchFamily="50" charset="-127"/>
+                <a:ea typeface="Dotum" panose="020B0600000101010101" pitchFamily="50" charset="-127"/>
+              </a:rPr>
+              <a:t>alter table test drop primary key, add primary key (</a:t>
+            </a:r>
+            <a:r>
+              <a:rPr lang="en-US" altLang="ko-KR" dirty="0" err="1">
+                <a:solidFill>
+                  <a:srgbClr val="FF0000"/>
+                </a:solidFill>
+                <a:latin typeface="Dotum" panose="020B0600000101010101" pitchFamily="50" charset="-127"/>
+                <a:ea typeface="Dotum" panose="020B0600000101010101" pitchFamily="50" charset="-127"/>
+              </a:rPr>
+              <a:t>id,a,b</a:t>
+            </a:r>
+            <a:r>
+              <a:rPr lang="en-US" altLang="ko-KR" dirty="0">
+                <a:solidFill>
+                  <a:srgbClr val="FF0000"/>
+                </a:solidFill>
+                <a:latin typeface="Dotum" panose="020B0600000101010101" pitchFamily="50" charset="-127"/>
+                <a:ea typeface="Dotum" panose="020B0600000101010101" pitchFamily="50" charset="-127"/>
+              </a:rPr>
+              <a:t>); </a:t>
+            </a:r>
+            <a:endParaRPr lang="ko-KR" altLang="en-US" dirty="0">
+              <a:solidFill>
+                <a:srgbClr val="FF0000"/>
+              </a:solidFill>
+            </a:endParaRPr>
           </a:p>
         </p:txBody>
       </p:sp>
     </p:spTree>
     <p:extLst>
       <p:ext uri="{BB962C8B-B14F-4D97-AF65-F5344CB8AC3E}">
-        <p14:creationId xmlns:p14="http://schemas.microsoft.com/office/powerpoint/2010/main" val="3289668812"/>
+        <p14:creationId xmlns:p14="http://schemas.microsoft.com/office/powerpoint/2010/main" val="1816269056"/>
       </p:ext>
     </p:extLst>
   </p:cSld>
@@ -4185,7 +5234,1333 @@
 </p:sld>
 </file>
 
-<file path=ppt/slides/slide11.xml><?xml version="1.0" encoding="utf-8"?>
+<file path=ppt/slides/slide14.xml><?xml version="1.0" encoding="utf-8"?>
+<p:sld xmlns:a="http://schemas.openxmlformats.org/drawingml/2006/main" xmlns:r="http://schemas.openxmlformats.org/officeDocument/2006/relationships" xmlns:p="http://schemas.openxmlformats.org/presentationml/2006/main">
+  <p:cSld>
+    <p:spTree>
+      <p:nvGrpSpPr>
+        <p:cNvPr id="1" name=""/>
+        <p:cNvGrpSpPr/>
+        <p:nvPr/>
+      </p:nvGrpSpPr>
+      <p:grpSpPr>
+        <a:xfrm>
+          <a:off x="0" y="0"/>
+          <a:ext cx="0" cy="0"/>
+          <a:chOff x="0" y="0"/>
+          <a:chExt cx="0" cy="0"/>
+        </a:xfrm>
+      </p:grpSpPr>
+      <p:sp>
+        <p:nvSpPr>
+          <p:cNvPr id="4" name="TextBox 3">
+            <a:extLst>
+              <a:ext uri="{FF2B5EF4-FFF2-40B4-BE49-F238E27FC236}">
+                <a16:creationId xmlns:a16="http://schemas.microsoft.com/office/drawing/2014/main" id="{B2CC801F-6CAB-4E55-88BB-022194A88274}"/>
+              </a:ext>
+            </a:extLst>
+          </p:cNvPr>
+          <p:cNvSpPr txBox="1"/>
+          <p:nvPr/>
+        </p:nvSpPr>
+        <p:spPr>
+          <a:xfrm>
+            <a:off x="1332412" y="566727"/>
+            <a:ext cx="7715795" cy="646331"/>
+          </a:xfrm>
+          <a:prstGeom prst="rect">
+            <a:avLst/>
+          </a:prstGeom>
+          <a:noFill/>
+        </p:spPr>
+        <p:txBody>
+          <a:bodyPr wrap="square" rtlCol="0">
+            <a:spAutoFit/>
+          </a:bodyPr>
+          <a:lstStyle/>
+          <a:p>
+            <a:r>
+              <a:rPr lang="en-US" altLang="ko-KR" dirty="0">
+                <a:latin typeface="한컴 윤고딕 250" panose="02020603020101020101" pitchFamily="18" charset="-127"/>
+                <a:ea typeface="한컴 윤고딕 250" panose="02020603020101020101" pitchFamily="18" charset="-127"/>
+              </a:rPr>
+              <a:t>How to solve?</a:t>
+            </a:r>
+          </a:p>
+          <a:p>
+            <a:endParaRPr lang="en-US" altLang="ko-KR" dirty="0">
+              <a:latin typeface="한컴 윤고딕 250" panose="02020603020101020101" pitchFamily="18" charset="-127"/>
+              <a:ea typeface="한컴 윤고딕 250" panose="02020603020101020101" pitchFamily="18" charset="-127"/>
+            </a:endParaRPr>
+          </a:p>
+        </p:txBody>
+      </p:sp>
+      <p:sp>
+        <p:nvSpPr>
+          <p:cNvPr id="3" name="TextBox 2">
+            <a:extLst>
+              <a:ext uri="{FF2B5EF4-FFF2-40B4-BE49-F238E27FC236}">
+                <a16:creationId xmlns:a16="http://schemas.microsoft.com/office/drawing/2014/main" id="{5645C1BE-CAD2-46D4-BA4F-7B53F74796D0}"/>
+              </a:ext>
+            </a:extLst>
+          </p:cNvPr>
+          <p:cNvSpPr txBox="1"/>
+          <p:nvPr/>
+        </p:nvSpPr>
+        <p:spPr>
+          <a:xfrm>
+            <a:off x="1959429" y="2220686"/>
+            <a:ext cx="6782637" cy="369332"/>
+          </a:xfrm>
+          <a:prstGeom prst="rect">
+            <a:avLst/>
+          </a:prstGeom>
+          <a:noFill/>
+        </p:spPr>
+        <p:txBody>
+          <a:bodyPr wrap="square" rtlCol="0">
+            <a:spAutoFit/>
+          </a:bodyPr>
+          <a:lstStyle/>
+          <a:p>
+            <a:endParaRPr lang="ko-KR" altLang="en-US" dirty="0"/>
+          </a:p>
+        </p:txBody>
+      </p:sp>
+      <p:pic>
+        <p:nvPicPr>
+          <p:cNvPr id="6" name="그림 5">
+            <a:extLst>
+              <a:ext uri="{FF2B5EF4-FFF2-40B4-BE49-F238E27FC236}">
+                <a16:creationId xmlns:a16="http://schemas.microsoft.com/office/drawing/2014/main" id="{79447C8B-4649-4EFB-9B55-BE0BA84F66B1}"/>
+              </a:ext>
+            </a:extLst>
+          </p:cNvPr>
+          <p:cNvPicPr>
+            <a:picLocks noChangeAspect="1"/>
+          </p:cNvPicPr>
+          <p:nvPr/>
+        </p:nvPicPr>
+        <p:blipFill>
+          <a:blip r:embed="rId2"/>
+          <a:stretch>
+            <a:fillRect/>
+          </a:stretch>
+        </p:blipFill>
+        <p:spPr>
+          <a:xfrm>
+            <a:off x="1332412" y="1641156"/>
+            <a:ext cx="5010150" cy="4429125"/>
+          </a:xfrm>
+          <a:prstGeom prst="rect">
+            <a:avLst/>
+          </a:prstGeom>
+        </p:spPr>
+      </p:pic>
+      <p:sp>
+        <p:nvSpPr>
+          <p:cNvPr id="7" name="TextBox 6">
+            <a:extLst>
+              <a:ext uri="{FF2B5EF4-FFF2-40B4-BE49-F238E27FC236}">
+                <a16:creationId xmlns:a16="http://schemas.microsoft.com/office/drawing/2014/main" id="{402274B0-4C37-43FC-9A1D-318AA1296A2B}"/>
+              </a:ext>
+            </a:extLst>
+          </p:cNvPr>
+          <p:cNvSpPr txBox="1"/>
+          <p:nvPr/>
+        </p:nvSpPr>
+        <p:spPr>
+          <a:xfrm>
+            <a:off x="6683828" y="341621"/>
+            <a:ext cx="2969623" cy="646331"/>
+          </a:xfrm>
+          <a:prstGeom prst="rect">
+            <a:avLst/>
+          </a:prstGeom>
+          <a:noFill/>
+        </p:spPr>
+        <p:txBody>
+          <a:bodyPr wrap="square" rtlCol="0">
+            <a:spAutoFit/>
+          </a:bodyPr>
+          <a:lstStyle/>
+          <a:p>
+            <a:r>
+              <a:rPr lang="ko-KR" altLang="en-US" dirty="0"/>
+              <a:t>중복 </a:t>
+            </a:r>
+            <a:r>
+              <a:rPr lang="ko-KR" altLang="en-US" dirty="0" err="1"/>
+              <a:t>안들어가고</a:t>
+            </a:r>
+            <a:r>
+              <a:rPr lang="ko-KR" altLang="en-US" dirty="0"/>
+              <a:t> </a:t>
+            </a:r>
+            <a:endParaRPr lang="en-US" altLang="ko-KR" dirty="0"/>
+          </a:p>
+          <a:p>
+            <a:r>
+              <a:rPr lang="en-US" altLang="ko-KR" dirty="0"/>
+              <a:t>NULL </a:t>
+            </a:r>
+            <a:r>
+              <a:rPr lang="ko-KR" altLang="en-US" dirty="0"/>
+              <a:t>값이 </a:t>
+            </a:r>
+            <a:r>
+              <a:rPr lang="ko-KR" altLang="en-US" dirty="0" err="1"/>
+              <a:t>안들어가게</a:t>
+            </a:r>
+            <a:endParaRPr lang="ko-KR" altLang="en-US" dirty="0"/>
+          </a:p>
+        </p:txBody>
+      </p:sp>
+      <p:sp>
+        <p:nvSpPr>
+          <p:cNvPr id="8" name="TextBox 7">
+            <a:extLst>
+              <a:ext uri="{FF2B5EF4-FFF2-40B4-BE49-F238E27FC236}">
+                <a16:creationId xmlns:a16="http://schemas.microsoft.com/office/drawing/2014/main" id="{D25E0508-E9F9-48E7-AD42-90432FDDE560}"/>
+              </a:ext>
+            </a:extLst>
+          </p:cNvPr>
+          <p:cNvSpPr txBox="1"/>
+          <p:nvPr/>
+        </p:nvSpPr>
+        <p:spPr>
+          <a:xfrm>
+            <a:off x="6611983" y="1297356"/>
+            <a:ext cx="5865222" cy="1200329"/>
+          </a:xfrm>
+          <a:prstGeom prst="rect">
+            <a:avLst/>
+          </a:prstGeom>
+          <a:noFill/>
+        </p:spPr>
+        <p:txBody>
+          <a:bodyPr wrap="square" rtlCol="0">
+            <a:spAutoFit/>
+          </a:bodyPr>
+          <a:lstStyle/>
+          <a:p>
+            <a:r>
+              <a:rPr lang="en-US" altLang="ko-KR" dirty="0">
+                <a:solidFill>
+                  <a:srgbClr val="FF0000"/>
+                </a:solidFill>
+                <a:latin typeface="한컴 윤고딕 230" panose="02020603020101020101" pitchFamily="18" charset="-127"/>
+                <a:ea typeface="한컴 윤고딕 230" panose="02020603020101020101" pitchFamily="18" charset="-127"/>
+              </a:rPr>
+              <a:t>SQL </a:t>
+            </a:r>
+            <a:r>
+              <a:rPr lang="ko-KR" altLang="en-US" dirty="0">
+                <a:solidFill>
+                  <a:srgbClr val="FF0000"/>
+                </a:solidFill>
+                <a:latin typeface="한컴 윤고딕 230" panose="02020603020101020101" pitchFamily="18" charset="-127"/>
+                <a:ea typeface="한컴 윤고딕 230" panose="02020603020101020101" pitchFamily="18" charset="-127"/>
+              </a:rPr>
+              <a:t>속성 변경</a:t>
+            </a:r>
+            <a:endParaRPr lang="en-US" altLang="ko-KR" dirty="0">
+              <a:solidFill>
+                <a:srgbClr val="FF0000"/>
+              </a:solidFill>
+              <a:latin typeface="한컴 윤고딕 230" panose="02020603020101020101" pitchFamily="18" charset="-127"/>
+              <a:ea typeface="한컴 윤고딕 230" panose="02020603020101020101" pitchFamily="18" charset="-127"/>
+            </a:endParaRPr>
+          </a:p>
+          <a:p>
+            <a:r>
+              <a:rPr lang="en-US" altLang="ko-KR" dirty="0">
+                <a:solidFill>
+                  <a:srgbClr val="FF0000"/>
+                </a:solidFill>
+                <a:latin typeface="한컴 윤고딕 230" panose="02020603020101020101" pitchFamily="18" charset="-127"/>
+                <a:ea typeface="한컴 윤고딕 230" panose="02020603020101020101" pitchFamily="18" charset="-127"/>
+              </a:rPr>
+              <a:t>? </a:t>
+            </a:r>
+            <a:r>
+              <a:rPr lang="en-US" altLang="ko-KR" dirty="0" err="1">
+                <a:solidFill>
+                  <a:srgbClr val="FF0000"/>
+                </a:solidFill>
+                <a:latin typeface="한컴 윤고딕 230" panose="02020603020101020101" pitchFamily="18" charset="-127"/>
+                <a:ea typeface="한컴 윤고딕 230" panose="02020603020101020101" pitchFamily="18" charset="-127"/>
+              </a:rPr>
+              <a:t>Group_name</a:t>
+            </a:r>
+            <a:r>
+              <a:rPr lang="ko-KR" altLang="en-US" dirty="0">
+                <a:solidFill>
+                  <a:srgbClr val="FF0000"/>
+                </a:solidFill>
+                <a:latin typeface="한컴 윤고딕 230" panose="02020603020101020101" pitchFamily="18" charset="-127"/>
+                <a:ea typeface="한컴 윤고딕 230" panose="02020603020101020101" pitchFamily="18" charset="-127"/>
+              </a:rPr>
+              <a:t>이 중복 안되기 위해 </a:t>
+            </a:r>
+            <a:r>
+              <a:rPr lang="en-US" altLang="ko-KR" dirty="0">
+                <a:solidFill>
+                  <a:srgbClr val="FF0000"/>
+                </a:solidFill>
+                <a:latin typeface="한컴 윤고딕 230" panose="02020603020101020101" pitchFamily="18" charset="-127"/>
+                <a:ea typeface="한컴 윤고딕 230" panose="02020603020101020101" pitchFamily="18" charset="-127"/>
+              </a:rPr>
+              <a:t>primary key</a:t>
+            </a:r>
+            <a:r>
+              <a:rPr lang="ko-KR" altLang="en-US" dirty="0">
+                <a:solidFill>
+                  <a:srgbClr val="FF0000"/>
+                </a:solidFill>
+                <a:latin typeface="한컴 윤고딕 230" panose="02020603020101020101" pitchFamily="18" charset="-127"/>
+                <a:ea typeface="한컴 윤고딕 230" panose="02020603020101020101" pitchFamily="18" charset="-127"/>
+              </a:rPr>
+              <a:t>를 </a:t>
+            </a:r>
+            <a:r>
+              <a:rPr lang="ko-KR" altLang="en-US" dirty="0" err="1">
+                <a:solidFill>
+                  <a:srgbClr val="FF0000"/>
+                </a:solidFill>
+                <a:latin typeface="한컴 윤고딕 230" panose="02020603020101020101" pitchFamily="18" charset="-127"/>
+                <a:ea typeface="한컴 윤고딕 230" panose="02020603020101020101" pitchFamily="18" charset="-127"/>
+              </a:rPr>
+              <a:t>설정시켜주려</a:t>
+            </a:r>
+            <a:r>
+              <a:rPr lang="ko-KR" altLang="en-US" dirty="0">
+                <a:solidFill>
+                  <a:srgbClr val="FF0000"/>
+                </a:solidFill>
+                <a:latin typeface="한컴 윤고딕 230" panose="02020603020101020101" pitchFamily="18" charset="-127"/>
+                <a:ea typeface="한컴 윤고딕 230" panose="02020603020101020101" pitchFamily="18" charset="-127"/>
+              </a:rPr>
+              <a:t> 했지만 오류 발생</a:t>
+            </a:r>
+            <a:r>
+              <a:rPr lang="en-US" altLang="ko-KR" dirty="0">
+                <a:solidFill>
+                  <a:srgbClr val="FF0000"/>
+                </a:solidFill>
+                <a:latin typeface="한컴 윤고딕 230" panose="02020603020101020101" pitchFamily="18" charset="-127"/>
+                <a:ea typeface="한컴 윤고딕 230" panose="02020603020101020101" pitchFamily="18" charset="-127"/>
+              </a:rPr>
+              <a:t>.</a:t>
+            </a:r>
+          </a:p>
+          <a:p>
+            <a:r>
+              <a:rPr lang="en-US" altLang="ko-KR" dirty="0">
+                <a:solidFill>
+                  <a:srgbClr val="FF0000"/>
+                </a:solidFill>
+                <a:latin typeface="한컴 윤고딕 230" panose="02020603020101020101" pitchFamily="18" charset="-127"/>
+                <a:ea typeface="한컴 윤고딕 230" panose="02020603020101020101" pitchFamily="18" charset="-127"/>
+              </a:rPr>
+              <a:t>? </a:t>
+            </a:r>
+            <a:r>
+              <a:rPr lang="ko-KR" altLang="en-US" dirty="0">
+                <a:solidFill>
+                  <a:srgbClr val="FF0000"/>
+                </a:solidFill>
+                <a:latin typeface="한컴 윤고딕 230" panose="02020603020101020101" pitchFamily="18" charset="-127"/>
+                <a:ea typeface="한컴 윤고딕 230" panose="02020603020101020101" pitchFamily="18" charset="-127"/>
+              </a:rPr>
+              <a:t>다중키를 설정하니까 중복발생</a:t>
+            </a:r>
+            <a:r>
+              <a:rPr lang="en-US" altLang="ko-KR" dirty="0">
+                <a:solidFill>
+                  <a:srgbClr val="FF0000"/>
+                </a:solidFill>
+                <a:latin typeface="한컴 윤고딕 230" panose="02020603020101020101" pitchFamily="18" charset="-127"/>
+                <a:ea typeface="한컴 윤고딕 230" panose="02020603020101020101" pitchFamily="18" charset="-127"/>
+              </a:rPr>
+              <a:t>.</a:t>
+            </a:r>
+            <a:endParaRPr lang="ko-KR" altLang="en-US" dirty="0">
+              <a:solidFill>
+                <a:srgbClr val="FF0000"/>
+              </a:solidFill>
+              <a:latin typeface="한컴 윤고딕 230" panose="02020603020101020101" pitchFamily="18" charset="-127"/>
+              <a:ea typeface="한컴 윤고딕 230" panose="02020603020101020101" pitchFamily="18" charset="-127"/>
+            </a:endParaRPr>
+          </a:p>
+        </p:txBody>
+      </p:sp>
+      <p:sp>
+        <p:nvSpPr>
+          <p:cNvPr id="9" name="화살표: 오른쪽 8">
+            <a:extLst>
+              <a:ext uri="{FF2B5EF4-FFF2-40B4-BE49-F238E27FC236}">
+                <a16:creationId xmlns:a16="http://schemas.microsoft.com/office/drawing/2014/main" id="{6D8B0AC6-D1B3-4C67-8205-F3064E4A4BFD}"/>
+              </a:ext>
+            </a:extLst>
+          </p:cNvPr>
+          <p:cNvSpPr/>
+          <p:nvPr/>
+        </p:nvSpPr>
+        <p:spPr>
+          <a:xfrm>
+            <a:off x="2716070" y="4408267"/>
+            <a:ext cx="3763107" cy="542610"/>
+          </a:xfrm>
+          <a:prstGeom prst="rightArrow">
+            <a:avLst/>
+          </a:prstGeom>
+          <a:noFill/>
+          <a:ln>
+            <a:solidFill>
+              <a:srgbClr val="FF0000"/>
+            </a:solidFill>
+          </a:ln>
+        </p:spPr>
+        <p:style>
+          <a:lnRef idx="2">
+            <a:schemeClr val="accent1">
+              <a:shade val="50000"/>
+            </a:schemeClr>
+          </a:lnRef>
+          <a:fillRef idx="1">
+            <a:schemeClr val="accent1"/>
+          </a:fillRef>
+          <a:effectRef idx="0">
+            <a:schemeClr val="accent1"/>
+          </a:effectRef>
+          <a:fontRef idx="minor">
+            <a:schemeClr val="lt1"/>
+          </a:fontRef>
+        </p:style>
+        <p:txBody>
+          <a:bodyPr rtlCol="0" anchor="ctr"/>
+          <a:lstStyle/>
+          <a:p>
+            <a:pPr algn="ctr"/>
+            <a:endParaRPr lang="ko-KR" altLang="en-US"/>
+          </a:p>
+        </p:txBody>
+      </p:sp>
+      <p:sp>
+        <p:nvSpPr>
+          <p:cNvPr id="12" name="직사각형 11">
+            <a:extLst>
+              <a:ext uri="{FF2B5EF4-FFF2-40B4-BE49-F238E27FC236}">
+                <a16:creationId xmlns:a16="http://schemas.microsoft.com/office/drawing/2014/main" id="{1F2B0E51-BF44-41ED-B0A5-846458376025}"/>
+              </a:ext>
+            </a:extLst>
+          </p:cNvPr>
+          <p:cNvSpPr/>
+          <p:nvPr/>
+        </p:nvSpPr>
+        <p:spPr>
+          <a:xfrm>
+            <a:off x="6605451" y="3750548"/>
+            <a:ext cx="6096000" cy="1200329"/>
+          </a:xfrm>
+          <a:prstGeom prst="rect">
+            <a:avLst/>
+          </a:prstGeom>
+        </p:spPr>
+        <p:txBody>
+          <a:bodyPr>
+            <a:spAutoFit/>
+          </a:bodyPr>
+          <a:lstStyle/>
+          <a:p>
+            <a:r>
+              <a:rPr lang="en-US" altLang="ko-KR" dirty="0">
+                <a:solidFill>
+                  <a:srgbClr val="FF0000"/>
+                </a:solidFill>
+                <a:latin typeface="Dotum" panose="020B0600000101010101" pitchFamily="50" charset="-127"/>
+                <a:ea typeface="Dotum" panose="020B0600000101010101" pitchFamily="50" charset="-127"/>
+              </a:rPr>
+              <a:t>Ex)</a:t>
+            </a:r>
+          </a:p>
+          <a:p>
+            <a:r>
+              <a:rPr lang="en-US" altLang="ko-KR" dirty="0">
+                <a:solidFill>
+                  <a:srgbClr val="FF0000"/>
+                </a:solidFill>
+                <a:latin typeface="Dotum" panose="020B0600000101010101" pitchFamily="50" charset="-127"/>
+                <a:ea typeface="Dotum" panose="020B0600000101010101" pitchFamily="50" charset="-127"/>
+              </a:rPr>
+              <a:t>ALTER TABLE </a:t>
+            </a:r>
+            <a:r>
+              <a:rPr lang="en-US" altLang="ko-KR" dirty="0" err="1">
+                <a:solidFill>
+                  <a:srgbClr val="FF0000"/>
+                </a:solidFill>
+                <a:latin typeface="Dotum" panose="020B0600000101010101" pitchFamily="50" charset="-127"/>
+                <a:ea typeface="Dotum" panose="020B0600000101010101" pitchFamily="50" charset="-127"/>
+              </a:rPr>
+              <a:t>song_groupname</a:t>
+            </a:r>
+            <a:r>
+              <a:rPr lang="en-US" altLang="ko-KR" dirty="0">
+                <a:solidFill>
+                  <a:srgbClr val="FF0000"/>
+                </a:solidFill>
+                <a:latin typeface="Dotum" panose="020B0600000101010101" pitchFamily="50" charset="-127"/>
+                <a:ea typeface="Dotum" panose="020B0600000101010101" pitchFamily="50" charset="-127"/>
+              </a:rPr>
+              <a:t> ADD UNIQUE INDEX(</a:t>
+            </a:r>
+            <a:r>
+              <a:rPr lang="en-US" altLang="ko-KR" dirty="0" err="1">
+                <a:solidFill>
+                  <a:srgbClr val="FF0000"/>
+                </a:solidFill>
+                <a:latin typeface="Dotum" panose="020B0600000101010101" pitchFamily="50" charset="-127"/>
+                <a:ea typeface="Dotum" panose="020B0600000101010101" pitchFamily="50" charset="-127"/>
+              </a:rPr>
+              <a:t>group_name</a:t>
+            </a:r>
+            <a:r>
+              <a:rPr lang="en-US" altLang="ko-KR" dirty="0">
+                <a:solidFill>
+                  <a:srgbClr val="FF0000"/>
+                </a:solidFill>
+                <a:latin typeface="Dotum" panose="020B0600000101010101" pitchFamily="50" charset="-127"/>
+                <a:ea typeface="Dotum" panose="020B0600000101010101" pitchFamily="50" charset="-127"/>
+              </a:rPr>
+              <a:t>);</a:t>
+            </a:r>
+          </a:p>
+          <a:p>
+            <a:r>
+              <a:rPr lang="en-US" altLang="ko-KR" dirty="0">
+                <a:solidFill>
+                  <a:srgbClr val="FF0000"/>
+                </a:solidFill>
+              </a:rPr>
+              <a:t>ADD UNIQUE </a:t>
+            </a:r>
+            <a:r>
+              <a:rPr lang="ko-KR" altLang="en-US" dirty="0">
+                <a:solidFill>
+                  <a:srgbClr val="FF0000"/>
+                </a:solidFill>
+              </a:rPr>
+              <a:t>설정을 </a:t>
+            </a:r>
+            <a:r>
+              <a:rPr lang="ko-KR" altLang="en-US" dirty="0" err="1">
+                <a:solidFill>
+                  <a:srgbClr val="FF0000"/>
+                </a:solidFill>
+              </a:rPr>
+              <a:t>해줌</a:t>
+            </a:r>
+            <a:endParaRPr lang="ko-KR" altLang="en-US" dirty="0">
+              <a:solidFill>
+                <a:srgbClr val="FF0000"/>
+              </a:solidFill>
+            </a:endParaRPr>
+          </a:p>
+        </p:txBody>
+      </p:sp>
+      <p:sp>
+        <p:nvSpPr>
+          <p:cNvPr id="2" name="직사각형 1">
+            <a:extLst>
+              <a:ext uri="{FF2B5EF4-FFF2-40B4-BE49-F238E27FC236}">
+                <a16:creationId xmlns:a16="http://schemas.microsoft.com/office/drawing/2014/main" id="{3D7E8F96-DEC1-4F82-8732-7CA42B1C0D3E}"/>
+              </a:ext>
+            </a:extLst>
+          </p:cNvPr>
+          <p:cNvSpPr/>
+          <p:nvPr/>
+        </p:nvSpPr>
+        <p:spPr>
+          <a:xfrm>
+            <a:off x="3426822" y="6445317"/>
+            <a:ext cx="8765178" cy="369332"/>
+          </a:xfrm>
+          <a:prstGeom prst="rect">
+            <a:avLst/>
+          </a:prstGeom>
+        </p:spPr>
+        <p:txBody>
+          <a:bodyPr wrap="square">
+            <a:spAutoFit/>
+          </a:bodyPr>
+          <a:lstStyle/>
+          <a:p>
+            <a:r>
+              <a:rPr lang="en-US" altLang="ko-KR" dirty="0" err="1"/>
+              <a:t>Mysql</a:t>
+            </a:r>
+            <a:r>
+              <a:rPr lang="en-US" altLang="ko-KR" dirty="0"/>
+              <a:t> </a:t>
+            </a:r>
+            <a:r>
+              <a:rPr lang="ko-KR" altLang="en-US" dirty="0"/>
+              <a:t>중복관리 </a:t>
+            </a:r>
+            <a:r>
+              <a:rPr lang="en-US" altLang="ko-KR" dirty="0"/>
+              <a:t>: </a:t>
+            </a:r>
+            <a:r>
+              <a:rPr lang="ko-KR" altLang="en-US" dirty="0"/>
+              <a:t>http://jason-heo.github.io/mysql/2014/03/05/manage-dup-key2.html</a:t>
+            </a:r>
+          </a:p>
+        </p:txBody>
+      </p:sp>
+    </p:spTree>
+    <p:extLst>
+      <p:ext uri="{BB962C8B-B14F-4D97-AF65-F5344CB8AC3E}">
+        <p14:creationId xmlns:p14="http://schemas.microsoft.com/office/powerpoint/2010/main" val="4187130871"/>
+      </p:ext>
+    </p:extLst>
+  </p:cSld>
+  <p:clrMapOvr>
+    <a:masterClrMapping/>
+  </p:clrMapOvr>
+</p:sld>
+</file>
+
+<file path=ppt/slides/slide15.xml><?xml version="1.0" encoding="utf-8"?>
+<p:sld xmlns:a="http://schemas.openxmlformats.org/drawingml/2006/main" xmlns:r="http://schemas.openxmlformats.org/officeDocument/2006/relationships" xmlns:p="http://schemas.openxmlformats.org/presentationml/2006/main">
+  <p:cSld>
+    <p:spTree>
+      <p:nvGrpSpPr>
+        <p:cNvPr id="1" name=""/>
+        <p:cNvGrpSpPr/>
+        <p:nvPr/>
+      </p:nvGrpSpPr>
+      <p:grpSpPr>
+        <a:xfrm>
+          <a:off x="0" y="0"/>
+          <a:ext cx="0" cy="0"/>
+          <a:chOff x="0" y="0"/>
+          <a:chExt cx="0" cy="0"/>
+        </a:xfrm>
+      </p:grpSpPr>
+      <p:sp>
+        <p:nvSpPr>
+          <p:cNvPr id="4" name="TextBox 3">
+            <a:extLst>
+              <a:ext uri="{FF2B5EF4-FFF2-40B4-BE49-F238E27FC236}">
+                <a16:creationId xmlns:a16="http://schemas.microsoft.com/office/drawing/2014/main" id="{B2CC801F-6CAB-4E55-88BB-022194A88274}"/>
+              </a:ext>
+            </a:extLst>
+          </p:cNvPr>
+          <p:cNvSpPr txBox="1"/>
+          <p:nvPr/>
+        </p:nvSpPr>
+        <p:spPr>
+          <a:xfrm>
+            <a:off x="1332412" y="566727"/>
+            <a:ext cx="7715795" cy="646331"/>
+          </a:xfrm>
+          <a:prstGeom prst="rect">
+            <a:avLst/>
+          </a:prstGeom>
+          <a:noFill/>
+        </p:spPr>
+        <p:txBody>
+          <a:bodyPr wrap="square" rtlCol="0">
+            <a:spAutoFit/>
+          </a:bodyPr>
+          <a:lstStyle/>
+          <a:p>
+            <a:r>
+              <a:rPr lang="en-US" altLang="ko-KR" dirty="0">
+                <a:latin typeface="한컴 윤고딕 250" panose="02020603020101020101" pitchFamily="18" charset="-127"/>
+                <a:ea typeface="한컴 윤고딕 250" panose="02020603020101020101" pitchFamily="18" charset="-127"/>
+              </a:rPr>
+              <a:t>How to solve?</a:t>
+            </a:r>
+          </a:p>
+          <a:p>
+            <a:endParaRPr lang="en-US" altLang="ko-KR" dirty="0">
+              <a:latin typeface="한컴 윤고딕 250" panose="02020603020101020101" pitchFamily="18" charset="-127"/>
+              <a:ea typeface="한컴 윤고딕 250" panose="02020603020101020101" pitchFamily="18" charset="-127"/>
+            </a:endParaRPr>
+          </a:p>
+        </p:txBody>
+      </p:sp>
+      <p:sp>
+        <p:nvSpPr>
+          <p:cNvPr id="3" name="TextBox 2">
+            <a:extLst>
+              <a:ext uri="{FF2B5EF4-FFF2-40B4-BE49-F238E27FC236}">
+                <a16:creationId xmlns:a16="http://schemas.microsoft.com/office/drawing/2014/main" id="{5645C1BE-CAD2-46D4-BA4F-7B53F74796D0}"/>
+              </a:ext>
+            </a:extLst>
+          </p:cNvPr>
+          <p:cNvSpPr txBox="1"/>
+          <p:nvPr/>
+        </p:nvSpPr>
+        <p:spPr>
+          <a:xfrm>
+            <a:off x="1959429" y="2220686"/>
+            <a:ext cx="6782637" cy="369332"/>
+          </a:xfrm>
+          <a:prstGeom prst="rect">
+            <a:avLst/>
+          </a:prstGeom>
+          <a:noFill/>
+        </p:spPr>
+        <p:txBody>
+          <a:bodyPr wrap="square" rtlCol="0">
+            <a:spAutoFit/>
+          </a:bodyPr>
+          <a:lstStyle/>
+          <a:p>
+            <a:endParaRPr lang="ko-KR" altLang="en-US" dirty="0"/>
+          </a:p>
+        </p:txBody>
+      </p:sp>
+      <p:sp>
+        <p:nvSpPr>
+          <p:cNvPr id="9" name="화살표: 오른쪽 8">
+            <a:extLst>
+              <a:ext uri="{FF2B5EF4-FFF2-40B4-BE49-F238E27FC236}">
+                <a16:creationId xmlns:a16="http://schemas.microsoft.com/office/drawing/2014/main" id="{6D8B0AC6-D1B3-4C67-8205-F3064E4A4BFD}"/>
+              </a:ext>
+            </a:extLst>
+          </p:cNvPr>
+          <p:cNvSpPr/>
+          <p:nvPr/>
+        </p:nvSpPr>
+        <p:spPr>
+          <a:xfrm>
+            <a:off x="5285098" y="3157695"/>
+            <a:ext cx="1202787" cy="542610"/>
+          </a:xfrm>
+          <a:prstGeom prst="rightArrow">
+            <a:avLst/>
+          </a:prstGeom>
+          <a:noFill/>
+          <a:ln>
+            <a:solidFill>
+              <a:srgbClr val="FF0000"/>
+            </a:solidFill>
+          </a:ln>
+        </p:spPr>
+        <p:style>
+          <a:lnRef idx="2">
+            <a:schemeClr val="accent1">
+              <a:shade val="50000"/>
+            </a:schemeClr>
+          </a:lnRef>
+          <a:fillRef idx="1">
+            <a:schemeClr val="accent1"/>
+          </a:fillRef>
+          <a:effectRef idx="0">
+            <a:schemeClr val="accent1"/>
+          </a:effectRef>
+          <a:fontRef idx="minor">
+            <a:schemeClr val="lt1"/>
+          </a:fontRef>
+        </p:style>
+        <p:txBody>
+          <a:bodyPr rtlCol="0" anchor="ctr"/>
+          <a:lstStyle/>
+          <a:p>
+            <a:pPr algn="ctr"/>
+            <a:endParaRPr lang="ko-KR" altLang="en-US"/>
+          </a:p>
+        </p:txBody>
+      </p:sp>
+      <p:sp>
+        <p:nvSpPr>
+          <p:cNvPr id="2" name="직사각형 1">
+            <a:extLst>
+              <a:ext uri="{FF2B5EF4-FFF2-40B4-BE49-F238E27FC236}">
+                <a16:creationId xmlns:a16="http://schemas.microsoft.com/office/drawing/2014/main" id="{3D7E8F96-DEC1-4F82-8732-7CA42B1C0D3E}"/>
+              </a:ext>
+            </a:extLst>
+          </p:cNvPr>
+          <p:cNvSpPr/>
+          <p:nvPr/>
+        </p:nvSpPr>
+        <p:spPr>
+          <a:xfrm>
+            <a:off x="4952565" y="6470380"/>
+            <a:ext cx="8765178" cy="1477328"/>
+          </a:xfrm>
+          <a:prstGeom prst="rect">
+            <a:avLst/>
+          </a:prstGeom>
+        </p:spPr>
+        <p:txBody>
+          <a:bodyPr wrap="square">
+            <a:spAutoFit/>
+          </a:bodyPr>
+          <a:lstStyle/>
+          <a:p>
+            <a:r>
+              <a:rPr lang="en-US" altLang="ko-KR" b="1" dirty="0">
+                <a:latin typeface="Ubuntu Mono"/>
+              </a:rPr>
+              <a:t>AUTO_INCREMENT </a:t>
+            </a:r>
+            <a:r>
+              <a:rPr lang="ko-KR" altLang="en-US" b="1" dirty="0">
+                <a:latin typeface="Ubuntu Mono"/>
+              </a:rPr>
+              <a:t>초기화</a:t>
+            </a:r>
+            <a:r>
+              <a:rPr lang="en-US" altLang="ko-KR" b="1" dirty="0">
+                <a:latin typeface="Ubuntu Mono"/>
+              </a:rPr>
+              <a:t> </a:t>
+            </a:r>
+            <a:r>
+              <a:rPr lang="en-US" altLang="ko-KR" dirty="0"/>
+              <a:t>: </a:t>
+            </a:r>
+            <a:r>
+              <a:rPr lang="en-US" altLang="ko-KR" dirty="0">
+                <a:hlinkClick r:id="rId2"/>
+              </a:rPr>
+              <a:t>https://blog.inidog.com/p/20171008467</a:t>
+            </a:r>
+            <a:endParaRPr lang="en-US" altLang="ko-KR" dirty="0"/>
+          </a:p>
+          <a:p>
+            <a:r>
+              <a:rPr lang="en-US" altLang="ko-KR" dirty="0"/>
+              <a:t>https://hammer.tistory.com/entry/MYSQL-%EC%BB%AC%EB%9F%BC-%EC%9E%90%EB%8F%99%EC%A6%9D%EA%B0%80-%EC%86%8D%EC%84%B1-%EB%B3%80%EA%B2%BD-%EB%B0%8F-%EC%B6%94%EA%B0%80-%EC%B4%88%EA%B8%B0%ED%99%94-%EC%BF%BC%EB%A6%AC</a:t>
+            </a:r>
+            <a:endParaRPr lang="ko-KR" altLang="en-US" dirty="0"/>
+          </a:p>
+        </p:txBody>
+      </p:sp>
+      <p:sp>
+        <p:nvSpPr>
+          <p:cNvPr id="5" name="직사각형 4">
+            <a:extLst>
+              <a:ext uri="{FF2B5EF4-FFF2-40B4-BE49-F238E27FC236}">
+                <a16:creationId xmlns:a16="http://schemas.microsoft.com/office/drawing/2014/main" id="{5B3158AE-92DF-4082-B1AE-F6F9FD139B20}"/>
+              </a:ext>
+            </a:extLst>
+          </p:cNvPr>
+          <p:cNvSpPr/>
+          <p:nvPr/>
+        </p:nvSpPr>
+        <p:spPr>
+          <a:xfrm>
+            <a:off x="6574971" y="2884129"/>
+            <a:ext cx="6096000" cy="1477328"/>
+          </a:xfrm>
+          <a:prstGeom prst="rect">
+            <a:avLst/>
+          </a:prstGeom>
+        </p:spPr>
+        <p:txBody>
+          <a:bodyPr>
+            <a:spAutoFit/>
+          </a:bodyPr>
+          <a:lstStyle/>
+          <a:p>
+            <a:r>
+              <a:rPr lang="en-US" altLang="ko-KR" b="1" dirty="0">
+                <a:solidFill>
+                  <a:srgbClr val="FF0000"/>
+                </a:solidFill>
+                <a:latin typeface="Ubuntu Mono"/>
+              </a:rPr>
+              <a:t>AUTO_INCREMENT </a:t>
+            </a:r>
+            <a:r>
+              <a:rPr lang="ko-KR" altLang="en-US" b="1" dirty="0">
+                <a:solidFill>
+                  <a:srgbClr val="FF0000"/>
+                </a:solidFill>
+                <a:latin typeface="Ubuntu Mono"/>
+              </a:rPr>
+              <a:t>초기화</a:t>
+            </a:r>
+            <a:endParaRPr lang="en-US" altLang="ko-KR" b="1" dirty="0">
+              <a:solidFill>
+                <a:srgbClr val="FF0000"/>
+              </a:solidFill>
+              <a:latin typeface="Ubuntu Mono"/>
+            </a:endParaRPr>
+          </a:p>
+          <a:p>
+            <a:pPr>
+              <a:buFont typeface="Arial" panose="020B0604020202020204" pitchFamily="34" charset="0"/>
+              <a:buChar char="•"/>
+            </a:pPr>
+            <a:r>
+              <a:rPr lang="en-US" altLang="ko-KR" b="1" dirty="0">
+                <a:solidFill>
+                  <a:srgbClr val="FF0000"/>
+                </a:solidFill>
+                <a:latin typeface="Ubuntu Mono"/>
+              </a:rPr>
+              <a:t>ALTER</a:t>
+            </a:r>
+            <a:r>
+              <a:rPr lang="en-US" altLang="ko-KR" dirty="0">
+                <a:solidFill>
+                  <a:srgbClr val="FF0000"/>
+                </a:solidFill>
+                <a:latin typeface="Ubuntu Mono"/>
+              </a:rPr>
+              <a:t> </a:t>
+            </a:r>
+            <a:r>
+              <a:rPr lang="en-US" altLang="ko-KR" b="1" dirty="0">
+                <a:solidFill>
+                  <a:srgbClr val="FF0000"/>
+                </a:solidFill>
+                <a:latin typeface="Ubuntu Mono"/>
+              </a:rPr>
+              <a:t>TABLE</a:t>
+            </a:r>
+            <a:r>
+              <a:rPr lang="en-US" altLang="ko-KR" dirty="0">
+                <a:solidFill>
+                  <a:srgbClr val="FF0000"/>
+                </a:solidFill>
+                <a:latin typeface="Ubuntu Mono"/>
+              </a:rPr>
+              <a:t> [</a:t>
+            </a:r>
+            <a:r>
+              <a:rPr lang="ko-KR" altLang="en-US" dirty="0">
+                <a:solidFill>
+                  <a:srgbClr val="FF0000"/>
+                </a:solidFill>
+                <a:latin typeface="Ubuntu Mono"/>
+              </a:rPr>
+              <a:t>테이블 명</a:t>
+            </a:r>
+            <a:r>
+              <a:rPr lang="en-US" altLang="ko-KR" dirty="0">
+                <a:solidFill>
+                  <a:srgbClr val="FF0000"/>
+                </a:solidFill>
+                <a:latin typeface="Ubuntu Mono"/>
+              </a:rPr>
+              <a:t>] AUTO_INCREMENT=1;</a:t>
+            </a:r>
+          </a:p>
+          <a:p>
+            <a:pPr>
+              <a:buFont typeface="Arial" panose="020B0604020202020204" pitchFamily="34" charset="0"/>
+              <a:buChar char="•"/>
+            </a:pPr>
+            <a:r>
+              <a:rPr lang="en-US" altLang="ko-KR" b="1" dirty="0">
+                <a:solidFill>
+                  <a:srgbClr val="FF0000"/>
+                </a:solidFill>
+                <a:latin typeface="Ubuntu Mono"/>
+              </a:rPr>
+              <a:t>SET</a:t>
+            </a:r>
+            <a:r>
+              <a:rPr lang="en-US" altLang="ko-KR" dirty="0">
+                <a:solidFill>
+                  <a:srgbClr val="FF0000"/>
+                </a:solidFill>
+                <a:latin typeface="Ubuntu Mono"/>
+              </a:rPr>
+              <a:t> @COUNT = 0;</a:t>
+            </a:r>
+          </a:p>
+          <a:p>
+            <a:pPr>
+              <a:buFont typeface="Arial" panose="020B0604020202020204" pitchFamily="34" charset="0"/>
+              <a:buChar char="•"/>
+            </a:pPr>
+            <a:r>
+              <a:rPr lang="en-US" altLang="ko-KR" b="1" dirty="0">
+                <a:solidFill>
+                  <a:srgbClr val="FF0000"/>
+                </a:solidFill>
+                <a:latin typeface="Ubuntu Mono"/>
+              </a:rPr>
+              <a:t>UPDATE</a:t>
+            </a:r>
+            <a:r>
+              <a:rPr lang="en-US" altLang="ko-KR" dirty="0">
+                <a:solidFill>
+                  <a:srgbClr val="FF0000"/>
+                </a:solidFill>
+                <a:latin typeface="Ubuntu Mono"/>
+              </a:rPr>
+              <a:t> [</a:t>
+            </a:r>
+            <a:r>
+              <a:rPr lang="ko-KR" altLang="en-US" dirty="0">
+                <a:solidFill>
+                  <a:srgbClr val="FF0000"/>
+                </a:solidFill>
+                <a:latin typeface="Ubuntu Mono"/>
+              </a:rPr>
+              <a:t>테이블 명</a:t>
+            </a:r>
+            <a:r>
+              <a:rPr lang="en-US" altLang="ko-KR" dirty="0">
+                <a:solidFill>
+                  <a:srgbClr val="FF0000"/>
+                </a:solidFill>
+                <a:latin typeface="Ubuntu Mono"/>
+              </a:rPr>
+              <a:t>] </a:t>
+            </a:r>
+            <a:r>
+              <a:rPr lang="en-US" altLang="ko-KR" b="1" dirty="0">
+                <a:solidFill>
+                  <a:srgbClr val="FF0000"/>
+                </a:solidFill>
+                <a:latin typeface="Ubuntu Mono"/>
+              </a:rPr>
+              <a:t>SET</a:t>
+            </a:r>
+            <a:r>
+              <a:rPr lang="en-US" altLang="ko-KR" dirty="0">
+                <a:solidFill>
+                  <a:srgbClr val="FF0000"/>
+                </a:solidFill>
+                <a:latin typeface="Ubuntu Mono"/>
+              </a:rPr>
+              <a:t> [AUTO_INCREMENT </a:t>
+            </a:r>
+            <a:r>
+              <a:rPr lang="ko-KR" altLang="en-US" dirty="0">
+                <a:solidFill>
+                  <a:srgbClr val="FF0000"/>
+                </a:solidFill>
+                <a:latin typeface="Ubuntu Mono"/>
+              </a:rPr>
+              <a:t>열 이름</a:t>
+            </a:r>
+            <a:r>
+              <a:rPr lang="en-US" altLang="ko-KR" dirty="0">
+                <a:solidFill>
+                  <a:srgbClr val="FF0000"/>
+                </a:solidFill>
+                <a:latin typeface="Ubuntu Mono"/>
+              </a:rPr>
+              <a:t>] = @COUNT:=@COUNT+1;</a:t>
+            </a:r>
+            <a:endParaRPr lang="en-US" altLang="ko-KR" b="0" i="0" dirty="0">
+              <a:solidFill>
+                <a:srgbClr val="FF0000"/>
+              </a:solidFill>
+              <a:effectLst/>
+              <a:latin typeface="Ubuntu Mono"/>
+            </a:endParaRPr>
+          </a:p>
+        </p:txBody>
+      </p:sp>
+      <p:sp>
+        <p:nvSpPr>
+          <p:cNvPr id="7" name="직사각형 6">
+            <a:extLst>
+              <a:ext uri="{FF2B5EF4-FFF2-40B4-BE49-F238E27FC236}">
+                <a16:creationId xmlns:a16="http://schemas.microsoft.com/office/drawing/2014/main" id="{218C24B1-87A0-440F-90A5-7905B7903E22}"/>
+              </a:ext>
+            </a:extLst>
+          </p:cNvPr>
+          <p:cNvSpPr/>
+          <p:nvPr/>
+        </p:nvSpPr>
+        <p:spPr>
+          <a:xfrm>
+            <a:off x="6574971" y="1213058"/>
+            <a:ext cx="6096000" cy="923330"/>
+          </a:xfrm>
+          <a:prstGeom prst="rect">
+            <a:avLst/>
+          </a:prstGeom>
+        </p:spPr>
+        <p:txBody>
+          <a:bodyPr>
+            <a:spAutoFit/>
+          </a:bodyPr>
+          <a:lstStyle/>
+          <a:p>
+            <a:r>
+              <a:rPr lang="en-US" altLang="ko-KR" b="1" dirty="0">
+                <a:solidFill>
+                  <a:srgbClr val="FF0000"/>
+                </a:solidFill>
+                <a:latin typeface="Ubuntu Mono"/>
+              </a:rPr>
+              <a:t>AUTO_INCREMENT  </a:t>
+            </a:r>
+            <a:r>
+              <a:rPr lang="ko-KR" altLang="en-US" b="1" dirty="0">
+                <a:solidFill>
+                  <a:srgbClr val="FF0000"/>
+                </a:solidFill>
+                <a:latin typeface="Ubuntu Mono"/>
+              </a:rPr>
+              <a:t>추가</a:t>
+            </a:r>
+            <a:endParaRPr lang="en-US" altLang="ko-KR" b="1" dirty="0">
+              <a:solidFill>
+                <a:srgbClr val="FF0000"/>
+              </a:solidFill>
+              <a:latin typeface="Ubuntu Mono"/>
+            </a:endParaRPr>
+          </a:p>
+          <a:p>
+            <a:r>
+              <a:rPr lang="en-US" altLang="ko-KR" b="1" i="0" dirty="0">
+                <a:solidFill>
+                  <a:srgbClr val="FF0000"/>
+                </a:solidFill>
+                <a:effectLst/>
+                <a:latin typeface="Ubuntu Mono"/>
+              </a:rPr>
+              <a:t>ALTER TABLE [</a:t>
+            </a:r>
+            <a:r>
+              <a:rPr lang="ko-KR" altLang="en-US" b="1" dirty="0">
+                <a:solidFill>
+                  <a:srgbClr val="FF0000"/>
+                </a:solidFill>
+                <a:latin typeface="Ubuntu Mono"/>
+              </a:rPr>
+              <a:t>테이블 명</a:t>
+            </a:r>
+            <a:r>
+              <a:rPr lang="en-US" altLang="ko-KR" b="1" dirty="0">
+                <a:solidFill>
+                  <a:srgbClr val="FF0000"/>
+                </a:solidFill>
+                <a:latin typeface="Ubuntu Mono"/>
+              </a:rPr>
+              <a:t>]  MODIFY [</a:t>
+            </a:r>
+            <a:r>
+              <a:rPr lang="ko-KR" altLang="en-US" b="1" dirty="0">
+                <a:solidFill>
+                  <a:srgbClr val="FF0000"/>
+                </a:solidFill>
+                <a:latin typeface="Ubuntu Mono"/>
+              </a:rPr>
+              <a:t>열 이름</a:t>
+            </a:r>
+            <a:r>
+              <a:rPr lang="en-US" altLang="ko-KR" b="1" dirty="0">
+                <a:solidFill>
+                  <a:srgbClr val="FF0000"/>
+                </a:solidFill>
+                <a:latin typeface="Ubuntu Mono"/>
+              </a:rPr>
+              <a:t>] INT NOT NULL AUTO_INCREMENT PRIMARY KEY;</a:t>
+            </a:r>
+            <a:endParaRPr lang="en-US" altLang="ko-KR" b="0" i="0" dirty="0">
+              <a:solidFill>
+                <a:srgbClr val="FF0000"/>
+              </a:solidFill>
+              <a:effectLst/>
+              <a:latin typeface="Ubuntu Mono"/>
+            </a:endParaRPr>
+          </a:p>
+        </p:txBody>
+      </p:sp>
+    </p:spTree>
+    <p:extLst>
+      <p:ext uri="{BB962C8B-B14F-4D97-AF65-F5344CB8AC3E}">
+        <p14:creationId xmlns:p14="http://schemas.microsoft.com/office/powerpoint/2010/main" val="4192473409"/>
+      </p:ext>
+    </p:extLst>
+  </p:cSld>
+  <p:clrMapOvr>
+    <a:masterClrMapping/>
+  </p:clrMapOvr>
+</p:sld>
+</file>
+
+<file path=ppt/slides/slide16.xml><?xml version="1.0" encoding="utf-8"?>
+<p:sld xmlns:a="http://schemas.openxmlformats.org/drawingml/2006/main" xmlns:r="http://schemas.openxmlformats.org/officeDocument/2006/relationships" xmlns:p="http://schemas.openxmlformats.org/presentationml/2006/main">
+  <p:cSld>
+    <p:spTree>
+      <p:nvGrpSpPr>
+        <p:cNvPr id="1" name=""/>
+        <p:cNvGrpSpPr/>
+        <p:nvPr/>
+      </p:nvGrpSpPr>
+      <p:grpSpPr>
+        <a:xfrm>
+          <a:off x="0" y="0"/>
+          <a:ext cx="0" cy="0"/>
+          <a:chOff x="0" y="0"/>
+          <a:chExt cx="0" cy="0"/>
+        </a:xfrm>
+      </p:grpSpPr>
+      <p:sp>
+        <p:nvSpPr>
+          <p:cNvPr id="4" name="TextBox 3">
+            <a:extLst>
+              <a:ext uri="{FF2B5EF4-FFF2-40B4-BE49-F238E27FC236}">
+                <a16:creationId xmlns:a16="http://schemas.microsoft.com/office/drawing/2014/main" id="{B2CC801F-6CAB-4E55-88BB-022194A88274}"/>
+              </a:ext>
+            </a:extLst>
+          </p:cNvPr>
+          <p:cNvSpPr txBox="1"/>
+          <p:nvPr/>
+        </p:nvSpPr>
+        <p:spPr>
+          <a:xfrm>
+            <a:off x="1332412" y="566727"/>
+            <a:ext cx="7715795" cy="646331"/>
+          </a:xfrm>
+          <a:prstGeom prst="rect">
+            <a:avLst/>
+          </a:prstGeom>
+          <a:noFill/>
+        </p:spPr>
+        <p:txBody>
+          <a:bodyPr wrap="square" rtlCol="0">
+            <a:spAutoFit/>
+          </a:bodyPr>
+          <a:lstStyle/>
+          <a:p>
+            <a:r>
+              <a:rPr lang="en-US" altLang="ko-KR" dirty="0">
+                <a:latin typeface="한컴 윤고딕 250" panose="02020603020101020101" pitchFamily="18" charset="-127"/>
+                <a:ea typeface="한컴 윤고딕 250" panose="02020603020101020101" pitchFamily="18" charset="-127"/>
+              </a:rPr>
+              <a:t>How to solve?</a:t>
+            </a:r>
+          </a:p>
+          <a:p>
+            <a:endParaRPr lang="en-US" altLang="ko-KR" dirty="0">
+              <a:latin typeface="한컴 윤고딕 250" panose="02020603020101020101" pitchFamily="18" charset="-127"/>
+              <a:ea typeface="한컴 윤고딕 250" panose="02020603020101020101" pitchFamily="18" charset="-127"/>
+            </a:endParaRPr>
+          </a:p>
+        </p:txBody>
+      </p:sp>
+      <p:sp>
+        <p:nvSpPr>
+          <p:cNvPr id="3" name="TextBox 2">
+            <a:extLst>
+              <a:ext uri="{FF2B5EF4-FFF2-40B4-BE49-F238E27FC236}">
+                <a16:creationId xmlns:a16="http://schemas.microsoft.com/office/drawing/2014/main" id="{5645C1BE-CAD2-46D4-BA4F-7B53F74796D0}"/>
+              </a:ext>
+            </a:extLst>
+          </p:cNvPr>
+          <p:cNvSpPr txBox="1"/>
+          <p:nvPr/>
+        </p:nvSpPr>
+        <p:spPr>
+          <a:xfrm>
+            <a:off x="1959429" y="2220686"/>
+            <a:ext cx="6782637" cy="369332"/>
+          </a:xfrm>
+          <a:prstGeom prst="rect">
+            <a:avLst/>
+          </a:prstGeom>
+          <a:noFill/>
+        </p:spPr>
+        <p:txBody>
+          <a:bodyPr wrap="square" rtlCol="0">
+            <a:spAutoFit/>
+          </a:bodyPr>
+          <a:lstStyle/>
+          <a:p>
+            <a:endParaRPr lang="ko-KR" altLang="en-US" dirty="0"/>
+          </a:p>
+        </p:txBody>
+      </p:sp>
+      <p:sp>
+        <p:nvSpPr>
+          <p:cNvPr id="2" name="직사각형 1">
+            <a:extLst>
+              <a:ext uri="{FF2B5EF4-FFF2-40B4-BE49-F238E27FC236}">
+                <a16:creationId xmlns:a16="http://schemas.microsoft.com/office/drawing/2014/main" id="{3D7E8F96-DEC1-4F82-8732-7CA42B1C0D3E}"/>
+              </a:ext>
+            </a:extLst>
+          </p:cNvPr>
+          <p:cNvSpPr/>
+          <p:nvPr/>
+        </p:nvSpPr>
+        <p:spPr>
+          <a:xfrm>
+            <a:off x="1332412" y="1451001"/>
+            <a:ext cx="8765178" cy="646331"/>
+          </a:xfrm>
+          <a:prstGeom prst="rect">
+            <a:avLst/>
+          </a:prstGeom>
+        </p:spPr>
+        <p:txBody>
+          <a:bodyPr wrap="square">
+            <a:spAutoFit/>
+          </a:bodyPr>
+          <a:lstStyle/>
+          <a:p>
+            <a:r>
+              <a:rPr lang="ko-KR" altLang="en-US" dirty="0"/>
+              <a:t>오늘의 문제</a:t>
+            </a:r>
+            <a:r>
+              <a:rPr lang="en-US" altLang="ko-KR" dirty="0"/>
+              <a:t>!</a:t>
+            </a:r>
+          </a:p>
+          <a:p>
+            <a:r>
+              <a:rPr lang="ko-KR" altLang="en-US" dirty="0"/>
+              <a:t>한글로 </a:t>
+            </a:r>
+            <a:r>
+              <a:rPr lang="ko-KR" altLang="en-US" dirty="0" err="1"/>
+              <a:t>적을경우</a:t>
+            </a:r>
+            <a:r>
+              <a:rPr lang="ko-KR" altLang="en-US" dirty="0"/>
+              <a:t> </a:t>
+            </a:r>
+            <a:r>
+              <a:rPr lang="en-US" altLang="ko-KR" dirty="0"/>
+              <a:t>DB</a:t>
+            </a:r>
+            <a:r>
+              <a:rPr lang="ko-KR" altLang="en-US" dirty="0"/>
+              <a:t>에 입력이 안됨</a:t>
+            </a:r>
+            <a:r>
+              <a:rPr lang="en-US" altLang="ko-KR"/>
+              <a:t>..</a:t>
+            </a:r>
+            <a:endParaRPr lang="ko-KR" altLang="en-US" dirty="0"/>
+          </a:p>
+        </p:txBody>
+      </p:sp>
+    </p:spTree>
+    <p:extLst>
+      <p:ext uri="{BB962C8B-B14F-4D97-AF65-F5344CB8AC3E}">
+        <p14:creationId xmlns:p14="http://schemas.microsoft.com/office/powerpoint/2010/main" val="3726456244"/>
+      </p:ext>
+    </p:extLst>
+  </p:cSld>
+  <p:clrMapOvr>
+    <a:masterClrMapping/>
+  </p:clrMapOvr>
+</p:sld>
+</file>
+
+<file path=ppt/slides/slide17.xml><?xml version="1.0" encoding="utf-8"?>
 <p:sld xmlns:a="http://schemas.openxmlformats.org/drawingml/2006/main" xmlns:r="http://schemas.openxmlformats.org/officeDocument/2006/relationships" xmlns:p="http://schemas.openxmlformats.org/presentationml/2006/main">
   <p:cSld>
     <p:spTree>
@@ -6397,7 +8772,7 @@
 </p:sld>
 </file>
 
-<file path=ppt/slides/slide12.xml><?xml version="1.0" encoding="utf-8"?>
+<file path=ppt/slides/slide18.xml><?xml version="1.0" encoding="utf-8"?>
 <p:sld xmlns:a="http://schemas.openxmlformats.org/drawingml/2006/main" xmlns:r="http://schemas.openxmlformats.org/officeDocument/2006/relationships" xmlns:p="http://schemas.openxmlformats.org/presentationml/2006/main">
   <p:cSld>
     <p:spTree>
@@ -6807,7 +9182,7 @@
 </p:sld>
 </file>
 
-<file path=ppt/slides/slide13.xml><?xml version="1.0" encoding="utf-8"?>
+<file path=ppt/slides/slide19.xml><?xml version="1.0" encoding="utf-8"?>
 <p:sld xmlns:a="http://schemas.openxmlformats.org/drawingml/2006/main" xmlns:r="http://schemas.openxmlformats.org/officeDocument/2006/relationships" xmlns:p="http://schemas.openxmlformats.org/presentationml/2006/main">
   <p:cSld>
     <p:spTree>
@@ -6839,7 +9214,7 @@
         <p:spPr>
           <a:xfrm>
             <a:off x="1412798" y="627017"/>
-            <a:ext cx="7715795" cy="1200329"/>
+            <a:ext cx="7715795" cy="1477328"/>
           </a:xfrm>
           <a:prstGeom prst="rect">
             <a:avLst/>
@@ -6872,15 +9247,23 @@
             </a:r>
             <a:r>
               <a:rPr lang="ko-KR" altLang="en-US" dirty="0"/>
-              <a:t>그룹 지정된 멤버들을 정렬</a:t>
+              <a:t>시각적으로 보여줄 수 있는 방법</a:t>
             </a:r>
             <a:endParaRPr lang="en-US" altLang="ko-KR" dirty="0"/>
           </a:p>
           <a:p>
+            <a:endParaRPr lang="en-US" altLang="ko-KR" dirty="0"/>
+          </a:p>
+          <a:p>
             <a:r>
               <a:rPr lang="en-US" altLang="ko-KR" dirty="0"/>
-              <a:t>-</a:t>
-            </a:r>
+              <a:t>Ex) 1</a:t>
+            </a:r>
+            <a:r>
+              <a:rPr lang="ko-KR" altLang="en-US"/>
+              <a:t>조에는 </a:t>
+            </a:r>
+            <a:endParaRPr lang="en-US" altLang="ko-KR" dirty="0"/>
           </a:p>
         </p:txBody>
       </p:sp>
@@ -8620,7 +11003,7 @@
         </p:nvGrpSpPr>
         <p:grpSpPr>
           <a:xfrm>
-            <a:off x="7415344" y="536017"/>
+            <a:off x="7341723" y="739962"/>
             <a:ext cx="2107474" cy="1088571"/>
             <a:chOff x="1079863" y="3004458"/>
             <a:chExt cx="2107474" cy="1088571"/>
@@ -8730,7 +11113,7 @@
         </p:nvSpPr>
         <p:spPr>
           <a:xfrm>
-            <a:off x="6775265" y="1679093"/>
+            <a:off x="6701644" y="1883038"/>
             <a:ext cx="2455813" cy="461665"/>
           </a:xfrm>
           <a:prstGeom prst="rect">
@@ -8804,7 +11187,7 @@
         </p:nvGrpSpPr>
         <p:grpSpPr>
           <a:xfrm>
-            <a:off x="4850672" y="2749605"/>
+            <a:off x="4777051" y="2953550"/>
             <a:ext cx="2107474" cy="1088571"/>
             <a:chOff x="1079863" y="3004458"/>
             <a:chExt cx="2107474" cy="1088571"/>
@@ -8914,7 +11297,7 @@
         </p:nvSpPr>
         <p:spPr>
           <a:xfrm>
-            <a:off x="4425412" y="3986864"/>
+            <a:off x="4351791" y="4127064"/>
             <a:ext cx="2026176" cy="276999"/>
           </a:xfrm>
           <a:prstGeom prst="rect">
@@ -8957,10 +11340,10 @@
         </p:nvGrpSpPr>
         <p:grpSpPr>
           <a:xfrm>
-            <a:off x="7426237" y="2754822"/>
-            <a:ext cx="2107474" cy="1088571"/>
+            <a:off x="7352616" y="2958767"/>
+            <a:ext cx="2144476" cy="1088571"/>
             <a:chOff x="1079863" y="3004458"/>
-            <a:chExt cx="2107474" cy="1088571"/>
+            <a:chExt cx="2144476" cy="1088571"/>
           </a:xfrm>
         </p:grpSpPr>
         <p:sp>
@@ -9024,7 +11407,7 @@
           </p:nvSpPr>
           <p:spPr>
             <a:xfrm>
-              <a:off x="1079863" y="3394854"/>
+              <a:off x="1116865" y="3402445"/>
               <a:ext cx="2107474" cy="215444"/>
             </a:xfrm>
             <a:prstGeom prst="rect">
@@ -9067,7 +11450,7 @@
         </p:nvSpPr>
         <p:spPr>
           <a:xfrm>
-            <a:off x="7067005" y="4037999"/>
+            <a:off x="6975969" y="4135690"/>
             <a:ext cx="1928949" cy="276999"/>
           </a:xfrm>
           <a:prstGeom prst="rect">
@@ -9124,9 +11507,9 @@
         </p:nvGrpSpPr>
         <p:grpSpPr>
           <a:xfrm>
-            <a:off x="10038804" y="2749605"/>
+            <a:off x="9928181" y="2953550"/>
             <a:ext cx="2229394" cy="1088571"/>
-            <a:chOff x="1079863" y="3004458"/>
+            <a:chOff x="1042861" y="3004458"/>
             <a:chExt cx="2229394" cy="1088571"/>
           </a:xfrm>
         </p:grpSpPr>
@@ -9144,7 +11527,7 @@
           </p:nvSpPr>
           <p:spPr>
             <a:xfrm>
-              <a:off x="1079863" y="3004458"/>
+              <a:off x="1042861" y="3004458"/>
               <a:ext cx="1175657" cy="1088571"/>
             </a:xfrm>
             <a:prstGeom prst="rect">
@@ -9191,7 +11574,7 @@
           </p:nvSpPr>
           <p:spPr>
             <a:xfrm>
-              <a:off x="1201783" y="3394854"/>
+              <a:off x="1164781" y="3441021"/>
               <a:ext cx="2107474" cy="215444"/>
             </a:xfrm>
             <a:prstGeom prst="rect">
@@ -9234,7 +11617,7 @@
         </p:nvSpPr>
         <p:spPr>
           <a:xfrm>
-            <a:off x="9753597" y="4032083"/>
+            <a:off x="9686506" y="4135689"/>
             <a:ext cx="1733009" cy="276999"/>
           </a:xfrm>
           <a:prstGeom prst="rect">
@@ -9371,7 +11754,7 @@
         </p:nvSpPr>
         <p:spPr>
           <a:xfrm>
-            <a:off x="7859479" y="2140758"/>
+            <a:off x="7785858" y="2344703"/>
             <a:ext cx="287383" cy="488290"/>
           </a:xfrm>
           <a:prstGeom prst="downArrow">
@@ -9418,7 +11801,7 @@
         </p:nvSpPr>
         <p:spPr>
           <a:xfrm rot="2900995">
-            <a:off x="6096000" y="2074647"/>
+            <a:off x="6022379" y="2278592"/>
             <a:ext cx="287383" cy="488290"/>
           </a:xfrm>
           <a:prstGeom prst="downArrow">
@@ -9464,8 +11847,8 @@
           <p:nvPr/>
         </p:nvSpPr>
         <p:spPr>
-          <a:xfrm rot="18033019">
-            <a:off x="9662418" y="2074646"/>
+          <a:xfrm rot="18777042">
+            <a:off x="5898280" y="4400426"/>
             <a:ext cx="287383" cy="488290"/>
           </a:xfrm>
           <a:prstGeom prst="downArrow">
@@ -9516,12 +11899,12 @@
         </p:nvCxnSpPr>
         <p:spPr>
           <a:xfrm rot="5400000" flipH="1" flipV="1">
-            <a:off x="9322833" y="3017729"/>
-            <a:ext cx="5916" cy="2588622"/>
+            <a:off x="9246726" y="3106405"/>
+            <a:ext cx="1" cy="2612567"/>
           </a:xfrm>
           <a:prstGeom prst="bentConnector3">
             <a:avLst>
-              <a:gd name="adj1" fmla="val -5924949"/>
+              <a:gd name="adj1" fmla="val -22860000000"/>
             </a:avLst>
           </a:prstGeom>
           <a:ln w="28575">
@@ -9543,6 +11926,406 @@
           </a:fontRef>
         </p:style>
       </p:cxnSp>
+      <p:grpSp>
+        <p:nvGrpSpPr>
+          <p:cNvPr id="36" name="그룹 35">
+            <a:extLst>
+              <a:ext uri="{FF2B5EF4-FFF2-40B4-BE49-F238E27FC236}">
+                <a16:creationId xmlns:a16="http://schemas.microsoft.com/office/drawing/2014/main" id="{725E3A4C-D8E4-4909-9789-3184A74F3D11}"/>
+              </a:ext>
+            </a:extLst>
+          </p:cNvPr>
+          <p:cNvGrpSpPr/>
+          <p:nvPr/>
+        </p:nvGrpSpPr>
+        <p:grpSpPr>
+          <a:xfrm>
+            <a:off x="3616949" y="4994661"/>
+            <a:ext cx="2152479" cy="1088571"/>
+            <a:chOff x="1079863" y="3004458"/>
+            <a:chExt cx="2152479" cy="1088571"/>
+          </a:xfrm>
+        </p:grpSpPr>
+        <p:sp>
+          <p:nvSpPr>
+            <p:cNvPr id="42" name="직사각형 41">
+              <a:extLst>
+                <a:ext uri="{FF2B5EF4-FFF2-40B4-BE49-F238E27FC236}">
+                  <a16:creationId xmlns:a16="http://schemas.microsoft.com/office/drawing/2014/main" id="{23276AB6-493C-4B50-8190-C8550EB99A0D}"/>
+                </a:ext>
+              </a:extLst>
+            </p:cNvPr>
+            <p:cNvSpPr/>
+            <p:nvPr/>
+          </p:nvSpPr>
+          <p:spPr>
+            <a:xfrm>
+              <a:off x="1079863" y="3004458"/>
+              <a:ext cx="1175657" cy="1088571"/>
+            </a:xfrm>
+            <a:prstGeom prst="rect">
+              <a:avLst/>
+            </a:prstGeom>
+            <a:noFill/>
+          </p:spPr>
+          <p:style>
+            <a:lnRef idx="2">
+              <a:schemeClr val="accent1">
+                <a:shade val="50000"/>
+              </a:schemeClr>
+            </a:lnRef>
+            <a:fillRef idx="1">
+              <a:schemeClr val="accent1"/>
+            </a:fillRef>
+            <a:effectRef idx="0">
+              <a:schemeClr val="accent1"/>
+            </a:effectRef>
+            <a:fontRef idx="minor">
+              <a:schemeClr val="lt1"/>
+            </a:fontRef>
+          </p:style>
+          <p:txBody>
+            <a:bodyPr rtlCol="0" anchor="ctr"/>
+            <a:lstStyle/>
+            <a:p>
+              <a:pPr algn="ctr"/>
+              <a:endParaRPr lang="ko-KR" altLang="en-US"/>
+            </a:p>
+          </p:txBody>
+        </p:sp>
+        <p:sp>
+          <p:nvSpPr>
+            <p:cNvPr id="44" name="TextBox 43">
+              <a:extLst>
+                <a:ext uri="{FF2B5EF4-FFF2-40B4-BE49-F238E27FC236}">
+                  <a16:creationId xmlns:a16="http://schemas.microsoft.com/office/drawing/2014/main" id="{0544EBAA-33EB-4FB2-A0B8-22B7E1D519AB}"/>
+                </a:ext>
+              </a:extLst>
+            </p:cNvPr>
+            <p:cNvSpPr txBox="1"/>
+            <p:nvPr/>
+          </p:nvSpPr>
+          <p:spPr>
+            <a:xfrm>
+              <a:off x="1124868" y="3442026"/>
+              <a:ext cx="2107474" cy="200055"/>
+            </a:xfrm>
+            <a:prstGeom prst="rect">
+              <a:avLst/>
+            </a:prstGeom>
+            <a:noFill/>
+          </p:spPr>
+          <p:txBody>
+            <a:bodyPr wrap="square" rtlCol="0">
+              <a:spAutoFit/>
+            </a:bodyPr>
+            <a:lstStyle/>
+            <a:p>
+              <a:r>
+                <a:rPr lang="en-US" altLang="ko-KR" sz="700" dirty="0" err="1">
+                  <a:latin typeface="한컴 윤고딕 240" panose="02020603020101020101" pitchFamily="18" charset="-127"/>
+                  <a:ea typeface="한컴 윤고딕 240" panose="02020603020101020101" pitchFamily="18" charset="-127"/>
+                </a:rPr>
+                <a:t>Song_updateMember</a:t>
+              </a:r>
+              <a:endParaRPr lang="ko-KR" altLang="en-US" sz="700" dirty="0">
+                <a:latin typeface="한컴 윤고딕 240" panose="02020603020101020101" pitchFamily="18" charset="-127"/>
+                <a:ea typeface="한컴 윤고딕 240" panose="02020603020101020101" pitchFamily="18" charset="-127"/>
+              </a:endParaRPr>
+            </a:p>
+          </p:txBody>
+        </p:sp>
+      </p:grpSp>
+      <p:grpSp>
+        <p:nvGrpSpPr>
+          <p:cNvPr id="45" name="그룹 44">
+            <a:extLst>
+              <a:ext uri="{FF2B5EF4-FFF2-40B4-BE49-F238E27FC236}">
+                <a16:creationId xmlns:a16="http://schemas.microsoft.com/office/drawing/2014/main" id="{AB67EE58-2436-4EAE-BE17-F5CD3358A55D}"/>
+              </a:ext>
+            </a:extLst>
+          </p:cNvPr>
+          <p:cNvGrpSpPr/>
+          <p:nvPr/>
+        </p:nvGrpSpPr>
+        <p:grpSpPr>
+          <a:xfrm>
+            <a:off x="5975112" y="4994661"/>
+            <a:ext cx="2152478" cy="1088571"/>
+            <a:chOff x="1079863" y="3004458"/>
+            <a:chExt cx="2152478" cy="1088571"/>
+          </a:xfrm>
+        </p:grpSpPr>
+        <p:sp>
+          <p:nvSpPr>
+            <p:cNvPr id="46" name="직사각형 45">
+              <a:extLst>
+                <a:ext uri="{FF2B5EF4-FFF2-40B4-BE49-F238E27FC236}">
+                  <a16:creationId xmlns:a16="http://schemas.microsoft.com/office/drawing/2014/main" id="{D9A5D307-72E2-4535-AF7E-1B44869563F0}"/>
+                </a:ext>
+              </a:extLst>
+            </p:cNvPr>
+            <p:cNvSpPr/>
+            <p:nvPr/>
+          </p:nvSpPr>
+          <p:spPr>
+            <a:xfrm>
+              <a:off x="1079863" y="3004458"/>
+              <a:ext cx="1175657" cy="1088571"/>
+            </a:xfrm>
+            <a:prstGeom prst="rect">
+              <a:avLst/>
+            </a:prstGeom>
+            <a:noFill/>
+          </p:spPr>
+          <p:style>
+            <a:lnRef idx="2">
+              <a:schemeClr val="accent1">
+                <a:shade val="50000"/>
+              </a:schemeClr>
+            </a:lnRef>
+            <a:fillRef idx="1">
+              <a:schemeClr val="accent1"/>
+            </a:fillRef>
+            <a:effectRef idx="0">
+              <a:schemeClr val="accent1"/>
+            </a:effectRef>
+            <a:fontRef idx="minor">
+              <a:schemeClr val="lt1"/>
+            </a:fontRef>
+          </p:style>
+          <p:txBody>
+            <a:bodyPr rtlCol="0" anchor="ctr"/>
+            <a:lstStyle/>
+            <a:p>
+              <a:pPr algn="ctr"/>
+              <a:endParaRPr lang="ko-KR" altLang="en-US"/>
+            </a:p>
+          </p:txBody>
+        </p:sp>
+        <p:sp>
+          <p:nvSpPr>
+            <p:cNvPr id="47" name="TextBox 46">
+              <a:extLst>
+                <a:ext uri="{FF2B5EF4-FFF2-40B4-BE49-F238E27FC236}">
+                  <a16:creationId xmlns:a16="http://schemas.microsoft.com/office/drawing/2014/main" id="{40BFDC7E-4F4A-4680-9CA0-A01AF6B955BF}"/>
+                </a:ext>
+              </a:extLst>
+            </p:cNvPr>
+            <p:cNvSpPr txBox="1"/>
+            <p:nvPr/>
+          </p:nvSpPr>
+          <p:spPr>
+            <a:xfrm>
+              <a:off x="1124867" y="3446088"/>
+              <a:ext cx="2107474" cy="200055"/>
+            </a:xfrm>
+            <a:prstGeom prst="rect">
+              <a:avLst/>
+            </a:prstGeom>
+            <a:noFill/>
+          </p:spPr>
+          <p:txBody>
+            <a:bodyPr wrap="square" rtlCol="0">
+              <a:spAutoFit/>
+            </a:bodyPr>
+            <a:lstStyle/>
+            <a:p>
+              <a:r>
+                <a:rPr lang="en-US" altLang="ko-KR" sz="700" dirty="0" err="1">
+                  <a:latin typeface="한컴 윤고딕 240" panose="02020603020101020101" pitchFamily="18" charset="-127"/>
+                  <a:ea typeface="한컴 윤고딕 240" panose="02020603020101020101" pitchFamily="18" charset="-127"/>
+                </a:rPr>
+                <a:t>Song_deleteMember</a:t>
+              </a:r>
+              <a:endParaRPr lang="ko-KR" altLang="en-US" sz="700" dirty="0">
+                <a:latin typeface="한컴 윤고딕 240" panose="02020603020101020101" pitchFamily="18" charset="-127"/>
+                <a:ea typeface="한컴 윤고딕 240" panose="02020603020101020101" pitchFamily="18" charset="-127"/>
+              </a:endParaRPr>
+            </a:p>
+          </p:txBody>
+        </p:sp>
+      </p:grpSp>
+      <p:sp>
+        <p:nvSpPr>
+          <p:cNvPr id="48" name="화살표: 아래쪽 47">
+            <a:extLst>
+              <a:ext uri="{FF2B5EF4-FFF2-40B4-BE49-F238E27FC236}">
+                <a16:creationId xmlns:a16="http://schemas.microsoft.com/office/drawing/2014/main" id="{1B76BD57-A7EC-43BE-9C99-C7DC7EDBC7B1}"/>
+              </a:ext>
+            </a:extLst>
+          </p:cNvPr>
+          <p:cNvSpPr/>
+          <p:nvPr/>
+        </p:nvSpPr>
+        <p:spPr>
+          <a:xfrm rot="2846741">
+            <a:off x="4477356" y="4394253"/>
+            <a:ext cx="287383" cy="488290"/>
+          </a:xfrm>
+          <a:prstGeom prst="downArrow">
+            <a:avLst/>
+          </a:prstGeom>
+          <a:noFill/>
+        </p:spPr>
+        <p:style>
+          <a:lnRef idx="2">
+            <a:schemeClr val="accent1">
+              <a:shade val="50000"/>
+            </a:schemeClr>
+          </a:lnRef>
+          <a:fillRef idx="1">
+            <a:schemeClr val="accent1"/>
+          </a:fillRef>
+          <a:effectRef idx="0">
+            <a:schemeClr val="accent1"/>
+          </a:effectRef>
+          <a:fontRef idx="minor">
+            <a:schemeClr val="lt1"/>
+          </a:fontRef>
+        </p:style>
+        <p:txBody>
+          <a:bodyPr rtlCol="0" anchor="ctr"/>
+          <a:lstStyle/>
+          <a:p>
+            <a:pPr algn="ctr"/>
+            <a:endParaRPr lang="ko-KR" altLang="en-US"/>
+          </a:p>
+        </p:txBody>
+      </p:sp>
+      <p:sp>
+        <p:nvSpPr>
+          <p:cNvPr id="49" name="화살표: 아래쪽 48">
+            <a:extLst>
+              <a:ext uri="{FF2B5EF4-FFF2-40B4-BE49-F238E27FC236}">
+                <a16:creationId xmlns:a16="http://schemas.microsoft.com/office/drawing/2014/main" id="{05E93A92-11FF-4EC5-A771-C34FC7BC8E85}"/>
+              </a:ext>
+            </a:extLst>
+          </p:cNvPr>
+          <p:cNvSpPr/>
+          <p:nvPr/>
+        </p:nvSpPr>
+        <p:spPr>
+          <a:xfrm rot="18033019">
+            <a:off x="9741197" y="2430991"/>
+            <a:ext cx="287383" cy="488290"/>
+          </a:xfrm>
+          <a:prstGeom prst="downArrow">
+            <a:avLst/>
+          </a:prstGeom>
+          <a:noFill/>
+        </p:spPr>
+        <p:style>
+          <a:lnRef idx="2">
+            <a:schemeClr val="accent1">
+              <a:shade val="50000"/>
+            </a:schemeClr>
+          </a:lnRef>
+          <a:fillRef idx="1">
+            <a:schemeClr val="accent1"/>
+          </a:fillRef>
+          <a:effectRef idx="0">
+            <a:schemeClr val="accent1"/>
+          </a:effectRef>
+          <a:fontRef idx="minor">
+            <a:schemeClr val="lt1"/>
+          </a:fontRef>
+        </p:style>
+        <p:txBody>
+          <a:bodyPr rtlCol="0" anchor="ctr"/>
+          <a:lstStyle/>
+          <a:p>
+            <a:pPr algn="ctr"/>
+            <a:endParaRPr lang="ko-KR" altLang="en-US"/>
+          </a:p>
+        </p:txBody>
+      </p:sp>
+      <p:sp>
+        <p:nvSpPr>
+          <p:cNvPr id="50" name="TextBox 49">
+            <a:extLst>
+              <a:ext uri="{FF2B5EF4-FFF2-40B4-BE49-F238E27FC236}">
+                <a16:creationId xmlns:a16="http://schemas.microsoft.com/office/drawing/2014/main" id="{0FBC134F-231C-4027-9A87-8279D9555BE2}"/>
+              </a:ext>
+            </a:extLst>
+          </p:cNvPr>
+          <p:cNvSpPr txBox="1"/>
+          <p:nvPr/>
+        </p:nvSpPr>
+        <p:spPr>
+          <a:xfrm>
+            <a:off x="3150326" y="6171471"/>
+            <a:ext cx="2026176" cy="276999"/>
+          </a:xfrm>
+          <a:prstGeom prst="rect">
+            <a:avLst/>
+          </a:prstGeom>
+          <a:noFill/>
+        </p:spPr>
+        <p:txBody>
+          <a:bodyPr wrap="square" rtlCol="0">
+            <a:spAutoFit/>
+          </a:bodyPr>
+          <a:lstStyle/>
+          <a:p>
+            <a:pPr algn="ctr"/>
+            <a:r>
+              <a:rPr lang="ko-KR" altLang="en-US" sz="1200" dirty="0">
+                <a:latin typeface="한컴 윤고딕 240" panose="02020603020101020101" pitchFamily="18" charset="-127"/>
+                <a:ea typeface="한컴 윤고딕 240" panose="02020603020101020101" pitchFamily="18" charset="-127"/>
+              </a:rPr>
+              <a:t>그룹 인원 추가</a:t>
+            </a:r>
+            <a:endParaRPr lang="en-US" altLang="ko-KR" sz="1200" dirty="0">
+              <a:latin typeface="한컴 윤고딕 240" panose="02020603020101020101" pitchFamily="18" charset="-127"/>
+              <a:ea typeface="한컴 윤고딕 240" panose="02020603020101020101" pitchFamily="18" charset="-127"/>
+            </a:endParaRPr>
+          </a:p>
+        </p:txBody>
+      </p:sp>
+      <p:sp>
+        <p:nvSpPr>
+          <p:cNvPr id="51" name="TextBox 50">
+            <a:extLst>
+              <a:ext uri="{FF2B5EF4-FFF2-40B4-BE49-F238E27FC236}">
+                <a16:creationId xmlns:a16="http://schemas.microsoft.com/office/drawing/2014/main" id="{CC342FE2-78AF-4DE8-AB04-3B4D028FED1F}"/>
+              </a:ext>
+            </a:extLst>
+          </p:cNvPr>
+          <p:cNvSpPr txBox="1"/>
+          <p:nvPr/>
+        </p:nvSpPr>
+        <p:spPr>
+          <a:xfrm>
+            <a:off x="5480187" y="6154975"/>
+            <a:ext cx="2026176" cy="276999"/>
+          </a:xfrm>
+          <a:prstGeom prst="rect">
+            <a:avLst/>
+          </a:prstGeom>
+          <a:noFill/>
+        </p:spPr>
+        <p:txBody>
+          <a:bodyPr wrap="square" rtlCol="0">
+            <a:spAutoFit/>
+          </a:bodyPr>
+          <a:lstStyle/>
+          <a:p>
+            <a:pPr algn="ctr"/>
+            <a:r>
+              <a:rPr lang="ko-KR" altLang="en-US" sz="1200" dirty="0">
+                <a:latin typeface="한컴 윤고딕 240" panose="02020603020101020101" pitchFamily="18" charset="-127"/>
+                <a:ea typeface="한컴 윤고딕 240" panose="02020603020101020101" pitchFamily="18" charset="-127"/>
+              </a:rPr>
+              <a:t>그룹 인원 삭제</a:t>
+            </a:r>
+            <a:endParaRPr lang="en-US" altLang="ko-KR" sz="1200" dirty="0">
+              <a:latin typeface="한컴 윤고딕 240" panose="02020603020101020101" pitchFamily="18" charset="-127"/>
+              <a:ea typeface="한컴 윤고딕 240" panose="02020603020101020101" pitchFamily="18" charset="-127"/>
+            </a:endParaRPr>
+          </a:p>
+        </p:txBody>
+      </p:sp>
     </p:spTree>
     <p:extLst>
       <p:ext uri="{BB962C8B-B14F-4D97-AF65-F5344CB8AC3E}">
@@ -9795,7 +12578,1931 @@
                 <a:latin typeface="한컴 윤고딕 250" panose="02020603020101020101" pitchFamily="18" charset="-127"/>
                 <a:ea typeface="한컴 윤고딕 250" panose="02020603020101020101" pitchFamily="18" charset="-127"/>
               </a:rPr>
-              <a:t>HOW?</a:t>
+              <a:t>HOW to</a:t>
+            </a:r>
+            <a:r>
+              <a:rPr lang="ko-KR" altLang="en-US" dirty="0">
+                <a:latin typeface="한컴 윤고딕 250" panose="02020603020101020101" pitchFamily="18" charset="-127"/>
+                <a:ea typeface="한컴 윤고딕 250" panose="02020603020101020101" pitchFamily="18" charset="-127"/>
+              </a:rPr>
+              <a:t> </a:t>
+            </a:r>
+            <a:r>
+              <a:rPr lang="en-US" altLang="ko-KR" dirty="0">
+                <a:latin typeface="한컴 윤고딕 250" panose="02020603020101020101" pitchFamily="18" charset="-127"/>
+                <a:ea typeface="한컴 윤고딕 250" panose="02020603020101020101" pitchFamily="18" charset="-127"/>
+              </a:rPr>
+              <a:t>distribute?</a:t>
+            </a:r>
+            <a:endParaRPr lang="ko-KR" altLang="en-US" dirty="0">
+              <a:latin typeface="한컴 윤고딕 250" panose="02020603020101020101" pitchFamily="18" charset="-127"/>
+              <a:ea typeface="한컴 윤고딕 250" panose="02020603020101020101" pitchFamily="18" charset="-127"/>
+            </a:endParaRPr>
+          </a:p>
+        </p:txBody>
+      </p:sp>
+      <p:sp>
+        <p:nvSpPr>
+          <p:cNvPr id="2" name="TextBox 1">
+            <a:extLst>
+              <a:ext uri="{FF2B5EF4-FFF2-40B4-BE49-F238E27FC236}">
+                <a16:creationId xmlns:a16="http://schemas.microsoft.com/office/drawing/2014/main" id="{C804165B-6181-4CDC-B4AF-3A6D3F6C8045}"/>
+              </a:ext>
+            </a:extLst>
+          </p:cNvPr>
+          <p:cNvSpPr txBox="1"/>
+          <p:nvPr/>
+        </p:nvSpPr>
+        <p:spPr>
+          <a:xfrm>
+            <a:off x="1964267" y="1515533"/>
+            <a:ext cx="9093200" cy="369332"/>
+          </a:xfrm>
+          <a:prstGeom prst="rect">
+            <a:avLst/>
+          </a:prstGeom>
+          <a:noFill/>
+        </p:spPr>
+        <p:txBody>
+          <a:bodyPr wrap="square" rtlCol="0">
+            <a:spAutoFit/>
+          </a:bodyPr>
+          <a:lstStyle/>
+          <a:p>
+            <a:pPr marL="285750" indent="-285750">
+              <a:buFont typeface="Wingdings" panose="05000000000000000000" pitchFamily="2" charset="2"/>
+              <a:buChar char="ü"/>
+            </a:pPr>
+            <a:r>
+              <a:rPr lang="ko-KR" altLang="en-US" dirty="0">
+                <a:latin typeface="한컴 윤고딕 230" panose="02020603020101020101" pitchFamily="18" charset="-127"/>
+                <a:ea typeface="한컴 윤고딕 230" panose="02020603020101020101" pitchFamily="18" charset="-127"/>
+              </a:rPr>
+              <a:t>이 웹페이지의 특색은 </a:t>
+            </a:r>
+            <a:r>
+              <a:rPr lang="ko-KR" altLang="en-US" dirty="0">
+                <a:solidFill>
+                  <a:srgbClr val="FF0000"/>
+                </a:solidFill>
+                <a:latin typeface="한컴 윤고딕 230" panose="02020603020101020101" pitchFamily="18" charset="-127"/>
+                <a:ea typeface="한컴 윤고딕 230" panose="02020603020101020101" pitchFamily="18" charset="-127"/>
+              </a:rPr>
+              <a:t>강점</a:t>
+            </a:r>
+            <a:r>
+              <a:rPr lang="ko-KR" altLang="en-US" dirty="0">
+                <a:latin typeface="한컴 윤고딕 230" panose="02020603020101020101" pitchFamily="18" charset="-127"/>
+                <a:ea typeface="한컴 윤고딕 230" panose="02020603020101020101" pitchFamily="18" charset="-127"/>
+              </a:rPr>
+              <a:t>은 무엇인가</a:t>
+            </a:r>
+            <a:r>
+              <a:rPr lang="en-US" altLang="ko-KR" dirty="0">
+                <a:latin typeface="한컴 윤고딕 230" panose="02020603020101020101" pitchFamily="18" charset="-127"/>
+                <a:ea typeface="한컴 윤고딕 230" panose="02020603020101020101" pitchFamily="18" charset="-127"/>
+              </a:rPr>
+              <a:t>?</a:t>
+            </a:r>
+            <a:endParaRPr lang="ko-KR" altLang="en-US" dirty="0">
+              <a:latin typeface="한컴 윤고딕 230" panose="02020603020101020101" pitchFamily="18" charset="-127"/>
+              <a:ea typeface="한컴 윤고딕 230" panose="02020603020101020101" pitchFamily="18" charset="-127"/>
+            </a:endParaRPr>
+          </a:p>
+        </p:txBody>
+      </p:sp>
+      <p:sp>
+        <p:nvSpPr>
+          <p:cNvPr id="6" name="TextBox 5">
+            <a:extLst>
+              <a:ext uri="{FF2B5EF4-FFF2-40B4-BE49-F238E27FC236}">
+                <a16:creationId xmlns:a16="http://schemas.microsoft.com/office/drawing/2014/main" id="{F6673A6F-BF1B-4264-8C91-BB353B6B6D6D}"/>
+              </a:ext>
+            </a:extLst>
+          </p:cNvPr>
+          <p:cNvSpPr txBox="1"/>
+          <p:nvPr/>
+        </p:nvSpPr>
+        <p:spPr>
+          <a:xfrm>
+            <a:off x="2345267" y="2259775"/>
+            <a:ext cx="9093200" cy="369332"/>
+          </a:xfrm>
+          <a:prstGeom prst="rect">
+            <a:avLst/>
+          </a:prstGeom>
+          <a:noFill/>
+        </p:spPr>
+        <p:txBody>
+          <a:bodyPr wrap="square" rtlCol="0">
+            <a:spAutoFit/>
+          </a:bodyPr>
+          <a:lstStyle/>
+          <a:p>
+            <a:pPr marL="285750" indent="-285750">
+              <a:buFont typeface="Arial" panose="020B0604020202020204" pitchFamily="34" charset="0"/>
+              <a:buChar char="•"/>
+            </a:pPr>
+            <a:r>
+              <a:rPr lang="ko-KR" altLang="en-US" dirty="0">
+                <a:latin typeface="한컴 윤고딕 230" panose="02020603020101020101" pitchFamily="18" charset="-127"/>
+                <a:ea typeface="한컴 윤고딕 230" panose="02020603020101020101" pitchFamily="18" charset="-127"/>
+              </a:rPr>
+              <a:t>인원들을 랜덤으로 그룹에 배치 </a:t>
+            </a:r>
+          </a:p>
+        </p:txBody>
+      </p:sp>
+      <p:sp>
+        <p:nvSpPr>
+          <p:cNvPr id="9" name="TextBox 8">
+            <a:extLst>
+              <a:ext uri="{FF2B5EF4-FFF2-40B4-BE49-F238E27FC236}">
+                <a16:creationId xmlns:a16="http://schemas.microsoft.com/office/drawing/2014/main" id="{84068E78-A9BA-4808-9517-71ED876E5F7E}"/>
+              </a:ext>
+            </a:extLst>
+          </p:cNvPr>
+          <p:cNvSpPr txBox="1"/>
+          <p:nvPr/>
+        </p:nvSpPr>
+        <p:spPr>
+          <a:xfrm>
+            <a:off x="2345267" y="2817750"/>
+            <a:ext cx="9093200" cy="369332"/>
+          </a:xfrm>
+          <a:prstGeom prst="rect">
+            <a:avLst/>
+          </a:prstGeom>
+          <a:noFill/>
+        </p:spPr>
+        <p:txBody>
+          <a:bodyPr wrap="square" rtlCol="0">
+            <a:spAutoFit/>
+          </a:bodyPr>
+          <a:lstStyle/>
+          <a:p>
+            <a:pPr marL="285750" indent="-285750">
+              <a:buFont typeface="Arial" panose="020B0604020202020204" pitchFamily="34" charset="0"/>
+              <a:buChar char="•"/>
+            </a:pPr>
+            <a:r>
+              <a:rPr lang="ko-KR" altLang="en-US" dirty="0">
+                <a:latin typeface="한컴 윤고딕 230" panose="02020603020101020101" pitchFamily="18" charset="-127"/>
+                <a:ea typeface="한컴 윤고딕 230" panose="02020603020101020101" pitchFamily="18" charset="-127"/>
+              </a:rPr>
+              <a:t>연속으로 같은 인원이 같은 조에 배치되지 않음</a:t>
+            </a:r>
+          </a:p>
+        </p:txBody>
+      </p:sp>
+      <p:sp>
+        <p:nvSpPr>
+          <p:cNvPr id="4" name="타원 3">
+            <a:extLst>
+              <a:ext uri="{FF2B5EF4-FFF2-40B4-BE49-F238E27FC236}">
+                <a16:creationId xmlns:a16="http://schemas.microsoft.com/office/drawing/2014/main" id="{3EC869AE-D2AC-4061-BA4F-7CEC9FCBBE17}"/>
+              </a:ext>
+            </a:extLst>
+          </p:cNvPr>
+          <p:cNvSpPr/>
+          <p:nvPr/>
+        </p:nvSpPr>
+        <p:spPr>
+          <a:xfrm>
+            <a:off x="2607731" y="3759200"/>
+            <a:ext cx="1532459" cy="1346200"/>
+          </a:xfrm>
+          <a:prstGeom prst="ellipse">
+            <a:avLst/>
+          </a:prstGeom>
+          <a:noFill/>
+        </p:spPr>
+        <p:style>
+          <a:lnRef idx="2">
+            <a:schemeClr val="accent1">
+              <a:shade val="50000"/>
+            </a:schemeClr>
+          </a:lnRef>
+          <a:fillRef idx="1">
+            <a:schemeClr val="accent1"/>
+          </a:fillRef>
+          <a:effectRef idx="0">
+            <a:schemeClr val="accent1"/>
+          </a:effectRef>
+          <a:fontRef idx="minor">
+            <a:schemeClr val="lt1"/>
+          </a:fontRef>
+        </p:style>
+        <p:txBody>
+          <a:bodyPr rtlCol="0" anchor="ctr"/>
+          <a:lstStyle/>
+          <a:p>
+            <a:pPr algn="ctr"/>
+            <a:endParaRPr lang="ko-KR" altLang="en-US"/>
+          </a:p>
+        </p:txBody>
+      </p:sp>
+      <p:cxnSp>
+        <p:nvCxnSpPr>
+          <p:cNvPr id="11" name="직선 연결선 10">
+            <a:extLst>
+              <a:ext uri="{FF2B5EF4-FFF2-40B4-BE49-F238E27FC236}">
+                <a16:creationId xmlns:a16="http://schemas.microsoft.com/office/drawing/2014/main" id="{2FCD3AB1-9E4A-4BA1-9D0F-13BF938A8A6B}"/>
+              </a:ext>
+            </a:extLst>
+          </p:cNvPr>
+          <p:cNvCxnSpPr/>
+          <p:nvPr/>
+        </p:nvCxnSpPr>
+        <p:spPr>
+          <a:xfrm>
+            <a:off x="6832600" y="3570301"/>
+            <a:ext cx="0" cy="1947333"/>
+          </a:xfrm>
+          <a:prstGeom prst="line">
+            <a:avLst/>
+          </a:prstGeom>
+          <a:ln w="76200"/>
+        </p:spPr>
+        <p:style>
+          <a:lnRef idx="1">
+            <a:schemeClr val="accent1"/>
+          </a:lnRef>
+          <a:fillRef idx="0">
+            <a:schemeClr val="accent1"/>
+          </a:fillRef>
+          <a:effectRef idx="0">
+            <a:schemeClr val="accent1"/>
+          </a:effectRef>
+          <a:fontRef idx="minor">
+            <a:schemeClr val="tx1"/>
+          </a:fontRef>
+        </p:style>
+      </p:cxnSp>
+      <p:sp>
+        <p:nvSpPr>
+          <p:cNvPr id="12" name="TextBox 11">
+            <a:extLst>
+              <a:ext uri="{FF2B5EF4-FFF2-40B4-BE49-F238E27FC236}">
+                <a16:creationId xmlns:a16="http://schemas.microsoft.com/office/drawing/2014/main" id="{74D348BB-8300-4EF4-B05B-07492C04C2D9}"/>
+              </a:ext>
+            </a:extLst>
+          </p:cNvPr>
+          <p:cNvSpPr txBox="1"/>
+          <p:nvPr/>
+        </p:nvSpPr>
+        <p:spPr>
+          <a:xfrm>
+            <a:off x="2552693" y="4247634"/>
+            <a:ext cx="1642533" cy="369332"/>
+          </a:xfrm>
+          <a:prstGeom prst="rect">
+            <a:avLst/>
+          </a:prstGeom>
+          <a:noFill/>
+        </p:spPr>
+        <p:txBody>
+          <a:bodyPr wrap="square" rtlCol="0">
+            <a:spAutoFit/>
+          </a:bodyPr>
+          <a:lstStyle/>
+          <a:p>
+            <a:pPr algn="ctr"/>
+            <a:r>
+              <a:rPr lang="en-US" altLang="ko-KR" dirty="0">
+                <a:latin typeface="한컴 윤고딕 230" panose="02020603020101020101" pitchFamily="18" charset="-127"/>
+                <a:ea typeface="한컴 윤고딕 230" panose="02020603020101020101" pitchFamily="18" charset="-127"/>
+              </a:rPr>
+              <a:t>Song, Kim</a:t>
+            </a:r>
+            <a:endParaRPr lang="ko-KR" altLang="en-US" dirty="0">
+              <a:latin typeface="한컴 윤고딕 230" panose="02020603020101020101" pitchFamily="18" charset="-127"/>
+              <a:ea typeface="한컴 윤고딕 230" panose="02020603020101020101" pitchFamily="18" charset="-127"/>
+            </a:endParaRPr>
+          </a:p>
+        </p:txBody>
+      </p:sp>
+      <p:sp>
+        <p:nvSpPr>
+          <p:cNvPr id="14" name="타원 13">
+            <a:extLst>
+              <a:ext uri="{FF2B5EF4-FFF2-40B4-BE49-F238E27FC236}">
+                <a16:creationId xmlns:a16="http://schemas.microsoft.com/office/drawing/2014/main" id="{FA7D198F-FC47-4484-97C1-B3E101C9CDE6}"/>
+              </a:ext>
+            </a:extLst>
+          </p:cNvPr>
+          <p:cNvSpPr/>
+          <p:nvPr/>
+        </p:nvSpPr>
+        <p:spPr>
+          <a:xfrm>
+            <a:off x="4648198" y="3759200"/>
+            <a:ext cx="1532459" cy="1346200"/>
+          </a:xfrm>
+          <a:prstGeom prst="ellipse">
+            <a:avLst/>
+          </a:prstGeom>
+          <a:noFill/>
+        </p:spPr>
+        <p:style>
+          <a:lnRef idx="2">
+            <a:schemeClr val="accent1">
+              <a:shade val="50000"/>
+            </a:schemeClr>
+          </a:lnRef>
+          <a:fillRef idx="1">
+            <a:schemeClr val="accent1"/>
+          </a:fillRef>
+          <a:effectRef idx="0">
+            <a:schemeClr val="accent1"/>
+          </a:effectRef>
+          <a:fontRef idx="minor">
+            <a:schemeClr val="lt1"/>
+          </a:fontRef>
+        </p:style>
+        <p:txBody>
+          <a:bodyPr rtlCol="0" anchor="ctr"/>
+          <a:lstStyle/>
+          <a:p>
+            <a:pPr algn="ctr"/>
+            <a:endParaRPr lang="ko-KR" altLang="en-US"/>
+          </a:p>
+        </p:txBody>
+      </p:sp>
+      <p:sp>
+        <p:nvSpPr>
+          <p:cNvPr id="15" name="TextBox 14">
+            <a:extLst>
+              <a:ext uri="{FF2B5EF4-FFF2-40B4-BE49-F238E27FC236}">
+                <a16:creationId xmlns:a16="http://schemas.microsoft.com/office/drawing/2014/main" id="{C1353566-9346-439E-86DC-4AAD92AEB1CD}"/>
+              </a:ext>
+            </a:extLst>
+          </p:cNvPr>
+          <p:cNvSpPr txBox="1"/>
+          <p:nvPr/>
+        </p:nvSpPr>
+        <p:spPr>
+          <a:xfrm>
+            <a:off x="4593160" y="4247634"/>
+            <a:ext cx="1642533" cy="369332"/>
+          </a:xfrm>
+          <a:prstGeom prst="rect">
+            <a:avLst/>
+          </a:prstGeom>
+          <a:noFill/>
+        </p:spPr>
+        <p:txBody>
+          <a:bodyPr wrap="square" rtlCol="0">
+            <a:spAutoFit/>
+          </a:bodyPr>
+          <a:lstStyle/>
+          <a:p>
+            <a:pPr algn="ctr"/>
+            <a:r>
+              <a:rPr lang="en-US" altLang="ko-KR" dirty="0">
+                <a:latin typeface="한컴 윤고딕 230" panose="02020603020101020101" pitchFamily="18" charset="-127"/>
+                <a:ea typeface="한컴 윤고딕 230" panose="02020603020101020101" pitchFamily="18" charset="-127"/>
+              </a:rPr>
+              <a:t>Kang, Lee</a:t>
+            </a:r>
+            <a:endParaRPr lang="ko-KR" altLang="en-US" dirty="0">
+              <a:latin typeface="한컴 윤고딕 230" panose="02020603020101020101" pitchFamily="18" charset="-127"/>
+              <a:ea typeface="한컴 윤고딕 230" panose="02020603020101020101" pitchFamily="18" charset="-127"/>
+            </a:endParaRPr>
+          </a:p>
+        </p:txBody>
+      </p:sp>
+      <p:sp>
+        <p:nvSpPr>
+          <p:cNvPr id="16" name="타원 15">
+            <a:extLst>
+              <a:ext uri="{FF2B5EF4-FFF2-40B4-BE49-F238E27FC236}">
+                <a16:creationId xmlns:a16="http://schemas.microsoft.com/office/drawing/2014/main" id="{65ED44F1-914C-4C35-91B5-2BADB0587F92}"/>
+              </a:ext>
+            </a:extLst>
+          </p:cNvPr>
+          <p:cNvSpPr/>
+          <p:nvPr/>
+        </p:nvSpPr>
+        <p:spPr>
+          <a:xfrm>
+            <a:off x="7598840" y="3759200"/>
+            <a:ext cx="1532459" cy="1346200"/>
+          </a:xfrm>
+          <a:prstGeom prst="ellipse">
+            <a:avLst/>
+          </a:prstGeom>
+          <a:noFill/>
+        </p:spPr>
+        <p:style>
+          <a:lnRef idx="2">
+            <a:schemeClr val="accent1">
+              <a:shade val="50000"/>
+            </a:schemeClr>
+          </a:lnRef>
+          <a:fillRef idx="1">
+            <a:schemeClr val="accent1"/>
+          </a:fillRef>
+          <a:effectRef idx="0">
+            <a:schemeClr val="accent1"/>
+          </a:effectRef>
+          <a:fontRef idx="minor">
+            <a:schemeClr val="lt1"/>
+          </a:fontRef>
+        </p:style>
+        <p:txBody>
+          <a:bodyPr rtlCol="0" anchor="ctr"/>
+          <a:lstStyle/>
+          <a:p>
+            <a:pPr algn="ctr"/>
+            <a:endParaRPr lang="ko-KR" altLang="en-US"/>
+          </a:p>
+        </p:txBody>
+      </p:sp>
+      <p:sp>
+        <p:nvSpPr>
+          <p:cNvPr id="17" name="TextBox 16">
+            <a:extLst>
+              <a:ext uri="{FF2B5EF4-FFF2-40B4-BE49-F238E27FC236}">
+                <a16:creationId xmlns:a16="http://schemas.microsoft.com/office/drawing/2014/main" id="{541738CF-7880-41D1-B5F9-21038635780A}"/>
+              </a:ext>
+            </a:extLst>
+          </p:cNvPr>
+          <p:cNvSpPr txBox="1"/>
+          <p:nvPr/>
+        </p:nvSpPr>
+        <p:spPr>
+          <a:xfrm>
+            <a:off x="7543802" y="4247634"/>
+            <a:ext cx="1642533" cy="369332"/>
+          </a:xfrm>
+          <a:prstGeom prst="rect">
+            <a:avLst/>
+          </a:prstGeom>
+          <a:noFill/>
+        </p:spPr>
+        <p:txBody>
+          <a:bodyPr wrap="square" rtlCol="0">
+            <a:spAutoFit/>
+          </a:bodyPr>
+          <a:lstStyle/>
+          <a:p>
+            <a:pPr algn="ctr"/>
+            <a:r>
+              <a:rPr lang="en-US" altLang="ko-KR" dirty="0">
+                <a:latin typeface="한컴 윤고딕 230" panose="02020603020101020101" pitchFamily="18" charset="-127"/>
+                <a:ea typeface="한컴 윤고딕 230" panose="02020603020101020101" pitchFamily="18" charset="-127"/>
+              </a:rPr>
+              <a:t>Song, Kang </a:t>
+            </a:r>
+            <a:endParaRPr lang="ko-KR" altLang="en-US" dirty="0">
+              <a:latin typeface="한컴 윤고딕 230" panose="02020603020101020101" pitchFamily="18" charset="-127"/>
+              <a:ea typeface="한컴 윤고딕 230" panose="02020603020101020101" pitchFamily="18" charset="-127"/>
+            </a:endParaRPr>
+          </a:p>
+        </p:txBody>
+      </p:sp>
+      <p:sp>
+        <p:nvSpPr>
+          <p:cNvPr id="18" name="타원 17">
+            <a:extLst>
+              <a:ext uri="{FF2B5EF4-FFF2-40B4-BE49-F238E27FC236}">
+                <a16:creationId xmlns:a16="http://schemas.microsoft.com/office/drawing/2014/main" id="{22999E5B-8941-4014-B9E6-B12E1D8FC0B5}"/>
+              </a:ext>
+            </a:extLst>
+          </p:cNvPr>
+          <p:cNvSpPr/>
+          <p:nvPr/>
+        </p:nvSpPr>
+        <p:spPr>
+          <a:xfrm>
+            <a:off x="9639307" y="3759200"/>
+            <a:ext cx="1532459" cy="1346200"/>
+          </a:xfrm>
+          <a:prstGeom prst="ellipse">
+            <a:avLst/>
+          </a:prstGeom>
+          <a:noFill/>
+        </p:spPr>
+        <p:style>
+          <a:lnRef idx="2">
+            <a:schemeClr val="accent1">
+              <a:shade val="50000"/>
+            </a:schemeClr>
+          </a:lnRef>
+          <a:fillRef idx="1">
+            <a:schemeClr val="accent1"/>
+          </a:fillRef>
+          <a:effectRef idx="0">
+            <a:schemeClr val="accent1"/>
+          </a:effectRef>
+          <a:fontRef idx="minor">
+            <a:schemeClr val="lt1"/>
+          </a:fontRef>
+        </p:style>
+        <p:txBody>
+          <a:bodyPr rtlCol="0" anchor="ctr"/>
+          <a:lstStyle/>
+          <a:p>
+            <a:pPr algn="ctr"/>
+            <a:endParaRPr lang="ko-KR" altLang="en-US"/>
+          </a:p>
+        </p:txBody>
+      </p:sp>
+      <p:sp>
+        <p:nvSpPr>
+          <p:cNvPr id="19" name="TextBox 18">
+            <a:extLst>
+              <a:ext uri="{FF2B5EF4-FFF2-40B4-BE49-F238E27FC236}">
+                <a16:creationId xmlns:a16="http://schemas.microsoft.com/office/drawing/2014/main" id="{90B04441-FAED-4B2C-BE19-4E99E6294120}"/>
+              </a:ext>
+            </a:extLst>
+          </p:cNvPr>
+          <p:cNvSpPr txBox="1"/>
+          <p:nvPr/>
+        </p:nvSpPr>
+        <p:spPr>
+          <a:xfrm>
+            <a:off x="9584269" y="4247634"/>
+            <a:ext cx="1642533" cy="369332"/>
+          </a:xfrm>
+          <a:prstGeom prst="rect">
+            <a:avLst/>
+          </a:prstGeom>
+          <a:noFill/>
+        </p:spPr>
+        <p:txBody>
+          <a:bodyPr wrap="square" rtlCol="0">
+            <a:spAutoFit/>
+          </a:bodyPr>
+          <a:lstStyle/>
+          <a:p>
+            <a:pPr algn="ctr"/>
+            <a:r>
+              <a:rPr lang="en-US" altLang="ko-KR" dirty="0">
+                <a:latin typeface="한컴 윤고딕 230" panose="02020603020101020101" pitchFamily="18" charset="-127"/>
+                <a:ea typeface="한컴 윤고딕 230" panose="02020603020101020101" pitchFamily="18" charset="-127"/>
+              </a:rPr>
+              <a:t>Kim, Lee</a:t>
+            </a:r>
+            <a:endParaRPr lang="ko-KR" altLang="en-US" dirty="0">
+              <a:latin typeface="한컴 윤고딕 230" panose="02020603020101020101" pitchFamily="18" charset="-127"/>
+              <a:ea typeface="한컴 윤고딕 230" panose="02020603020101020101" pitchFamily="18" charset="-127"/>
+            </a:endParaRPr>
+          </a:p>
+        </p:txBody>
+      </p:sp>
+      <p:sp>
+        <p:nvSpPr>
+          <p:cNvPr id="20" name="TextBox 19">
+            <a:extLst>
+              <a:ext uri="{FF2B5EF4-FFF2-40B4-BE49-F238E27FC236}">
+                <a16:creationId xmlns:a16="http://schemas.microsoft.com/office/drawing/2014/main" id="{E54F717A-DEF4-45E3-9976-334E97834245}"/>
+              </a:ext>
+            </a:extLst>
+          </p:cNvPr>
+          <p:cNvSpPr txBox="1"/>
+          <p:nvPr/>
+        </p:nvSpPr>
+        <p:spPr>
+          <a:xfrm>
+            <a:off x="3632200" y="5446685"/>
+            <a:ext cx="1617118" cy="461665"/>
+          </a:xfrm>
+          <a:prstGeom prst="rect">
+            <a:avLst/>
+          </a:prstGeom>
+          <a:noFill/>
+        </p:spPr>
+        <p:txBody>
+          <a:bodyPr wrap="square" rtlCol="0">
+            <a:spAutoFit/>
+          </a:bodyPr>
+          <a:lstStyle/>
+          <a:p>
+            <a:pPr algn="ctr"/>
+            <a:r>
+              <a:rPr lang="en-US" altLang="ko-KR" sz="2400">
+                <a:latin typeface="한컴 윤고딕 230" panose="02020603020101020101" pitchFamily="18" charset="-127"/>
+                <a:ea typeface="한컴 윤고딕 230" panose="02020603020101020101" pitchFamily="18" charset="-127"/>
+              </a:rPr>
+              <a:t>1</a:t>
+            </a:r>
+            <a:r>
+              <a:rPr lang="ko-KR" altLang="en-US" sz="2400" dirty="0">
+                <a:latin typeface="한컴 윤고딕 230" panose="02020603020101020101" pitchFamily="18" charset="-127"/>
+                <a:ea typeface="한컴 윤고딕 230" panose="02020603020101020101" pitchFamily="18" charset="-127"/>
+              </a:rPr>
+              <a:t>차시</a:t>
+            </a:r>
+          </a:p>
+        </p:txBody>
+      </p:sp>
+      <p:sp>
+        <p:nvSpPr>
+          <p:cNvPr id="21" name="TextBox 20">
+            <a:extLst>
+              <a:ext uri="{FF2B5EF4-FFF2-40B4-BE49-F238E27FC236}">
+                <a16:creationId xmlns:a16="http://schemas.microsoft.com/office/drawing/2014/main" id="{F63B445C-DA1A-4D43-AD6B-2853F0268CCE}"/>
+              </a:ext>
+            </a:extLst>
+          </p:cNvPr>
+          <p:cNvSpPr txBox="1"/>
+          <p:nvPr/>
+        </p:nvSpPr>
+        <p:spPr>
+          <a:xfrm>
+            <a:off x="8585200" y="5446685"/>
+            <a:ext cx="1617118" cy="461665"/>
+          </a:xfrm>
+          <a:prstGeom prst="rect">
+            <a:avLst/>
+          </a:prstGeom>
+          <a:noFill/>
+        </p:spPr>
+        <p:txBody>
+          <a:bodyPr wrap="square" rtlCol="0">
+            <a:spAutoFit/>
+          </a:bodyPr>
+          <a:lstStyle/>
+          <a:p>
+            <a:pPr algn="ctr"/>
+            <a:r>
+              <a:rPr lang="en-US" altLang="ko-KR" sz="2400" dirty="0">
+                <a:latin typeface="한컴 윤고딕 230" panose="02020603020101020101" pitchFamily="18" charset="-127"/>
+                <a:ea typeface="한컴 윤고딕 230" panose="02020603020101020101" pitchFamily="18" charset="-127"/>
+              </a:rPr>
+              <a:t>2</a:t>
+            </a:r>
+            <a:r>
+              <a:rPr lang="ko-KR" altLang="en-US" sz="2400" dirty="0">
+                <a:latin typeface="한컴 윤고딕 230" panose="02020603020101020101" pitchFamily="18" charset="-127"/>
+                <a:ea typeface="한컴 윤고딕 230" panose="02020603020101020101" pitchFamily="18" charset="-127"/>
+              </a:rPr>
+              <a:t>차시</a:t>
+            </a:r>
+          </a:p>
+        </p:txBody>
+      </p:sp>
+      <p:sp>
+        <p:nvSpPr>
+          <p:cNvPr id="22" name="화살표: 오른쪽 21">
+            <a:extLst>
+              <a:ext uri="{FF2B5EF4-FFF2-40B4-BE49-F238E27FC236}">
+                <a16:creationId xmlns:a16="http://schemas.microsoft.com/office/drawing/2014/main" id="{EF5C81A4-78DA-4384-9AD8-6627A039BC1D}"/>
+              </a:ext>
+            </a:extLst>
+          </p:cNvPr>
+          <p:cNvSpPr/>
+          <p:nvPr/>
+        </p:nvSpPr>
+        <p:spPr>
+          <a:xfrm>
+            <a:off x="7315200" y="2887667"/>
+            <a:ext cx="922867" cy="257615"/>
+          </a:xfrm>
+          <a:prstGeom prst="rightArrow">
+            <a:avLst/>
+          </a:prstGeom>
+        </p:spPr>
+        <p:style>
+          <a:lnRef idx="2">
+            <a:schemeClr val="accent1">
+              <a:shade val="50000"/>
+            </a:schemeClr>
+          </a:lnRef>
+          <a:fillRef idx="1">
+            <a:schemeClr val="accent1"/>
+          </a:fillRef>
+          <a:effectRef idx="0">
+            <a:schemeClr val="accent1"/>
+          </a:effectRef>
+          <a:fontRef idx="minor">
+            <a:schemeClr val="lt1"/>
+          </a:fontRef>
+        </p:style>
+        <p:txBody>
+          <a:bodyPr rtlCol="0" anchor="ctr"/>
+          <a:lstStyle/>
+          <a:p>
+            <a:pPr algn="ctr"/>
+            <a:endParaRPr lang="ko-KR" altLang="en-US"/>
+          </a:p>
+        </p:txBody>
+      </p:sp>
+      <p:sp>
+        <p:nvSpPr>
+          <p:cNvPr id="23" name="TextBox 22">
+            <a:extLst>
+              <a:ext uri="{FF2B5EF4-FFF2-40B4-BE49-F238E27FC236}">
+                <a16:creationId xmlns:a16="http://schemas.microsoft.com/office/drawing/2014/main" id="{8FDDA005-3E4B-4ACB-BF41-26408698CE3A}"/>
+              </a:ext>
+            </a:extLst>
+          </p:cNvPr>
+          <p:cNvSpPr txBox="1"/>
+          <p:nvPr/>
+        </p:nvSpPr>
+        <p:spPr>
+          <a:xfrm>
+            <a:off x="8517466" y="2834434"/>
+            <a:ext cx="2641602" cy="369332"/>
+          </a:xfrm>
+          <a:prstGeom prst="rect">
+            <a:avLst/>
+          </a:prstGeom>
+          <a:noFill/>
+        </p:spPr>
+        <p:txBody>
+          <a:bodyPr wrap="square" rtlCol="0">
+            <a:spAutoFit/>
+          </a:bodyPr>
+          <a:lstStyle/>
+          <a:p>
+            <a:r>
+              <a:rPr lang="ko-KR" altLang="en-US" dirty="0">
+                <a:solidFill>
+                  <a:srgbClr val="FF0000"/>
+                </a:solidFill>
+                <a:latin typeface="한컴 윤고딕 230" panose="02020603020101020101" pitchFamily="18" charset="-127"/>
+                <a:ea typeface="한컴 윤고딕 230" panose="02020603020101020101" pitchFamily="18" charset="-127"/>
+              </a:rPr>
+              <a:t>굳이 그럴 필요 없을 듯</a:t>
+            </a:r>
+          </a:p>
+        </p:txBody>
+      </p:sp>
+    </p:spTree>
+    <p:extLst>
+      <p:ext uri="{BB962C8B-B14F-4D97-AF65-F5344CB8AC3E}">
+        <p14:creationId xmlns:p14="http://schemas.microsoft.com/office/powerpoint/2010/main" val="1696584630"/>
+      </p:ext>
+    </p:extLst>
+  </p:cSld>
+  <p:clrMapOvr>
+    <a:masterClrMapping/>
+  </p:clrMapOvr>
+</p:sld>
+</file>
+
+<file path=ppt/slides/slide6.xml><?xml version="1.0" encoding="utf-8"?>
+<p:sld xmlns:a="http://schemas.openxmlformats.org/drawingml/2006/main" xmlns:r="http://schemas.openxmlformats.org/officeDocument/2006/relationships" xmlns:p="http://schemas.openxmlformats.org/presentationml/2006/main">
+  <p:cSld>
+    <p:spTree>
+      <p:nvGrpSpPr>
+        <p:cNvPr id="1" name=""/>
+        <p:cNvGrpSpPr/>
+        <p:nvPr/>
+      </p:nvGrpSpPr>
+      <p:grpSpPr>
+        <a:xfrm>
+          <a:off x="0" y="0"/>
+          <a:ext cx="0" cy="0"/>
+          <a:chOff x="0" y="0"/>
+          <a:chExt cx="0" cy="0"/>
+        </a:xfrm>
+      </p:grpSpPr>
+      <p:sp>
+        <p:nvSpPr>
+          <p:cNvPr id="3" name="부제목 2">
+            <a:extLst>
+              <a:ext uri="{FF2B5EF4-FFF2-40B4-BE49-F238E27FC236}">
+                <a16:creationId xmlns:a16="http://schemas.microsoft.com/office/drawing/2014/main" id="{B5C448A2-31B5-4D2E-9261-92F1BFC10D91}"/>
+              </a:ext>
+            </a:extLst>
+          </p:cNvPr>
+          <p:cNvSpPr txBox="1">
+            <a:spLocks/>
+          </p:cNvSpPr>
+          <p:nvPr/>
+        </p:nvSpPr>
+        <p:spPr>
+          <a:xfrm>
+            <a:off x="854109" y="240653"/>
+            <a:ext cx="6831673" cy="1086237"/>
+          </a:xfrm>
+          <a:prstGeom prst="rect">
+            <a:avLst/>
+          </a:prstGeom>
+        </p:spPr>
+        <p:txBody>
+          <a:bodyPr/>
+          <a:lstStyle>
+            <a:lvl1pPr marL="384048" indent="-384048" algn="l" defTabSz="914400" rtl="0" eaLnBrk="1" latinLnBrk="1" hangingPunct="1">
+              <a:lnSpc>
+                <a:spcPct val="94000"/>
+              </a:lnSpc>
+              <a:spcBef>
+                <a:spcPts val="1000"/>
+              </a:spcBef>
+              <a:spcAft>
+                <a:spcPts val="200"/>
+              </a:spcAft>
+              <a:buFont typeface="Franklin Gothic Book" panose="020B0503020102020204" pitchFamily="34" charset="0"/>
+              <a:buChar char="■"/>
+              <a:defRPr sz="2000" kern="1200" baseline="0">
+                <a:solidFill>
+                  <a:schemeClr val="tx2"/>
+                </a:solidFill>
+                <a:latin typeface="+mn-lt"/>
+                <a:ea typeface="+mn-ea"/>
+                <a:cs typeface="+mn-cs"/>
+              </a:defRPr>
+            </a:lvl1pPr>
+            <a:lvl2pPr marL="914400" indent="-384048" algn="l" defTabSz="914400" rtl="0" eaLnBrk="1" latinLnBrk="1" hangingPunct="1">
+              <a:lnSpc>
+                <a:spcPct val="94000"/>
+              </a:lnSpc>
+              <a:spcBef>
+                <a:spcPts val="500"/>
+              </a:spcBef>
+              <a:spcAft>
+                <a:spcPts val="200"/>
+              </a:spcAft>
+              <a:buFont typeface="Franklin Gothic Book" panose="020B0503020102020204" pitchFamily="34" charset="0"/>
+              <a:buChar char="–"/>
+              <a:defRPr sz="2000" i="1" kern="1200" baseline="0">
+                <a:solidFill>
+                  <a:schemeClr val="tx2"/>
+                </a:solidFill>
+                <a:latin typeface="+mn-lt"/>
+                <a:ea typeface="+mn-ea"/>
+                <a:cs typeface="+mn-cs"/>
+              </a:defRPr>
+            </a:lvl2pPr>
+            <a:lvl3pPr marL="1371600" indent="-384048" algn="l" defTabSz="914400" rtl="0" eaLnBrk="1" latinLnBrk="1" hangingPunct="1">
+              <a:lnSpc>
+                <a:spcPct val="94000"/>
+              </a:lnSpc>
+              <a:spcBef>
+                <a:spcPts val="500"/>
+              </a:spcBef>
+              <a:spcAft>
+                <a:spcPts val="200"/>
+              </a:spcAft>
+              <a:buFont typeface="Franklin Gothic Book" panose="020B0503020102020204" pitchFamily="34" charset="0"/>
+              <a:buChar char="■"/>
+              <a:defRPr sz="1800" kern="1200" baseline="0">
+                <a:solidFill>
+                  <a:schemeClr val="tx2"/>
+                </a:solidFill>
+                <a:latin typeface="+mn-lt"/>
+                <a:ea typeface="+mn-ea"/>
+                <a:cs typeface="+mn-cs"/>
+              </a:defRPr>
+            </a:lvl3pPr>
+            <a:lvl4pPr marL="1828800" indent="-384048" algn="l" defTabSz="914400" rtl="0" eaLnBrk="1" latinLnBrk="1" hangingPunct="1">
+              <a:lnSpc>
+                <a:spcPct val="94000"/>
+              </a:lnSpc>
+              <a:spcBef>
+                <a:spcPts val="500"/>
+              </a:spcBef>
+              <a:spcAft>
+                <a:spcPts val="200"/>
+              </a:spcAft>
+              <a:buFont typeface="Franklin Gothic Book" panose="020B0503020102020204" pitchFamily="34" charset="0"/>
+              <a:buChar char="–"/>
+              <a:defRPr sz="1800" i="1" kern="1200" baseline="0">
+                <a:solidFill>
+                  <a:schemeClr val="tx2"/>
+                </a:solidFill>
+                <a:latin typeface="+mn-lt"/>
+                <a:ea typeface="+mn-ea"/>
+                <a:cs typeface="+mn-cs"/>
+              </a:defRPr>
+            </a:lvl4pPr>
+            <a:lvl5pPr marL="2286000" indent="-384048" algn="l" defTabSz="914400" rtl="0" eaLnBrk="1" latinLnBrk="1" hangingPunct="1">
+              <a:lnSpc>
+                <a:spcPct val="94000"/>
+              </a:lnSpc>
+              <a:spcBef>
+                <a:spcPts val="500"/>
+              </a:spcBef>
+              <a:spcAft>
+                <a:spcPts val="200"/>
+              </a:spcAft>
+              <a:buFont typeface="Franklin Gothic Book" panose="020B0503020102020204" pitchFamily="34" charset="0"/>
+              <a:buChar char="■"/>
+              <a:defRPr sz="1600" kern="1200" baseline="0">
+                <a:solidFill>
+                  <a:schemeClr val="tx2"/>
+                </a:solidFill>
+                <a:latin typeface="+mn-lt"/>
+                <a:ea typeface="+mn-ea"/>
+                <a:cs typeface="+mn-cs"/>
+              </a:defRPr>
+            </a:lvl5pPr>
+            <a:lvl6pPr marL="2743200" indent="-384048" algn="l" defTabSz="914400" rtl="0" eaLnBrk="1" latinLnBrk="1" hangingPunct="1">
+              <a:lnSpc>
+                <a:spcPct val="94000"/>
+              </a:lnSpc>
+              <a:spcBef>
+                <a:spcPts val="500"/>
+              </a:spcBef>
+              <a:spcAft>
+                <a:spcPts val="200"/>
+              </a:spcAft>
+              <a:buFont typeface="Franklin Gothic Book" panose="020B0503020102020204" pitchFamily="34" charset="0"/>
+              <a:buChar char="–"/>
+              <a:defRPr sz="1600" i="1" kern="1200" baseline="0">
+                <a:solidFill>
+                  <a:schemeClr val="tx2"/>
+                </a:solidFill>
+                <a:latin typeface="+mn-lt"/>
+                <a:ea typeface="+mn-ea"/>
+                <a:cs typeface="+mn-cs"/>
+              </a:defRPr>
+            </a:lvl6pPr>
+            <a:lvl7pPr marL="3200400" indent="-384048" algn="l" defTabSz="914400" rtl="0" eaLnBrk="1" latinLnBrk="1" hangingPunct="1">
+              <a:lnSpc>
+                <a:spcPct val="94000"/>
+              </a:lnSpc>
+              <a:spcBef>
+                <a:spcPts val="500"/>
+              </a:spcBef>
+              <a:spcAft>
+                <a:spcPts val="200"/>
+              </a:spcAft>
+              <a:buFont typeface="Franklin Gothic Book" panose="020B0503020102020204" pitchFamily="34" charset="0"/>
+              <a:buChar char="■"/>
+              <a:defRPr sz="1400" kern="1200" baseline="0">
+                <a:solidFill>
+                  <a:schemeClr val="tx2"/>
+                </a:solidFill>
+                <a:latin typeface="+mn-lt"/>
+                <a:ea typeface="+mn-ea"/>
+                <a:cs typeface="+mn-cs"/>
+              </a:defRPr>
+            </a:lvl7pPr>
+            <a:lvl8pPr marL="3657600" indent="-384048" algn="l" defTabSz="914400" rtl="0" eaLnBrk="1" latinLnBrk="1" hangingPunct="1">
+              <a:lnSpc>
+                <a:spcPct val="94000"/>
+              </a:lnSpc>
+              <a:spcBef>
+                <a:spcPts val="500"/>
+              </a:spcBef>
+              <a:spcAft>
+                <a:spcPts val="200"/>
+              </a:spcAft>
+              <a:buFont typeface="Franklin Gothic Book" panose="020B0503020102020204" pitchFamily="34" charset="0"/>
+              <a:buChar char="–"/>
+              <a:defRPr sz="1400" i="1" kern="1200" baseline="0">
+                <a:solidFill>
+                  <a:schemeClr val="tx2"/>
+                </a:solidFill>
+                <a:latin typeface="+mn-lt"/>
+                <a:ea typeface="+mn-ea"/>
+                <a:cs typeface="+mn-cs"/>
+              </a:defRPr>
+            </a:lvl8pPr>
+            <a:lvl9pPr marL="4114800" indent="-384048" algn="l" defTabSz="914400" rtl="0" eaLnBrk="1" latinLnBrk="1" hangingPunct="1">
+              <a:lnSpc>
+                <a:spcPct val="94000"/>
+              </a:lnSpc>
+              <a:spcBef>
+                <a:spcPts val="500"/>
+              </a:spcBef>
+              <a:spcAft>
+                <a:spcPts val="200"/>
+              </a:spcAft>
+              <a:buFont typeface="Franklin Gothic Book" panose="020B0503020102020204" pitchFamily="34" charset="0"/>
+              <a:buChar char="■"/>
+              <a:defRPr sz="1400" kern="1200" baseline="0">
+                <a:solidFill>
+                  <a:schemeClr val="tx2"/>
+                </a:solidFill>
+                <a:latin typeface="+mn-lt"/>
+                <a:ea typeface="+mn-ea"/>
+                <a:cs typeface="+mn-cs"/>
+              </a:defRPr>
+            </a:lvl9pPr>
+          </a:lstStyle>
+          <a:p>
+            <a:r>
+              <a:rPr lang="en-US" altLang="ko-KR" dirty="0">
+                <a:latin typeface="한컴 윤고딕 250" panose="02020603020101020101" pitchFamily="18" charset="-127"/>
+                <a:ea typeface="한컴 윤고딕 250" panose="02020603020101020101" pitchFamily="18" charset="-127"/>
+              </a:rPr>
+              <a:t>HOW to</a:t>
+            </a:r>
+            <a:r>
+              <a:rPr lang="ko-KR" altLang="en-US" dirty="0">
+                <a:latin typeface="한컴 윤고딕 250" panose="02020603020101020101" pitchFamily="18" charset="-127"/>
+                <a:ea typeface="한컴 윤고딕 250" panose="02020603020101020101" pitchFamily="18" charset="-127"/>
+              </a:rPr>
+              <a:t> </a:t>
+            </a:r>
+            <a:r>
+              <a:rPr lang="en-US" altLang="ko-KR" dirty="0">
+                <a:latin typeface="한컴 윤고딕 250" panose="02020603020101020101" pitchFamily="18" charset="-127"/>
+                <a:ea typeface="한컴 윤고딕 250" panose="02020603020101020101" pitchFamily="18" charset="-127"/>
+              </a:rPr>
+              <a:t>distribute?</a:t>
+            </a:r>
+            <a:endParaRPr lang="ko-KR" altLang="en-US" dirty="0">
+              <a:latin typeface="한컴 윤고딕 250" panose="02020603020101020101" pitchFamily="18" charset="-127"/>
+              <a:ea typeface="한컴 윤고딕 250" panose="02020603020101020101" pitchFamily="18" charset="-127"/>
+            </a:endParaRPr>
+          </a:p>
+        </p:txBody>
+      </p:sp>
+      <p:sp>
+        <p:nvSpPr>
+          <p:cNvPr id="16" name="타원 15">
+            <a:extLst>
+              <a:ext uri="{FF2B5EF4-FFF2-40B4-BE49-F238E27FC236}">
+                <a16:creationId xmlns:a16="http://schemas.microsoft.com/office/drawing/2014/main" id="{65ED44F1-914C-4C35-91B5-2BADB0587F92}"/>
+              </a:ext>
+            </a:extLst>
+          </p:cNvPr>
+          <p:cNvSpPr/>
+          <p:nvPr/>
+        </p:nvSpPr>
+        <p:spPr>
+          <a:xfrm>
+            <a:off x="4508501" y="4616272"/>
+            <a:ext cx="1532459" cy="1346200"/>
+          </a:xfrm>
+          <a:prstGeom prst="ellipse">
+            <a:avLst/>
+          </a:prstGeom>
+          <a:noFill/>
+        </p:spPr>
+        <p:style>
+          <a:lnRef idx="2">
+            <a:schemeClr val="accent1">
+              <a:shade val="50000"/>
+            </a:schemeClr>
+          </a:lnRef>
+          <a:fillRef idx="1">
+            <a:schemeClr val="accent1"/>
+          </a:fillRef>
+          <a:effectRef idx="0">
+            <a:schemeClr val="accent1"/>
+          </a:effectRef>
+          <a:fontRef idx="minor">
+            <a:schemeClr val="lt1"/>
+          </a:fontRef>
+        </p:style>
+        <p:txBody>
+          <a:bodyPr rtlCol="0" anchor="ctr"/>
+          <a:lstStyle/>
+          <a:p>
+            <a:pPr algn="ctr"/>
+            <a:endParaRPr lang="ko-KR" altLang="en-US"/>
+          </a:p>
+        </p:txBody>
+      </p:sp>
+      <p:sp>
+        <p:nvSpPr>
+          <p:cNvPr id="17" name="TextBox 16">
+            <a:extLst>
+              <a:ext uri="{FF2B5EF4-FFF2-40B4-BE49-F238E27FC236}">
+                <a16:creationId xmlns:a16="http://schemas.microsoft.com/office/drawing/2014/main" id="{541738CF-7880-41D1-B5F9-21038635780A}"/>
+              </a:ext>
+            </a:extLst>
+          </p:cNvPr>
+          <p:cNvSpPr txBox="1"/>
+          <p:nvPr/>
+        </p:nvSpPr>
+        <p:spPr>
+          <a:xfrm>
+            <a:off x="4453463" y="5104706"/>
+            <a:ext cx="1642533" cy="369332"/>
+          </a:xfrm>
+          <a:prstGeom prst="rect">
+            <a:avLst/>
+          </a:prstGeom>
+          <a:noFill/>
+        </p:spPr>
+        <p:txBody>
+          <a:bodyPr wrap="square" rtlCol="0">
+            <a:spAutoFit/>
+          </a:bodyPr>
+          <a:lstStyle/>
+          <a:p>
+            <a:pPr algn="ctr"/>
+            <a:r>
+              <a:rPr lang="en-US" altLang="ko-KR" dirty="0">
+                <a:latin typeface="한컴 윤고딕 230" panose="02020603020101020101" pitchFamily="18" charset="-127"/>
+                <a:ea typeface="한컴 윤고딕 230" panose="02020603020101020101" pitchFamily="18" charset="-127"/>
+              </a:rPr>
+              <a:t>Song, Kang </a:t>
+            </a:r>
+            <a:endParaRPr lang="ko-KR" altLang="en-US" dirty="0">
+              <a:latin typeface="한컴 윤고딕 230" panose="02020603020101020101" pitchFamily="18" charset="-127"/>
+              <a:ea typeface="한컴 윤고딕 230" panose="02020603020101020101" pitchFamily="18" charset="-127"/>
+            </a:endParaRPr>
+          </a:p>
+        </p:txBody>
+      </p:sp>
+      <p:sp>
+        <p:nvSpPr>
+          <p:cNvPr id="18" name="타원 17">
+            <a:extLst>
+              <a:ext uri="{FF2B5EF4-FFF2-40B4-BE49-F238E27FC236}">
+                <a16:creationId xmlns:a16="http://schemas.microsoft.com/office/drawing/2014/main" id="{22999E5B-8941-4014-B9E6-B12E1D8FC0B5}"/>
+              </a:ext>
+            </a:extLst>
+          </p:cNvPr>
+          <p:cNvSpPr/>
+          <p:nvPr/>
+        </p:nvSpPr>
+        <p:spPr>
+          <a:xfrm>
+            <a:off x="6548968" y="4616272"/>
+            <a:ext cx="1532459" cy="1346200"/>
+          </a:xfrm>
+          <a:prstGeom prst="ellipse">
+            <a:avLst/>
+          </a:prstGeom>
+          <a:noFill/>
+        </p:spPr>
+        <p:style>
+          <a:lnRef idx="2">
+            <a:schemeClr val="accent1">
+              <a:shade val="50000"/>
+            </a:schemeClr>
+          </a:lnRef>
+          <a:fillRef idx="1">
+            <a:schemeClr val="accent1"/>
+          </a:fillRef>
+          <a:effectRef idx="0">
+            <a:schemeClr val="accent1"/>
+          </a:effectRef>
+          <a:fontRef idx="minor">
+            <a:schemeClr val="lt1"/>
+          </a:fontRef>
+        </p:style>
+        <p:txBody>
+          <a:bodyPr rtlCol="0" anchor="ctr"/>
+          <a:lstStyle/>
+          <a:p>
+            <a:pPr algn="ctr"/>
+            <a:endParaRPr lang="ko-KR" altLang="en-US"/>
+          </a:p>
+        </p:txBody>
+      </p:sp>
+      <p:sp>
+        <p:nvSpPr>
+          <p:cNvPr id="19" name="TextBox 18">
+            <a:extLst>
+              <a:ext uri="{FF2B5EF4-FFF2-40B4-BE49-F238E27FC236}">
+                <a16:creationId xmlns:a16="http://schemas.microsoft.com/office/drawing/2014/main" id="{90B04441-FAED-4B2C-BE19-4E99E6294120}"/>
+              </a:ext>
+            </a:extLst>
+          </p:cNvPr>
+          <p:cNvSpPr txBox="1"/>
+          <p:nvPr/>
+        </p:nvSpPr>
+        <p:spPr>
+          <a:xfrm>
+            <a:off x="6493930" y="5104706"/>
+            <a:ext cx="1642533" cy="369332"/>
+          </a:xfrm>
+          <a:prstGeom prst="rect">
+            <a:avLst/>
+          </a:prstGeom>
+          <a:noFill/>
+        </p:spPr>
+        <p:txBody>
+          <a:bodyPr wrap="square" rtlCol="0">
+            <a:spAutoFit/>
+          </a:bodyPr>
+          <a:lstStyle/>
+          <a:p>
+            <a:pPr algn="ctr"/>
+            <a:r>
+              <a:rPr lang="en-US" altLang="ko-KR" dirty="0">
+                <a:latin typeface="한컴 윤고딕 230" panose="02020603020101020101" pitchFamily="18" charset="-127"/>
+                <a:ea typeface="한컴 윤고딕 230" panose="02020603020101020101" pitchFamily="18" charset="-127"/>
+              </a:rPr>
+              <a:t>Kim, Lee</a:t>
+            </a:r>
+            <a:endParaRPr lang="ko-KR" altLang="en-US" dirty="0">
+              <a:latin typeface="한컴 윤고딕 230" panose="02020603020101020101" pitchFamily="18" charset="-127"/>
+              <a:ea typeface="한컴 윤고딕 230" panose="02020603020101020101" pitchFamily="18" charset="-127"/>
+            </a:endParaRPr>
+          </a:p>
+        </p:txBody>
+      </p:sp>
+      <p:sp>
+        <p:nvSpPr>
+          <p:cNvPr id="5" name="TextBox 4">
+            <a:extLst>
+              <a:ext uri="{FF2B5EF4-FFF2-40B4-BE49-F238E27FC236}">
+                <a16:creationId xmlns:a16="http://schemas.microsoft.com/office/drawing/2014/main" id="{8AC38338-2FC4-4DDF-B807-7417CAE6FCBD}"/>
+              </a:ext>
+            </a:extLst>
+          </p:cNvPr>
+          <p:cNvSpPr txBox="1"/>
+          <p:nvPr/>
+        </p:nvSpPr>
+        <p:spPr>
+          <a:xfrm>
+            <a:off x="2815177" y="1651000"/>
+            <a:ext cx="2472266" cy="1200329"/>
+          </a:xfrm>
+          <a:prstGeom prst="rect">
+            <a:avLst/>
+          </a:prstGeom>
+          <a:noFill/>
+        </p:spPr>
+        <p:txBody>
+          <a:bodyPr wrap="square" rtlCol="0">
+            <a:spAutoFit/>
+          </a:bodyPr>
+          <a:lstStyle/>
+          <a:p>
+            <a:r>
+              <a:rPr lang="en-US" altLang="ko-KR" dirty="0"/>
+              <a:t>Song[1]     </a:t>
+            </a:r>
+          </a:p>
+          <a:p>
+            <a:r>
+              <a:rPr lang="en-US" altLang="ko-KR" dirty="0"/>
+              <a:t>Kim[2]</a:t>
+            </a:r>
+          </a:p>
+          <a:p>
+            <a:r>
+              <a:rPr lang="en-US" altLang="ko-KR" dirty="0"/>
+              <a:t>Kang[3]</a:t>
+            </a:r>
+          </a:p>
+          <a:p>
+            <a:r>
+              <a:rPr lang="en-US" altLang="ko-KR" dirty="0"/>
+              <a:t>Lee[4]</a:t>
+            </a:r>
+            <a:endParaRPr lang="ko-KR" altLang="en-US" dirty="0"/>
+          </a:p>
+        </p:txBody>
+      </p:sp>
+      <p:sp>
+        <p:nvSpPr>
+          <p:cNvPr id="7" name="TextBox 6">
+            <a:extLst>
+              <a:ext uri="{FF2B5EF4-FFF2-40B4-BE49-F238E27FC236}">
+                <a16:creationId xmlns:a16="http://schemas.microsoft.com/office/drawing/2014/main" id="{115554C4-9BFD-4ED3-90D2-859A991A527A}"/>
+              </a:ext>
+            </a:extLst>
+          </p:cNvPr>
+          <p:cNvSpPr txBox="1"/>
+          <p:nvPr/>
+        </p:nvSpPr>
+        <p:spPr>
+          <a:xfrm>
+            <a:off x="4110577" y="1997862"/>
+            <a:ext cx="1642532" cy="369332"/>
+          </a:xfrm>
+          <a:prstGeom prst="rect">
+            <a:avLst/>
+          </a:prstGeom>
+          <a:noFill/>
+        </p:spPr>
+        <p:txBody>
+          <a:bodyPr wrap="square" rtlCol="0">
+            <a:spAutoFit/>
+          </a:bodyPr>
+          <a:lstStyle/>
+          <a:p>
+            <a:r>
+              <a:rPr lang="ko-KR" altLang="en-US" dirty="0" err="1">
+                <a:latin typeface="한컴 윤고딕 230" panose="02020603020101020101" pitchFamily="18" charset="-127"/>
+                <a:ea typeface="한컴 윤고딕 230" panose="02020603020101020101" pitchFamily="18" charset="-127"/>
+              </a:rPr>
+              <a:t>랜덤수</a:t>
+            </a:r>
+            <a:r>
+              <a:rPr lang="ko-KR" altLang="en-US" dirty="0">
+                <a:latin typeface="한컴 윤고딕 230" panose="02020603020101020101" pitchFamily="18" charset="-127"/>
+                <a:ea typeface="한컴 윤고딕 230" panose="02020603020101020101" pitchFamily="18" charset="-127"/>
+              </a:rPr>
+              <a:t> 생성</a:t>
+            </a:r>
+          </a:p>
+        </p:txBody>
+      </p:sp>
+      <p:sp>
+        <p:nvSpPr>
+          <p:cNvPr id="8" name="TextBox 7">
+            <a:extLst>
+              <a:ext uri="{FF2B5EF4-FFF2-40B4-BE49-F238E27FC236}">
+                <a16:creationId xmlns:a16="http://schemas.microsoft.com/office/drawing/2014/main" id="{1C6F05A4-BE3C-479C-B154-0E5ED48FDB67}"/>
+              </a:ext>
+            </a:extLst>
+          </p:cNvPr>
+          <p:cNvSpPr txBox="1"/>
+          <p:nvPr/>
+        </p:nvSpPr>
+        <p:spPr>
+          <a:xfrm>
+            <a:off x="5947834" y="1650999"/>
+            <a:ext cx="516476" cy="1200329"/>
+          </a:xfrm>
+          <a:prstGeom prst="rect">
+            <a:avLst/>
+          </a:prstGeom>
+          <a:noFill/>
+        </p:spPr>
+        <p:txBody>
+          <a:bodyPr wrap="square" rtlCol="0">
+            <a:spAutoFit/>
+          </a:bodyPr>
+          <a:lstStyle/>
+          <a:p>
+            <a:r>
+              <a:rPr lang="en-US" altLang="ko-KR" dirty="0"/>
+              <a:t>4</a:t>
+            </a:r>
+          </a:p>
+          <a:p>
+            <a:r>
+              <a:rPr lang="en-US" altLang="ko-KR" dirty="0"/>
+              <a:t>3</a:t>
+            </a:r>
+          </a:p>
+          <a:p>
+            <a:r>
+              <a:rPr lang="en-US" altLang="ko-KR" dirty="0"/>
+              <a:t>1</a:t>
+            </a:r>
+          </a:p>
+          <a:p>
+            <a:r>
+              <a:rPr lang="en-US" altLang="ko-KR" dirty="0"/>
+              <a:t>2</a:t>
+            </a:r>
+            <a:endParaRPr lang="ko-KR" altLang="en-US" dirty="0"/>
+          </a:p>
+        </p:txBody>
+      </p:sp>
+      <p:sp>
+        <p:nvSpPr>
+          <p:cNvPr id="22" name="TextBox 21">
+            <a:extLst>
+              <a:ext uri="{FF2B5EF4-FFF2-40B4-BE49-F238E27FC236}">
+                <a16:creationId xmlns:a16="http://schemas.microsoft.com/office/drawing/2014/main" id="{60BDF400-503B-4BD8-9953-24D7FDB0E80D}"/>
+              </a:ext>
+            </a:extLst>
+          </p:cNvPr>
+          <p:cNvSpPr txBox="1"/>
+          <p:nvPr/>
+        </p:nvSpPr>
+        <p:spPr>
+          <a:xfrm>
+            <a:off x="6659035" y="1997862"/>
+            <a:ext cx="2413008" cy="369332"/>
+          </a:xfrm>
+          <a:prstGeom prst="rect">
+            <a:avLst/>
+          </a:prstGeom>
+          <a:noFill/>
+        </p:spPr>
+        <p:txBody>
+          <a:bodyPr wrap="square" rtlCol="0">
+            <a:spAutoFit/>
+          </a:bodyPr>
+          <a:lstStyle/>
+          <a:p>
+            <a:r>
+              <a:rPr lang="ko-KR" altLang="en-US" dirty="0">
+                <a:latin typeface="한컴 윤고딕 230" panose="02020603020101020101" pitchFamily="18" charset="-127"/>
+                <a:ea typeface="한컴 윤고딕 230" panose="02020603020101020101" pitchFamily="18" charset="-127"/>
+              </a:rPr>
+              <a:t>그룹을 </a:t>
+            </a:r>
+            <a:r>
+              <a:rPr lang="en-US" altLang="ko-KR" dirty="0">
+                <a:latin typeface="한컴 윤고딕 230" panose="02020603020101020101" pitchFamily="18" charset="-127"/>
+                <a:ea typeface="한컴 윤고딕 230" panose="02020603020101020101" pitchFamily="18" charset="-127"/>
+              </a:rPr>
+              <a:t>2</a:t>
+            </a:r>
+            <a:r>
+              <a:rPr lang="ko-KR" altLang="en-US" dirty="0">
+                <a:latin typeface="한컴 윤고딕 230" panose="02020603020101020101" pitchFamily="18" charset="-127"/>
+                <a:ea typeface="한컴 윤고딕 230" panose="02020603020101020101" pitchFamily="18" charset="-127"/>
+              </a:rPr>
+              <a:t>개</a:t>
+            </a:r>
+          </a:p>
+        </p:txBody>
+      </p:sp>
+      <p:sp>
+        <p:nvSpPr>
+          <p:cNvPr id="23" name="TextBox 22">
+            <a:extLst>
+              <a:ext uri="{FF2B5EF4-FFF2-40B4-BE49-F238E27FC236}">
+                <a16:creationId xmlns:a16="http://schemas.microsoft.com/office/drawing/2014/main" id="{AA5E0522-989C-4789-AAF9-EAB943D351AB}"/>
+              </a:ext>
+            </a:extLst>
+          </p:cNvPr>
+          <p:cNvSpPr txBox="1"/>
+          <p:nvPr/>
+        </p:nvSpPr>
+        <p:spPr>
+          <a:xfrm>
+            <a:off x="8352377" y="1650999"/>
+            <a:ext cx="1617118" cy="1200329"/>
+          </a:xfrm>
+          <a:prstGeom prst="rect">
+            <a:avLst/>
+          </a:prstGeom>
+          <a:noFill/>
+        </p:spPr>
+        <p:txBody>
+          <a:bodyPr wrap="square" rtlCol="0">
+            <a:spAutoFit/>
+          </a:bodyPr>
+          <a:lstStyle/>
+          <a:p>
+            <a:r>
+              <a:rPr lang="en-US" altLang="ko-KR" dirty="0"/>
+              <a:t>4 %2  = 0</a:t>
+            </a:r>
+          </a:p>
+          <a:p>
+            <a:r>
+              <a:rPr lang="en-US" altLang="ko-KR" dirty="0"/>
+              <a:t>3 %2  = 1</a:t>
+            </a:r>
+          </a:p>
+          <a:p>
+            <a:r>
+              <a:rPr lang="en-US" altLang="ko-KR" dirty="0"/>
+              <a:t>1 %2  = 0</a:t>
+            </a:r>
+          </a:p>
+          <a:p>
+            <a:r>
+              <a:rPr lang="en-US" altLang="ko-KR" dirty="0"/>
+              <a:t>2 %2  = 1 </a:t>
+            </a:r>
+            <a:endParaRPr lang="ko-KR" altLang="en-US" dirty="0"/>
+          </a:p>
+        </p:txBody>
+      </p:sp>
+      <p:sp>
+        <p:nvSpPr>
+          <p:cNvPr id="10" name="TextBox 9">
+            <a:extLst>
+              <a:ext uri="{FF2B5EF4-FFF2-40B4-BE49-F238E27FC236}">
+                <a16:creationId xmlns:a16="http://schemas.microsoft.com/office/drawing/2014/main" id="{C09ADD56-6D65-4193-A76D-17ABD3FA2600}"/>
+              </a:ext>
+            </a:extLst>
+          </p:cNvPr>
+          <p:cNvSpPr txBox="1"/>
+          <p:nvPr/>
+        </p:nvSpPr>
+        <p:spPr>
+          <a:xfrm>
+            <a:off x="4347629" y="5967737"/>
+            <a:ext cx="1854200" cy="369332"/>
+          </a:xfrm>
+          <a:prstGeom prst="rect">
+            <a:avLst/>
+          </a:prstGeom>
+          <a:noFill/>
+        </p:spPr>
+        <p:txBody>
+          <a:bodyPr wrap="square" rtlCol="0">
+            <a:spAutoFit/>
+          </a:bodyPr>
+          <a:lstStyle/>
+          <a:p>
+            <a:pPr algn="ctr"/>
+            <a:r>
+              <a:rPr lang="en-US" altLang="ko-KR" dirty="0">
+                <a:latin typeface="한컴 윤고딕 230" panose="02020603020101020101" pitchFamily="18" charset="-127"/>
+                <a:ea typeface="한컴 윤고딕 230" panose="02020603020101020101" pitchFamily="18" charset="-127"/>
+              </a:rPr>
+              <a:t>0</a:t>
+            </a:r>
+            <a:r>
+              <a:rPr lang="ko-KR" altLang="en-US" dirty="0">
+                <a:latin typeface="한컴 윤고딕 230" panose="02020603020101020101" pitchFamily="18" charset="-127"/>
+                <a:ea typeface="한컴 윤고딕 230" panose="02020603020101020101" pitchFamily="18" charset="-127"/>
+              </a:rPr>
+              <a:t>번 그룹</a:t>
+            </a:r>
+          </a:p>
+        </p:txBody>
+      </p:sp>
+      <p:sp>
+        <p:nvSpPr>
+          <p:cNvPr id="24" name="TextBox 23">
+            <a:extLst>
+              <a:ext uri="{FF2B5EF4-FFF2-40B4-BE49-F238E27FC236}">
+                <a16:creationId xmlns:a16="http://schemas.microsoft.com/office/drawing/2014/main" id="{EAD017F4-7C34-44A8-BB02-2648E2FE8A1A}"/>
+              </a:ext>
+            </a:extLst>
+          </p:cNvPr>
+          <p:cNvSpPr txBox="1"/>
+          <p:nvPr/>
+        </p:nvSpPr>
+        <p:spPr>
+          <a:xfrm>
+            <a:off x="6354243" y="5958008"/>
+            <a:ext cx="1854200" cy="369332"/>
+          </a:xfrm>
+          <a:prstGeom prst="rect">
+            <a:avLst/>
+          </a:prstGeom>
+          <a:noFill/>
+        </p:spPr>
+        <p:txBody>
+          <a:bodyPr wrap="square" rtlCol="0">
+            <a:spAutoFit/>
+          </a:bodyPr>
+          <a:lstStyle/>
+          <a:p>
+            <a:pPr algn="ctr"/>
+            <a:r>
+              <a:rPr lang="en-US" altLang="ko-KR" dirty="0">
+                <a:latin typeface="한컴 윤고딕 230" panose="02020603020101020101" pitchFamily="18" charset="-127"/>
+                <a:ea typeface="한컴 윤고딕 230" panose="02020603020101020101" pitchFamily="18" charset="-127"/>
+              </a:rPr>
+              <a:t>1</a:t>
+            </a:r>
+            <a:r>
+              <a:rPr lang="ko-KR" altLang="en-US" dirty="0">
+                <a:latin typeface="한컴 윤고딕 230" panose="02020603020101020101" pitchFamily="18" charset="-127"/>
+                <a:ea typeface="한컴 윤고딕 230" panose="02020603020101020101" pitchFamily="18" charset="-127"/>
+              </a:rPr>
+              <a:t>번 그룹</a:t>
+            </a:r>
+          </a:p>
+        </p:txBody>
+      </p:sp>
+      <p:sp>
+        <p:nvSpPr>
+          <p:cNvPr id="13" name="화살표: 아래쪽 12">
+            <a:extLst>
+              <a:ext uri="{FF2B5EF4-FFF2-40B4-BE49-F238E27FC236}">
+                <a16:creationId xmlns:a16="http://schemas.microsoft.com/office/drawing/2014/main" id="{DCE59C2E-563A-4488-996C-603376D84EF6}"/>
+              </a:ext>
+            </a:extLst>
+          </p:cNvPr>
+          <p:cNvSpPr/>
+          <p:nvPr/>
+        </p:nvSpPr>
+        <p:spPr>
+          <a:xfrm>
+            <a:off x="5905497" y="3455605"/>
+            <a:ext cx="817033" cy="1200329"/>
+          </a:xfrm>
+          <a:prstGeom prst="downArrow">
+            <a:avLst/>
+          </a:prstGeom>
+          <a:noFill/>
+          <a:ln>
+            <a:solidFill>
+              <a:srgbClr val="FF0000"/>
+            </a:solidFill>
+          </a:ln>
+        </p:spPr>
+        <p:style>
+          <a:lnRef idx="2">
+            <a:schemeClr val="accent1">
+              <a:shade val="50000"/>
+            </a:schemeClr>
+          </a:lnRef>
+          <a:fillRef idx="1">
+            <a:schemeClr val="accent1"/>
+          </a:fillRef>
+          <a:effectRef idx="0">
+            <a:schemeClr val="accent1"/>
+          </a:effectRef>
+          <a:fontRef idx="minor">
+            <a:schemeClr val="lt1"/>
+          </a:fontRef>
+        </p:style>
+        <p:txBody>
+          <a:bodyPr rtlCol="0" anchor="ctr"/>
+          <a:lstStyle/>
+          <a:p>
+            <a:pPr algn="ctr"/>
+            <a:endParaRPr lang="ko-KR" altLang="en-US"/>
+          </a:p>
+        </p:txBody>
+      </p:sp>
+      <p:sp>
+        <p:nvSpPr>
+          <p:cNvPr id="25" name="직사각형 24">
+            <a:extLst>
+              <a:ext uri="{FF2B5EF4-FFF2-40B4-BE49-F238E27FC236}">
+                <a16:creationId xmlns:a16="http://schemas.microsoft.com/office/drawing/2014/main" id="{2BD1765E-C03F-4CC6-9D38-4E18DFABBAD2}"/>
+              </a:ext>
+            </a:extLst>
+          </p:cNvPr>
+          <p:cNvSpPr/>
+          <p:nvPr/>
+        </p:nvSpPr>
+        <p:spPr>
+          <a:xfrm>
+            <a:off x="1638309" y="1075267"/>
+            <a:ext cx="9431867" cy="2163590"/>
+          </a:xfrm>
+          <a:prstGeom prst="rect">
+            <a:avLst/>
+          </a:prstGeom>
+          <a:noFill/>
+        </p:spPr>
+        <p:style>
+          <a:lnRef idx="2">
+            <a:schemeClr val="accent1">
+              <a:shade val="50000"/>
+            </a:schemeClr>
+          </a:lnRef>
+          <a:fillRef idx="1">
+            <a:schemeClr val="accent1"/>
+          </a:fillRef>
+          <a:effectRef idx="0">
+            <a:schemeClr val="accent1"/>
+          </a:effectRef>
+          <a:fontRef idx="minor">
+            <a:schemeClr val="lt1"/>
+          </a:fontRef>
+        </p:style>
+        <p:txBody>
+          <a:bodyPr rtlCol="0" anchor="ctr"/>
+          <a:lstStyle/>
+          <a:p>
+            <a:pPr algn="ctr"/>
+            <a:endParaRPr lang="ko-KR" altLang="en-US"/>
+          </a:p>
+        </p:txBody>
+      </p:sp>
+    </p:spTree>
+    <p:extLst>
+      <p:ext uri="{BB962C8B-B14F-4D97-AF65-F5344CB8AC3E}">
+        <p14:creationId xmlns:p14="http://schemas.microsoft.com/office/powerpoint/2010/main" val="525594043"/>
+      </p:ext>
+    </p:extLst>
+  </p:cSld>
+  <p:clrMapOvr>
+    <a:masterClrMapping/>
+  </p:clrMapOvr>
+</p:sld>
+</file>
+
+<file path=ppt/slides/slide7.xml><?xml version="1.0" encoding="utf-8"?>
+<p:sld xmlns:a="http://schemas.openxmlformats.org/drawingml/2006/main" xmlns:r="http://schemas.openxmlformats.org/officeDocument/2006/relationships" xmlns:p="http://schemas.openxmlformats.org/presentationml/2006/main">
+  <p:cSld>
+    <p:spTree>
+      <p:nvGrpSpPr>
+        <p:cNvPr id="1" name=""/>
+        <p:cNvGrpSpPr/>
+        <p:nvPr/>
+      </p:nvGrpSpPr>
+      <p:grpSpPr>
+        <a:xfrm>
+          <a:off x="0" y="0"/>
+          <a:ext cx="0" cy="0"/>
+          <a:chOff x="0" y="0"/>
+          <a:chExt cx="0" cy="0"/>
+        </a:xfrm>
+      </p:grpSpPr>
+      <p:sp>
+        <p:nvSpPr>
+          <p:cNvPr id="3" name="부제목 2">
+            <a:extLst>
+              <a:ext uri="{FF2B5EF4-FFF2-40B4-BE49-F238E27FC236}">
+                <a16:creationId xmlns:a16="http://schemas.microsoft.com/office/drawing/2014/main" id="{B5C448A2-31B5-4D2E-9261-92F1BFC10D91}"/>
+              </a:ext>
+            </a:extLst>
+          </p:cNvPr>
+          <p:cNvSpPr txBox="1">
+            <a:spLocks/>
+          </p:cNvSpPr>
+          <p:nvPr/>
+        </p:nvSpPr>
+        <p:spPr>
+          <a:xfrm>
+            <a:off x="854109" y="240653"/>
+            <a:ext cx="6831673" cy="1086237"/>
+          </a:xfrm>
+          <a:prstGeom prst="rect">
+            <a:avLst/>
+          </a:prstGeom>
+        </p:spPr>
+        <p:txBody>
+          <a:bodyPr/>
+          <a:lstStyle>
+            <a:lvl1pPr marL="384048" indent="-384048" algn="l" defTabSz="914400" rtl="0" eaLnBrk="1" latinLnBrk="1" hangingPunct="1">
+              <a:lnSpc>
+                <a:spcPct val="94000"/>
+              </a:lnSpc>
+              <a:spcBef>
+                <a:spcPts val="1000"/>
+              </a:spcBef>
+              <a:spcAft>
+                <a:spcPts val="200"/>
+              </a:spcAft>
+              <a:buFont typeface="Franklin Gothic Book" panose="020B0503020102020204" pitchFamily="34" charset="0"/>
+              <a:buChar char="■"/>
+              <a:defRPr sz="2000" kern="1200" baseline="0">
+                <a:solidFill>
+                  <a:schemeClr val="tx2"/>
+                </a:solidFill>
+                <a:latin typeface="+mn-lt"/>
+                <a:ea typeface="+mn-ea"/>
+                <a:cs typeface="+mn-cs"/>
+              </a:defRPr>
+            </a:lvl1pPr>
+            <a:lvl2pPr marL="914400" indent="-384048" algn="l" defTabSz="914400" rtl="0" eaLnBrk="1" latinLnBrk="1" hangingPunct="1">
+              <a:lnSpc>
+                <a:spcPct val="94000"/>
+              </a:lnSpc>
+              <a:spcBef>
+                <a:spcPts val="500"/>
+              </a:spcBef>
+              <a:spcAft>
+                <a:spcPts val="200"/>
+              </a:spcAft>
+              <a:buFont typeface="Franklin Gothic Book" panose="020B0503020102020204" pitchFamily="34" charset="0"/>
+              <a:buChar char="–"/>
+              <a:defRPr sz="2000" i="1" kern="1200" baseline="0">
+                <a:solidFill>
+                  <a:schemeClr val="tx2"/>
+                </a:solidFill>
+                <a:latin typeface="+mn-lt"/>
+                <a:ea typeface="+mn-ea"/>
+                <a:cs typeface="+mn-cs"/>
+              </a:defRPr>
+            </a:lvl2pPr>
+            <a:lvl3pPr marL="1371600" indent="-384048" algn="l" defTabSz="914400" rtl="0" eaLnBrk="1" latinLnBrk="1" hangingPunct="1">
+              <a:lnSpc>
+                <a:spcPct val="94000"/>
+              </a:lnSpc>
+              <a:spcBef>
+                <a:spcPts val="500"/>
+              </a:spcBef>
+              <a:spcAft>
+                <a:spcPts val="200"/>
+              </a:spcAft>
+              <a:buFont typeface="Franklin Gothic Book" panose="020B0503020102020204" pitchFamily="34" charset="0"/>
+              <a:buChar char="■"/>
+              <a:defRPr sz="1800" kern="1200" baseline="0">
+                <a:solidFill>
+                  <a:schemeClr val="tx2"/>
+                </a:solidFill>
+                <a:latin typeface="+mn-lt"/>
+                <a:ea typeface="+mn-ea"/>
+                <a:cs typeface="+mn-cs"/>
+              </a:defRPr>
+            </a:lvl3pPr>
+            <a:lvl4pPr marL="1828800" indent="-384048" algn="l" defTabSz="914400" rtl="0" eaLnBrk="1" latinLnBrk="1" hangingPunct="1">
+              <a:lnSpc>
+                <a:spcPct val="94000"/>
+              </a:lnSpc>
+              <a:spcBef>
+                <a:spcPts val="500"/>
+              </a:spcBef>
+              <a:spcAft>
+                <a:spcPts val="200"/>
+              </a:spcAft>
+              <a:buFont typeface="Franklin Gothic Book" panose="020B0503020102020204" pitchFamily="34" charset="0"/>
+              <a:buChar char="–"/>
+              <a:defRPr sz="1800" i="1" kern="1200" baseline="0">
+                <a:solidFill>
+                  <a:schemeClr val="tx2"/>
+                </a:solidFill>
+                <a:latin typeface="+mn-lt"/>
+                <a:ea typeface="+mn-ea"/>
+                <a:cs typeface="+mn-cs"/>
+              </a:defRPr>
+            </a:lvl4pPr>
+            <a:lvl5pPr marL="2286000" indent="-384048" algn="l" defTabSz="914400" rtl="0" eaLnBrk="1" latinLnBrk="1" hangingPunct="1">
+              <a:lnSpc>
+                <a:spcPct val="94000"/>
+              </a:lnSpc>
+              <a:spcBef>
+                <a:spcPts val="500"/>
+              </a:spcBef>
+              <a:spcAft>
+                <a:spcPts val="200"/>
+              </a:spcAft>
+              <a:buFont typeface="Franklin Gothic Book" panose="020B0503020102020204" pitchFamily="34" charset="0"/>
+              <a:buChar char="■"/>
+              <a:defRPr sz="1600" kern="1200" baseline="0">
+                <a:solidFill>
+                  <a:schemeClr val="tx2"/>
+                </a:solidFill>
+                <a:latin typeface="+mn-lt"/>
+                <a:ea typeface="+mn-ea"/>
+                <a:cs typeface="+mn-cs"/>
+              </a:defRPr>
+            </a:lvl5pPr>
+            <a:lvl6pPr marL="2743200" indent="-384048" algn="l" defTabSz="914400" rtl="0" eaLnBrk="1" latinLnBrk="1" hangingPunct="1">
+              <a:lnSpc>
+                <a:spcPct val="94000"/>
+              </a:lnSpc>
+              <a:spcBef>
+                <a:spcPts val="500"/>
+              </a:spcBef>
+              <a:spcAft>
+                <a:spcPts val="200"/>
+              </a:spcAft>
+              <a:buFont typeface="Franklin Gothic Book" panose="020B0503020102020204" pitchFamily="34" charset="0"/>
+              <a:buChar char="–"/>
+              <a:defRPr sz="1600" i="1" kern="1200" baseline="0">
+                <a:solidFill>
+                  <a:schemeClr val="tx2"/>
+                </a:solidFill>
+                <a:latin typeface="+mn-lt"/>
+                <a:ea typeface="+mn-ea"/>
+                <a:cs typeface="+mn-cs"/>
+              </a:defRPr>
+            </a:lvl6pPr>
+            <a:lvl7pPr marL="3200400" indent="-384048" algn="l" defTabSz="914400" rtl="0" eaLnBrk="1" latinLnBrk="1" hangingPunct="1">
+              <a:lnSpc>
+                <a:spcPct val="94000"/>
+              </a:lnSpc>
+              <a:spcBef>
+                <a:spcPts val="500"/>
+              </a:spcBef>
+              <a:spcAft>
+                <a:spcPts val="200"/>
+              </a:spcAft>
+              <a:buFont typeface="Franklin Gothic Book" panose="020B0503020102020204" pitchFamily="34" charset="0"/>
+              <a:buChar char="■"/>
+              <a:defRPr sz="1400" kern="1200" baseline="0">
+                <a:solidFill>
+                  <a:schemeClr val="tx2"/>
+                </a:solidFill>
+                <a:latin typeface="+mn-lt"/>
+                <a:ea typeface="+mn-ea"/>
+                <a:cs typeface="+mn-cs"/>
+              </a:defRPr>
+            </a:lvl7pPr>
+            <a:lvl8pPr marL="3657600" indent="-384048" algn="l" defTabSz="914400" rtl="0" eaLnBrk="1" latinLnBrk="1" hangingPunct="1">
+              <a:lnSpc>
+                <a:spcPct val="94000"/>
+              </a:lnSpc>
+              <a:spcBef>
+                <a:spcPts val="500"/>
+              </a:spcBef>
+              <a:spcAft>
+                <a:spcPts val="200"/>
+              </a:spcAft>
+              <a:buFont typeface="Franklin Gothic Book" panose="020B0503020102020204" pitchFamily="34" charset="0"/>
+              <a:buChar char="–"/>
+              <a:defRPr sz="1400" i="1" kern="1200" baseline="0">
+                <a:solidFill>
+                  <a:schemeClr val="tx2"/>
+                </a:solidFill>
+                <a:latin typeface="+mn-lt"/>
+                <a:ea typeface="+mn-ea"/>
+                <a:cs typeface="+mn-cs"/>
+              </a:defRPr>
+            </a:lvl8pPr>
+            <a:lvl9pPr marL="4114800" indent="-384048" algn="l" defTabSz="914400" rtl="0" eaLnBrk="1" latinLnBrk="1" hangingPunct="1">
+              <a:lnSpc>
+                <a:spcPct val="94000"/>
+              </a:lnSpc>
+              <a:spcBef>
+                <a:spcPts val="500"/>
+              </a:spcBef>
+              <a:spcAft>
+                <a:spcPts val="200"/>
+              </a:spcAft>
+              <a:buFont typeface="Franklin Gothic Book" panose="020B0503020102020204" pitchFamily="34" charset="0"/>
+              <a:buChar char="■"/>
+              <a:defRPr sz="1400" kern="1200" baseline="0">
+                <a:solidFill>
+                  <a:schemeClr val="tx2"/>
+                </a:solidFill>
+                <a:latin typeface="+mn-lt"/>
+                <a:ea typeface="+mn-ea"/>
+                <a:cs typeface="+mn-cs"/>
+              </a:defRPr>
+            </a:lvl9pPr>
+          </a:lstStyle>
+          <a:p>
+            <a:r>
+              <a:rPr lang="en-US" altLang="ko-KR" dirty="0">
+                <a:latin typeface="한컴 윤고딕 250" panose="02020603020101020101" pitchFamily="18" charset="-127"/>
+                <a:ea typeface="한컴 윤고딕 250" panose="02020603020101020101" pitchFamily="18" charset="-127"/>
+              </a:rPr>
+              <a:t>HOW to</a:t>
+            </a:r>
+            <a:r>
+              <a:rPr lang="ko-KR" altLang="en-US" dirty="0">
+                <a:latin typeface="한컴 윤고딕 250" panose="02020603020101020101" pitchFamily="18" charset="-127"/>
+                <a:ea typeface="한컴 윤고딕 250" panose="02020603020101020101" pitchFamily="18" charset="-127"/>
+              </a:rPr>
+              <a:t> </a:t>
+            </a:r>
+            <a:r>
+              <a:rPr lang="en-US" altLang="ko-KR" dirty="0">
+                <a:latin typeface="한컴 윤고딕 250" panose="02020603020101020101" pitchFamily="18" charset="-127"/>
+                <a:ea typeface="한컴 윤고딕 250" panose="02020603020101020101" pitchFamily="18" charset="-127"/>
+              </a:rPr>
+              <a:t>distribute?</a:t>
             </a:r>
             <a:endParaRPr lang="ko-KR" altLang="en-US" dirty="0">
               <a:latin typeface="한컴 윤고딕 250" panose="02020603020101020101" pitchFamily="18" charset="-127"/>
@@ -9817,11 +14524,7 @@
             <a:graphicFrameLocks noGrp="1"/>
           </p:cNvGraphicFramePr>
           <p:nvPr>
-            <p:extLst>
-              <p:ext uri="{D42A27DB-BD31-4B8C-83A1-F6EECF244321}">
-                <p14:modId xmlns:p14="http://schemas.microsoft.com/office/powerpoint/2010/main" val="674550248"/>
-              </p:ext>
-            </p:extLst>
+            <p:extLst/>
           </p:nvPr>
         </p:nvGraphicFramePr>
         <p:xfrm>
@@ -10745,7 +15448,7 @@
     </p:spTree>
     <p:extLst>
       <p:ext uri="{BB962C8B-B14F-4D97-AF65-F5344CB8AC3E}">
-        <p14:creationId xmlns:p14="http://schemas.microsoft.com/office/powerpoint/2010/main" val="1696584630"/>
+        <p14:creationId xmlns:p14="http://schemas.microsoft.com/office/powerpoint/2010/main" val="2007755605"/>
       </p:ext>
     </p:extLst>
   </p:cSld>
@@ -10755,7 +15458,7 @@
 </p:sld>
 </file>
 
-<file path=ppt/slides/slide6.xml><?xml version="1.0" encoding="utf-8"?>
+<file path=ppt/slides/slide8.xml><?xml version="1.0" encoding="utf-8"?>
 <p:sld xmlns:a="http://schemas.openxmlformats.org/drawingml/2006/main" xmlns:r="http://schemas.openxmlformats.org/officeDocument/2006/relationships" xmlns:p="http://schemas.openxmlformats.org/presentationml/2006/main">
   <p:cSld>
     <p:spTree>
@@ -10933,7 +15636,7 @@
 </p:sld>
 </file>
 
-<file path=ppt/slides/slide7.xml><?xml version="1.0" encoding="utf-8"?>
+<file path=ppt/slides/slide9.xml><?xml version="1.0" encoding="utf-8"?>
 <p:sld xmlns:a="http://schemas.openxmlformats.org/drawingml/2006/main" xmlns:r="http://schemas.openxmlformats.org/officeDocument/2006/relationships" xmlns:p="http://schemas.openxmlformats.org/presentationml/2006/main">
   <p:cSld>
     <p:spTree>
@@ -11739,489 +16442,6 @@
     <p:extLst>
       <p:ext uri="{BB962C8B-B14F-4D97-AF65-F5344CB8AC3E}">
         <p14:creationId xmlns:p14="http://schemas.microsoft.com/office/powerpoint/2010/main" val="953023215"/>
-      </p:ext>
-    </p:extLst>
-  </p:cSld>
-  <p:clrMapOvr>
-    <a:masterClrMapping/>
-  </p:clrMapOvr>
-</p:sld>
-</file>
-
-<file path=ppt/slides/slide8.xml><?xml version="1.0" encoding="utf-8"?>
-<p:sld xmlns:a="http://schemas.openxmlformats.org/drawingml/2006/main" xmlns:r="http://schemas.openxmlformats.org/officeDocument/2006/relationships" xmlns:p="http://schemas.openxmlformats.org/presentationml/2006/main">
-  <p:cSld>
-    <p:spTree>
-      <p:nvGrpSpPr>
-        <p:cNvPr id="1" name=""/>
-        <p:cNvGrpSpPr/>
-        <p:nvPr/>
-      </p:nvGrpSpPr>
-      <p:grpSpPr>
-        <a:xfrm>
-          <a:off x="0" y="0"/>
-          <a:ext cx="0" cy="0"/>
-          <a:chOff x="0" y="0"/>
-          <a:chExt cx="0" cy="0"/>
-        </a:xfrm>
-      </p:grpSpPr>
-      <p:sp>
-        <p:nvSpPr>
-          <p:cNvPr id="4" name="TextBox 3">
-            <a:extLst>
-              <a:ext uri="{FF2B5EF4-FFF2-40B4-BE49-F238E27FC236}">
-                <a16:creationId xmlns:a16="http://schemas.microsoft.com/office/drawing/2014/main" id="{B2CC801F-6CAB-4E55-88BB-022194A88274}"/>
-              </a:ext>
-            </a:extLst>
-          </p:cNvPr>
-          <p:cNvSpPr txBox="1"/>
-          <p:nvPr/>
-        </p:nvSpPr>
-        <p:spPr>
-          <a:xfrm>
-            <a:off x="1332412" y="566727"/>
-            <a:ext cx="7715795" cy="923330"/>
-          </a:xfrm>
-          <a:prstGeom prst="rect">
-            <a:avLst/>
-          </a:prstGeom>
-          <a:noFill/>
-        </p:spPr>
-        <p:txBody>
-          <a:bodyPr wrap="square" rtlCol="0">
-            <a:spAutoFit/>
-          </a:bodyPr>
-          <a:lstStyle/>
-          <a:p>
-            <a:r>
-              <a:rPr lang="ko-KR" altLang="en-US" dirty="0" err="1">
-                <a:latin typeface="한컴 윤고딕 250" panose="02020603020101020101" pitchFamily="18" charset="-127"/>
-                <a:ea typeface="한컴 윤고딕 250" panose="02020603020101020101" pitchFamily="18" charset="-127"/>
-              </a:rPr>
-              <a:t>메인화면</a:t>
-            </a:r>
-            <a:r>
-              <a:rPr lang="en-US" altLang="ko-KR" dirty="0">
-                <a:latin typeface="한컴 윤고딕 250" panose="02020603020101020101" pitchFamily="18" charset="-127"/>
-                <a:ea typeface="한컴 윤고딕 250" panose="02020603020101020101" pitchFamily="18" charset="-127"/>
-              </a:rPr>
-              <a:t>(INSERT)</a:t>
-            </a:r>
-          </a:p>
-          <a:p>
-            <a:endParaRPr lang="en-US" altLang="ko-KR" dirty="0">
-              <a:latin typeface="한컴 윤고딕 250" panose="02020603020101020101" pitchFamily="18" charset="-127"/>
-              <a:ea typeface="한컴 윤고딕 250" panose="02020603020101020101" pitchFamily="18" charset="-127"/>
-            </a:endParaRPr>
-          </a:p>
-          <a:p>
-            <a:endParaRPr lang="en-US" altLang="ko-KR" dirty="0">
-              <a:latin typeface="한컴 윤고딕 250" panose="02020603020101020101" pitchFamily="18" charset="-127"/>
-              <a:ea typeface="한컴 윤고딕 250" panose="02020603020101020101" pitchFamily="18" charset="-127"/>
-            </a:endParaRPr>
-          </a:p>
-        </p:txBody>
-      </p:sp>
-      <p:sp>
-        <p:nvSpPr>
-          <p:cNvPr id="2" name="TextBox 1">
-            <a:extLst>
-              <a:ext uri="{FF2B5EF4-FFF2-40B4-BE49-F238E27FC236}">
-                <a16:creationId xmlns:a16="http://schemas.microsoft.com/office/drawing/2014/main" id="{32999FB5-5009-42D4-81D4-0E738E543E2B}"/>
-              </a:ext>
-            </a:extLst>
-          </p:cNvPr>
-          <p:cNvSpPr txBox="1"/>
-          <p:nvPr/>
-        </p:nvSpPr>
-        <p:spPr>
-          <a:xfrm>
-            <a:off x="1858945" y="1416818"/>
-            <a:ext cx="5948624" cy="646331"/>
-          </a:xfrm>
-          <a:prstGeom prst="rect">
-            <a:avLst/>
-          </a:prstGeom>
-          <a:noFill/>
-        </p:spPr>
-        <p:txBody>
-          <a:bodyPr wrap="square" rtlCol="0">
-            <a:spAutoFit/>
-          </a:bodyPr>
-          <a:lstStyle/>
-          <a:p>
-            <a:r>
-              <a:rPr lang="en-US" altLang="ko-KR" dirty="0"/>
-              <a:t>2. </a:t>
-            </a:r>
-            <a:r>
-              <a:rPr lang="ko-KR" altLang="en-US" dirty="0"/>
-              <a:t>여러 그룹으로 나눔</a:t>
-            </a:r>
-            <a:endParaRPr lang="en-US" altLang="ko-KR" dirty="0"/>
-          </a:p>
-          <a:p>
-            <a:endParaRPr lang="en-US" altLang="ko-KR" dirty="0"/>
-          </a:p>
-        </p:txBody>
-      </p:sp>
-      <p:pic>
-        <p:nvPicPr>
-          <p:cNvPr id="3" name="그림 2">
-            <a:extLst>
-              <a:ext uri="{FF2B5EF4-FFF2-40B4-BE49-F238E27FC236}">
-                <a16:creationId xmlns:a16="http://schemas.microsoft.com/office/drawing/2014/main" id="{334361F3-C670-4737-891D-9673EF3D35B2}"/>
-              </a:ext>
-            </a:extLst>
-          </p:cNvPr>
-          <p:cNvPicPr>
-            <a:picLocks noChangeAspect="1"/>
-          </p:cNvPicPr>
-          <p:nvPr/>
-        </p:nvPicPr>
-        <p:blipFill>
-          <a:blip r:embed="rId2"/>
-          <a:stretch>
-            <a:fillRect/>
-          </a:stretch>
-        </p:blipFill>
-        <p:spPr>
-          <a:xfrm>
-            <a:off x="1416555" y="2063149"/>
-            <a:ext cx="5781675" cy="4848225"/>
-          </a:xfrm>
-          <a:prstGeom prst="rect">
-            <a:avLst/>
-          </a:prstGeom>
-        </p:spPr>
-      </p:pic>
-    </p:spTree>
-    <p:extLst>
-      <p:ext uri="{BB962C8B-B14F-4D97-AF65-F5344CB8AC3E}">
-        <p14:creationId xmlns:p14="http://schemas.microsoft.com/office/powerpoint/2010/main" val="615519845"/>
-      </p:ext>
-    </p:extLst>
-  </p:cSld>
-  <p:clrMapOvr>
-    <a:masterClrMapping/>
-  </p:clrMapOvr>
-</p:sld>
-</file>
-
-<file path=ppt/slides/slide9.xml><?xml version="1.0" encoding="utf-8"?>
-<p:sld xmlns:a="http://schemas.openxmlformats.org/drawingml/2006/main" xmlns:r="http://schemas.openxmlformats.org/officeDocument/2006/relationships" xmlns:p="http://schemas.openxmlformats.org/presentationml/2006/main">
-  <p:cSld>
-    <p:spTree>
-      <p:nvGrpSpPr>
-        <p:cNvPr id="1" name=""/>
-        <p:cNvGrpSpPr/>
-        <p:nvPr/>
-      </p:nvGrpSpPr>
-      <p:grpSpPr>
-        <a:xfrm>
-          <a:off x="0" y="0"/>
-          <a:ext cx="0" cy="0"/>
-          <a:chOff x="0" y="0"/>
-          <a:chExt cx="0" cy="0"/>
-        </a:xfrm>
-      </p:grpSpPr>
-      <p:sp>
-        <p:nvSpPr>
-          <p:cNvPr id="4" name="TextBox 3">
-            <a:extLst>
-              <a:ext uri="{FF2B5EF4-FFF2-40B4-BE49-F238E27FC236}">
-                <a16:creationId xmlns:a16="http://schemas.microsoft.com/office/drawing/2014/main" id="{B2CC801F-6CAB-4E55-88BB-022194A88274}"/>
-              </a:ext>
-            </a:extLst>
-          </p:cNvPr>
-          <p:cNvSpPr txBox="1"/>
-          <p:nvPr/>
-        </p:nvSpPr>
-        <p:spPr>
-          <a:xfrm>
-            <a:off x="1332412" y="566727"/>
-            <a:ext cx="7715795" cy="923330"/>
-          </a:xfrm>
-          <a:prstGeom prst="rect">
-            <a:avLst/>
-          </a:prstGeom>
-          <a:noFill/>
-        </p:spPr>
-        <p:txBody>
-          <a:bodyPr wrap="square" rtlCol="0">
-            <a:spAutoFit/>
-          </a:bodyPr>
-          <a:lstStyle/>
-          <a:p>
-            <a:r>
-              <a:rPr lang="ko-KR" altLang="en-US" dirty="0" err="1">
-                <a:latin typeface="한컴 윤고딕 250" panose="02020603020101020101" pitchFamily="18" charset="-127"/>
-                <a:ea typeface="한컴 윤고딕 250" panose="02020603020101020101" pitchFamily="18" charset="-127"/>
-              </a:rPr>
-              <a:t>메인화면</a:t>
-            </a:r>
-            <a:r>
-              <a:rPr lang="en-US" altLang="ko-KR" dirty="0">
-                <a:latin typeface="한컴 윤고딕 250" panose="02020603020101020101" pitchFamily="18" charset="-127"/>
-                <a:ea typeface="한컴 윤고딕 250" panose="02020603020101020101" pitchFamily="18" charset="-127"/>
-              </a:rPr>
-              <a:t>(INSERT)</a:t>
-            </a:r>
-          </a:p>
-          <a:p>
-            <a:endParaRPr lang="en-US" altLang="ko-KR" dirty="0">
-              <a:latin typeface="한컴 윤고딕 250" panose="02020603020101020101" pitchFamily="18" charset="-127"/>
-              <a:ea typeface="한컴 윤고딕 250" panose="02020603020101020101" pitchFamily="18" charset="-127"/>
-            </a:endParaRPr>
-          </a:p>
-          <a:p>
-            <a:endParaRPr lang="en-US" altLang="ko-KR" dirty="0">
-              <a:latin typeface="한컴 윤고딕 250" panose="02020603020101020101" pitchFamily="18" charset="-127"/>
-              <a:ea typeface="한컴 윤고딕 250" panose="02020603020101020101" pitchFamily="18" charset="-127"/>
-            </a:endParaRPr>
-          </a:p>
-        </p:txBody>
-      </p:sp>
-      <p:sp>
-        <p:nvSpPr>
-          <p:cNvPr id="2" name="TextBox 1">
-            <a:extLst>
-              <a:ext uri="{FF2B5EF4-FFF2-40B4-BE49-F238E27FC236}">
-                <a16:creationId xmlns:a16="http://schemas.microsoft.com/office/drawing/2014/main" id="{32999FB5-5009-42D4-81D4-0E738E543E2B}"/>
-              </a:ext>
-            </a:extLst>
-          </p:cNvPr>
-          <p:cNvSpPr txBox="1"/>
-          <p:nvPr/>
-        </p:nvSpPr>
-        <p:spPr>
-          <a:xfrm>
-            <a:off x="1768510" y="1093652"/>
-            <a:ext cx="5948624" cy="369332"/>
-          </a:xfrm>
-          <a:prstGeom prst="rect">
-            <a:avLst/>
-          </a:prstGeom>
-          <a:noFill/>
-        </p:spPr>
-        <p:txBody>
-          <a:bodyPr wrap="square" rtlCol="0">
-            <a:spAutoFit/>
-          </a:bodyPr>
-          <a:lstStyle/>
-          <a:p>
-            <a:r>
-              <a:rPr lang="ko-KR" altLang="en-US" dirty="0">
-                <a:latin typeface="한컴 윤고딕 250" panose="02020603020101020101" pitchFamily="18" charset="-127"/>
-                <a:ea typeface="한컴 윤고딕 250" panose="02020603020101020101" pitchFamily="18" charset="-127"/>
-              </a:rPr>
-              <a:t>그룹별 </a:t>
-            </a:r>
-            <a:r>
-              <a:rPr lang="ko-KR" altLang="en-US" dirty="0" err="1">
-                <a:latin typeface="한컴 윤고딕 250" panose="02020603020101020101" pitchFamily="18" charset="-127"/>
-                <a:ea typeface="한컴 윤고딕 250" panose="02020603020101020101" pitchFamily="18" charset="-127"/>
-              </a:rPr>
-              <a:t>인원표</a:t>
-            </a:r>
-            <a:r>
-              <a:rPr lang="ko-KR" altLang="en-US" dirty="0">
-                <a:latin typeface="한컴 윤고딕 250" panose="02020603020101020101" pitchFamily="18" charset="-127"/>
-                <a:ea typeface="한컴 윤고딕 250" panose="02020603020101020101" pitchFamily="18" charset="-127"/>
-              </a:rPr>
-              <a:t> </a:t>
-            </a:r>
-            <a:r>
-              <a:rPr lang="ko-KR" altLang="en-US" dirty="0" err="1">
-                <a:latin typeface="한컴 윤고딕 250" panose="02020603020101020101" pitchFamily="18" charset="-127"/>
-                <a:ea typeface="한컴 윤고딕 250" panose="02020603020101020101" pitchFamily="18" charset="-127"/>
-              </a:rPr>
-              <a:t>만들예정</a:t>
-            </a:r>
-            <a:endParaRPr lang="en-US" altLang="ko-KR" dirty="0">
-              <a:latin typeface="한컴 윤고딕 250" panose="02020603020101020101" pitchFamily="18" charset="-127"/>
-              <a:ea typeface="한컴 윤고딕 250" panose="02020603020101020101" pitchFamily="18" charset="-127"/>
-            </a:endParaRPr>
-          </a:p>
-        </p:txBody>
-      </p:sp>
-      <p:pic>
-        <p:nvPicPr>
-          <p:cNvPr id="3" name="그림 2">
-            <a:extLst>
-              <a:ext uri="{FF2B5EF4-FFF2-40B4-BE49-F238E27FC236}">
-                <a16:creationId xmlns:a16="http://schemas.microsoft.com/office/drawing/2014/main" id="{334361F3-C670-4737-891D-9673EF3D35B2}"/>
-              </a:ext>
-            </a:extLst>
-          </p:cNvPr>
-          <p:cNvPicPr>
-            <a:picLocks noChangeAspect="1"/>
-          </p:cNvPicPr>
-          <p:nvPr/>
-        </p:nvPicPr>
-        <p:blipFill>
-          <a:blip r:embed="rId2"/>
-          <a:stretch>
-            <a:fillRect/>
-          </a:stretch>
-        </p:blipFill>
-        <p:spPr>
-          <a:xfrm>
-            <a:off x="1332412" y="1490057"/>
-            <a:ext cx="5781675" cy="4848225"/>
-          </a:xfrm>
-          <a:prstGeom prst="rect">
-            <a:avLst/>
-          </a:prstGeom>
-        </p:spPr>
-      </p:pic>
-      <p:sp>
-        <p:nvSpPr>
-          <p:cNvPr id="5" name="화살표: 오른쪽 4">
-            <a:extLst>
-              <a:ext uri="{FF2B5EF4-FFF2-40B4-BE49-F238E27FC236}">
-                <a16:creationId xmlns:a16="http://schemas.microsoft.com/office/drawing/2014/main" id="{A4A47B1F-9134-4802-B0E4-042C403A0914}"/>
-              </a:ext>
-            </a:extLst>
-          </p:cNvPr>
-          <p:cNvSpPr/>
-          <p:nvPr/>
-        </p:nvSpPr>
-        <p:spPr>
-          <a:xfrm>
-            <a:off x="2250977" y="4029390"/>
-            <a:ext cx="5466157" cy="542610"/>
-          </a:xfrm>
-          <a:prstGeom prst="rightArrow">
-            <a:avLst/>
-          </a:prstGeom>
-          <a:noFill/>
-          <a:ln>
-            <a:solidFill>
-              <a:srgbClr val="FF0000"/>
-            </a:solidFill>
-          </a:ln>
-        </p:spPr>
-        <p:style>
-          <a:lnRef idx="2">
-            <a:schemeClr val="accent1">
-              <a:shade val="50000"/>
-            </a:schemeClr>
-          </a:lnRef>
-          <a:fillRef idx="1">
-            <a:schemeClr val="accent1"/>
-          </a:fillRef>
-          <a:effectRef idx="0">
-            <a:schemeClr val="accent1"/>
-          </a:effectRef>
-          <a:fontRef idx="minor">
-            <a:schemeClr val="lt1"/>
-          </a:fontRef>
-        </p:style>
-        <p:txBody>
-          <a:bodyPr rtlCol="0" anchor="ctr"/>
-          <a:lstStyle/>
-          <a:p>
-            <a:pPr algn="ctr"/>
-            <a:endParaRPr lang="ko-KR" altLang="en-US"/>
-          </a:p>
-        </p:txBody>
-      </p:sp>
-      <p:sp>
-        <p:nvSpPr>
-          <p:cNvPr id="6" name="TextBox 5">
-            <a:extLst>
-              <a:ext uri="{FF2B5EF4-FFF2-40B4-BE49-F238E27FC236}">
-                <a16:creationId xmlns:a16="http://schemas.microsoft.com/office/drawing/2014/main" id="{26446B1C-587B-4827-9EB8-97B6CA01342B}"/>
-              </a:ext>
-            </a:extLst>
-          </p:cNvPr>
-          <p:cNvSpPr txBox="1"/>
-          <p:nvPr/>
-        </p:nvSpPr>
-        <p:spPr>
-          <a:xfrm>
-            <a:off x="2519532" y="4478493"/>
-            <a:ext cx="4109775" cy="369332"/>
-          </a:xfrm>
-          <a:prstGeom prst="rect">
-            <a:avLst/>
-          </a:prstGeom>
-          <a:noFill/>
-        </p:spPr>
-        <p:txBody>
-          <a:bodyPr wrap="square" rtlCol="0">
-            <a:spAutoFit/>
-          </a:bodyPr>
-          <a:lstStyle/>
-          <a:p>
-            <a:r>
-              <a:rPr lang="ko-KR" altLang="en-US" dirty="0">
-                <a:solidFill>
-                  <a:srgbClr val="FF0000"/>
-                </a:solidFill>
-                <a:latin typeface="한컴 윤고딕 230" panose="02020603020101020101" pitchFamily="18" charset="-127"/>
-                <a:ea typeface="한컴 윤고딕 230" panose="02020603020101020101" pitchFamily="18" charset="-127"/>
-              </a:rPr>
-              <a:t>클릭하면 해당 그룹 </a:t>
-            </a:r>
-            <a:r>
-              <a:rPr lang="ko-KR" altLang="en-US" dirty="0" err="1">
-                <a:solidFill>
-                  <a:srgbClr val="FF0000"/>
-                </a:solidFill>
-                <a:latin typeface="한컴 윤고딕 230" panose="02020603020101020101" pitchFamily="18" charset="-127"/>
-                <a:ea typeface="한컴 윤고딕 230" panose="02020603020101020101" pitchFamily="18" charset="-127"/>
-              </a:rPr>
-              <a:t>인원표</a:t>
-            </a:r>
-            <a:r>
-              <a:rPr lang="ko-KR" altLang="en-US" dirty="0">
-                <a:solidFill>
-                  <a:srgbClr val="FF0000"/>
-                </a:solidFill>
-                <a:latin typeface="한컴 윤고딕 230" panose="02020603020101020101" pitchFamily="18" charset="-127"/>
-                <a:ea typeface="한컴 윤고딕 230" panose="02020603020101020101" pitchFamily="18" charset="-127"/>
-              </a:rPr>
-              <a:t> 나오게</a:t>
-            </a:r>
-          </a:p>
-        </p:txBody>
-      </p:sp>
-      <p:pic>
-        <p:nvPicPr>
-          <p:cNvPr id="7" name="그림 6">
-            <a:extLst>
-              <a:ext uri="{FF2B5EF4-FFF2-40B4-BE49-F238E27FC236}">
-                <a16:creationId xmlns:a16="http://schemas.microsoft.com/office/drawing/2014/main" id="{16EFF8A4-0FDB-4CED-93A1-574A30226405}"/>
-              </a:ext>
-            </a:extLst>
-          </p:cNvPr>
-          <p:cNvPicPr>
-            <a:picLocks noChangeAspect="1"/>
-          </p:cNvPicPr>
-          <p:nvPr/>
-        </p:nvPicPr>
-        <p:blipFill>
-          <a:blip r:embed="rId3"/>
-          <a:stretch>
-            <a:fillRect/>
-          </a:stretch>
-        </p:blipFill>
-        <p:spPr>
-          <a:xfrm>
-            <a:off x="8497388" y="2959689"/>
-            <a:ext cx="2362200" cy="2314575"/>
-          </a:xfrm>
-          <a:prstGeom prst="rect">
-            <a:avLst/>
-          </a:prstGeom>
-        </p:spPr>
-      </p:pic>
-    </p:spTree>
-    <p:extLst>
-      <p:ext uri="{BB962C8B-B14F-4D97-AF65-F5344CB8AC3E}">
-        <p14:creationId xmlns:p14="http://schemas.microsoft.com/office/powerpoint/2010/main" val="56112283"/>
       </p:ext>
     </p:extLst>
   </p:cSld>

--- a/S01_그룹 지정하기.pptx
+++ b/S01_그룹 지정하기.pptx
@@ -20,10 +20,9 @@
     <p:sldId id="269" r:id="rId14"/>
     <p:sldId id="270" r:id="rId15"/>
     <p:sldId id="271" r:id="rId16"/>
-    <p:sldId id="274" r:id="rId17"/>
-    <p:sldId id="260" r:id="rId18"/>
-    <p:sldId id="261" r:id="rId19"/>
-    <p:sldId id="262" r:id="rId20"/>
+    <p:sldId id="260" r:id="rId17"/>
+    <p:sldId id="261" r:id="rId18"/>
+    <p:sldId id="262" r:id="rId19"/>
   </p:sldIdLst>
   <p:sldSz cx="12192000" cy="6858000"/>
   <p:notesSz cx="6858000" cy="9144000"/>
@@ -300,7 +299,7 @@
             <a:fld id="{87DE6118-2437-4B30-8E3C-4D2BE6020583}" type="datetimeFigureOut">
               <a:rPr lang="en-US" dirty="0"/>
               <a:pPr/>
-              <a:t>2/18/2019</a:t>
+              <a:t>2/24/2019</a:t>
             </a:fld>
             <a:endParaRPr lang="en-US" dirty="0"/>
           </a:p>
@@ -626,7 +625,7 @@
           <a:p>
             <a:fld id="{87DE6118-2437-4B30-8E3C-4D2BE6020583}" type="datetimeFigureOut">
               <a:rPr lang="en-US" dirty="0"/>
-              <a:t>2/18/2019</a:t>
+              <a:t>2/24/2019</a:t>
             </a:fld>
             <a:endParaRPr lang="en-US" dirty="0"/>
           </a:p>
@@ -801,7 +800,7 @@
           <a:p>
             <a:fld id="{87DE6118-2437-4B30-8E3C-4D2BE6020583}" type="datetimeFigureOut">
               <a:rPr lang="en-US" dirty="0"/>
-              <a:t>2/18/2019</a:t>
+              <a:t>2/24/2019</a:t>
             </a:fld>
             <a:endParaRPr lang="en-US" dirty="0"/>
           </a:p>
@@ -966,7 +965,7 @@
           <a:p>
             <a:fld id="{87DE6118-2437-4B30-8E3C-4D2BE6020583}" type="datetimeFigureOut">
               <a:rPr lang="en-US" dirty="0"/>
-              <a:t>2/18/2019</a:t>
+              <a:t>2/24/2019</a:t>
             </a:fld>
             <a:endParaRPr lang="en-US" dirty="0"/>
           </a:p>
@@ -1239,7 +1238,7 @@
             <a:fld id="{87DE6118-2437-4B30-8E3C-4D2BE6020583}" type="datetimeFigureOut">
               <a:rPr lang="en-US" dirty="0"/>
               <a:pPr/>
-              <a:t>2/18/2019</a:t>
+              <a:t>2/24/2019</a:t>
             </a:fld>
             <a:endParaRPr lang="en-US" dirty="0"/>
           </a:p>
@@ -1629,7 +1628,7 @@
           <a:p>
             <a:fld id="{87DE6118-2437-4B30-8E3C-4D2BE6020583}" type="datetimeFigureOut">
               <a:rPr lang="en-US" dirty="0"/>
-              <a:t>2/18/2019</a:t>
+              <a:t>2/24/2019</a:t>
             </a:fld>
             <a:endParaRPr lang="en-US" dirty="0"/>
           </a:p>
@@ -2101,7 +2100,7 @@
           <a:p>
             <a:fld id="{87DE6118-2437-4B30-8E3C-4D2BE6020583}" type="datetimeFigureOut">
               <a:rPr lang="en-US" dirty="0"/>
-              <a:t>2/18/2019</a:t>
+              <a:t>2/24/2019</a:t>
             </a:fld>
             <a:endParaRPr lang="en-US" dirty="0"/>
           </a:p>
@@ -2214,7 +2213,7 @@
           <a:p>
             <a:fld id="{87DE6118-2437-4B30-8E3C-4D2BE6020583}" type="datetimeFigureOut">
               <a:rPr lang="en-US" dirty="0"/>
-              <a:t>2/18/2019</a:t>
+              <a:t>2/24/2019</a:t>
             </a:fld>
             <a:endParaRPr lang="en-US" dirty="0"/>
           </a:p>
@@ -2304,7 +2303,7 @@
           <a:p>
             <a:fld id="{87DE6118-2437-4B30-8E3C-4D2BE6020583}" type="datetimeFigureOut">
               <a:rPr lang="en-US" dirty="0"/>
-              <a:t>2/18/2019</a:t>
+              <a:t>2/24/2019</a:t>
             </a:fld>
             <a:endParaRPr lang="en-US" dirty="0"/>
           </a:p>
@@ -2646,7 +2645,7 @@
             <a:fld id="{87DE6118-2437-4B30-8E3C-4D2BE6020583}" type="datetimeFigureOut">
               <a:rPr lang="en-US" dirty="0"/>
               <a:pPr/>
-              <a:t>2/18/2019</a:t>
+              <a:t>2/24/2019</a:t>
             </a:fld>
             <a:endParaRPr lang="en-US" dirty="0"/>
           </a:p>
@@ -3031,7 +3030,7 @@
             <a:fld id="{87DE6118-2437-4B30-8E3C-4D2BE6020583}" type="datetimeFigureOut">
               <a:rPr lang="en-US" dirty="0"/>
               <a:pPr/>
-              <a:t>2/18/2019</a:t>
+              <a:t>2/24/2019</a:t>
             </a:fld>
             <a:endParaRPr lang="en-US" dirty="0"/>
           </a:p>
@@ -3306,7 +3305,7 @@
             <a:fld id="{87DE6118-2437-4B30-8E3C-4D2BE6020583}" type="datetimeFigureOut">
               <a:rPr lang="en-US" dirty="0"/>
               <a:pPr/>
-              <a:t>2/18/2019</a:t>
+              <a:t>2/24/2019</a:t>
             </a:fld>
             <a:endParaRPr lang="en-US" dirty="0"/>
           </a:p>
@@ -5940,7 +5939,7 @@
         </p:nvSpPr>
         <p:spPr>
           <a:xfrm>
-            <a:off x="5285098" y="3157695"/>
+            <a:off x="5372184" y="3157695"/>
             <a:ext cx="1202787" cy="542610"/>
           </a:xfrm>
           <a:prstGeom prst="rightArrow">
@@ -6376,6 +6375,1645 @@
           </a:p>
         </p:txBody>
       </p:sp>
+      <p:graphicFrame>
+        <p:nvGraphicFramePr>
+          <p:cNvPr id="11" name="표 10">
+            <a:extLst>
+              <a:ext uri="{FF2B5EF4-FFF2-40B4-BE49-F238E27FC236}">
+                <a16:creationId xmlns:a16="http://schemas.microsoft.com/office/drawing/2014/main" id="{D52F2C9A-3351-40DA-8285-3FED3F7535EB}"/>
+              </a:ext>
+            </a:extLst>
+          </p:cNvPr>
+          <p:cNvGraphicFramePr>
+            <a:graphicFrameLocks noGrp="1"/>
+          </p:cNvGraphicFramePr>
+          <p:nvPr>
+            <p:extLst>
+              <p:ext uri="{D42A27DB-BD31-4B8C-83A1-F6EECF244321}">
+                <p14:modId xmlns:p14="http://schemas.microsoft.com/office/powerpoint/2010/main" val="357539292"/>
+              </p:ext>
+            </p:extLst>
+          </p:nvPr>
+        </p:nvGraphicFramePr>
+        <p:xfrm>
+          <a:off x="1142929" y="1669145"/>
+          <a:ext cx="4191000" cy="3257550"/>
+        </p:xfrm>
+        <a:graphic>
+          <a:graphicData uri="http://schemas.openxmlformats.org/drawingml/2006/table">
+            <a:tbl>
+              <a:tblPr>
+                <a:tableStyleId>{5C22544A-7EE6-4342-B048-85BDC9FD1C3A}</a:tableStyleId>
+              </a:tblPr>
+              <a:tblGrid>
+                <a:gridCol w="1054100">
+                  <a:extLst>
+                    <a:ext uri="{9D8B030D-6E8A-4147-A177-3AD203B41FA5}">
+                      <a16:colId xmlns:a16="http://schemas.microsoft.com/office/drawing/2014/main" val="3229896804"/>
+                    </a:ext>
+                  </a:extLst>
+                </a:gridCol>
+                <a:gridCol w="1333500">
+                  <a:extLst>
+                    <a:ext uri="{9D8B030D-6E8A-4147-A177-3AD203B41FA5}">
+                      <a16:colId xmlns:a16="http://schemas.microsoft.com/office/drawing/2014/main" val="3628034473"/>
+                    </a:ext>
+                  </a:extLst>
+                </a:gridCol>
+                <a:gridCol w="1143000">
+                  <a:extLst>
+                    <a:ext uri="{9D8B030D-6E8A-4147-A177-3AD203B41FA5}">
+                      <a16:colId xmlns:a16="http://schemas.microsoft.com/office/drawing/2014/main" val="816556053"/>
+                    </a:ext>
+                  </a:extLst>
+                </a:gridCol>
+                <a:gridCol w="660400">
+                  <a:extLst>
+                    <a:ext uri="{9D8B030D-6E8A-4147-A177-3AD203B41FA5}">
+                      <a16:colId xmlns:a16="http://schemas.microsoft.com/office/drawing/2014/main" val="743237345"/>
+                    </a:ext>
+                  </a:extLst>
+                </a:gridCol>
+              </a:tblGrid>
+              <a:tr h="222250">
+                <a:tc>
+                  <a:txBody>
+                    <a:bodyPr/>
+                    <a:lstStyle/>
+                    <a:p>
+                      <a:pPr algn="ctr" fontAlgn="ctr"/>
+                      <a:r>
+                        <a:rPr lang="en-US" sz="1100" u="none" strike="noStrike">
+                          <a:effectLst/>
+                        </a:rPr>
+                        <a:t>Group</a:t>
+                      </a:r>
+                      <a:endParaRPr lang="en-US" sz="1100" b="0" i="0" u="none" strike="noStrike">
+                        <a:solidFill>
+                          <a:srgbClr val="9C5700"/>
+                        </a:solidFill>
+                        <a:effectLst/>
+                        <a:latin typeface="맑은 고딕" panose="020B0503020000020004" pitchFamily="50" charset="-127"/>
+                        <a:ea typeface="맑은 고딕" panose="020B0503020000020004" pitchFamily="50" charset="-127"/>
+                      </a:endParaRPr>
+                    </a:p>
+                  </a:txBody>
+                  <a:tcPr marL="6350" marR="6350" marT="6350" marB="0" anchor="ctr"/>
+                </a:tc>
+                <a:tc>
+                  <a:txBody>
+                    <a:bodyPr/>
+                    <a:lstStyle/>
+                    <a:p>
+                      <a:pPr algn="r" fontAlgn="ctr"/>
+                      <a:r>
+                        <a:rPr lang="ko-KR" altLang="en-US" sz="1100" u="none" strike="noStrike">
+                          <a:effectLst/>
+                        </a:rPr>
+                        <a:t>만들 그룹 수</a:t>
+                      </a:r>
+                      <a:endParaRPr lang="ko-KR" altLang="en-US" sz="1100" b="0" i="0" u="none" strike="noStrike">
+                        <a:solidFill>
+                          <a:srgbClr val="000000"/>
+                        </a:solidFill>
+                        <a:effectLst/>
+                        <a:latin typeface="맑은 고딕" panose="020B0503020000020004" pitchFamily="50" charset="-127"/>
+                        <a:ea typeface="맑은 고딕" panose="020B0503020000020004" pitchFamily="50" charset="-127"/>
+                      </a:endParaRPr>
+                    </a:p>
+                  </a:txBody>
+                  <a:tcPr marL="6350" marR="6350" marT="6350" marB="0" anchor="ctr"/>
+                </a:tc>
+                <a:tc>
+                  <a:txBody>
+                    <a:bodyPr/>
+                    <a:lstStyle/>
+                    <a:p>
+                      <a:pPr algn="ctr" fontAlgn="ctr"/>
+                      <a:r>
+                        <a:rPr lang="en-US" altLang="ko-KR" sz="1100" u="none" strike="noStrike">
+                          <a:effectLst/>
+                        </a:rPr>
+                        <a:t>4</a:t>
+                      </a:r>
+                      <a:endParaRPr lang="en-US" altLang="ko-KR" sz="1100" b="0" i="0" u="none" strike="noStrike">
+                        <a:solidFill>
+                          <a:srgbClr val="000000"/>
+                        </a:solidFill>
+                        <a:effectLst/>
+                        <a:latin typeface="맑은 고딕" panose="020B0503020000020004" pitchFamily="50" charset="-127"/>
+                        <a:ea typeface="맑은 고딕" panose="020B0503020000020004" pitchFamily="50" charset="-127"/>
+                      </a:endParaRPr>
+                    </a:p>
+                  </a:txBody>
+                  <a:tcPr marL="6350" marR="6350" marT="6350" marB="0" anchor="ctr"/>
+                </a:tc>
+                <a:tc>
+                  <a:txBody>
+                    <a:bodyPr/>
+                    <a:lstStyle/>
+                    <a:p>
+                      <a:pPr algn="l" fontAlgn="ctr"/>
+                      <a:endParaRPr lang="ko-KR" altLang="en-US" sz="1100" b="0" i="0" u="none" strike="noStrike">
+                        <a:solidFill>
+                          <a:srgbClr val="000000"/>
+                        </a:solidFill>
+                        <a:effectLst/>
+                        <a:latin typeface="맑은 고딕" panose="020B0503020000020004" pitchFamily="50" charset="-127"/>
+                        <a:ea typeface="맑은 고딕" panose="020B0503020000020004" pitchFamily="50" charset="-127"/>
+                      </a:endParaRPr>
+                    </a:p>
+                  </a:txBody>
+                  <a:tcPr marL="6350" marR="6350" marT="6350" marB="0" anchor="ctr"/>
+                </a:tc>
+                <a:extLst>
+                  <a:ext uri="{0D108BD9-81ED-4DB2-BD59-A6C34878D82A}">
+                    <a16:rowId xmlns:a16="http://schemas.microsoft.com/office/drawing/2014/main" val="2056187735"/>
+                  </a:ext>
+                </a:extLst>
+              </a:tr>
+              <a:tr h="222250">
+                <a:tc>
+                  <a:txBody>
+                    <a:bodyPr/>
+                    <a:lstStyle/>
+                    <a:p>
+                      <a:pPr algn="ctr" fontAlgn="ctr"/>
+                      <a:r>
+                        <a:rPr lang="ko-KR" altLang="en-US" sz="1100" u="none" strike="noStrike">
+                          <a:effectLst/>
+                        </a:rPr>
+                        <a:t>번호</a:t>
+                      </a:r>
+                      <a:r>
+                        <a:rPr lang="en-US" altLang="ko-KR" sz="1100" u="none" strike="noStrike">
+                          <a:effectLst/>
+                        </a:rPr>
+                        <a:t>(</a:t>
+                      </a:r>
+                      <a:r>
+                        <a:rPr lang="en-US" sz="1100" u="none" strike="noStrike">
+                          <a:effectLst/>
+                        </a:rPr>
+                        <a:t>num)</a:t>
+                      </a:r>
+                      <a:endParaRPr lang="en-US" sz="1100" b="0" i="0" u="none" strike="noStrike">
+                        <a:solidFill>
+                          <a:srgbClr val="000000"/>
+                        </a:solidFill>
+                        <a:effectLst/>
+                        <a:latin typeface="맑은 고딕" panose="020B0503020000020004" pitchFamily="50" charset="-127"/>
+                        <a:ea typeface="맑은 고딕" panose="020B0503020000020004" pitchFamily="50" charset="-127"/>
+                      </a:endParaRPr>
+                    </a:p>
+                  </a:txBody>
+                  <a:tcPr marL="6350" marR="6350" marT="6350" marB="0" anchor="ctr"/>
+                </a:tc>
+                <a:tc>
+                  <a:txBody>
+                    <a:bodyPr/>
+                    <a:lstStyle/>
+                    <a:p>
+                      <a:pPr algn="ctr" fontAlgn="ctr"/>
+                      <a:r>
+                        <a:rPr lang="ko-KR" altLang="en-US" sz="1100" u="none" strike="noStrike">
+                          <a:effectLst/>
+                        </a:rPr>
+                        <a:t>랜덤수</a:t>
+                      </a:r>
+                      <a:r>
+                        <a:rPr lang="en-US" altLang="ko-KR" sz="1100" u="none" strike="noStrike">
+                          <a:effectLst/>
+                        </a:rPr>
+                        <a:t>(</a:t>
+                      </a:r>
+                      <a:r>
+                        <a:rPr lang="en-US" sz="1100" u="none" strike="noStrike">
+                          <a:effectLst/>
+                        </a:rPr>
+                        <a:t>randNum)</a:t>
+                      </a:r>
+                      <a:endParaRPr lang="en-US" sz="1100" b="0" i="0" u="none" strike="noStrike">
+                        <a:solidFill>
+                          <a:srgbClr val="000000"/>
+                        </a:solidFill>
+                        <a:effectLst/>
+                        <a:latin typeface="맑은 고딕" panose="020B0503020000020004" pitchFamily="50" charset="-127"/>
+                        <a:ea typeface="맑은 고딕" panose="020B0503020000020004" pitchFamily="50" charset="-127"/>
+                      </a:endParaRPr>
+                    </a:p>
+                  </a:txBody>
+                  <a:tcPr marL="6350" marR="6350" marT="6350" marB="0" anchor="ctr"/>
+                </a:tc>
+                <a:tc>
+                  <a:txBody>
+                    <a:bodyPr/>
+                    <a:lstStyle/>
+                    <a:p>
+                      <a:pPr algn="ctr" fontAlgn="ctr"/>
+                      <a:r>
+                        <a:rPr lang="ko-KR" altLang="en-US" sz="1100" u="none" strike="noStrike">
+                          <a:effectLst/>
+                        </a:rPr>
+                        <a:t>그룹</a:t>
+                      </a:r>
+                      <a:r>
+                        <a:rPr lang="en-US" altLang="ko-KR" sz="1100" u="none" strike="noStrike">
+                          <a:effectLst/>
+                        </a:rPr>
+                        <a:t>(</a:t>
+                      </a:r>
+                      <a:r>
+                        <a:rPr lang="en-US" sz="1100" u="none" strike="noStrike">
+                          <a:effectLst/>
+                        </a:rPr>
+                        <a:t>group)</a:t>
+                      </a:r>
+                      <a:endParaRPr lang="en-US" sz="1100" b="0" i="0" u="none" strike="noStrike">
+                        <a:solidFill>
+                          <a:srgbClr val="000000"/>
+                        </a:solidFill>
+                        <a:effectLst/>
+                        <a:latin typeface="맑은 고딕" panose="020B0503020000020004" pitchFamily="50" charset="-127"/>
+                        <a:ea typeface="맑은 고딕" panose="020B0503020000020004" pitchFamily="50" charset="-127"/>
+                      </a:endParaRPr>
+                    </a:p>
+                  </a:txBody>
+                  <a:tcPr marL="6350" marR="6350" marT="6350" marB="0" anchor="ctr"/>
+                </a:tc>
+                <a:tc>
+                  <a:txBody>
+                    <a:bodyPr/>
+                    <a:lstStyle/>
+                    <a:p>
+                      <a:pPr algn="ctr" fontAlgn="ctr"/>
+                      <a:r>
+                        <a:rPr lang="en-US" sz="1100" u="none" strike="noStrike">
+                          <a:effectLst/>
+                        </a:rPr>
+                        <a:t>flag</a:t>
+                      </a:r>
+                      <a:endParaRPr lang="en-US" sz="1100" b="0" i="0" u="none" strike="noStrike">
+                        <a:solidFill>
+                          <a:srgbClr val="000000"/>
+                        </a:solidFill>
+                        <a:effectLst/>
+                        <a:latin typeface="맑은 고딕" panose="020B0503020000020004" pitchFamily="50" charset="-127"/>
+                        <a:ea typeface="맑은 고딕" panose="020B0503020000020004" pitchFamily="50" charset="-127"/>
+                      </a:endParaRPr>
+                    </a:p>
+                  </a:txBody>
+                  <a:tcPr marL="6350" marR="6350" marT="6350" marB="0" anchor="ctr"/>
+                </a:tc>
+                <a:extLst>
+                  <a:ext uri="{0D108BD9-81ED-4DB2-BD59-A6C34878D82A}">
+                    <a16:rowId xmlns:a16="http://schemas.microsoft.com/office/drawing/2014/main" val="1811318526"/>
+                  </a:ext>
+                </a:extLst>
+              </a:tr>
+              <a:tr h="215900">
+                <a:tc>
+                  <a:txBody>
+                    <a:bodyPr/>
+                    <a:lstStyle/>
+                    <a:p>
+                      <a:pPr algn="r" fontAlgn="ctr"/>
+                      <a:r>
+                        <a:rPr lang="en-US" altLang="ko-KR" sz="1100" u="none" strike="noStrike">
+                          <a:effectLst/>
+                        </a:rPr>
+                        <a:t>1</a:t>
+                      </a:r>
+                      <a:endParaRPr lang="en-US" altLang="ko-KR" sz="1100" b="0" i="0" u="none" strike="noStrike">
+                        <a:solidFill>
+                          <a:srgbClr val="000000"/>
+                        </a:solidFill>
+                        <a:effectLst/>
+                        <a:latin typeface="맑은 고딕" panose="020B0503020000020004" pitchFamily="50" charset="-127"/>
+                        <a:ea typeface="맑은 고딕" panose="020B0503020000020004" pitchFamily="50" charset="-127"/>
+                      </a:endParaRPr>
+                    </a:p>
+                  </a:txBody>
+                  <a:tcPr marL="6350" marR="6350" marT="6350" marB="0" anchor="ctr"/>
+                </a:tc>
+                <a:tc>
+                  <a:txBody>
+                    <a:bodyPr/>
+                    <a:lstStyle/>
+                    <a:p>
+                      <a:pPr algn="r" fontAlgn="ctr"/>
+                      <a:r>
+                        <a:rPr lang="en-US" altLang="ko-KR" sz="1100" u="none" strike="noStrike" dirty="0">
+                          <a:effectLst/>
+                        </a:rPr>
+                        <a:t>13</a:t>
+                      </a:r>
+                      <a:endParaRPr lang="en-US" altLang="ko-KR" sz="1100" b="0" i="0" u="none" strike="noStrike" dirty="0">
+                        <a:solidFill>
+                          <a:srgbClr val="000000"/>
+                        </a:solidFill>
+                        <a:effectLst/>
+                        <a:latin typeface="맑은 고딕" panose="020B0503020000020004" pitchFamily="50" charset="-127"/>
+                        <a:ea typeface="맑은 고딕" panose="020B0503020000020004" pitchFamily="50" charset="-127"/>
+                      </a:endParaRPr>
+                    </a:p>
+                  </a:txBody>
+                  <a:tcPr marL="6350" marR="6350" marT="6350" marB="0" anchor="ctr"/>
+                </a:tc>
+                <a:tc>
+                  <a:txBody>
+                    <a:bodyPr/>
+                    <a:lstStyle/>
+                    <a:p>
+                      <a:pPr algn="r" fontAlgn="ctr"/>
+                      <a:r>
+                        <a:rPr lang="en-US" altLang="ko-KR" sz="1100" u="none" strike="noStrike">
+                          <a:effectLst/>
+                        </a:rPr>
+                        <a:t>1</a:t>
+                      </a:r>
+                      <a:endParaRPr lang="en-US" altLang="ko-KR" sz="1100" b="0" i="0" u="none" strike="noStrike">
+                        <a:solidFill>
+                          <a:srgbClr val="000000"/>
+                        </a:solidFill>
+                        <a:effectLst/>
+                        <a:latin typeface="맑은 고딕" panose="020B0503020000020004" pitchFamily="50" charset="-127"/>
+                        <a:ea typeface="맑은 고딕" panose="020B0503020000020004" pitchFamily="50" charset="-127"/>
+                      </a:endParaRPr>
+                    </a:p>
+                  </a:txBody>
+                  <a:tcPr marL="6350" marR="6350" marT="6350" marB="0" anchor="ctr"/>
+                </a:tc>
+                <a:tc>
+                  <a:txBody>
+                    <a:bodyPr/>
+                    <a:lstStyle/>
+                    <a:p>
+                      <a:pPr algn="l" fontAlgn="ctr"/>
+                      <a:r>
+                        <a:rPr lang="ko-KR" altLang="en-US" sz="1100" u="none" strike="noStrike">
+                          <a:effectLst/>
+                        </a:rPr>
+                        <a:t>　</a:t>
+                      </a:r>
+                      <a:endParaRPr lang="ko-KR" altLang="en-US" sz="1100" b="0" i="0" u="none" strike="noStrike">
+                        <a:solidFill>
+                          <a:srgbClr val="000000"/>
+                        </a:solidFill>
+                        <a:effectLst/>
+                        <a:latin typeface="맑은 고딕" panose="020B0503020000020004" pitchFamily="50" charset="-127"/>
+                        <a:ea typeface="맑은 고딕" panose="020B0503020000020004" pitchFamily="50" charset="-127"/>
+                      </a:endParaRPr>
+                    </a:p>
+                  </a:txBody>
+                  <a:tcPr marL="6350" marR="6350" marT="6350" marB="0" anchor="ctr"/>
+                </a:tc>
+                <a:extLst>
+                  <a:ext uri="{0D108BD9-81ED-4DB2-BD59-A6C34878D82A}">
+                    <a16:rowId xmlns:a16="http://schemas.microsoft.com/office/drawing/2014/main" val="1354110585"/>
+                  </a:ext>
+                </a:extLst>
+              </a:tr>
+              <a:tr h="215900">
+                <a:tc>
+                  <a:txBody>
+                    <a:bodyPr/>
+                    <a:lstStyle/>
+                    <a:p>
+                      <a:pPr algn="r" fontAlgn="ctr"/>
+                      <a:r>
+                        <a:rPr lang="en-US" altLang="ko-KR" sz="1100" u="none" strike="noStrike">
+                          <a:effectLst/>
+                        </a:rPr>
+                        <a:t>2</a:t>
+                      </a:r>
+                      <a:endParaRPr lang="en-US" altLang="ko-KR" sz="1100" b="0" i="0" u="none" strike="noStrike">
+                        <a:solidFill>
+                          <a:srgbClr val="000000"/>
+                        </a:solidFill>
+                        <a:effectLst/>
+                        <a:latin typeface="맑은 고딕" panose="020B0503020000020004" pitchFamily="50" charset="-127"/>
+                        <a:ea typeface="맑은 고딕" panose="020B0503020000020004" pitchFamily="50" charset="-127"/>
+                      </a:endParaRPr>
+                    </a:p>
+                  </a:txBody>
+                  <a:tcPr marL="6350" marR="6350" marT="6350" marB="0" anchor="ctr"/>
+                </a:tc>
+                <a:tc>
+                  <a:txBody>
+                    <a:bodyPr/>
+                    <a:lstStyle/>
+                    <a:p>
+                      <a:pPr algn="r" fontAlgn="ctr"/>
+                      <a:r>
+                        <a:rPr lang="en-US" altLang="ko-KR" sz="1100" u="none" strike="noStrike">
+                          <a:effectLst/>
+                        </a:rPr>
+                        <a:t>7</a:t>
+                      </a:r>
+                      <a:endParaRPr lang="en-US" altLang="ko-KR" sz="1100" b="0" i="0" u="none" strike="noStrike">
+                        <a:solidFill>
+                          <a:srgbClr val="000000"/>
+                        </a:solidFill>
+                        <a:effectLst/>
+                        <a:latin typeface="맑은 고딕" panose="020B0503020000020004" pitchFamily="50" charset="-127"/>
+                        <a:ea typeface="맑은 고딕" panose="020B0503020000020004" pitchFamily="50" charset="-127"/>
+                      </a:endParaRPr>
+                    </a:p>
+                  </a:txBody>
+                  <a:tcPr marL="6350" marR="6350" marT="6350" marB="0" anchor="ctr"/>
+                </a:tc>
+                <a:tc>
+                  <a:txBody>
+                    <a:bodyPr/>
+                    <a:lstStyle/>
+                    <a:p>
+                      <a:pPr algn="r" fontAlgn="ctr"/>
+                      <a:r>
+                        <a:rPr lang="en-US" altLang="ko-KR" sz="1100" u="none" strike="noStrike">
+                          <a:effectLst/>
+                        </a:rPr>
+                        <a:t>3</a:t>
+                      </a:r>
+                      <a:endParaRPr lang="en-US" altLang="ko-KR" sz="1100" b="0" i="0" u="none" strike="noStrike">
+                        <a:solidFill>
+                          <a:srgbClr val="000000"/>
+                        </a:solidFill>
+                        <a:effectLst/>
+                        <a:latin typeface="맑은 고딕" panose="020B0503020000020004" pitchFamily="50" charset="-127"/>
+                        <a:ea typeface="맑은 고딕" panose="020B0503020000020004" pitchFamily="50" charset="-127"/>
+                      </a:endParaRPr>
+                    </a:p>
+                  </a:txBody>
+                  <a:tcPr marL="6350" marR="6350" marT="6350" marB="0" anchor="ctr"/>
+                </a:tc>
+                <a:tc>
+                  <a:txBody>
+                    <a:bodyPr/>
+                    <a:lstStyle/>
+                    <a:p>
+                      <a:pPr algn="l" fontAlgn="ctr"/>
+                      <a:r>
+                        <a:rPr lang="ko-KR" altLang="en-US" sz="1100" u="none" strike="noStrike" dirty="0">
+                          <a:effectLst/>
+                        </a:rPr>
+                        <a:t>　</a:t>
+                      </a:r>
+                      <a:endParaRPr lang="ko-KR" altLang="en-US" sz="1100" b="0" i="0" u="none" strike="noStrike" dirty="0">
+                        <a:solidFill>
+                          <a:srgbClr val="000000"/>
+                        </a:solidFill>
+                        <a:effectLst/>
+                        <a:latin typeface="맑은 고딕" panose="020B0503020000020004" pitchFamily="50" charset="-127"/>
+                        <a:ea typeface="맑은 고딕" panose="020B0503020000020004" pitchFamily="50" charset="-127"/>
+                      </a:endParaRPr>
+                    </a:p>
+                  </a:txBody>
+                  <a:tcPr marL="6350" marR="6350" marT="6350" marB="0" anchor="ctr"/>
+                </a:tc>
+                <a:extLst>
+                  <a:ext uri="{0D108BD9-81ED-4DB2-BD59-A6C34878D82A}">
+                    <a16:rowId xmlns:a16="http://schemas.microsoft.com/office/drawing/2014/main" val="1456795625"/>
+                  </a:ext>
+                </a:extLst>
+              </a:tr>
+              <a:tr h="215900">
+                <a:tc>
+                  <a:txBody>
+                    <a:bodyPr/>
+                    <a:lstStyle/>
+                    <a:p>
+                      <a:pPr algn="r" fontAlgn="ctr"/>
+                      <a:r>
+                        <a:rPr lang="en-US" altLang="ko-KR" sz="1100" u="none" strike="noStrike">
+                          <a:effectLst/>
+                        </a:rPr>
+                        <a:t>3</a:t>
+                      </a:r>
+                      <a:endParaRPr lang="en-US" altLang="ko-KR" sz="1100" b="0" i="0" u="none" strike="noStrike">
+                        <a:solidFill>
+                          <a:srgbClr val="000000"/>
+                        </a:solidFill>
+                        <a:effectLst/>
+                        <a:latin typeface="맑은 고딕" panose="020B0503020000020004" pitchFamily="50" charset="-127"/>
+                        <a:ea typeface="맑은 고딕" panose="020B0503020000020004" pitchFamily="50" charset="-127"/>
+                      </a:endParaRPr>
+                    </a:p>
+                  </a:txBody>
+                  <a:tcPr marL="6350" marR="6350" marT="6350" marB="0" anchor="ctr"/>
+                </a:tc>
+                <a:tc>
+                  <a:txBody>
+                    <a:bodyPr/>
+                    <a:lstStyle/>
+                    <a:p>
+                      <a:pPr algn="r" fontAlgn="ctr"/>
+                      <a:r>
+                        <a:rPr lang="en-US" altLang="ko-KR" sz="1100" u="none" strike="noStrike">
+                          <a:effectLst/>
+                        </a:rPr>
+                        <a:t>11</a:t>
+                      </a:r>
+                      <a:endParaRPr lang="en-US" altLang="ko-KR" sz="1100" b="0" i="0" u="none" strike="noStrike">
+                        <a:solidFill>
+                          <a:srgbClr val="000000"/>
+                        </a:solidFill>
+                        <a:effectLst/>
+                        <a:latin typeface="맑은 고딕" panose="020B0503020000020004" pitchFamily="50" charset="-127"/>
+                        <a:ea typeface="맑은 고딕" panose="020B0503020000020004" pitchFamily="50" charset="-127"/>
+                      </a:endParaRPr>
+                    </a:p>
+                  </a:txBody>
+                  <a:tcPr marL="6350" marR="6350" marT="6350" marB="0" anchor="ctr"/>
+                </a:tc>
+                <a:tc>
+                  <a:txBody>
+                    <a:bodyPr/>
+                    <a:lstStyle/>
+                    <a:p>
+                      <a:pPr algn="r" fontAlgn="ctr"/>
+                      <a:r>
+                        <a:rPr lang="en-US" altLang="ko-KR" sz="1100" u="none" strike="noStrike">
+                          <a:effectLst/>
+                        </a:rPr>
+                        <a:t>3</a:t>
+                      </a:r>
+                      <a:endParaRPr lang="en-US" altLang="ko-KR" sz="1100" b="0" i="0" u="none" strike="noStrike">
+                        <a:solidFill>
+                          <a:srgbClr val="000000"/>
+                        </a:solidFill>
+                        <a:effectLst/>
+                        <a:latin typeface="맑은 고딕" panose="020B0503020000020004" pitchFamily="50" charset="-127"/>
+                        <a:ea typeface="맑은 고딕" panose="020B0503020000020004" pitchFamily="50" charset="-127"/>
+                      </a:endParaRPr>
+                    </a:p>
+                  </a:txBody>
+                  <a:tcPr marL="6350" marR="6350" marT="6350" marB="0" anchor="ctr"/>
+                </a:tc>
+                <a:tc>
+                  <a:txBody>
+                    <a:bodyPr/>
+                    <a:lstStyle/>
+                    <a:p>
+                      <a:pPr algn="l" fontAlgn="ctr"/>
+                      <a:r>
+                        <a:rPr lang="ko-KR" altLang="en-US" sz="1100" u="none" strike="noStrike">
+                          <a:effectLst/>
+                        </a:rPr>
+                        <a:t>　</a:t>
+                      </a:r>
+                      <a:endParaRPr lang="ko-KR" altLang="en-US" sz="1100" b="0" i="0" u="none" strike="noStrike">
+                        <a:solidFill>
+                          <a:srgbClr val="000000"/>
+                        </a:solidFill>
+                        <a:effectLst/>
+                        <a:latin typeface="맑은 고딕" panose="020B0503020000020004" pitchFamily="50" charset="-127"/>
+                        <a:ea typeface="맑은 고딕" panose="020B0503020000020004" pitchFamily="50" charset="-127"/>
+                      </a:endParaRPr>
+                    </a:p>
+                  </a:txBody>
+                  <a:tcPr marL="6350" marR="6350" marT="6350" marB="0" anchor="ctr"/>
+                </a:tc>
+                <a:extLst>
+                  <a:ext uri="{0D108BD9-81ED-4DB2-BD59-A6C34878D82A}">
+                    <a16:rowId xmlns:a16="http://schemas.microsoft.com/office/drawing/2014/main" val="2053547149"/>
+                  </a:ext>
+                </a:extLst>
+              </a:tr>
+              <a:tr h="215900">
+                <a:tc>
+                  <a:txBody>
+                    <a:bodyPr/>
+                    <a:lstStyle/>
+                    <a:p>
+                      <a:pPr algn="r" fontAlgn="ctr"/>
+                      <a:r>
+                        <a:rPr lang="en-US" altLang="ko-KR" sz="1100" u="none" strike="noStrike">
+                          <a:effectLst/>
+                        </a:rPr>
+                        <a:t>4</a:t>
+                      </a:r>
+                      <a:endParaRPr lang="en-US" altLang="ko-KR" sz="1100" b="0" i="0" u="none" strike="noStrike">
+                        <a:solidFill>
+                          <a:srgbClr val="000000"/>
+                        </a:solidFill>
+                        <a:effectLst/>
+                        <a:latin typeface="맑은 고딕" panose="020B0503020000020004" pitchFamily="50" charset="-127"/>
+                        <a:ea typeface="맑은 고딕" panose="020B0503020000020004" pitchFamily="50" charset="-127"/>
+                      </a:endParaRPr>
+                    </a:p>
+                  </a:txBody>
+                  <a:tcPr marL="6350" marR="6350" marT="6350" marB="0" anchor="ctr"/>
+                </a:tc>
+                <a:tc>
+                  <a:txBody>
+                    <a:bodyPr/>
+                    <a:lstStyle/>
+                    <a:p>
+                      <a:pPr algn="r" fontAlgn="ctr"/>
+                      <a:r>
+                        <a:rPr lang="en-US" altLang="ko-KR" sz="1100" u="none" strike="noStrike" dirty="0">
+                          <a:effectLst/>
+                        </a:rPr>
+                        <a:t>13</a:t>
+                      </a:r>
+                      <a:endParaRPr lang="en-US" altLang="ko-KR" sz="1100" b="0" i="0" u="none" strike="noStrike" dirty="0">
+                        <a:solidFill>
+                          <a:srgbClr val="000000"/>
+                        </a:solidFill>
+                        <a:effectLst/>
+                        <a:latin typeface="맑은 고딕" panose="020B0503020000020004" pitchFamily="50" charset="-127"/>
+                        <a:ea typeface="맑은 고딕" panose="020B0503020000020004" pitchFamily="50" charset="-127"/>
+                      </a:endParaRPr>
+                    </a:p>
+                  </a:txBody>
+                  <a:tcPr marL="6350" marR="6350" marT="6350" marB="0" anchor="ctr"/>
+                </a:tc>
+                <a:tc>
+                  <a:txBody>
+                    <a:bodyPr/>
+                    <a:lstStyle/>
+                    <a:p>
+                      <a:pPr algn="r" fontAlgn="ctr"/>
+                      <a:r>
+                        <a:rPr lang="en-US" altLang="ko-KR" sz="1100" u="none" strike="noStrike">
+                          <a:effectLst/>
+                        </a:rPr>
+                        <a:t>1</a:t>
+                      </a:r>
+                      <a:endParaRPr lang="en-US" altLang="ko-KR" sz="1100" b="0" i="0" u="none" strike="noStrike">
+                        <a:solidFill>
+                          <a:srgbClr val="000000"/>
+                        </a:solidFill>
+                        <a:effectLst/>
+                        <a:latin typeface="맑은 고딕" panose="020B0503020000020004" pitchFamily="50" charset="-127"/>
+                        <a:ea typeface="맑은 고딕" panose="020B0503020000020004" pitchFamily="50" charset="-127"/>
+                      </a:endParaRPr>
+                    </a:p>
+                  </a:txBody>
+                  <a:tcPr marL="6350" marR="6350" marT="6350" marB="0" anchor="ctr"/>
+                </a:tc>
+                <a:tc>
+                  <a:txBody>
+                    <a:bodyPr/>
+                    <a:lstStyle/>
+                    <a:p>
+                      <a:pPr algn="l" fontAlgn="ctr"/>
+                      <a:r>
+                        <a:rPr lang="ko-KR" altLang="en-US" sz="1100" u="none" strike="noStrike">
+                          <a:effectLst/>
+                        </a:rPr>
+                        <a:t>　</a:t>
+                      </a:r>
+                      <a:endParaRPr lang="ko-KR" altLang="en-US" sz="1100" b="0" i="0" u="none" strike="noStrike">
+                        <a:solidFill>
+                          <a:srgbClr val="000000"/>
+                        </a:solidFill>
+                        <a:effectLst/>
+                        <a:latin typeface="맑은 고딕" panose="020B0503020000020004" pitchFamily="50" charset="-127"/>
+                        <a:ea typeface="맑은 고딕" panose="020B0503020000020004" pitchFamily="50" charset="-127"/>
+                      </a:endParaRPr>
+                    </a:p>
+                  </a:txBody>
+                  <a:tcPr marL="6350" marR="6350" marT="6350" marB="0" anchor="ctr"/>
+                </a:tc>
+                <a:extLst>
+                  <a:ext uri="{0D108BD9-81ED-4DB2-BD59-A6C34878D82A}">
+                    <a16:rowId xmlns:a16="http://schemas.microsoft.com/office/drawing/2014/main" val="1911447647"/>
+                  </a:ext>
+                </a:extLst>
+              </a:tr>
+              <a:tr h="215900">
+                <a:tc>
+                  <a:txBody>
+                    <a:bodyPr/>
+                    <a:lstStyle/>
+                    <a:p>
+                      <a:pPr algn="r" fontAlgn="ctr"/>
+                      <a:r>
+                        <a:rPr lang="en-US" altLang="ko-KR" sz="1100" u="none" strike="noStrike">
+                          <a:effectLst/>
+                        </a:rPr>
+                        <a:t>5</a:t>
+                      </a:r>
+                      <a:endParaRPr lang="en-US" altLang="ko-KR" sz="1100" b="0" i="0" u="none" strike="noStrike">
+                        <a:solidFill>
+                          <a:srgbClr val="000000"/>
+                        </a:solidFill>
+                        <a:effectLst/>
+                        <a:latin typeface="맑은 고딕" panose="020B0503020000020004" pitchFamily="50" charset="-127"/>
+                        <a:ea typeface="맑은 고딕" panose="020B0503020000020004" pitchFamily="50" charset="-127"/>
+                      </a:endParaRPr>
+                    </a:p>
+                  </a:txBody>
+                  <a:tcPr marL="6350" marR="6350" marT="6350" marB="0" anchor="ctr"/>
+                </a:tc>
+                <a:tc>
+                  <a:txBody>
+                    <a:bodyPr/>
+                    <a:lstStyle/>
+                    <a:p>
+                      <a:pPr algn="r" fontAlgn="ctr"/>
+                      <a:r>
+                        <a:rPr lang="en-US" altLang="ko-KR" sz="1100" u="none" strike="noStrike">
+                          <a:effectLst/>
+                        </a:rPr>
+                        <a:t>6</a:t>
+                      </a:r>
+                      <a:endParaRPr lang="en-US" altLang="ko-KR" sz="1100" b="0" i="0" u="none" strike="noStrike">
+                        <a:solidFill>
+                          <a:srgbClr val="000000"/>
+                        </a:solidFill>
+                        <a:effectLst/>
+                        <a:latin typeface="맑은 고딕" panose="020B0503020000020004" pitchFamily="50" charset="-127"/>
+                        <a:ea typeface="맑은 고딕" panose="020B0503020000020004" pitchFamily="50" charset="-127"/>
+                      </a:endParaRPr>
+                    </a:p>
+                  </a:txBody>
+                  <a:tcPr marL="6350" marR="6350" marT="6350" marB="0" anchor="ctr"/>
+                </a:tc>
+                <a:tc>
+                  <a:txBody>
+                    <a:bodyPr/>
+                    <a:lstStyle/>
+                    <a:p>
+                      <a:pPr algn="r" fontAlgn="ctr"/>
+                      <a:r>
+                        <a:rPr lang="en-US" altLang="ko-KR" sz="1100" u="none" strike="noStrike">
+                          <a:effectLst/>
+                        </a:rPr>
+                        <a:t>2</a:t>
+                      </a:r>
+                      <a:endParaRPr lang="en-US" altLang="ko-KR" sz="1100" b="0" i="0" u="none" strike="noStrike">
+                        <a:solidFill>
+                          <a:srgbClr val="000000"/>
+                        </a:solidFill>
+                        <a:effectLst/>
+                        <a:latin typeface="맑은 고딕" panose="020B0503020000020004" pitchFamily="50" charset="-127"/>
+                        <a:ea typeface="맑은 고딕" panose="020B0503020000020004" pitchFamily="50" charset="-127"/>
+                      </a:endParaRPr>
+                    </a:p>
+                  </a:txBody>
+                  <a:tcPr marL="6350" marR="6350" marT="6350" marB="0" anchor="ctr"/>
+                </a:tc>
+                <a:tc>
+                  <a:txBody>
+                    <a:bodyPr/>
+                    <a:lstStyle/>
+                    <a:p>
+                      <a:pPr algn="l" fontAlgn="ctr"/>
+                      <a:r>
+                        <a:rPr lang="ko-KR" altLang="en-US" sz="1100" u="none" strike="noStrike">
+                          <a:effectLst/>
+                        </a:rPr>
+                        <a:t>　</a:t>
+                      </a:r>
+                      <a:endParaRPr lang="ko-KR" altLang="en-US" sz="1100" b="0" i="0" u="none" strike="noStrike">
+                        <a:solidFill>
+                          <a:srgbClr val="000000"/>
+                        </a:solidFill>
+                        <a:effectLst/>
+                        <a:latin typeface="맑은 고딕" panose="020B0503020000020004" pitchFamily="50" charset="-127"/>
+                        <a:ea typeface="맑은 고딕" panose="020B0503020000020004" pitchFamily="50" charset="-127"/>
+                      </a:endParaRPr>
+                    </a:p>
+                  </a:txBody>
+                  <a:tcPr marL="6350" marR="6350" marT="6350" marB="0" anchor="ctr"/>
+                </a:tc>
+                <a:extLst>
+                  <a:ext uri="{0D108BD9-81ED-4DB2-BD59-A6C34878D82A}">
+                    <a16:rowId xmlns:a16="http://schemas.microsoft.com/office/drawing/2014/main" val="2310267485"/>
+                  </a:ext>
+                </a:extLst>
+              </a:tr>
+              <a:tr h="215900">
+                <a:tc>
+                  <a:txBody>
+                    <a:bodyPr/>
+                    <a:lstStyle/>
+                    <a:p>
+                      <a:pPr algn="r" fontAlgn="ctr"/>
+                      <a:r>
+                        <a:rPr lang="en-US" altLang="ko-KR" sz="1100" u="none" strike="noStrike">
+                          <a:effectLst/>
+                        </a:rPr>
+                        <a:t>6</a:t>
+                      </a:r>
+                      <a:endParaRPr lang="en-US" altLang="ko-KR" sz="1100" b="0" i="0" u="none" strike="noStrike">
+                        <a:solidFill>
+                          <a:srgbClr val="000000"/>
+                        </a:solidFill>
+                        <a:effectLst/>
+                        <a:latin typeface="맑은 고딕" panose="020B0503020000020004" pitchFamily="50" charset="-127"/>
+                        <a:ea typeface="맑은 고딕" panose="020B0503020000020004" pitchFamily="50" charset="-127"/>
+                      </a:endParaRPr>
+                    </a:p>
+                  </a:txBody>
+                  <a:tcPr marL="6350" marR="6350" marT="6350" marB="0" anchor="ctr"/>
+                </a:tc>
+                <a:tc>
+                  <a:txBody>
+                    <a:bodyPr/>
+                    <a:lstStyle/>
+                    <a:p>
+                      <a:pPr algn="r" fontAlgn="ctr"/>
+                      <a:r>
+                        <a:rPr lang="en-US" altLang="ko-KR" sz="1100" u="none" strike="noStrike" dirty="0">
+                          <a:effectLst/>
+                        </a:rPr>
+                        <a:t>11</a:t>
+                      </a:r>
+                      <a:endParaRPr lang="en-US" altLang="ko-KR" sz="1100" b="0" i="0" u="none" strike="noStrike" dirty="0">
+                        <a:solidFill>
+                          <a:srgbClr val="000000"/>
+                        </a:solidFill>
+                        <a:effectLst/>
+                        <a:latin typeface="맑은 고딕" panose="020B0503020000020004" pitchFamily="50" charset="-127"/>
+                        <a:ea typeface="맑은 고딕" panose="020B0503020000020004" pitchFamily="50" charset="-127"/>
+                      </a:endParaRPr>
+                    </a:p>
+                  </a:txBody>
+                  <a:tcPr marL="6350" marR="6350" marT="6350" marB="0" anchor="ctr"/>
+                </a:tc>
+                <a:tc>
+                  <a:txBody>
+                    <a:bodyPr/>
+                    <a:lstStyle/>
+                    <a:p>
+                      <a:pPr algn="r" fontAlgn="ctr"/>
+                      <a:r>
+                        <a:rPr lang="en-US" altLang="ko-KR" sz="1100" u="none" strike="noStrike">
+                          <a:effectLst/>
+                        </a:rPr>
+                        <a:t>3</a:t>
+                      </a:r>
+                      <a:endParaRPr lang="en-US" altLang="ko-KR" sz="1100" b="0" i="0" u="none" strike="noStrike">
+                        <a:solidFill>
+                          <a:srgbClr val="000000"/>
+                        </a:solidFill>
+                        <a:effectLst/>
+                        <a:latin typeface="맑은 고딕" panose="020B0503020000020004" pitchFamily="50" charset="-127"/>
+                        <a:ea typeface="맑은 고딕" panose="020B0503020000020004" pitchFamily="50" charset="-127"/>
+                      </a:endParaRPr>
+                    </a:p>
+                  </a:txBody>
+                  <a:tcPr marL="6350" marR="6350" marT="6350" marB="0" anchor="ctr"/>
+                </a:tc>
+                <a:tc>
+                  <a:txBody>
+                    <a:bodyPr/>
+                    <a:lstStyle/>
+                    <a:p>
+                      <a:pPr algn="l" fontAlgn="ctr"/>
+                      <a:r>
+                        <a:rPr lang="ko-KR" altLang="en-US" sz="1100" u="none" strike="noStrike">
+                          <a:effectLst/>
+                        </a:rPr>
+                        <a:t>　</a:t>
+                      </a:r>
+                      <a:endParaRPr lang="ko-KR" altLang="en-US" sz="1100" b="0" i="0" u="none" strike="noStrike">
+                        <a:solidFill>
+                          <a:srgbClr val="000000"/>
+                        </a:solidFill>
+                        <a:effectLst/>
+                        <a:latin typeface="맑은 고딕" panose="020B0503020000020004" pitchFamily="50" charset="-127"/>
+                        <a:ea typeface="맑은 고딕" panose="020B0503020000020004" pitchFamily="50" charset="-127"/>
+                      </a:endParaRPr>
+                    </a:p>
+                  </a:txBody>
+                  <a:tcPr marL="6350" marR="6350" marT="6350" marB="0" anchor="ctr"/>
+                </a:tc>
+                <a:extLst>
+                  <a:ext uri="{0D108BD9-81ED-4DB2-BD59-A6C34878D82A}">
+                    <a16:rowId xmlns:a16="http://schemas.microsoft.com/office/drawing/2014/main" val="3115722159"/>
+                  </a:ext>
+                </a:extLst>
+              </a:tr>
+              <a:tr h="215900">
+                <a:tc>
+                  <a:txBody>
+                    <a:bodyPr/>
+                    <a:lstStyle/>
+                    <a:p>
+                      <a:pPr algn="r" fontAlgn="ctr"/>
+                      <a:r>
+                        <a:rPr lang="en-US" altLang="ko-KR" sz="1100" u="none" strike="noStrike">
+                          <a:effectLst/>
+                        </a:rPr>
+                        <a:t>7</a:t>
+                      </a:r>
+                      <a:endParaRPr lang="en-US" altLang="ko-KR" sz="1100" b="0" i="0" u="none" strike="noStrike">
+                        <a:solidFill>
+                          <a:srgbClr val="000000"/>
+                        </a:solidFill>
+                        <a:effectLst/>
+                        <a:latin typeface="맑은 고딕" panose="020B0503020000020004" pitchFamily="50" charset="-127"/>
+                        <a:ea typeface="맑은 고딕" panose="020B0503020000020004" pitchFamily="50" charset="-127"/>
+                      </a:endParaRPr>
+                    </a:p>
+                  </a:txBody>
+                  <a:tcPr marL="6350" marR="6350" marT="6350" marB="0" anchor="ctr"/>
+                </a:tc>
+                <a:tc>
+                  <a:txBody>
+                    <a:bodyPr/>
+                    <a:lstStyle/>
+                    <a:p>
+                      <a:pPr algn="r" fontAlgn="ctr"/>
+                      <a:r>
+                        <a:rPr lang="en-US" altLang="ko-KR" sz="1100" u="none" strike="noStrike">
+                          <a:effectLst/>
+                        </a:rPr>
+                        <a:t>11</a:t>
+                      </a:r>
+                      <a:endParaRPr lang="en-US" altLang="ko-KR" sz="1100" b="0" i="0" u="none" strike="noStrike">
+                        <a:solidFill>
+                          <a:srgbClr val="000000"/>
+                        </a:solidFill>
+                        <a:effectLst/>
+                        <a:latin typeface="맑은 고딕" panose="020B0503020000020004" pitchFamily="50" charset="-127"/>
+                        <a:ea typeface="맑은 고딕" panose="020B0503020000020004" pitchFamily="50" charset="-127"/>
+                      </a:endParaRPr>
+                    </a:p>
+                  </a:txBody>
+                  <a:tcPr marL="6350" marR="6350" marT="6350" marB="0" anchor="ctr"/>
+                </a:tc>
+                <a:tc>
+                  <a:txBody>
+                    <a:bodyPr/>
+                    <a:lstStyle/>
+                    <a:p>
+                      <a:pPr algn="r" fontAlgn="ctr"/>
+                      <a:r>
+                        <a:rPr lang="en-US" altLang="ko-KR" sz="1100" u="none" strike="noStrike">
+                          <a:effectLst/>
+                        </a:rPr>
+                        <a:t>3</a:t>
+                      </a:r>
+                      <a:endParaRPr lang="en-US" altLang="ko-KR" sz="1100" b="0" i="0" u="none" strike="noStrike">
+                        <a:solidFill>
+                          <a:srgbClr val="000000"/>
+                        </a:solidFill>
+                        <a:effectLst/>
+                        <a:latin typeface="맑은 고딕" panose="020B0503020000020004" pitchFamily="50" charset="-127"/>
+                        <a:ea typeface="맑은 고딕" panose="020B0503020000020004" pitchFamily="50" charset="-127"/>
+                      </a:endParaRPr>
+                    </a:p>
+                  </a:txBody>
+                  <a:tcPr marL="6350" marR="6350" marT="6350" marB="0" anchor="ctr"/>
+                </a:tc>
+                <a:tc>
+                  <a:txBody>
+                    <a:bodyPr/>
+                    <a:lstStyle/>
+                    <a:p>
+                      <a:pPr algn="l" fontAlgn="ctr"/>
+                      <a:r>
+                        <a:rPr lang="ko-KR" altLang="en-US" sz="1100" u="none" strike="noStrike">
+                          <a:effectLst/>
+                        </a:rPr>
+                        <a:t>　</a:t>
+                      </a:r>
+                      <a:endParaRPr lang="ko-KR" altLang="en-US" sz="1100" b="0" i="0" u="none" strike="noStrike">
+                        <a:solidFill>
+                          <a:srgbClr val="000000"/>
+                        </a:solidFill>
+                        <a:effectLst/>
+                        <a:latin typeface="맑은 고딕" panose="020B0503020000020004" pitchFamily="50" charset="-127"/>
+                        <a:ea typeface="맑은 고딕" panose="020B0503020000020004" pitchFamily="50" charset="-127"/>
+                      </a:endParaRPr>
+                    </a:p>
+                  </a:txBody>
+                  <a:tcPr marL="6350" marR="6350" marT="6350" marB="0" anchor="ctr"/>
+                </a:tc>
+                <a:extLst>
+                  <a:ext uri="{0D108BD9-81ED-4DB2-BD59-A6C34878D82A}">
+                    <a16:rowId xmlns:a16="http://schemas.microsoft.com/office/drawing/2014/main" val="47206205"/>
+                  </a:ext>
+                </a:extLst>
+              </a:tr>
+              <a:tr h="215900">
+                <a:tc>
+                  <a:txBody>
+                    <a:bodyPr/>
+                    <a:lstStyle/>
+                    <a:p>
+                      <a:pPr algn="r" fontAlgn="ctr"/>
+                      <a:r>
+                        <a:rPr lang="en-US" altLang="ko-KR" sz="1100" u="none" strike="noStrike">
+                          <a:effectLst/>
+                        </a:rPr>
+                        <a:t>8</a:t>
+                      </a:r>
+                      <a:endParaRPr lang="en-US" altLang="ko-KR" sz="1100" b="0" i="0" u="none" strike="noStrike">
+                        <a:solidFill>
+                          <a:srgbClr val="000000"/>
+                        </a:solidFill>
+                        <a:effectLst/>
+                        <a:latin typeface="맑은 고딕" panose="020B0503020000020004" pitchFamily="50" charset="-127"/>
+                        <a:ea typeface="맑은 고딕" panose="020B0503020000020004" pitchFamily="50" charset="-127"/>
+                      </a:endParaRPr>
+                    </a:p>
+                  </a:txBody>
+                  <a:tcPr marL="6350" marR="6350" marT="6350" marB="0" anchor="ctr"/>
+                </a:tc>
+                <a:tc>
+                  <a:txBody>
+                    <a:bodyPr/>
+                    <a:lstStyle/>
+                    <a:p>
+                      <a:pPr algn="r" fontAlgn="ctr"/>
+                      <a:r>
+                        <a:rPr lang="en-US" altLang="ko-KR" sz="1100" u="none" strike="noStrike">
+                          <a:effectLst/>
+                        </a:rPr>
+                        <a:t>12</a:t>
+                      </a:r>
+                      <a:endParaRPr lang="en-US" altLang="ko-KR" sz="1100" b="0" i="0" u="none" strike="noStrike">
+                        <a:solidFill>
+                          <a:srgbClr val="000000"/>
+                        </a:solidFill>
+                        <a:effectLst/>
+                        <a:latin typeface="맑은 고딕" panose="020B0503020000020004" pitchFamily="50" charset="-127"/>
+                        <a:ea typeface="맑은 고딕" panose="020B0503020000020004" pitchFamily="50" charset="-127"/>
+                      </a:endParaRPr>
+                    </a:p>
+                  </a:txBody>
+                  <a:tcPr marL="6350" marR="6350" marT="6350" marB="0" anchor="ctr"/>
+                </a:tc>
+                <a:tc>
+                  <a:txBody>
+                    <a:bodyPr/>
+                    <a:lstStyle/>
+                    <a:p>
+                      <a:pPr algn="r" fontAlgn="ctr"/>
+                      <a:r>
+                        <a:rPr lang="en-US" altLang="ko-KR" sz="1100" u="none" strike="noStrike">
+                          <a:effectLst/>
+                        </a:rPr>
+                        <a:t>0</a:t>
+                      </a:r>
+                      <a:endParaRPr lang="en-US" altLang="ko-KR" sz="1100" b="0" i="0" u="none" strike="noStrike">
+                        <a:solidFill>
+                          <a:srgbClr val="000000"/>
+                        </a:solidFill>
+                        <a:effectLst/>
+                        <a:latin typeface="맑은 고딕" panose="020B0503020000020004" pitchFamily="50" charset="-127"/>
+                        <a:ea typeface="맑은 고딕" panose="020B0503020000020004" pitchFamily="50" charset="-127"/>
+                      </a:endParaRPr>
+                    </a:p>
+                  </a:txBody>
+                  <a:tcPr marL="6350" marR="6350" marT="6350" marB="0" anchor="ctr"/>
+                </a:tc>
+                <a:tc>
+                  <a:txBody>
+                    <a:bodyPr/>
+                    <a:lstStyle/>
+                    <a:p>
+                      <a:pPr algn="l" fontAlgn="ctr"/>
+                      <a:r>
+                        <a:rPr lang="ko-KR" altLang="en-US" sz="1100" u="none" strike="noStrike">
+                          <a:effectLst/>
+                        </a:rPr>
+                        <a:t>　</a:t>
+                      </a:r>
+                      <a:endParaRPr lang="ko-KR" altLang="en-US" sz="1100" b="0" i="0" u="none" strike="noStrike">
+                        <a:solidFill>
+                          <a:srgbClr val="000000"/>
+                        </a:solidFill>
+                        <a:effectLst/>
+                        <a:latin typeface="맑은 고딕" panose="020B0503020000020004" pitchFamily="50" charset="-127"/>
+                        <a:ea typeface="맑은 고딕" panose="020B0503020000020004" pitchFamily="50" charset="-127"/>
+                      </a:endParaRPr>
+                    </a:p>
+                  </a:txBody>
+                  <a:tcPr marL="6350" marR="6350" marT="6350" marB="0" anchor="ctr"/>
+                </a:tc>
+                <a:extLst>
+                  <a:ext uri="{0D108BD9-81ED-4DB2-BD59-A6C34878D82A}">
+                    <a16:rowId xmlns:a16="http://schemas.microsoft.com/office/drawing/2014/main" val="3778425694"/>
+                  </a:ext>
+                </a:extLst>
+              </a:tr>
+              <a:tr h="215900">
+                <a:tc>
+                  <a:txBody>
+                    <a:bodyPr/>
+                    <a:lstStyle/>
+                    <a:p>
+                      <a:pPr algn="r" fontAlgn="ctr"/>
+                      <a:r>
+                        <a:rPr lang="en-US" altLang="ko-KR" sz="1100" u="none" strike="noStrike">
+                          <a:effectLst/>
+                        </a:rPr>
+                        <a:t>9</a:t>
+                      </a:r>
+                      <a:endParaRPr lang="en-US" altLang="ko-KR" sz="1100" b="0" i="0" u="none" strike="noStrike">
+                        <a:solidFill>
+                          <a:srgbClr val="000000"/>
+                        </a:solidFill>
+                        <a:effectLst/>
+                        <a:latin typeface="맑은 고딕" panose="020B0503020000020004" pitchFamily="50" charset="-127"/>
+                        <a:ea typeface="맑은 고딕" panose="020B0503020000020004" pitchFamily="50" charset="-127"/>
+                      </a:endParaRPr>
+                    </a:p>
+                  </a:txBody>
+                  <a:tcPr marL="6350" marR="6350" marT="6350" marB="0" anchor="ctr"/>
+                </a:tc>
+                <a:tc>
+                  <a:txBody>
+                    <a:bodyPr/>
+                    <a:lstStyle/>
+                    <a:p>
+                      <a:pPr algn="r" fontAlgn="ctr"/>
+                      <a:r>
+                        <a:rPr lang="en-US" altLang="ko-KR" sz="1100" u="none" strike="noStrike">
+                          <a:effectLst/>
+                        </a:rPr>
+                        <a:t>12</a:t>
+                      </a:r>
+                      <a:endParaRPr lang="en-US" altLang="ko-KR" sz="1100" b="0" i="0" u="none" strike="noStrike">
+                        <a:solidFill>
+                          <a:srgbClr val="000000"/>
+                        </a:solidFill>
+                        <a:effectLst/>
+                        <a:latin typeface="맑은 고딕" panose="020B0503020000020004" pitchFamily="50" charset="-127"/>
+                        <a:ea typeface="맑은 고딕" panose="020B0503020000020004" pitchFamily="50" charset="-127"/>
+                      </a:endParaRPr>
+                    </a:p>
+                  </a:txBody>
+                  <a:tcPr marL="6350" marR="6350" marT="6350" marB="0" anchor="ctr"/>
+                </a:tc>
+                <a:tc>
+                  <a:txBody>
+                    <a:bodyPr/>
+                    <a:lstStyle/>
+                    <a:p>
+                      <a:pPr algn="r" fontAlgn="ctr"/>
+                      <a:r>
+                        <a:rPr lang="en-US" altLang="ko-KR" sz="1100" u="none" strike="noStrike">
+                          <a:effectLst/>
+                        </a:rPr>
+                        <a:t>0</a:t>
+                      </a:r>
+                      <a:endParaRPr lang="en-US" altLang="ko-KR" sz="1100" b="0" i="0" u="none" strike="noStrike">
+                        <a:solidFill>
+                          <a:srgbClr val="000000"/>
+                        </a:solidFill>
+                        <a:effectLst/>
+                        <a:latin typeface="맑은 고딕" panose="020B0503020000020004" pitchFamily="50" charset="-127"/>
+                        <a:ea typeface="맑은 고딕" panose="020B0503020000020004" pitchFamily="50" charset="-127"/>
+                      </a:endParaRPr>
+                    </a:p>
+                  </a:txBody>
+                  <a:tcPr marL="6350" marR="6350" marT="6350" marB="0" anchor="ctr"/>
+                </a:tc>
+                <a:tc>
+                  <a:txBody>
+                    <a:bodyPr/>
+                    <a:lstStyle/>
+                    <a:p>
+                      <a:pPr algn="l" fontAlgn="ctr"/>
+                      <a:r>
+                        <a:rPr lang="ko-KR" altLang="en-US" sz="1100" u="none" strike="noStrike">
+                          <a:effectLst/>
+                        </a:rPr>
+                        <a:t>　</a:t>
+                      </a:r>
+                      <a:endParaRPr lang="ko-KR" altLang="en-US" sz="1100" b="0" i="0" u="none" strike="noStrike">
+                        <a:solidFill>
+                          <a:srgbClr val="000000"/>
+                        </a:solidFill>
+                        <a:effectLst/>
+                        <a:latin typeface="맑은 고딕" panose="020B0503020000020004" pitchFamily="50" charset="-127"/>
+                        <a:ea typeface="맑은 고딕" panose="020B0503020000020004" pitchFamily="50" charset="-127"/>
+                      </a:endParaRPr>
+                    </a:p>
+                  </a:txBody>
+                  <a:tcPr marL="6350" marR="6350" marT="6350" marB="0" anchor="ctr"/>
+                </a:tc>
+                <a:extLst>
+                  <a:ext uri="{0D108BD9-81ED-4DB2-BD59-A6C34878D82A}">
+                    <a16:rowId xmlns:a16="http://schemas.microsoft.com/office/drawing/2014/main" val="1048332622"/>
+                  </a:ext>
+                </a:extLst>
+              </a:tr>
+              <a:tr h="215900">
+                <a:tc>
+                  <a:txBody>
+                    <a:bodyPr/>
+                    <a:lstStyle/>
+                    <a:p>
+                      <a:pPr algn="r" fontAlgn="ctr"/>
+                      <a:r>
+                        <a:rPr lang="en-US" altLang="ko-KR" sz="1100" u="none" strike="noStrike">
+                          <a:effectLst/>
+                        </a:rPr>
+                        <a:t>10</a:t>
+                      </a:r>
+                      <a:endParaRPr lang="en-US" altLang="ko-KR" sz="1100" b="0" i="0" u="none" strike="noStrike">
+                        <a:solidFill>
+                          <a:srgbClr val="000000"/>
+                        </a:solidFill>
+                        <a:effectLst/>
+                        <a:latin typeface="맑은 고딕" panose="020B0503020000020004" pitchFamily="50" charset="-127"/>
+                        <a:ea typeface="맑은 고딕" panose="020B0503020000020004" pitchFamily="50" charset="-127"/>
+                      </a:endParaRPr>
+                    </a:p>
+                  </a:txBody>
+                  <a:tcPr marL="6350" marR="6350" marT="6350" marB="0" anchor="ctr"/>
+                </a:tc>
+                <a:tc>
+                  <a:txBody>
+                    <a:bodyPr/>
+                    <a:lstStyle/>
+                    <a:p>
+                      <a:pPr algn="r" fontAlgn="ctr"/>
+                      <a:r>
+                        <a:rPr lang="en-US" altLang="ko-KR" sz="1100" u="none" strike="noStrike">
+                          <a:effectLst/>
+                        </a:rPr>
+                        <a:t>3</a:t>
+                      </a:r>
+                      <a:endParaRPr lang="en-US" altLang="ko-KR" sz="1100" b="0" i="0" u="none" strike="noStrike">
+                        <a:solidFill>
+                          <a:srgbClr val="000000"/>
+                        </a:solidFill>
+                        <a:effectLst/>
+                        <a:latin typeface="맑은 고딕" panose="020B0503020000020004" pitchFamily="50" charset="-127"/>
+                        <a:ea typeface="맑은 고딕" panose="020B0503020000020004" pitchFamily="50" charset="-127"/>
+                      </a:endParaRPr>
+                    </a:p>
+                  </a:txBody>
+                  <a:tcPr marL="6350" marR="6350" marT="6350" marB="0" anchor="ctr"/>
+                </a:tc>
+                <a:tc>
+                  <a:txBody>
+                    <a:bodyPr/>
+                    <a:lstStyle/>
+                    <a:p>
+                      <a:pPr algn="r" fontAlgn="ctr"/>
+                      <a:r>
+                        <a:rPr lang="en-US" altLang="ko-KR" sz="1100" u="none" strike="noStrike">
+                          <a:effectLst/>
+                        </a:rPr>
+                        <a:t>3</a:t>
+                      </a:r>
+                      <a:endParaRPr lang="en-US" altLang="ko-KR" sz="1100" b="0" i="0" u="none" strike="noStrike">
+                        <a:solidFill>
+                          <a:srgbClr val="000000"/>
+                        </a:solidFill>
+                        <a:effectLst/>
+                        <a:latin typeface="맑은 고딕" panose="020B0503020000020004" pitchFamily="50" charset="-127"/>
+                        <a:ea typeface="맑은 고딕" panose="020B0503020000020004" pitchFamily="50" charset="-127"/>
+                      </a:endParaRPr>
+                    </a:p>
+                  </a:txBody>
+                  <a:tcPr marL="6350" marR="6350" marT="6350" marB="0" anchor="ctr"/>
+                </a:tc>
+                <a:tc>
+                  <a:txBody>
+                    <a:bodyPr/>
+                    <a:lstStyle/>
+                    <a:p>
+                      <a:pPr algn="l" fontAlgn="ctr"/>
+                      <a:r>
+                        <a:rPr lang="ko-KR" altLang="en-US" sz="1100" u="none" strike="noStrike">
+                          <a:effectLst/>
+                        </a:rPr>
+                        <a:t>　</a:t>
+                      </a:r>
+                      <a:endParaRPr lang="ko-KR" altLang="en-US" sz="1100" b="0" i="0" u="none" strike="noStrike">
+                        <a:solidFill>
+                          <a:srgbClr val="000000"/>
+                        </a:solidFill>
+                        <a:effectLst/>
+                        <a:latin typeface="맑은 고딕" panose="020B0503020000020004" pitchFamily="50" charset="-127"/>
+                        <a:ea typeface="맑은 고딕" panose="020B0503020000020004" pitchFamily="50" charset="-127"/>
+                      </a:endParaRPr>
+                    </a:p>
+                  </a:txBody>
+                  <a:tcPr marL="6350" marR="6350" marT="6350" marB="0" anchor="ctr"/>
+                </a:tc>
+                <a:extLst>
+                  <a:ext uri="{0D108BD9-81ED-4DB2-BD59-A6C34878D82A}">
+                    <a16:rowId xmlns:a16="http://schemas.microsoft.com/office/drawing/2014/main" val="1248894956"/>
+                  </a:ext>
+                </a:extLst>
+              </a:tr>
+              <a:tr h="215900">
+                <a:tc>
+                  <a:txBody>
+                    <a:bodyPr/>
+                    <a:lstStyle/>
+                    <a:p>
+                      <a:pPr algn="r" fontAlgn="ctr"/>
+                      <a:r>
+                        <a:rPr lang="en-US" altLang="ko-KR" sz="1100" u="none" strike="noStrike">
+                          <a:effectLst/>
+                        </a:rPr>
+                        <a:t>11</a:t>
+                      </a:r>
+                      <a:endParaRPr lang="en-US" altLang="ko-KR" sz="1100" b="0" i="0" u="none" strike="noStrike">
+                        <a:solidFill>
+                          <a:srgbClr val="000000"/>
+                        </a:solidFill>
+                        <a:effectLst/>
+                        <a:latin typeface="맑은 고딕" panose="020B0503020000020004" pitchFamily="50" charset="-127"/>
+                        <a:ea typeface="맑은 고딕" panose="020B0503020000020004" pitchFamily="50" charset="-127"/>
+                      </a:endParaRPr>
+                    </a:p>
+                  </a:txBody>
+                  <a:tcPr marL="6350" marR="6350" marT="6350" marB="0" anchor="ctr"/>
+                </a:tc>
+                <a:tc>
+                  <a:txBody>
+                    <a:bodyPr/>
+                    <a:lstStyle/>
+                    <a:p>
+                      <a:pPr algn="r" fontAlgn="ctr"/>
+                      <a:r>
+                        <a:rPr lang="en-US" altLang="ko-KR" sz="1100" u="none" strike="noStrike">
+                          <a:effectLst/>
+                        </a:rPr>
+                        <a:t>11</a:t>
+                      </a:r>
+                      <a:endParaRPr lang="en-US" altLang="ko-KR" sz="1100" b="0" i="0" u="none" strike="noStrike">
+                        <a:solidFill>
+                          <a:srgbClr val="000000"/>
+                        </a:solidFill>
+                        <a:effectLst/>
+                        <a:latin typeface="맑은 고딕" panose="020B0503020000020004" pitchFamily="50" charset="-127"/>
+                        <a:ea typeface="맑은 고딕" panose="020B0503020000020004" pitchFamily="50" charset="-127"/>
+                      </a:endParaRPr>
+                    </a:p>
+                  </a:txBody>
+                  <a:tcPr marL="6350" marR="6350" marT="6350" marB="0" anchor="ctr"/>
+                </a:tc>
+                <a:tc>
+                  <a:txBody>
+                    <a:bodyPr/>
+                    <a:lstStyle/>
+                    <a:p>
+                      <a:pPr algn="r" fontAlgn="ctr"/>
+                      <a:r>
+                        <a:rPr lang="en-US" altLang="ko-KR" sz="1100" u="none" strike="noStrike">
+                          <a:effectLst/>
+                        </a:rPr>
+                        <a:t>3</a:t>
+                      </a:r>
+                      <a:endParaRPr lang="en-US" altLang="ko-KR" sz="1100" b="0" i="0" u="none" strike="noStrike">
+                        <a:solidFill>
+                          <a:srgbClr val="000000"/>
+                        </a:solidFill>
+                        <a:effectLst/>
+                        <a:latin typeface="맑은 고딕" panose="020B0503020000020004" pitchFamily="50" charset="-127"/>
+                        <a:ea typeface="맑은 고딕" panose="020B0503020000020004" pitchFamily="50" charset="-127"/>
+                      </a:endParaRPr>
+                    </a:p>
+                  </a:txBody>
+                  <a:tcPr marL="6350" marR="6350" marT="6350" marB="0" anchor="ctr"/>
+                </a:tc>
+                <a:tc>
+                  <a:txBody>
+                    <a:bodyPr/>
+                    <a:lstStyle/>
+                    <a:p>
+                      <a:pPr algn="l" fontAlgn="ctr"/>
+                      <a:r>
+                        <a:rPr lang="ko-KR" altLang="en-US" sz="1100" u="none" strike="noStrike" dirty="0">
+                          <a:effectLst/>
+                        </a:rPr>
+                        <a:t>　</a:t>
+                      </a:r>
+                      <a:endParaRPr lang="ko-KR" altLang="en-US" sz="1100" b="0" i="0" u="none" strike="noStrike" dirty="0">
+                        <a:solidFill>
+                          <a:srgbClr val="000000"/>
+                        </a:solidFill>
+                        <a:effectLst/>
+                        <a:latin typeface="맑은 고딕" panose="020B0503020000020004" pitchFamily="50" charset="-127"/>
+                        <a:ea typeface="맑은 고딕" panose="020B0503020000020004" pitchFamily="50" charset="-127"/>
+                      </a:endParaRPr>
+                    </a:p>
+                  </a:txBody>
+                  <a:tcPr marL="6350" marR="6350" marT="6350" marB="0" anchor="ctr"/>
+                </a:tc>
+                <a:extLst>
+                  <a:ext uri="{0D108BD9-81ED-4DB2-BD59-A6C34878D82A}">
+                    <a16:rowId xmlns:a16="http://schemas.microsoft.com/office/drawing/2014/main" val="92391519"/>
+                  </a:ext>
+                </a:extLst>
+              </a:tr>
+              <a:tr h="215900">
+                <a:tc>
+                  <a:txBody>
+                    <a:bodyPr/>
+                    <a:lstStyle/>
+                    <a:p>
+                      <a:pPr algn="r" fontAlgn="ctr"/>
+                      <a:r>
+                        <a:rPr lang="en-US" altLang="ko-KR" sz="1100" u="none" strike="noStrike">
+                          <a:effectLst/>
+                        </a:rPr>
+                        <a:t>12</a:t>
+                      </a:r>
+                      <a:endParaRPr lang="en-US" altLang="ko-KR" sz="1100" b="0" i="0" u="none" strike="noStrike">
+                        <a:solidFill>
+                          <a:srgbClr val="000000"/>
+                        </a:solidFill>
+                        <a:effectLst/>
+                        <a:latin typeface="맑은 고딕" panose="020B0503020000020004" pitchFamily="50" charset="-127"/>
+                        <a:ea typeface="맑은 고딕" panose="020B0503020000020004" pitchFamily="50" charset="-127"/>
+                      </a:endParaRPr>
+                    </a:p>
+                  </a:txBody>
+                  <a:tcPr marL="6350" marR="6350" marT="6350" marB="0" anchor="ctr"/>
+                </a:tc>
+                <a:tc>
+                  <a:txBody>
+                    <a:bodyPr/>
+                    <a:lstStyle/>
+                    <a:p>
+                      <a:pPr algn="r" fontAlgn="ctr"/>
+                      <a:r>
+                        <a:rPr lang="en-US" altLang="ko-KR" sz="1100" u="none" strike="noStrike">
+                          <a:effectLst/>
+                        </a:rPr>
+                        <a:t>5</a:t>
+                      </a:r>
+                      <a:endParaRPr lang="en-US" altLang="ko-KR" sz="1100" b="0" i="0" u="none" strike="noStrike">
+                        <a:solidFill>
+                          <a:srgbClr val="000000"/>
+                        </a:solidFill>
+                        <a:effectLst/>
+                        <a:latin typeface="맑은 고딕" panose="020B0503020000020004" pitchFamily="50" charset="-127"/>
+                        <a:ea typeface="맑은 고딕" panose="020B0503020000020004" pitchFamily="50" charset="-127"/>
+                      </a:endParaRPr>
+                    </a:p>
+                  </a:txBody>
+                  <a:tcPr marL="6350" marR="6350" marT="6350" marB="0" anchor="ctr"/>
+                </a:tc>
+                <a:tc>
+                  <a:txBody>
+                    <a:bodyPr/>
+                    <a:lstStyle/>
+                    <a:p>
+                      <a:pPr algn="r" fontAlgn="ctr"/>
+                      <a:r>
+                        <a:rPr lang="en-US" altLang="ko-KR" sz="1100" u="none" strike="noStrike">
+                          <a:effectLst/>
+                        </a:rPr>
+                        <a:t>1</a:t>
+                      </a:r>
+                      <a:endParaRPr lang="en-US" altLang="ko-KR" sz="1100" b="0" i="0" u="none" strike="noStrike">
+                        <a:solidFill>
+                          <a:srgbClr val="000000"/>
+                        </a:solidFill>
+                        <a:effectLst/>
+                        <a:latin typeface="맑은 고딕" panose="020B0503020000020004" pitchFamily="50" charset="-127"/>
+                        <a:ea typeface="맑은 고딕" panose="020B0503020000020004" pitchFamily="50" charset="-127"/>
+                      </a:endParaRPr>
+                    </a:p>
+                  </a:txBody>
+                  <a:tcPr marL="6350" marR="6350" marT="6350" marB="0" anchor="ctr"/>
+                </a:tc>
+                <a:tc>
+                  <a:txBody>
+                    <a:bodyPr/>
+                    <a:lstStyle/>
+                    <a:p>
+                      <a:pPr algn="l" fontAlgn="ctr"/>
+                      <a:r>
+                        <a:rPr lang="ko-KR" altLang="en-US" sz="1100" u="none" strike="noStrike">
+                          <a:effectLst/>
+                        </a:rPr>
+                        <a:t>　</a:t>
+                      </a:r>
+                      <a:endParaRPr lang="ko-KR" altLang="en-US" sz="1100" b="0" i="0" u="none" strike="noStrike">
+                        <a:solidFill>
+                          <a:srgbClr val="000000"/>
+                        </a:solidFill>
+                        <a:effectLst/>
+                        <a:latin typeface="맑은 고딕" panose="020B0503020000020004" pitchFamily="50" charset="-127"/>
+                        <a:ea typeface="맑은 고딕" panose="020B0503020000020004" pitchFamily="50" charset="-127"/>
+                      </a:endParaRPr>
+                    </a:p>
+                  </a:txBody>
+                  <a:tcPr marL="6350" marR="6350" marT="6350" marB="0" anchor="ctr"/>
+                </a:tc>
+                <a:extLst>
+                  <a:ext uri="{0D108BD9-81ED-4DB2-BD59-A6C34878D82A}">
+                    <a16:rowId xmlns:a16="http://schemas.microsoft.com/office/drawing/2014/main" val="3688144972"/>
+                  </a:ext>
+                </a:extLst>
+              </a:tr>
+              <a:tr h="222250">
+                <a:tc>
+                  <a:txBody>
+                    <a:bodyPr/>
+                    <a:lstStyle/>
+                    <a:p>
+                      <a:pPr algn="r" fontAlgn="ctr"/>
+                      <a:r>
+                        <a:rPr lang="en-US" altLang="ko-KR" sz="1100" u="none" strike="noStrike">
+                          <a:effectLst/>
+                        </a:rPr>
+                        <a:t>13</a:t>
+                      </a:r>
+                      <a:endParaRPr lang="en-US" altLang="ko-KR" sz="1100" b="0" i="0" u="none" strike="noStrike">
+                        <a:solidFill>
+                          <a:srgbClr val="000000"/>
+                        </a:solidFill>
+                        <a:effectLst/>
+                        <a:latin typeface="맑은 고딕" panose="020B0503020000020004" pitchFamily="50" charset="-127"/>
+                        <a:ea typeface="맑은 고딕" panose="020B0503020000020004" pitchFamily="50" charset="-127"/>
+                      </a:endParaRPr>
+                    </a:p>
+                  </a:txBody>
+                  <a:tcPr marL="6350" marR="6350" marT="6350" marB="0" anchor="ctr"/>
+                </a:tc>
+                <a:tc>
+                  <a:txBody>
+                    <a:bodyPr/>
+                    <a:lstStyle/>
+                    <a:p>
+                      <a:pPr algn="r" fontAlgn="ctr"/>
+                      <a:r>
+                        <a:rPr lang="en-US" altLang="ko-KR" sz="1100" u="none" strike="noStrike">
+                          <a:effectLst/>
+                        </a:rPr>
+                        <a:t>5</a:t>
+                      </a:r>
+                      <a:endParaRPr lang="en-US" altLang="ko-KR" sz="1100" b="0" i="0" u="none" strike="noStrike">
+                        <a:solidFill>
+                          <a:srgbClr val="000000"/>
+                        </a:solidFill>
+                        <a:effectLst/>
+                        <a:latin typeface="맑은 고딕" panose="020B0503020000020004" pitchFamily="50" charset="-127"/>
+                        <a:ea typeface="맑은 고딕" panose="020B0503020000020004" pitchFamily="50" charset="-127"/>
+                      </a:endParaRPr>
+                    </a:p>
+                  </a:txBody>
+                  <a:tcPr marL="6350" marR="6350" marT="6350" marB="0" anchor="ctr"/>
+                </a:tc>
+                <a:tc>
+                  <a:txBody>
+                    <a:bodyPr/>
+                    <a:lstStyle/>
+                    <a:p>
+                      <a:pPr algn="r" fontAlgn="ctr"/>
+                      <a:r>
+                        <a:rPr lang="en-US" altLang="ko-KR" sz="1100" u="none" strike="noStrike">
+                          <a:effectLst/>
+                        </a:rPr>
+                        <a:t>1</a:t>
+                      </a:r>
+                      <a:endParaRPr lang="en-US" altLang="ko-KR" sz="1100" b="0" i="0" u="none" strike="noStrike">
+                        <a:solidFill>
+                          <a:srgbClr val="000000"/>
+                        </a:solidFill>
+                        <a:effectLst/>
+                        <a:latin typeface="맑은 고딕" panose="020B0503020000020004" pitchFamily="50" charset="-127"/>
+                        <a:ea typeface="맑은 고딕" panose="020B0503020000020004" pitchFamily="50" charset="-127"/>
+                      </a:endParaRPr>
+                    </a:p>
+                  </a:txBody>
+                  <a:tcPr marL="6350" marR="6350" marT="6350" marB="0" anchor="ctr"/>
+                </a:tc>
+                <a:tc>
+                  <a:txBody>
+                    <a:bodyPr/>
+                    <a:lstStyle/>
+                    <a:p>
+                      <a:pPr algn="l" fontAlgn="ctr"/>
+                      <a:r>
+                        <a:rPr lang="ko-KR" altLang="en-US" sz="1100" u="none" strike="noStrike" dirty="0">
+                          <a:effectLst/>
+                        </a:rPr>
+                        <a:t>　</a:t>
+                      </a:r>
+                      <a:endParaRPr lang="ko-KR" altLang="en-US" sz="1100" b="0" i="0" u="none" strike="noStrike" dirty="0">
+                        <a:solidFill>
+                          <a:srgbClr val="000000"/>
+                        </a:solidFill>
+                        <a:effectLst/>
+                        <a:latin typeface="맑은 고딕" panose="020B0503020000020004" pitchFamily="50" charset="-127"/>
+                        <a:ea typeface="맑은 고딕" panose="020B0503020000020004" pitchFamily="50" charset="-127"/>
+                      </a:endParaRPr>
+                    </a:p>
+                  </a:txBody>
+                  <a:tcPr marL="6350" marR="6350" marT="6350" marB="0" anchor="ctr"/>
+                </a:tc>
+                <a:extLst>
+                  <a:ext uri="{0D108BD9-81ED-4DB2-BD59-A6C34878D82A}">
+                    <a16:rowId xmlns:a16="http://schemas.microsoft.com/office/drawing/2014/main" val="2241327980"/>
+                  </a:ext>
+                </a:extLst>
+              </a:tr>
+            </a:tbl>
+          </a:graphicData>
+        </a:graphic>
+      </p:graphicFrame>
     </p:spTree>
     <p:extLst>
       <p:ext uri="{BB962C8B-B14F-4D97-AF65-F5344CB8AC3E}">
@@ -6390,177 +8028,6 @@
 </file>
 
 <file path=ppt/slides/slide16.xml><?xml version="1.0" encoding="utf-8"?>
-<p:sld xmlns:a="http://schemas.openxmlformats.org/drawingml/2006/main" xmlns:r="http://schemas.openxmlformats.org/officeDocument/2006/relationships" xmlns:p="http://schemas.openxmlformats.org/presentationml/2006/main">
-  <p:cSld>
-    <p:spTree>
-      <p:nvGrpSpPr>
-        <p:cNvPr id="1" name=""/>
-        <p:cNvGrpSpPr/>
-        <p:nvPr/>
-      </p:nvGrpSpPr>
-      <p:grpSpPr>
-        <a:xfrm>
-          <a:off x="0" y="0"/>
-          <a:ext cx="0" cy="0"/>
-          <a:chOff x="0" y="0"/>
-          <a:chExt cx="0" cy="0"/>
-        </a:xfrm>
-      </p:grpSpPr>
-      <p:sp>
-        <p:nvSpPr>
-          <p:cNvPr id="4" name="TextBox 3">
-            <a:extLst>
-              <a:ext uri="{FF2B5EF4-FFF2-40B4-BE49-F238E27FC236}">
-                <a16:creationId xmlns:a16="http://schemas.microsoft.com/office/drawing/2014/main" id="{B2CC801F-6CAB-4E55-88BB-022194A88274}"/>
-              </a:ext>
-            </a:extLst>
-          </p:cNvPr>
-          <p:cNvSpPr txBox="1"/>
-          <p:nvPr/>
-        </p:nvSpPr>
-        <p:spPr>
-          <a:xfrm>
-            <a:off x="1332412" y="566727"/>
-            <a:ext cx="7715795" cy="646331"/>
-          </a:xfrm>
-          <a:prstGeom prst="rect">
-            <a:avLst/>
-          </a:prstGeom>
-          <a:noFill/>
-        </p:spPr>
-        <p:txBody>
-          <a:bodyPr wrap="square" rtlCol="0">
-            <a:spAutoFit/>
-          </a:bodyPr>
-          <a:lstStyle/>
-          <a:p>
-            <a:r>
-              <a:rPr lang="en-US" altLang="ko-KR" dirty="0">
-                <a:latin typeface="한컴 윤고딕 250" panose="02020603020101020101" pitchFamily="18" charset="-127"/>
-                <a:ea typeface="한컴 윤고딕 250" panose="02020603020101020101" pitchFamily="18" charset="-127"/>
-              </a:rPr>
-              <a:t>How to solve?</a:t>
-            </a:r>
-          </a:p>
-          <a:p>
-            <a:endParaRPr lang="en-US" altLang="ko-KR" dirty="0">
-              <a:latin typeface="한컴 윤고딕 250" panose="02020603020101020101" pitchFamily="18" charset="-127"/>
-              <a:ea typeface="한컴 윤고딕 250" panose="02020603020101020101" pitchFamily="18" charset="-127"/>
-            </a:endParaRPr>
-          </a:p>
-        </p:txBody>
-      </p:sp>
-      <p:sp>
-        <p:nvSpPr>
-          <p:cNvPr id="3" name="TextBox 2">
-            <a:extLst>
-              <a:ext uri="{FF2B5EF4-FFF2-40B4-BE49-F238E27FC236}">
-                <a16:creationId xmlns:a16="http://schemas.microsoft.com/office/drawing/2014/main" id="{5645C1BE-CAD2-46D4-BA4F-7B53F74796D0}"/>
-              </a:ext>
-            </a:extLst>
-          </p:cNvPr>
-          <p:cNvSpPr txBox="1"/>
-          <p:nvPr/>
-        </p:nvSpPr>
-        <p:spPr>
-          <a:xfrm>
-            <a:off x="1959429" y="2220686"/>
-            <a:ext cx="6782637" cy="369332"/>
-          </a:xfrm>
-          <a:prstGeom prst="rect">
-            <a:avLst/>
-          </a:prstGeom>
-          <a:noFill/>
-        </p:spPr>
-        <p:txBody>
-          <a:bodyPr wrap="square" rtlCol="0">
-            <a:spAutoFit/>
-          </a:bodyPr>
-          <a:lstStyle/>
-          <a:p>
-            <a:endParaRPr lang="ko-KR" altLang="en-US" dirty="0"/>
-          </a:p>
-        </p:txBody>
-      </p:sp>
-      <p:sp>
-        <p:nvSpPr>
-          <p:cNvPr id="2" name="직사각형 1">
-            <a:extLst>
-              <a:ext uri="{FF2B5EF4-FFF2-40B4-BE49-F238E27FC236}">
-                <a16:creationId xmlns:a16="http://schemas.microsoft.com/office/drawing/2014/main" id="{3D7E8F96-DEC1-4F82-8732-7CA42B1C0D3E}"/>
-              </a:ext>
-            </a:extLst>
-          </p:cNvPr>
-          <p:cNvSpPr/>
-          <p:nvPr/>
-        </p:nvSpPr>
-        <p:spPr>
-          <a:xfrm>
-            <a:off x="1332412" y="1451001"/>
-            <a:ext cx="8765178" cy="646331"/>
-          </a:xfrm>
-          <a:prstGeom prst="rect">
-            <a:avLst/>
-          </a:prstGeom>
-        </p:spPr>
-        <p:txBody>
-          <a:bodyPr wrap="square">
-            <a:spAutoFit/>
-          </a:bodyPr>
-          <a:lstStyle/>
-          <a:p>
-            <a:r>
-              <a:rPr lang="ko-KR" altLang="en-US" dirty="0"/>
-              <a:t>오늘의 문제</a:t>
-            </a:r>
-            <a:r>
-              <a:rPr lang="en-US" altLang="ko-KR" dirty="0"/>
-              <a:t>!</a:t>
-            </a:r>
-          </a:p>
-          <a:p>
-            <a:r>
-              <a:rPr lang="ko-KR" altLang="en-US" dirty="0"/>
-              <a:t>한글로 </a:t>
-            </a:r>
-            <a:r>
-              <a:rPr lang="ko-KR" altLang="en-US" dirty="0" err="1"/>
-              <a:t>적을경우</a:t>
-            </a:r>
-            <a:r>
-              <a:rPr lang="ko-KR" altLang="en-US" dirty="0"/>
-              <a:t> </a:t>
-            </a:r>
-            <a:r>
-              <a:rPr lang="en-US" altLang="ko-KR" dirty="0"/>
-              <a:t>DB</a:t>
-            </a:r>
-            <a:r>
-              <a:rPr lang="ko-KR" altLang="en-US" dirty="0"/>
-              <a:t>에 입력이 안됨</a:t>
-            </a:r>
-            <a:r>
-              <a:rPr lang="en-US" altLang="ko-KR"/>
-              <a:t>..</a:t>
-            </a:r>
-            <a:endParaRPr lang="ko-KR" altLang="en-US" dirty="0"/>
-          </a:p>
-        </p:txBody>
-      </p:sp>
-    </p:spTree>
-    <p:extLst>
-      <p:ext uri="{BB962C8B-B14F-4D97-AF65-F5344CB8AC3E}">
-        <p14:creationId xmlns:p14="http://schemas.microsoft.com/office/powerpoint/2010/main" val="3726456244"/>
-      </p:ext>
-    </p:extLst>
-  </p:cSld>
-  <p:clrMapOvr>
-    <a:masterClrMapping/>
-  </p:clrMapOvr>
-</p:sld>
-</file>
-
-<file path=ppt/slides/slide17.xml><?xml version="1.0" encoding="utf-8"?>
 <p:sld xmlns:a="http://schemas.openxmlformats.org/drawingml/2006/main" xmlns:r="http://schemas.openxmlformats.org/officeDocument/2006/relationships" xmlns:p="http://schemas.openxmlformats.org/presentationml/2006/main">
   <p:cSld>
     <p:spTree>
@@ -7626,12 +9093,12 @@
                     <a:p>
                       <a:pPr algn="r" fontAlgn="ctr"/>
                       <a:r>
-                        <a:rPr lang="en-US" altLang="ko-KR" sz="1100" u="none" strike="noStrike">
+                        <a:rPr lang="en-US" altLang="ko-KR" sz="1100" u="none" strike="noStrike" dirty="0">
                           <a:effectLst/>
                         </a:rPr>
                         <a:t>13</a:t>
                       </a:r>
-                      <a:endParaRPr lang="en-US" altLang="ko-KR" sz="1100" b="0" i="0" u="none" strike="noStrike">
+                      <a:endParaRPr lang="en-US" altLang="ko-KR" sz="1100" b="0" i="0" u="none" strike="noStrike" dirty="0">
                         <a:solidFill>
                           <a:srgbClr val="000000"/>
                         </a:solidFill>
@@ -8772,7 +10239,7 @@
 </p:sld>
 </file>
 
-<file path=ppt/slides/slide18.xml><?xml version="1.0" encoding="utf-8"?>
+<file path=ppt/slides/slide17.xml><?xml version="1.0" encoding="utf-8"?>
 <p:sld xmlns:a="http://schemas.openxmlformats.org/drawingml/2006/main" xmlns:r="http://schemas.openxmlformats.org/officeDocument/2006/relationships" xmlns:p="http://schemas.openxmlformats.org/presentationml/2006/main">
   <p:cSld>
     <p:spTree>
@@ -9182,7 +10649,7 @@
 </p:sld>
 </file>
 
-<file path=ppt/slides/slide19.xml><?xml version="1.0" encoding="utf-8"?>
+<file path=ppt/slides/slide18.xml><?xml version="1.0" encoding="utf-8"?>
 <p:sld xmlns:a="http://schemas.openxmlformats.org/drawingml/2006/main" xmlns:r="http://schemas.openxmlformats.org/officeDocument/2006/relationships" xmlns:p="http://schemas.openxmlformats.org/presentationml/2006/main">
   <p:cSld>
     <p:spTree>
@@ -9213,8 +10680,8 @@
         </p:nvSpPr>
         <p:spPr>
           <a:xfrm>
-            <a:off x="1412798" y="627017"/>
-            <a:ext cx="7715795" cy="1477328"/>
+            <a:off x="1465049" y="5172892"/>
+            <a:ext cx="7715795" cy="769441"/>
           </a:xfrm>
           <a:prstGeom prst="rect">
             <a:avLst/>
@@ -9228,42 +10695,19 @@
           <a:lstStyle/>
           <a:p>
             <a:r>
-              <a:rPr lang="en-US" altLang="ko-KR" dirty="0"/>
-              <a:t>**</a:t>
-            </a:r>
-            <a:r>
-              <a:rPr lang="ko-KR" altLang="en-US" dirty="0"/>
-              <a:t>정렬 알고리즘</a:t>
-            </a:r>
-            <a:endParaRPr lang="en-US" altLang="ko-KR" dirty="0"/>
-          </a:p>
-          <a:p>
-            <a:endParaRPr lang="en-US" altLang="ko-KR" dirty="0"/>
-          </a:p>
-          <a:p>
-            <a:r>
-              <a:rPr lang="en-US" altLang="ko-KR" dirty="0"/>
-              <a:t>-</a:t>
-            </a:r>
-            <a:r>
-              <a:rPr lang="ko-KR" altLang="en-US" dirty="0"/>
-              <a:t>시각적으로 보여줄 수 있는 방법</a:t>
-            </a:r>
-            <a:endParaRPr lang="en-US" altLang="ko-KR" dirty="0"/>
-          </a:p>
-          <a:p>
-            <a:endParaRPr lang="en-US" altLang="ko-KR" dirty="0"/>
-          </a:p>
-          <a:p>
-            <a:r>
-              <a:rPr lang="en-US" altLang="ko-KR" dirty="0"/>
-              <a:t>Ex) 1</a:t>
-            </a:r>
-            <a:r>
-              <a:rPr lang="ko-KR" altLang="en-US"/>
-              <a:t>조에는 </a:t>
-            </a:r>
-            <a:endParaRPr lang="en-US" altLang="ko-KR" dirty="0"/>
+              <a:rPr lang="ko-KR" altLang="en-US" sz="4400" b="1" dirty="0">
+                <a:latin typeface="한컴 윤고딕 230" panose="02020603020101020101" pitchFamily="18" charset="-127"/>
+                <a:ea typeface="한컴 윤고딕 230" panose="02020603020101020101" pitchFamily="18" charset="-127"/>
+              </a:rPr>
+              <a:t>진행중입니다</a:t>
+            </a:r>
+            <a:r>
+              <a:rPr lang="en-US" altLang="ko-KR" sz="4400" b="1" dirty="0">
+                <a:latin typeface="한컴 윤고딕 230" panose="02020603020101020101" pitchFamily="18" charset="-127"/>
+                <a:ea typeface="한컴 윤고딕 230" panose="02020603020101020101" pitchFamily="18" charset="-127"/>
+              </a:rPr>
+              <a:t>…</a:t>
+            </a:r>
           </a:p>
         </p:txBody>
       </p:sp>
